--- a/CAP_106_Research_Env/EDA_Report/New Microsoft PowerPoint Presentation.pptx
+++ b/CAP_106_Research_Env/EDA_Report/New Microsoft PowerPoint Presentation.pptx
@@ -5,14 +5,21 @@
     <p:sldMasterId id="2147483648" r:id="rId1"/>
   </p:sldMasterIdLst>
   <p:notesMasterIdLst>
-    <p:notesMasterId r:id="rId7"/>
+    <p:notesMasterId r:id="rId14"/>
   </p:notesMasterIdLst>
   <p:sldIdLst>
     <p:sldId id="256" r:id="rId2"/>
     <p:sldId id="257" r:id="rId3"/>
     <p:sldId id="258" r:id="rId4"/>
-    <p:sldId id="259" r:id="rId5"/>
-    <p:sldId id="260" r:id="rId6"/>
+    <p:sldId id="266" r:id="rId5"/>
+    <p:sldId id="267" r:id="rId6"/>
+    <p:sldId id="259" r:id="rId7"/>
+    <p:sldId id="260" r:id="rId8"/>
+    <p:sldId id="261" r:id="rId9"/>
+    <p:sldId id="262" r:id="rId10"/>
+    <p:sldId id="263" r:id="rId11"/>
+    <p:sldId id="264" r:id="rId12"/>
+    <p:sldId id="265" r:id="rId13"/>
   </p:sldIdLst>
   <p:sldSz cx="12192000" cy="6858000"/>
   <p:notesSz cx="6858000" cy="9144000"/>
@@ -159,6 +166,14 @@
           </a:p>
         </c:rich>
       </c:tx>
+      <c:layout>
+        <c:manualLayout>
+          <c:xMode val="edge"/>
+          <c:yMode val="edge"/>
+          <c:x val="0.35810777506418912"/>
+          <c:y val="0"/>
+        </c:manualLayout>
+      </c:layout>
       <c:overlay val="0"/>
       <c:spPr>
         <a:noFill/>
@@ -609,6 +624,2168 @@
 </c:chartSpace>
 </file>
 
+<file path=ppt/charts/chart2.xml><?xml version="1.0" encoding="utf-8"?>
+<c:chartSpace xmlns:c="http://schemas.openxmlformats.org/drawingml/2006/chart" xmlns:a="http://schemas.openxmlformats.org/drawingml/2006/main" xmlns:r="http://schemas.openxmlformats.org/officeDocument/2006/relationships" xmlns:c16r2="http://schemas.microsoft.com/office/drawing/2015/06/chart">
+  <c:date1904 val="0"/>
+  <c:lang val="en-US"/>
+  <c:roundedCorners val="0"/>
+  <mc:AlternateContent xmlns:mc="http://schemas.openxmlformats.org/markup-compatibility/2006">
+    <mc:Choice xmlns:c14="http://schemas.microsoft.com/office/drawing/2007/8/2/chart" Requires="c14">
+      <c14:style val="102"/>
+    </mc:Choice>
+    <mc:Fallback>
+      <c:style val="2"/>
+    </mc:Fallback>
+  </mc:AlternateContent>
+  <c:chart>
+    <c:title>
+      <c:tx>
+        <c:rich>
+          <a:bodyPr rot="0" spcFirstLastPara="1" vertOverflow="ellipsis" vert="horz" wrap="square" anchor="ctr" anchorCtr="1"/>
+          <a:lstStyle/>
+          <a:p>
+            <a:pPr>
+              <a:defRPr sz="1862" b="0" i="0" u="none" strike="noStrike" kern="1200" cap="none" spc="20" baseline="0">
+                <a:solidFill>
+                  <a:schemeClr val="tx1">
+                    <a:lumMod val="50000"/>
+                    <a:lumOff val="50000"/>
+                  </a:schemeClr>
+                </a:solidFill>
+                <a:latin typeface="+mn-lt"/>
+                <a:ea typeface="+mn-ea"/>
+                <a:cs typeface="+mn-cs"/>
+              </a:defRPr>
+            </a:pPr>
+            <a:r>
+              <a:rPr lang="en-US" dirty="0"/>
+              <a:t>Naphtha</a:t>
+            </a:r>
+            <a:r>
+              <a:rPr lang="en-US" baseline="0" dirty="0"/>
+              <a:t> Feed Correlation Plot</a:t>
+            </a:r>
+            <a:endParaRPr lang="en-US" dirty="0"/>
+          </a:p>
+        </c:rich>
+      </c:tx>
+      <c:overlay val="0"/>
+      <c:spPr>
+        <a:noFill/>
+        <a:ln>
+          <a:solidFill>
+            <a:schemeClr val="tx1"/>
+          </a:solidFill>
+        </a:ln>
+        <a:effectLst/>
+      </c:spPr>
+      <c:txPr>
+        <a:bodyPr rot="0" spcFirstLastPara="1" vertOverflow="ellipsis" vert="horz" wrap="square" anchor="ctr" anchorCtr="1"/>
+        <a:lstStyle/>
+        <a:p>
+          <a:pPr>
+            <a:defRPr sz="1862" b="0" i="0" u="none" strike="noStrike" kern="1200" cap="none" spc="20" baseline="0">
+              <a:solidFill>
+                <a:schemeClr val="tx1">
+                  <a:lumMod val="50000"/>
+                  <a:lumOff val="50000"/>
+                </a:schemeClr>
+              </a:solidFill>
+              <a:latin typeface="+mn-lt"/>
+              <a:ea typeface="+mn-ea"/>
+              <a:cs typeface="+mn-cs"/>
+            </a:defRPr>
+          </a:pPr>
+          <a:endParaRPr lang="en-US"/>
+        </a:p>
+      </c:txPr>
+    </c:title>
+    <c:autoTitleDeleted val="0"/>
+    <c:plotArea>
+      <c:layout/>
+      <c:barChart>
+        <c:barDir val="col"/>
+        <c:grouping val="clustered"/>
+        <c:varyColors val="0"/>
+        <c:ser>
+          <c:idx val="0"/>
+          <c:order val="0"/>
+          <c:tx>
+            <c:strRef>
+              <c:f>Sheet1!$B$1</c:f>
+              <c:strCache>
+                <c:ptCount val="1"/>
+                <c:pt idx="0">
+                  <c:v>Series 1</c:v>
+                </c:pt>
+              </c:strCache>
+            </c:strRef>
+          </c:tx>
+          <c:spPr>
+            <a:gradFill rotWithShape="1">
+              <a:gsLst>
+                <a:gs pos="0">
+                  <a:schemeClr val="accent1">
+                    <a:lumMod val="110000"/>
+                    <a:satMod val="105000"/>
+                    <a:tint val="67000"/>
+                  </a:schemeClr>
+                </a:gs>
+                <a:gs pos="50000">
+                  <a:schemeClr val="accent1">
+                    <a:lumMod val="105000"/>
+                    <a:satMod val="103000"/>
+                    <a:tint val="73000"/>
+                  </a:schemeClr>
+                </a:gs>
+                <a:gs pos="100000">
+                  <a:schemeClr val="accent1">
+                    <a:lumMod val="105000"/>
+                    <a:satMod val="109000"/>
+                    <a:tint val="81000"/>
+                  </a:schemeClr>
+                </a:gs>
+              </a:gsLst>
+              <a:lin ang="5400000" scaled="0"/>
+            </a:gradFill>
+            <a:ln w="9525" cap="flat" cmpd="sng" algn="ctr">
+              <a:solidFill>
+                <a:schemeClr val="accent1">
+                  <a:shade val="95000"/>
+                </a:schemeClr>
+              </a:solidFill>
+              <a:round/>
+            </a:ln>
+            <a:effectLst/>
+          </c:spPr>
+          <c:invertIfNegative val="0"/>
+          <c:cat>
+            <c:strRef>
+              <c:f>Sheet1!$A$2:$A$8</c:f>
+              <c:strCache>
+                <c:ptCount val="7"/>
+                <c:pt idx="0">
+                  <c:v>NpahthaFeedCoil1</c:v>
+                </c:pt>
+                <c:pt idx="1">
+                  <c:v>NpahthaFeedCoil2</c:v>
+                </c:pt>
+                <c:pt idx="2">
+                  <c:v>NpahthaFeedCoil3</c:v>
+                </c:pt>
+                <c:pt idx="3">
+                  <c:v>NpahthaFeedCoil4</c:v>
+                </c:pt>
+                <c:pt idx="4">
+                  <c:v>NpahthaFeedCoil5</c:v>
+                </c:pt>
+                <c:pt idx="5">
+                  <c:v>NpahthaFeedCoil6</c:v>
+                </c:pt>
+                <c:pt idx="6">
+                  <c:v>Total_Naphtha_Feed</c:v>
+                </c:pt>
+              </c:strCache>
+            </c:strRef>
+          </c:cat>
+          <c:val>
+            <c:numRef>
+              <c:f>Sheet1!$B$2:$B$8</c:f>
+              <c:numCache>
+                <c:formatCode>General</c:formatCode>
+                <c:ptCount val="7"/>
+                <c:pt idx="0">
+                  <c:v>0.97614130029694757</c:v>
+                </c:pt>
+                <c:pt idx="1">
+                  <c:v>0.97614130029694757</c:v>
+                </c:pt>
+                <c:pt idx="2">
+                  <c:v>0.9750464023063492</c:v>
+                </c:pt>
+                <c:pt idx="3">
+                  <c:v>0.95481784985605844</c:v>
+                </c:pt>
+                <c:pt idx="4">
+                  <c:v>0.95817320922268057</c:v>
+                </c:pt>
+                <c:pt idx="5">
+                  <c:v>0.92320148688857007</c:v>
+                </c:pt>
+                <c:pt idx="6">
+                  <c:v>1</c:v>
+                </c:pt>
+              </c:numCache>
+            </c:numRef>
+          </c:val>
+          <c:extLst>
+            <c:ext xmlns:c16="http://schemas.microsoft.com/office/drawing/2014/chart" uri="{C3380CC4-5D6E-409C-BE32-E72D297353CC}">
+              <c16:uniqueId val="{00000000-AE8B-44C3-8670-0BFE3C6E3C9B}"/>
+            </c:ext>
+          </c:extLst>
+        </c:ser>
+        <c:dLbls>
+          <c:showLegendKey val="0"/>
+          <c:showVal val="0"/>
+          <c:showCatName val="0"/>
+          <c:showSerName val="0"/>
+          <c:showPercent val="0"/>
+          <c:showBubbleSize val="0"/>
+        </c:dLbls>
+        <c:gapWidth val="100"/>
+        <c:overlap val="-24"/>
+        <c:axId val="1122707280"/>
+        <c:axId val="1122707696"/>
+      </c:barChart>
+      <c:catAx>
+        <c:axId val="1122707280"/>
+        <c:scaling>
+          <c:orientation val="minMax"/>
+        </c:scaling>
+        <c:delete val="0"/>
+        <c:axPos val="b"/>
+        <c:title>
+          <c:tx>
+            <c:rich>
+              <a:bodyPr rot="0" spcFirstLastPara="1" vertOverflow="ellipsis" vert="horz" wrap="square" anchor="ctr" anchorCtr="1"/>
+              <a:lstStyle/>
+              <a:p>
+                <a:pPr>
+                  <a:defRPr sz="1197" b="0" i="0" u="none" strike="noStrike" kern="1200" cap="all" baseline="0">
+                    <a:solidFill>
+                      <a:schemeClr val="tx1">
+                        <a:lumMod val="50000"/>
+                        <a:lumOff val="50000"/>
+                      </a:schemeClr>
+                    </a:solidFill>
+                    <a:latin typeface="+mn-lt"/>
+                    <a:ea typeface="+mn-ea"/>
+                    <a:cs typeface="+mn-cs"/>
+                  </a:defRPr>
+                </a:pPr>
+                <a:r>
+                  <a:rPr lang="en-IN" dirty="0"/>
+                  <a:t>Correlations</a:t>
+                </a:r>
+                <a:r>
+                  <a:rPr lang="en-IN" baseline="0" dirty="0"/>
+                  <a:t> with total Naphtha</a:t>
+                </a:r>
+                <a:endParaRPr lang="en-IN" dirty="0"/>
+              </a:p>
+            </c:rich>
+          </c:tx>
+          <c:overlay val="0"/>
+          <c:spPr>
+            <a:noFill/>
+            <a:ln>
+              <a:solidFill>
+                <a:schemeClr val="tx1"/>
+              </a:solidFill>
+            </a:ln>
+            <a:effectLst/>
+          </c:spPr>
+          <c:txPr>
+            <a:bodyPr rot="0" spcFirstLastPara="1" vertOverflow="ellipsis" vert="horz" wrap="square" anchor="ctr" anchorCtr="1"/>
+            <a:lstStyle/>
+            <a:p>
+              <a:pPr>
+                <a:defRPr sz="1197" b="0" i="0" u="none" strike="noStrike" kern="1200" cap="all" baseline="0">
+                  <a:solidFill>
+                    <a:schemeClr val="tx1">
+                      <a:lumMod val="50000"/>
+                      <a:lumOff val="50000"/>
+                    </a:schemeClr>
+                  </a:solidFill>
+                  <a:latin typeface="+mn-lt"/>
+                  <a:ea typeface="+mn-ea"/>
+                  <a:cs typeface="+mn-cs"/>
+                </a:defRPr>
+              </a:pPr>
+              <a:endParaRPr lang="en-US"/>
+            </a:p>
+          </c:txPr>
+        </c:title>
+        <c:numFmt formatCode="General" sourceLinked="1"/>
+        <c:majorTickMark val="none"/>
+        <c:minorTickMark val="none"/>
+        <c:tickLblPos val="nextTo"/>
+        <c:spPr>
+          <a:noFill/>
+          <a:ln w="9525" cap="flat" cmpd="sng" algn="ctr">
+            <a:solidFill>
+              <a:schemeClr val="tx1">
+                <a:lumMod val="15000"/>
+                <a:lumOff val="85000"/>
+              </a:schemeClr>
+            </a:solidFill>
+            <a:round/>
+          </a:ln>
+          <a:effectLst/>
+        </c:spPr>
+        <c:txPr>
+          <a:bodyPr rot="-60000000" spcFirstLastPara="1" vertOverflow="ellipsis" vert="horz" wrap="square" anchor="ctr" anchorCtr="1"/>
+          <a:lstStyle/>
+          <a:p>
+            <a:pPr>
+              <a:defRPr sz="1197" b="0" i="0" u="none" strike="noStrike" kern="1200" baseline="0">
+                <a:solidFill>
+                  <a:schemeClr val="tx1">
+                    <a:lumMod val="50000"/>
+                    <a:lumOff val="50000"/>
+                  </a:schemeClr>
+                </a:solidFill>
+                <a:latin typeface="+mn-lt"/>
+                <a:ea typeface="+mn-ea"/>
+                <a:cs typeface="+mn-cs"/>
+              </a:defRPr>
+            </a:pPr>
+            <a:endParaRPr lang="en-US"/>
+          </a:p>
+        </c:txPr>
+        <c:crossAx val="1122707696"/>
+        <c:crosses val="autoZero"/>
+        <c:auto val="1"/>
+        <c:lblAlgn val="ctr"/>
+        <c:lblOffset val="100"/>
+        <c:noMultiLvlLbl val="0"/>
+      </c:catAx>
+      <c:valAx>
+        <c:axId val="1122707696"/>
+        <c:scaling>
+          <c:orientation val="minMax"/>
+        </c:scaling>
+        <c:delete val="0"/>
+        <c:axPos val="l"/>
+        <c:majorGridlines>
+          <c:spPr>
+            <a:ln w="9525" cap="flat" cmpd="sng" algn="ctr">
+              <a:solidFill>
+                <a:schemeClr val="tx1">
+                  <a:lumMod val="15000"/>
+                  <a:lumOff val="85000"/>
+                </a:schemeClr>
+              </a:solidFill>
+              <a:round/>
+            </a:ln>
+            <a:effectLst/>
+          </c:spPr>
+        </c:majorGridlines>
+        <c:numFmt formatCode="General" sourceLinked="1"/>
+        <c:majorTickMark val="none"/>
+        <c:minorTickMark val="none"/>
+        <c:tickLblPos val="nextTo"/>
+        <c:spPr>
+          <a:noFill/>
+          <a:ln>
+            <a:noFill/>
+          </a:ln>
+          <a:effectLst/>
+        </c:spPr>
+        <c:txPr>
+          <a:bodyPr rot="-60000000" spcFirstLastPara="1" vertOverflow="ellipsis" vert="horz" wrap="square" anchor="ctr" anchorCtr="1"/>
+          <a:lstStyle/>
+          <a:p>
+            <a:pPr>
+              <a:defRPr sz="1197" b="0" i="0" u="none" strike="noStrike" kern="1200" baseline="0">
+                <a:solidFill>
+                  <a:schemeClr val="tx1">
+                    <a:lumMod val="50000"/>
+                    <a:lumOff val="50000"/>
+                  </a:schemeClr>
+                </a:solidFill>
+                <a:latin typeface="+mn-lt"/>
+                <a:ea typeface="+mn-ea"/>
+                <a:cs typeface="+mn-cs"/>
+              </a:defRPr>
+            </a:pPr>
+            <a:endParaRPr lang="en-US"/>
+          </a:p>
+        </c:txPr>
+        <c:crossAx val="1122707280"/>
+        <c:crosses val="autoZero"/>
+        <c:crossBetween val="between"/>
+      </c:valAx>
+      <c:spPr>
+        <a:noFill/>
+        <a:ln>
+          <a:noFill/>
+        </a:ln>
+        <a:effectLst/>
+      </c:spPr>
+    </c:plotArea>
+    <c:plotVisOnly val="1"/>
+    <c:dispBlanksAs val="gap"/>
+    <c:extLst>
+      <c:ext xmlns:c16r3="http://schemas.microsoft.com/office/drawing/2017/03/chart" uri="{56B9EC1D-385E-4148-901F-78D8002777C0}">
+        <c16r3:dataDisplayOptions16>
+          <c16r3:dispNaAsBlank val="1"/>
+        </c16r3:dataDisplayOptions16>
+      </c:ext>
+    </c:extLst>
+    <c:showDLblsOverMax val="0"/>
+  </c:chart>
+  <c:spPr>
+    <a:noFill/>
+    <a:ln>
+      <a:noFill/>
+    </a:ln>
+    <a:effectLst/>
+  </c:spPr>
+  <c:txPr>
+    <a:bodyPr/>
+    <a:lstStyle/>
+    <a:p>
+      <a:pPr>
+        <a:defRPr/>
+      </a:pPr>
+      <a:endParaRPr lang="en-US"/>
+    </a:p>
+  </c:txPr>
+  <c:externalData r:id="rId3">
+    <c:autoUpdate val="0"/>
+  </c:externalData>
+</c:chartSpace>
+</file>
+
+<file path=ppt/charts/chart3.xml><?xml version="1.0" encoding="utf-8"?>
+<c:chartSpace xmlns:c="http://schemas.openxmlformats.org/drawingml/2006/chart" xmlns:a="http://schemas.openxmlformats.org/drawingml/2006/main" xmlns:r="http://schemas.openxmlformats.org/officeDocument/2006/relationships" xmlns:c16r2="http://schemas.microsoft.com/office/drawing/2015/06/chart">
+  <c:date1904 val="0"/>
+  <c:lang val="en-US"/>
+  <c:roundedCorners val="0"/>
+  <mc:AlternateContent xmlns:mc="http://schemas.openxmlformats.org/markup-compatibility/2006">
+    <mc:Choice xmlns:c14="http://schemas.microsoft.com/office/drawing/2007/8/2/chart" Requires="c14">
+      <c14:style val="102"/>
+    </mc:Choice>
+    <mc:Fallback>
+      <c:style val="2"/>
+    </mc:Fallback>
+  </mc:AlternateContent>
+  <c:chart>
+    <c:title>
+      <c:tx>
+        <c:rich>
+          <a:bodyPr rot="0" spcFirstLastPara="1" vertOverflow="ellipsis" vert="horz" wrap="square" anchor="ctr" anchorCtr="1"/>
+          <a:lstStyle/>
+          <a:p>
+            <a:pPr>
+              <a:defRPr sz="1862" b="0" i="0" u="none" strike="noStrike" kern="1200" cap="none" spc="20" baseline="0">
+                <a:solidFill>
+                  <a:schemeClr val="tx1">
+                    <a:lumMod val="50000"/>
+                    <a:lumOff val="50000"/>
+                  </a:schemeClr>
+                </a:solidFill>
+                <a:latin typeface="+mn-lt"/>
+                <a:ea typeface="+mn-ea"/>
+                <a:cs typeface="+mn-cs"/>
+              </a:defRPr>
+            </a:pPr>
+            <a:r>
+              <a:rPr lang="en-US" dirty="0"/>
+              <a:t>COT</a:t>
+            </a:r>
+            <a:r>
+              <a:rPr lang="en-US" baseline="0" dirty="0"/>
+              <a:t> Correlation Plot</a:t>
+            </a:r>
+            <a:endParaRPr lang="en-US" dirty="0"/>
+          </a:p>
+        </c:rich>
+      </c:tx>
+      <c:overlay val="0"/>
+      <c:spPr>
+        <a:noFill/>
+        <a:ln>
+          <a:solidFill>
+            <a:schemeClr val="tx1"/>
+          </a:solidFill>
+        </a:ln>
+        <a:effectLst/>
+      </c:spPr>
+      <c:txPr>
+        <a:bodyPr rot="0" spcFirstLastPara="1" vertOverflow="ellipsis" vert="horz" wrap="square" anchor="ctr" anchorCtr="1"/>
+        <a:lstStyle/>
+        <a:p>
+          <a:pPr>
+            <a:defRPr sz="1862" b="0" i="0" u="none" strike="noStrike" kern="1200" cap="none" spc="20" baseline="0">
+              <a:solidFill>
+                <a:schemeClr val="tx1">
+                  <a:lumMod val="50000"/>
+                  <a:lumOff val="50000"/>
+                </a:schemeClr>
+              </a:solidFill>
+              <a:latin typeface="+mn-lt"/>
+              <a:ea typeface="+mn-ea"/>
+              <a:cs typeface="+mn-cs"/>
+            </a:defRPr>
+          </a:pPr>
+          <a:endParaRPr lang="en-US"/>
+        </a:p>
+      </c:txPr>
+    </c:title>
+    <c:autoTitleDeleted val="0"/>
+    <c:plotArea>
+      <c:layout/>
+      <c:barChart>
+        <c:barDir val="col"/>
+        <c:grouping val="clustered"/>
+        <c:varyColors val="0"/>
+        <c:ser>
+          <c:idx val="0"/>
+          <c:order val="0"/>
+          <c:tx>
+            <c:strRef>
+              <c:f>Sheet1!$B$1</c:f>
+              <c:strCache>
+                <c:ptCount val="1"/>
+                <c:pt idx="0">
+                  <c:v>Avg_COT</c:v>
+                </c:pt>
+              </c:strCache>
+            </c:strRef>
+          </c:tx>
+          <c:spPr>
+            <a:gradFill rotWithShape="1">
+              <a:gsLst>
+                <a:gs pos="0">
+                  <a:schemeClr val="accent1">
+                    <a:lumMod val="110000"/>
+                    <a:satMod val="105000"/>
+                    <a:tint val="67000"/>
+                  </a:schemeClr>
+                </a:gs>
+                <a:gs pos="50000">
+                  <a:schemeClr val="accent1">
+                    <a:lumMod val="105000"/>
+                    <a:satMod val="103000"/>
+                    <a:tint val="73000"/>
+                  </a:schemeClr>
+                </a:gs>
+                <a:gs pos="100000">
+                  <a:schemeClr val="accent1">
+                    <a:lumMod val="105000"/>
+                    <a:satMod val="109000"/>
+                    <a:tint val="81000"/>
+                  </a:schemeClr>
+                </a:gs>
+              </a:gsLst>
+              <a:lin ang="5400000" scaled="0"/>
+            </a:gradFill>
+            <a:ln w="9525" cap="flat" cmpd="sng" algn="ctr">
+              <a:solidFill>
+                <a:schemeClr val="accent1">
+                  <a:shade val="95000"/>
+                </a:schemeClr>
+              </a:solidFill>
+              <a:round/>
+            </a:ln>
+            <a:effectLst/>
+          </c:spPr>
+          <c:invertIfNegative val="0"/>
+          <c:cat>
+            <c:strRef>
+              <c:f>Sheet1!$A$2:$A$8</c:f>
+              <c:strCache>
+                <c:ptCount val="7"/>
+                <c:pt idx="0">
+                  <c:v>COT1</c:v>
+                </c:pt>
+                <c:pt idx="1">
+                  <c:v>COT2</c:v>
+                </c:pt>
+                <c:pt idx="2">
+                  <c:v>COT3</c:v>
+                </c:pt>
+                <c:pt idx="3">
+                  <c:v>COT4</c:v>
+                </c:pt>
+                <c:pt idx="4">
+                  <c:v>COT5</c:v>
+                </c:pt>
+                <c:pt idx="5">
+                  <c:v>COT6</c:v>
+                </c:pt>
+                <c:pt idx="6">
+                  <c:v>Avg_COT</c:v>
+                </c:pt>
+              </c:strCache>
+            </c:strRef>
+          </c:cat>
+          <c:val>
+            <c:numRef>
+              <c:f>Sheet1!$B$2:$B$8</c:f>
+              <c:numCache>
+                <c:formatCode>General</c:formatCode>
+                <c:ptCount val="7"/>
+                <c:pt idx="0">
+                  <c:v>0.99537814167555205</c:v>
+                </c:pt>
+                <c:pt idx="1">
+                  <c:v>0.99266866445127966</c:v>
+                </c:pt>
+                <c:pt idx="2">
+                  <c:v>0.99778298017427391</c:v>
+                </c:pt>
+                <c:pt idx="3">
+                  <c:v>0.9939704784610699</c:v>
+                </c:pt>
+                <c:pt idx="4">
+                  <c:v>0.99443141025617499</c:v>
+                </c:pt>
+                <c:pt idx="5">
+                  <c:v>0.99517442390385358</c:v>
+                </c:pt>
+                <c:pt idx="6">
+                  <c:v>1</c:v>
+                </c:pt>
+              </c:numCache>
+            </c:numRef>
+          </c:val>
+          <c:extLst>
+            <c:ext xmlns:c16="http://schemas.microsoft.com/office/drawing/2014/chart" uri="{C3380CC4-5D6E-409C-BE32-E72D297353CC}">
+              <c16:uniqueId val="{00000000-D7D3-407C-93AF-EFB7CE9985C1}"/>
+            </c:ext>
+          </c:extLst>
+        </c:ser>
+        <c:dLbls>
+          <c:showLegendKey val="0"/>
+          <c:showVal val="0"/>
+          <c:showCatName val="0"/>
+          <c:showSerName val="0"/>
+          <c:showPercent val="0"/>
+          <c:showBubbleSize val="0"/>
+        </c:dLbls>
+        <c:gapWidth val="100"/>
+        <c:overlap val="-24"/>
+        <c:axId val="1122707280"/>
+        <c:axId val="1122707696"/>
+      </c:barChart>
+      <c:catAx>
+        <c:axId val="1122707280"/>
+        <c:scaling>
+          <c:orientation val="minMax"/>
+        </c:scaling>
+        <c:delete val="0"/>
+        <c:axPos val="b"/>
+        <c:title>
+          <c:tx>
+            <c:rich>
+              <a:bodyPr rot="0" spcFirstLastPara="1" vertOverflow="ellipsis" vert="horz" wrap="square" anchor="ctr" anchorCtr="1"/>
+              <a:lstStyle/>
+              <a:p>
+                <a:pPr>
+                  <a:defRPr sz="1197" b="0" i="0" u="none" strike="noStrike" kern="1200" cap="all" baseline="0">
+                    <a:solidFill>
+                      <a:schemeClr val="tx1">
+                        <a:lumMod val="50000"/>
+                        <a:lumOff val="50000"/>
+                      </a:schemeClr>
+                    </a:solidFill>
+                    <a:latin typeface="+mn-lt"/>
+                    <a:ea typeface="+mn-ea"/>
+                    <a:cs typeface="+mn-cs"/>
+                  </a:defRPr>
+                </a:pPr>
+                <a:r>
+                  <a:rPr lang="en-IN" dirty="0"/>
+                  <a:t>Correlations</a:t>
+                </a:r>
+                <a:r>
+                  <a:rPr lang="en-IN" baseline="0" dirty="0"/>
+                  <a:t> with Average Cot</a:t>
+                </a:r>
+                <a:endParaRPr lang="en-IN" dirty="0"/>
+              </a:p>
+            </c:rich>
+          </c:tx>
+          <c:overlay val="0"/>
+          <c:spPr>
+            <a:noFill/>
+            <a:ln>
+              <a:solidFill>
+                <a:schemeClr val="tx1"/>
+              </a:solidFill>
+            </a:ln>
+            <a:effectLst/>
+          </c:spPr>
+          <c:txPr>
+            <a:bodyPr rot="0" spcFirstLastPara="1" vertOverflow="ellipsis" vert="horz" wrap="square" anchor="ctr" anchorCtr="1"/>
+            <a:lstStyle/>
+            <a:p>
+              <a:pPr>
+                <a:defRPr sz="1197" b="0" i="0" u="none" strike="noStrike" kern="1200" cap="all" baseline="0">
+                  <a:solidFill>
+                    <a:schemeClr val="tx1">
+                      <a:lumMod val="50000"/>
+                      <a:lumOff val="50000"/>
+                    </a:schemeClr>
+                  </a:solidFill>
+                  <a:latin typeface="+mn-lt"/>
+                  <a:ea typeface="+mn-ea"/>
+                  <a:cs typeface="+mn-cs"/>
+                </a:defRPr>
+              </a:pPr>
+              <a:endParaRPr lang="en-US"/>
+            </a:p>
+          </c:txPr>
+        </c:title>
+        <c:numFmt formatCode="General" sourceLinked="1"/>
+        <c:majorTickMark val="none"/>
+        <c:minorTickMark val="none"/>
+        <c:tickLblPos val="nextTo"/>
+        <c:spPr>
+          <a:noFill/>
+          <a:ln w="9525" cap="flat" cmpd="sng" algn="ctr">
+            <a:solidFill>
+              <a:schemeClr val="tx1">
+                <a:lumMod val="15000"/>
+                <a:lumOff val="85000"/>
+              </a:schemeClr>
+            </a:solidFill>
+            <a:round/>
+          </a:ln>
+          <a:effectLst/>
+        </c:spPr>
+        <c:txPr>
+          <a:bodyPr rot="-60000000" spcFirstLastPara="1" vertOverflow="ellipsis" vert="horz" wrap="square" anchor="ctr" anchorCtr="1"/>
+          <a:lstStyle/>
+          <a:p>
+            <a:pPr>
+              <a:defRPr sz="1197" b="0" i="0" u="none" strike="noStrike" kern="1200" baseline="0">
+                <a:solidFill>
+                  <a:schemeClr val="tx1">
+                    <a:lumMod val="50000"/>
+                    <a:lumOff val="50000"/>
+                  </a:schemeClr>
+                </a:solidFill>
+                <a:latin typeface="+mn-lt"/>
+                <a:ea typeface="+mn-ea"/>
+                <a:cs typeface="+mn-cs"/>
+              </a:defRPr>
+            </a:pPr>
+            <a:endParaRPr lang="en-US"/>
+          </a:p>
+        </c:txPr>
+        <c:crossAx val="1122707696"/>
+        <c:crosses val="autoZero"/>
+        <c:auto val="1"/>
+        <c:lblAlgn val="ctr"/>
+        <c:lblOffset val="100"/>
+        <c:noMultiLvlLbl val="0"/>
+      </c:catAx>
+      <c:valAx>
+        <c:axId val="1122707696"/>
+        <c:scaling>
+          <c:orientation val="minMax"/>
+        </c:scaling>
+        <c:delete val="0"/>
+        <c:axPos val="l"/>
+        <c:majorGridlines>
+          <c:spPr>
+            <a:ln w="9525" cap="flat" cmpd="sng" algn="ctr">
+              <a:solidFill>
+                <a:schemeClr val="tx1">
+                  <a:lumMod val="15000"/>
+                  <a:lumOff val="85000"/>
+                </a:schemeClr>
+              </a:solidFill>
+              <a:round/>
+            </a:ln>
+            <a:effectLst/>
+          </c:spPr>
+        </c:majorGridlines>
+        <c:numFmt formatCode="General" sourceLinked="1"/>
+        <c:majorTickMark val="none"/>
+        <c:minorTickMark val="none"/>
+        <c:tickLblPos val="nextTo"/>
+        <c:spPr>
+          <a:noFill/>
+          <a:ln>
+            <a:noFill/>
+          </a:ln>
+          <a:effectLst/>
+        </c:spPr>
+        <c:txPr>
+          <a:bodyPr rot="-60000000" spcFirstLastPara="1" vertOverflow="ellipsis" vert="horz" wrap="square" anchor="ctr" anchorCtr="1"/>
+          <a:lstStyle/>
+          <a:p>
+            <a:pPr>
+              <a:defRPr sz="1197" b="0" i="0" u="none" strike="noStrike" kern="1200" baseline="0">
+                <a:solidFill>
+                  <a:schemeClr val="tx1">
+                    <a:lumMod val="50000"/>
+                    <a:lumOff val="50000"/>
+                  </a:schemeClr>
+                </a:solidFill>
+                <a:latin typeface="+mn-lt"/>
+                <a:ea typeface="+mn-ea"/>
+                <a:cs typeface="+mn-cs"/>
+              </a:defRPr>
+            </a:pPr>
+            <a:endParaRPr lang="en-US"/>
+          </a:p>
+        </c:txPr>
+        <c:crossAx val="1122707280"/>
+        <c:crosses val="autoZero"/>
+        <c:crossBetween val="between"/>
+      </c:valAx>
+      <c:spPr>
+        <a:noFill/>
+        <a:ln>
+          <a:noFill/>
+        </a:ln>
+        <a:effectLst/>
+      </c:spPr>
+    </c:plotArea>
+    <c:plotVisOnly val="1"/>
+    <c:dispBlanksAs val="gap"/>
+    <c:extLst>
+      <c:ext xmlns:c16r3="http://schemas.microsoft.com/office/drawing/2017/03/chart" uri="{56B9EC1D-385E-4148-901F-78D8002777C0}">
+        <c16r3:dataDisplayOptions16>
+          <c16r3:dispNaAsBlank val="1"/>
+        </c16r3:dataDisplayOptions16>
+      </c:ext>
+    </c:extLst>
+    <c:showDLblsOverMax val="0"/>
+  </c:chart>
+  <c:spPr>
+    <a:noFill/>
+    <a:ln>
+      <a:noFill/>
+    </a:ln>
+    <a:effectLst/>
+  </c:spPr>
+  <c:txPr>
+    <a:bodyPr/>
+    <a:lstStyle/>
+    <a:p>
+      <a:pPr>
+        <a:defRPr/>
+      </a:pPr>
+      <a:endParaRPr lang="en-US"/>
+    </a:p>
+  </c:txPr>
+  <c:externalData r:id="rId3">
+    <c:autoUpdate val="0"/>
+  </c:externalData>
+</c:chartSpace>
+</file>
+
+<file path=ppt/charts/chart4.xml><?xml version="1.0" encoding="utf-8"?>
+<c:chartSpace xmlns:c="http://schemas.openxmlformats.org/drawingml/2006/chart" xmlns:a="http://schemas.openxmlformats.org/drawingml/2006/main" xmlns:r="http://schemas.openxmlformats.org/officeDocument/2006/relationships" xmlns:c16r2="http://schemas.microsoft.com/office/drawing/2015/06/chart">
+  <c:date1904 val="0"/>
+  <c:lang val="en-US"/>
+  <c:roundedCorners val="0"/>
+  <mc:AlternateContent xmlns:mc="http://schemas.openxmlformats.org/markup-compatibility/2006">
+    <mc:Choice xmlns:c14="http://schemas.microsoft.com/office/drawing/2007/8/2/chart" Requires="c14">
+      <c14:style val="102"/>
+    </mc:Choice>
+    <mc:Fallback>
+      <c:style val="2"/>
+    </mc:Fallback>
+  </mc:AlternateContent>
+  <c:chart>
+    <c:title>
+      <c:tx>
+        <c:rich>
+          <a:bodyPr rot="0" spcFirstLastPara="1" vertOverflow="ellipsis" vert="horz" wrap="square" anchor="ctr" anchorCtr="1"/>
+          <a:lstStyle/>
+          <a:p>
+            <a:pPr>
+              <a:defRPr sz="1862" b="0" i="0" u="none" strike="noStrike" kern="1200" cap="none" spc="20" baseline="0">
+                <a:solidFill>
+                  <a:schemeClr val="tx1">
+                    <a:lumMod val="50000"/>
+                    <a:lumOff val="50000"/>
+                  </a:schemeClr>
+                </a:solidFill>
+                <a:latin typeface="+mn-lt"/>
+                <a:ea typeface="+mn-ea"/>
+                <a:cs typeface="+mn-cs"/>
+              </a:defRPr>
+            </a:pPr>
+            <a:r>
+              <a:rPr lang="en-US" dirty="0"/>
+              <a:t>DS Ratio</a:t>
+            </a:r>
+            <a:r>
+              <a:rPr lang="en-US" baseline="0" dirty="0"/>
+              <a:t> Correlation Plot</a:t>
+            </a:r>
+            <a:endParaRPr lang="en-US" dirty="0"/>
+          </a:p>
+        </c:rich>
+      </c:tx>
+      <c:overlay val="0"/>
+      <c:spPr>
+        <a:noFill/>
+        <a:ln>
+          <a:solidFill>
+            <a:schemeClr val="tx1"/>
+          </a:solidFill>
+        </a:ln>
+        <a:effectLst/>
+      </c:spPr>
+      <c:txPr>
+        <a:bodyPr rot="0" spcFirstLastPara="1" vertOverflow="ellipsis" vert="horz" wrap="square" anchor="ctr" anchorCtr="1"/>
+        <a:lstStyle/>
+        <a:p>
+          <a:pPr>
+            <a:defRPr sz="1862" b="0" i="0" u="none" strike="noStrike" kern="1200" cap="none" spc="20" baseline="0">
+              <a:solidFill>
+                <a:schemeClr val="tx1">
+                  <a:lumMod val="50000"/>
+                  <a:lumOff val="50000"/>
+                </a:schemeClr>
+              </a:solidFill>
+              <a:latin typeface="+mn-lt"/>
+              <a:ea typeface="+mn-ea"/>
+              <a:cs typeface="+mn-cs"/>
+            </a:defRPr>
+          </a:pPr>
+          <a:endParaRPr lang="en-US"/>
+        </a:p>
+      </c:txPr>
+    </c:title>
+    <c:autoTitleDeleted val="0"/>
+    <c:plotArea>
+      <c:layout/>
+      <c:barChart>
+        <c:barDir val="col"/>
+        <c:grouping val="clustered"/>
+        <c:varyColors val="0"/>
+        <c:ser>
+          <c:idx val="0"/>
+          <c:order val="0"/>
+          <c:tx>
+            <c:strRef>
+              <c:f>Sheet1!$B$1</c:f>
+              <c:strCache>
+                <c:ptCount val="1"/>
+                <c:pt idx="0">
+                  <c:v>Total_Ds_Ratio</c:v>
+                </c:pt>
+              </c:strCache>
+            </c:strRef>
+          </c:tx>
+          <c:spPr>
+            <a:gradFill rotWithShape="1">
+              <a:gsLst>
+                <a:gs pos="0">
+                  <a:schemeClr val="accent1">
+                    <a:lumMod val="110000"/>
+                    <a:satMod val="105000"/>
+                    <a:tint val="67000"/>
+                  </a:schemeClr>
+                </a:gs>
+                <a:gs pos="50000">
+                  <a:schemeClr val="accent1">
+                    <a:lumMod val="105000"/>
+                    <a:satMod val="103000"/>
+                    <a:tint val="73000"/>
+                  </a:schemeClr>
+                </a:gs>
+                <a:gs pos="100000">
+                  <a:schemeClr val="accent1">
+                    <a:lumMod val="105000"/>
+                    <a:satMod val="109000"/>
+                    <a:tint val="81000"/>
+                  </a:schemeClr>
+                </a:gs>
+              </a:gsLst>
+              <a:lin ang="5400000" scaled="0"/>
+            </a:gradFill>
+            <a:ln w="9525" cap="flat" cmpd="sng" algn="ctr">
+              <a:solidFill>
+                <a:schemeClr val="accent1">
+                  <a:shade val="95000"/>
+                </a:schemeClr>
+              </a:solidFill>
+              <a:round/>
+            </a:ln>
+            <a:effectLst/>
+          </c:spPr>
+          <c:invertIfNegative val="0"/>
+          <c:cat>
+            <c:strRef>
+              <c:f>Sheet1!$A$2:$A$8</c:f>
+              <c:strCache>
+                <c:ptCount val="7"/>
+                <c:pt idx="0">
+                  <c:v>DSRatioCoil1</c:v>
+                </c:pt>
+                <c:pt idx="1">
+                  <c:v>DSRatioCoil2</c:v>
+                </c:pt>
+                <c:pt idx="2">
+                  <c:v>DSRatioCoil3</c:v>
+                </c:pt>
+                <c:pt idx="3">
+                  <c:v>DSRatioCoil4</c:v>
+                </c:pt>
+                <c:pt idx="4">
+                  <c:v>DSRatioCoil5</c:v>
+                </c:pt>
+                <c:pt idx="5">
+                  <c:v>DSRatioCoil6</c:v>
+                </c:pt>
+                <c:pt idx="6">
+                  <c:v>Total_Ds_Ratio</c:v>
+                </c:pt>
+              </c:strCache>
+            </c:strRef>
+          </c:cat>
+          <c:val>
+            <c:numRef>
+              <c:f>Sheet1!$B$2:$B$8</c:f>
+              <c:numCache>
+                <c:formatCode>General</c:formatCode>
+                <c:ptCount val="7"/>
+                <c:pt idx="0">
+                  <c:v>0.97917845081192856</c:v>
+                </c:pt>
+                <c:pt idx="1">
+                  <c:v>0.97452991870507544</c:v>
+                </c:pt>
+                <c:pt idx="2">
+                  <c:v>0.98609896135669872</c:v>
+                </c:pt>
+                <c:pt idx="3">
+                  <c:v>0.96776834630997843</c:v>
+                </c:pt>
+                <c:pt idx="4">
+                  <c:v>0.97410223696948084</c:v>
+                </c:pt>
+                <c:pt idx="5">
+                  <c:v>0.96101523547099743</c:v>
+                </c:pt>
+                <c:pt idx="6">
+                  <c:v>1</c:v>
+                </c:pt>
+              </c:numCache>
+            </c:numRef>
+          </c:val>
+          <c:extLst>
+            <c:ext xmlns:c16="http://schemas.microsoft.com/office/drawing/2014/chart" uri="{C3380CC4-5D6E-409C-BE32-E72D297353CC}">
+              <c16:uniqueId val="{00000000-08C4-4286-AEEE-93534E6FEFE7}"/>
+            </c:ext>
+          </c:extLst>
+        </c:ser>
+        <c:dLbls>
+          <c:showLegendKey val="0"/>
+          <c:showVal val="0"/>
+          <c:showCatName val="0"/>
+          <c:showSerName val="0"/>
+          <c:showPercent val="0"/>
+          <c:showBubbleSize val="0"/>
+        </c:dLbls>
+        <c:gapWidth val="100"/>
+        <c:overlap val="-24"/>
+        <c:axId val="1122707280"/>
+        <c:axId val="1122707696"/>
+      </c:barChart>
+      <c:catAx>
+        <c:axId val="1122707280"/>
+        <c:scaling>
+          <c:orientation val="minMax"/>
+        </c:scaling>
+        <c:delete val="0"/>
+        <c:axPos val="b"/>
+        <c:title>
+          <c:tx>
+            <c:rich>
+              <a:bodyPr rot="0" spcFirstLastPara="1" vertOverflow="ellipsis" vert="horz" wrap="square" anchor="ctr" anchorCtr="1"/>
+              <a:lstStyle/>
+              <a:p>
+                <a:pPr>
+                  <a:defRPr sz="1197" b="0" i="0" u="none" strike="noStrike" kern="1200" cap="all" baseline="0">
+                    <a:solidFill>
+                      <a:schemeClr val="tx1">
+                        <a:lumMod val="50000"/>
+                        <a:lumOff val="50000"/>
+                      </a:schemeClr>
+                    </a:solidFill>
+                    <a:latin typeface="+mn-lt"/>
+                    <a:ea typeface="+mn-ea"/>
+                    <a:cs typeface="+mn-cs"/>
+                  </a:defRPr>
+                </a:pPr>
+                <a:r>
+                  <a:rPr lang="en-IN" dirty="0"/>
+                  <a:t>Correlations</a:t>
+                </a:r>
+                <a:r>
+                  <a:rPr lang="en-IN" baseline="0" dirty="0"/>
+                  <a:t> with Total DS  Ratio</a:t>
+                </a:r>
+                <a:endParaRPr lang="en-IN" dirty="0"/>
+              </a:p>
+            </c:rich>
+          </c:tx>
+          <c:overlay val="0"/>
+          <c:spPr>
+            <a:noFill/>
+            <a:ln>
+              <a:solidFill>
+                <a:schemeClr val="tx1"/>
+              </a:solidFill>
+            </a:ln>
+            <a:effectLst/>
+          </c:spPr>
+          <c:txPr>
+            <a:bodyPr rot="0" spcFirstLastPara="1" vertOverflow="ellipsis" vert="horz" wrap="square" anchor="ctr" anchorCtr="1"/>
+            <a:lstStyle/>
+            <a:p>
+              <a:pPr>
+                <a:defRPr sz="1197" b="0" i="0" u="none" strike="noStrike" kern="1200" cap="all" baseline="0">
+                  <a:solidFill>
+                    <a:schemeClr val="tx1">
+                      <a:lumMod val="50000"/>
+                      <a:lumOff val="50000"/>
+                    </a:schemeClr>
+                  </a:solidFill>
+                  <a:latin typeface="+mn-lt"/>
+                  <a:ea typeface="+mn-ea"/>
+                  <a:cs typeface="+mn-cs"/>
+                </a:defRPr>
+              </a:pPr>
+              <a:endParaRPr lang="en-US"/>
+            </a:p>
+          </c:txPr>
+        </c:title>
+        <c:numFmt formatCode="General" sourceLinked="1"/>
+        <c:majorTickMark val="none"/>
+        <c:minorTickMark val="none"/>
+        <c:tickLblPos val="nextTo"/>
+        <c:spPr>
+          <a:noFill/>
+          <a:ln w="9525" cap="flat" cmpd="sng" algn="ctr">
+            <a:solidFill>
+              <a:schemeClr val="tx1">
+                <a:lumMod val="15000"/>
+                <a:lumOff val="85000"/>
+              </a:schemeClr>
+            </a:solidFill>
+            <a:round/>
+          </a:ln>
+          <a:effectLst/>
+        </c:spPr>
+        <c:txPr>
+          <a:bodyPr rot="-60000000" spcFirstLastPara="1" vertOverflow="ellipsis" vert="horz" wrap="square" anchor="ctr" anchorCtr="1"/>
+          <a:lstStyle/>
+          <a:p>
+            <a:pPr>
+              <a:defRPr sz="1197" b="0" i="0" u="none" strike="noStrike" kern="1200" baseline="0">
+                <a:solidFill>
+                  <a:schemeClr val="tx1">
+                    <a:lumMod val="50000"/>
+                    <a:lumOff val="50000"/>
+                  </a:schemeClr>
+                </a:solidFill>
+                <a:latin typeface="+mn-lt"/>
+                <a:ea typeface="+mn-ea"/>
+                <a:cs typeface="+mn-cs"/>
+              </a:defRPr>
+            </a:pPr>
+            <a:endParaRPr lang="en-US"/>
+          </a:p>
+        </c:txPr>
+        <c:crossAx val="1122707696"/>
+        <c:crosses val="autoZero"/>
+        <c:auto val="1"/>
+        <c:lblAlgn val="ctr"/>
+        <c:lblOffset val="100"/>
+        <c:noMultiLvlLbl val="0"/>
+      </c:catAx>
+      <c:valAx>
+        <c:axId val="1122707696"/>
+        <c:scaling>
+          <c:orientation val="minMax"/>
+        </c:scaling>
+        <c:delete val="0"/>
+        <c:axPos val="l"/>
+        <c:majorGridlines>
+          <c:spPr>
+            <a:ln w="9525" cap="flat" cmpd="sng" algn="ctr">
+              <a:solidFill>
+                <a:schemeClr val="tx1">
+                  <a:lumMod val="15000"/>
+                  <a:lumOff val="85000"/>
+                </a:schemeClr>
+              </a:solidFill>
+              <a:round/>
+            </a:ln>
+            <a:effectLst/>
+          </c:spPr>
+        </c:majorGridlines>
+        <c:numFmt formatCode="General" sourceLinked="1"/>
+        <c:majorTickMark val="none"/>
+        <c:minorTickMark val="none"/>
+        <c:tickLblPos val="nextTo"/>
+        <c:spPr>
+          <a:noFill/>
+          <a:ln>
+            <a:noFill/>
+          </a:ln>
+          <a:effectLst/>
+        </c:spPr>
+        <c:txPr>
+          <a:bodyPr rot="-60000000" spcFirstLastPara="1" vertOverflow="ellipsis" vert="horz" wrap="square" anchor="ctr" anchorCtr="1"/>
+          <a:lstStyle/>
+          <a:p>
+            <a:pPr>
+              <a:defRPr sz="1197" b="0" i="0" u="none" strike="noStrike" kern="1200" baseline="0">
+                <a:solidFill>
+                  <a:schemeClr val="tx1">
+                    <a:lumMod val="50000"/>
+                    <a:lumOff val="50000"/>
+                  </a:schemeClr>
+                </a:solidFill>
+                <a:latin typeface="+mn-lt"/>
+                <a:ea typeface="+mn-ea"/>
+                <a:cs typeface="+mn-cs"/>
+              </a:defRPr>
+            </a:pPr>
+            <a:endParaRPr lang="en-US"/>
+          </a:p>
+        </c:txPr>
+        <c:crossAx val="1122707280"/>
+        <c:crosses val="autoZero"/>
+        <c:crossBetween val="between"/>
+      </c:valAx>
+      <c:spPr>
+        <a:noFill/>
+        <a:ln>
+          <a:noFill/>
+        </a:ln>
+        <a:effectLst/>
+      </c:spPr>
+    </c:plotArea>
+    <c:plotVisOnly val="1"/>
+    <c:dispBlanksAs val="gap"/>
+    <c:extLst>
+      <c:ext xmlns:c16r3="http://schemas.microsoft.com/office/drawing/2017/03/chart" uri="{56B9EC1D-385E-4148-901F-78D8002777C0}">
+        <c16r3:dataDisplayOptions16>
+          <c16r3:dispNaAsBlank val="1"/>
+        </c16r3:dataDisplayOptions16>
+      </c:ext>
+    </c:extLst>
+    <c:showDLblsOverMax val="0"/>
+  </c:chart>
+  <c:spPr>
+    <a:noFill/>
+    <a:ln>
+      <a:noFill/>
+    </a:ln>
+    <a:effectLst/>
+  </c:spPr>
+  <c:txPr>
+    <a:bodyPr/>
+    <a:lstStyle/>
+    <a:p>
+      <a:pPr>
+        <a:defRPr/>
+      </a:pPr>
+      <a:endParaRPr lang="en-US"/>
+    </a:p>
+  </c:txPr>
+  <c:externalData r:id="rId3">
+    <c:autoUpdate val="0"/>
+  </c:externalData>
+</c:chartSpace>
+</file>
+
+<file path=ppt/charts/chart5.xml><?xml version="1.0" encoding="utf-8"?>
+<c:chartSpace xmlns:c="http://schemas.openxmlformats.org/drawingml/2006/chart" xmlns:a="http://schemas.openxmlformats.org/drawingml/2006/main" xmlns:r="http://schemas.openxmlformats.org/officeDocument/2006/relationships" xmlns:c16r2="http://schemas.microsoft.com/office/drawing/2015/06/chart">
+  <c:date1904 val="0"/>
+  <c:lang val="en-US"/>
+  <c:roundedCorners val="0"/>
+  <mc:AlternateContent xmlns:mc="http://schemas.openxmlformats.org/markup-compatibility/2006">
+    <mc:Choice xmlns:c14="http://schemas.microsoft.com/office/drawing/2007/8/2/chart" Requires="c14">
+      <c14:style val="102"/>
+    </mc:Choice>
+    <mc:Fallback>
+      <c:style val="2"/>
+    </mc:Fallback>
+  </mc:AlternateContent>
+  <c:chart>
+    <c:title>
+      <c:tx>
+        <c:rich>
+          <a:bodyPr rot="0" spcFirstLastPara="1" vertOverflow="ellipsis" vert="horz" wrap="square" anchor="ctr" anchorCtr="1"/>
+          <a:lstStyle/>
+          <a:p>
+            <a:pPr>
+              <a:defRPr sz="1862" b="0" i="0" u="none" strike="noStrike" kern="1200" cap="none" spc="20" baseline="0">
+                <a:solidFill>
+                  <a:schemeClr val="tx1">
+                    <a:lumMod val="50000"/>
+                    <a:lumOff val="50000"/>
+                  </a:schemeClr>
+                </a:solidFill>
+                <a:latin typeface="+mn-lt"/>
+                <a:ea typeface="+mn-ea"/>
+                <a:cs typeface="+mn-cs"/>
+              </a:defRPr>
+            </a:pPr>
+            <a:r>
+              <a:rPr lang="en-US" dirty="0"/>
+              <a:t>CIT</a:t>
+            </a:r>
+            <a:r>
+              <a:rPr lang="en-US" baseline="0" dirty="0"/>
+              <a:t> Correlation Plot</a:t>
+            </a:r>
+            <a:endParaRPr lang="en-US" dirty="0"/>
+          </a:p>
+        </c:rich>
+      </c:tx>
+      <c:layout>
+        <c:manualLayout>
+          <c:xMode val="edge"/>
+          <c:yMode val="edge"/>
+          <c:x val="0.29905845240536288"/>
+          <c:y val="0"/>
+        </c:manualLayout>
+      </c:layout>
+      <c:overlay val="0"/>
+      <c:spPr>
+        <a:noFill/>
+        <a:ln>
+          <a:solidFill>
+            <a:schemeClr val="tx1"/>
+          </a:solidFill>
+        </a:ln>
+        <a:effectLst/>
+      </c:spPr>
+      <c:txPr>
+        <a:bodyPr rot="0" spcFirstLastPara="1" vertOverflow="ellipsis" vert="horz" wrap="square" anchor="ctr" anchorCtr="1"/>
+        <a:lstStyle/>
+        <a:p>
+          <a:pPr>
+            <a:defRPr sz="1862" b="0" i="0" u="none" strike="noStrike" kern="1200" cap="none" spc="20" baseline="0">
+              <a:solidFill>
+                <a:schemeClr val="tx1">
+                  <a:lumMod val="50000"/>
+                  <a:lumOff val="50000"/>
+                </a:schemeClr>
+              </a:solidFill>
+              <a:latin typeface="+mn-lt"/>
+              <a:ea typeface="+mn-ea"/>
+              <a:cs typeface="+mn-cs"/>
+            </a:defRPr>
+          </a:pPr>
+          <a:endParaRPr lang="en-US"/>
+        </a:p>
+      </c:txPr>
+    </c:title>
+    <c:autoTitleDeleted val="0"/>
+    <c:plotArea>
+      <c:layout/>
+      <c:barChart>
+        <c:barDir val="col"/>
+        <c:grouping val="clustered"/>
+        <c:varyColors val="0"/>
+        <c:ser>
+          <c:idx val="0"/>
+          <c:order val="0"/>
+          <c:tx>
+            <c:strRef>
+              <c:f>Sheet1!$B$1</c:f>
+              <c:strCache>
+                <c:ptCount val="1"/>
+                <c:pt idx="0">
+                  <c:v>Avg_CIT</c:v>
+                </c:pt>
+              </c:strCache>
+            </c:strRef>
+          </c:tx>
+          <c:spPr>
+            <a:gradFill rotWithShape="1">
+              <a:gsLst>
+                <a:gs pos="0">
+                  <a:schemeClr val="accent1">
+                    <a:lumMod val="110000"/>
+                    <a:satMod val="105000"/>
+                    <a:tint val="67000"/>
+                  </a:schemeClr>
+                </a:gs>
+                <a:gs pos="50000">
+                  <a:schemeClr val="accent1">
+                    <a:lumMod val="105000"/>
+                    <a:satMod val="103000"/>
+                    <a:tint val="73000"/>
+                  </a:schemeClr>
+                </a:gs>
+                <a:gs pos="100000">
+                  <a:schemeClr val="accent1">
+                    <a:lumMod val="105000"/>
+                    <a:satMod val="109000"/>
+                    <a:tint val="81000"/>
+                  </a:schemeClr>
+                </a:gs>
+              </a:gsLst>
+              <a:lin ang="5400000" scaled="0"/>
+            </a:gradFill>
+            <a:ln w="9525" cap="flat" cmpd="sng" algn="ctr">
+              <a:solidFill>
+                <a:schemeClr val="accent1">
+                  <a:shade val="95000"/>
+                </a:schemeClr>
+              </a:solidFill>
+              <a:round/>
+            </a:ln>
+            <a:effectLst/>
+          </c:spPr>
+          <c:invertIfNegative val="0"/>
+          <c:cat>
+            <c:strRef>
+              <c:f>Sheet1!$A$2:$A$8</c:f>
+              <c:strCache>
+                <c:ptCount val="7"/>
+                <c:pt idx="0">
+                  <c:v>CrossOverTemp_Coil1</c:v>
+                </c:pt>
+                <c:pt idx="1">
+                  <c:v>CrossOverTemp_Coil2</c:v>
+                </c:pt>
+                <c:pt idx="2">
+                  <c:v>CrossOverTemp_Coil3</c:v>
+                </c:pt>
+                <c:pt idx="3">
+                  <c:v>CrossOverTemp_Coil4</c:v>
+                </c:pt>
+                <c:pt idx="4">
+                  <c:v>CrossOverTemp_Coil5</c:v>
+                </c:pt>
+                <c:pt idx="5">
+                  <c:v>CrossOverTemp_Coil6</c:v>
+                </c:pt>
+                <c:pt idx="6">
+                  <c:v>Avg_CIT</c:v>
+                </c:pt>
+              </c:strCache>
+            </c:strRef>
+          </c:cat>
+          <c:val>
+            <c:numRef>
+              <c:f>Sheet1!$B$2:$B$8</c:f>
+              <c:numCache>
+                <c:formatCode>General</c:formatCode>
+                <c:ptCount val="7"/>
+                <c:pt idx="0">
+                  <c:v>0.91055024507728322</c:v>
+                </c:pt>
+                <c:pt idx="1">
+                  <c:v>0.96757002710680229</c:v>
+                </c:pt>
+                <c:pt idx="2">
+                  <c:v>0.91635186449188666</c:v>
+                </c:pt>
+                <c:pt idx="3">
+                  <c:v>0.93405936273792078</c:v>
+                </c:pt>
+                <c:pt idx="4">
+                  <c:v>0.94387543353051961</c:v>
+                </c:pt>
+                <c:pt idx="5">
+                  <c:v>0.91506716405104982</c:v>
+                </c:pt>
+                <c:pt idx="6">
+                  <c:v>1</c:v>
+                </c:pt>
+              </c:numCache>
+            </c:numRef>
+          </c:val>
+          <c:extLst>
+            <c:ext xmlns:c16="http://schemas.microsoft.com/office/drawing/2014/chart" uri="{C3380CC4-5D6E-409C-BE32-E72D297353CC}">
+              <c16:uniqueId val="{00000000-B4A3-46E6-8842-01EDFB676EDA}"/>
+            </c:ext>
+          </c:extLst>
+        </c:ser>
+        <c:dLbls>
+          <c:showLegendKey val="0"/>
+          <c:showVal val="0"/>
+          <c:showCatName val="0"/>
+          <c:showSerName val="0"/>
+          <c:showPercent val="0"/>
+          <c:showBubbleSize val="0"/>
+        </c:dLbls>
+        <c:gapWidth val="100"/>
+        <c:overlap val="-24"/>
+        <c:axId val="1122707280"/>
+        <c:axId val="1122707696"/>
+      </c:barChart>
+      <c:catAx>
+        <c:axId val="1122707280"/>
+        <c:scaling>
+          <c:orientation val="minMax"/>
+        </c:scaling>
+        <c:delete val="0"/>
+        <c:axPos val="b"/>
+        <c:title>
+          <c:tx>
+            <c:rich>
+              <a:bodyPr rot="0" spcFirstLastPara="1" vertOverflow="ellipsis" vert="horz" wrap="square" anchor="ctr" anchorCtr="1"/>
+              <a:lstStyle/>
+              <a:p>
+                <a:pPr>
+                  <a:defRPr sz="1197" b="0" i="0" u="none" strike="noStrike" kern="1200" cap="all" baseline="0">
+                    <a:solidFill>
+                      <a:schemeClr val="tx1">
+                        <a:lumMod val="50000"/>
+                        <a:lumOff val="50000"/>
+                      </a:schemeClr>
+                    </a:solidFill>
+                    <a:latin typeface="+mn-lt"/>
+                    <a:ea typeface="+mn-ea"/>
+                    <a:cs typeface="+mn-cs"/>
+                  </a:defRPr>
+                </a:pPr>
+                <a:r>
+                  <a:rPr lang="en-IN" dirty="0"/>
+                  <a:t>Correlations</a:t>
+                </a:r>
+                <a:r>
+                  <a:rPr lang="en-IN" baseline="0" dirty="0"/>
+                  <a:t> with average CIT </a:t>
+                </a:r>
+                <a:endParaRPr lang="en-IN" dirty="0"/>
+              </a:p>
+            </c:rich>
+          </c:tx>
+          <c:layout>
+            <c:manualLayout>
+              <c:xMode val="edge"/>
+              <c:yMode val="edge"/>
+              <c:x val="0.31700086273413935"/>
+              <c:y val="0.89037296603270022"/>
+            </c:manualLayout>
+          </c:layout>
+          <c:overlay val="0"/>
+          <c:spPr>
+            <a:noFill/>
+            <a:ln>
+              <a:solidFill>
+                <a:schemeClr val="tx1"/>
+              </a:solidFill>
+            </a:ln>
+            <a:effectLst/>
+          </c:spPr>
+          <c:txPr>
+            <a:bodyPr rot="0" spcFirstLastPara="1" vertOverflow="ellipsis" vert="horz" wrap="square" anchor="ctr" anchorCtr="1"/>
+            <a:lstStyle/>
+            <a:p>
+              <a:pPr>
+                <a:defRPr sz="1197" b="0" i="0" u="none" strike="noStrike" kern="1200" cap="all" baseline="0">
+                  <a:solidFill>
+                    <a:schemeClr val="tx1">
+                      <a:lumMod val="50000"/>
+                      <a:lumOff val="50000"/>
+                    </a:schemeClr>
+                  </a:solidFill>
+                  <a:latin typeface="+mn-lt"/>
+                  <a:ea typeface="+mn-ea"/>
+                  <a:cs typeface="+mn-cs"/>
+                </a:defRPr>
+              </a:pPr>
+              <a:endParaRPr lang="en-US"/>
+            </a:p>
+          </c:txPr>
+        </c:title>
+        <c:numFmt formatCode="General" sourceLinked="1"/>
+        <c:majorTickMark val="none"/>
+        <c:minorTickMark val="none"/>
+        <c:tickLblPos val="nextTo"/>
+        <c:spPr>
+          <a:noFill/>
+          <a:ln w="9525" cap="flat" cmpd="sng" algn="ctr">
+            <a:solidFill>
+              <a:schemeClr val="tx1">
+                <a:lumMod val="15000"/>
+                <a:lumOff val="85000"/>
+              </a:schemeClr>
+            </a:solidFill>
+            <a:round/>
+          </a:ln>
+          <a:effectLst/>
+        </c:spPr>
+        <c:txPr>
+          <a:bodyPr rot="-60000000" spcFirstLastPara="1" vertOverflow="ellipsis" vert="horz" wrap="square" anchor="ctr" anchorCtr="1"/>
+          <a:lstStyle/>
+          <a:p>
+            <a:pPr>
+              <a:defRPr sz="1197" b="0" i="0" u="none" strike="noStrike" kern="1200" baseline="0">
+                <a:solidFill>
+                  <a:schemeClr val="tx1">
+                    <a:lumMod val="50000"/>
+                    <a:lumOff val="50000"/>
+                  </a:schemeClr>
+                </a:solidFill>
+                <a:latin typeface="+mn-lt"/>
+                <a:ea typeface="+mn-ea"/>
+                <a:cs typeface="+mn-cs"/>
+              </a:defRPr>
+            </a:pPr>
+            <a:endParaRPr lang="en-US"/>
+          </a:p>
+        </c:txPr>
+        <c:crossAx val="1122707696"/>
+        <c:crosses val="autoZero"/>
+        <c:auto val="1"/>
+        <c:lblAlgn val="ctr"/>
+        <c:lblOffset val="100"/>
+        <c:noMultiLvlLbl val="0"/>
+      </c:catAx>
+      <c:valAx>
+        <c:axId val="1122707696"/>
+        <c:scaling>
+          <c:orientation val="minMax"/>
+        </c:scaling>
+        <c:delete val="0"/>
+        <c:axPos val="l"/>
+        <c:majorGridlines>
+          <c:spPr>
+            <a:ln w="9525" cap="flat" cmpd="sng" algn="ctr">
+              <a:solidFill>
+                <a:schemeClr val="tx1">
+                  <a:lumMod val="15000"/>
+                  <a:lumOff val="85000"/>
+                </a:schemeClr>
+              </a:solidFill>
+              <a:round/>
+            </a:ln>
+            <a:effectLst/>
+          </c:spPr>
+        </c:majorGridlines>
+        <c:numFmt formatCode="General" sourceLinked="1"/>
+        <c:majorTickMark val="none"/>
+        <c:minorTickMark val="none"/>
+        <c:tickLblPos val="nextTo"/>
+        <c:spPr>
+          <a:noFill/>
+          <a:ln>
+            <a:noFill/>
+          </a:ln>
+          <a:effectLst/>
+        </c:spPr>
+        <c:txPr>
+          <a:bodyPr rot="-60000000" spcFirstLastPara="1" vertOverflow="ellipsis" vert="horz" wrap="square" anchor="ctr" anchorCtr="1"/>
+          <a:lstStyle/>
+          <a:p>
+            <a:pPr>
+              <a:defRPr sz="1197" b="0" i="0" u="none" strike="noStrike" kern="1200" baseline="0">
+                <a:solidFill>
+                  <a:schemeClr val="tx1">
+                    <a:lumMod val="50000"/>
+                    <a:lumOff val="50000"/>
+                  </a:schemeClr>
+                </a:solidFill>
+                <a:latin typeface="+mn-lt"/>
+                <a:ea typeface="+mn-ea"/>
+                <a:cs typeface="+mn-cs"/>
+              </a:defRPr>
+            </a:pPr>
+            <a:endParaRPr lang="en-US"/>
+          </a:p>
+        </c:txPr>
+        <c:crossAx val="1122707280"/>
+        <c:crosses val="autoZero"/>
+        <c:crossBetween val="between"/>
+      </c:valAx>
+      <c:spPr>
+        <a:noFill/>
+        <a:ln>
+          <a:noFill/>
+        </a:ln>
+        <a:effectLst/>
+      </c:spPr>
+    </c:plotArea>
+    <c:plotVisOnly val="1"/>
+    <c:dispBlanksAs val="gap"/>
+    <c:extLst>
+      <c:ext xmlns:c16r3="http://schemas.microsoft.com/office/drawing/2017/03/chart" uri="{56B9EC1D-385E-4148-901F-78D8002777C0}">
+        <c16r3:dataDisplayOptions16>
+          <c16r3:dispNaAsBlank val="1"/>
+        </c16r3:dataDisplayOptions16>
+      </c:ext>
+    </c:extLst>
+    <c:showDLblsOverMax val="0"/>
+  </c:chart>
+  <c:spPr>
+    <a:noFill/>
+    <a:ln>
+      <a:noFill/>
+    </a:ln>
+    <a:effectLst/>
+  </c:spPr>
+  <c:txPr>
+    <a:bodyPr/>
+    <a:lstStyle/>
+    <a:p>
+      <a:pPr>
+        <a:defRPr/>
+      </a:pPr>
+      <a:endParaRPr lang="en-US"/>
+    </a:p>
+  </c:txPr>
+  <c:externalData r:id="rId3">
+    <c:autoUpdate val="0"/>
+  </c:externalData>
+</c:chartSpace>
+</file>
+
+<file path=ppt/charts/chart6.xml><?xml version="1.0" encoding="utf-8"?>
+<c:chartSpace xmlns:c="http://schemas.openxmlformats.org/drawingml/2006/chart" xmlns:a="http://schemas.openxmlformats.org/drawingml/2006/main" xmlns:r="http://schemas.openxmlformats.org/officeDocument/2006/relationships" xmlns:c16r2="http://schemas.microsoft.com/office/drawing/2015/06/chart">
+  <c:date1904 val="0"/>
+  <c:lang val="en-US"/>
+  <c:roundedCorners val="0"/>
+  <mc:AlternateContent xmlns:mc="http://schemas.openxmlformats.org/markup-compatibility/2006">
+    <mc:Choice xmlns:c14="http://schemas.microsoft.com/office/drawing/2007/8/2/chart" Requires="c14">
+      <c14:style val="102"/>
+    </mc:Choice>
+    <mc:Fallback>
+      <c:style val="2"/>
+    </mc:Fallback>
+  </mc:AlternateContent>
+  <c:chart>
+    <c:title>
+      <c:tx>
+        <c:rich>
+          <a:bodyPr rot="0" spcFirstLastPara="1" vertOverflow="ellipsis" vert="horz" wrap="square" anchor="ctr" anchorCtr="1"/>
+          <a:lstStyle/>
+          <a:p>
+            <a:pPr>
+              <a:defRPr sz="1862" b="0" i="0" u="none" strike="noStrike" kern="1200" cap="none" spc="20" baseline="0">
+                <a:solidFill>
+                  <a:schemeClr val="tx1">
+                    <a:lumMod val="50000"/>
+                    <a:lumOff val="50000"/>
+                  </a:schemeClr>
+                </a:solidFill>
+                <a:latin typeface="+mn-lt"/>
+                <a:ea typeface="+mn-ea"/>
+                <a:cs typeface="+mn-cs"/>
+              </a:defRPr>
+            </a:pPr>
+            <a:r>
+              <a:rPr lang="en-US" dirty="0"/>
+              <a:t>CIP</a:t>
+            </a:r>
+            <a:r>
+              <a:rPr lang="en-US" baseline="0" dirty="0"/>
+              <a:t> Correlation Plot</a:t>
+            </a:r>
+            <a:endParaRPr lang="en-US" dirty="0"/>
+          </a:p>
+        </c:rich>
+      </c:tx>
+      <c:layout>
+        <c:manualLayout>
+          <c:xMode val="edge"/>
+          <c:yMode val="edge"/>
+          <c:x val="0.29905845240536288"/>
+          <c:y val="0"/>
+        </c:manualLayout>
+      </c:layout>
+      <c:overlay val="0"/>
+      <c:spPr>
+        <a:noFill/>
+        <a:ln>
+          <a:solidFill>
+            <a:schemeClr val="tx1"/>
+          </a:solidFill>
+        </a:ln>
+        <a:effectLst/>
+      </c:spPr>
+      <c:txPr>
+        <a:bodyPr rot="0" spcFirstLastPara="1" vertOverflow="ellipsis" vert="horz" wrap="square" anchor="ctr" anchorCtr="1"/>
+        <a:lstStyle/>
+        <a:p>
+          <a:pPr>
+            <a:defRPr sz="1862" b="0" i="0" u="none" strike="noStrike" kern="1200" cap="none" spc="20" baseline="0">
+              <a:solidFill>
+                <a:schemeClr val="tx1">
+                  <a:lumMod val="50000"/>
+                  <a:lumOff val="50000"/>
+                </a:schemeClr>
+              </a:solidFill>
+              <a:latin typeface="+mn-lt"/>
+              <a:ea typeface="+mn-ea"/>
+              <a:cs typeface="+mn-cs"/>
+            </a:defRPr>
+          </a:pPr>
+          <a:endParaRPr lang="en-US"/>
+        </a:p>
+      </c:txPr>
+    </c:title>
+    <c:autoTitleDeleted val="0"/>
+    <c:plotArea>
+      <c:layout>
+        <c:manualLayout>
+          <c:layoutTarget val="inner"/>
+          <c:xMode val="edge"/>
+          <c:yMode val="edge"/>
+          <c:x val="8.3867879696270811E-2"/>
+          <c:y val="0.17561469868054563"/>
+          <c:w val="0.88796573580495874"/>
+          <c:h val="0.65492442796806738"/>
+        </c:manualLayout>
+      </c:layout>
+      <c:barChart>
+        <c:barDir val="col"/>
+        <c:grouping val="clustered"/>
+        <c:varyColors val="0"/>
+        <c:ser>
+          <c:idx val="0"/>
+          <c:order val="0"/>
+          <c:tx>
+            <c:strRef>
+              <c:f>Sheet1!$B$1</c:f>
+              <c:strCache>
+                <c:ptCount val="1"/>
+                <c:pt idx="0">
+                  <c:v>Max_CIP</c:v>
+                </c:pt>
+              </c:strCache>
+            </c:strRef>
+          </c:tx>
+          <c:spPr>
+            <a:gradFill rotWithShape="1">
+              <a:gsLst>
+                <a:gs pos="0">
+                  <a:schemeClr val="accent1">
+                    <a:lumMod val="110000"/>
+                    <a:satMod val="105000"/>
+                    <a:tint val="67000"/>
+                  </a:schemeClr>
+                </a:gs>
+                <a:gs pos="50000">
+                  <a:schemeClr val="accent1">
+                    <a:lumMod val="105000"/>
+                    <a:satMod val="103000"/>
+                    <a:tint val="73000"/>
+                  </a:schemeClr>
+                </a:gs>
+                <a:gs pos="100000">
+                  <a:schemeClr val="accent1">
+                    <a:lumMod val="105000"/>
+                    <a:satMod val="109000"/>
+                    <a:tint val="81000"/>
+                  </a:schemeClr>
+                </a:gs>
+              </a:gsLst>
+              <a:lin ang="5400000" scaled="0"/>
+            </a:gradFill>
+            <a:ln w="9525" cap="flat" cmpd="sng" algn="ctr">
+              <a:solidFill>
+                <a:schemeClr val="accent1">
+                  <a:shade val="95000"/>
+                </a:schemeClr>
+              </a:solidFill>
+              <a:round/>
+            </a:ln>
+            <a:effectLst/>
+          </c:spPr>
+          <c:invertIfNegative val="0"/>
+          <c:cat>
+            <c:strRef>
+              <c:f>Sheet1!$A$2:$A$8</c:f>
+              <c:strCache>
+                <c:ptCount val="7"/>
+                <c:pt idx="0">
+                  <c:v>CIP1</c:v>
+                </c:pt>
+                <c:pt idx="1">
+                  <c:v>CIP2</c:v>
+                </c:pt>
+                <c:pt idx="2">
+                  <c:v>CIP3</c:v>
+                </c:pt>
+                <c:pt idx="3">
+                  <c:v>CIP4</c:v>
+                </c:pt>
+                <c:pt idx="4">
+                  <c:v>CIP5</c:v>
+                </c:pt>
+                <c:pt idx="5">
+                  <c:v>CIP6</c:v>
+                </c:pt>
+                <c:pt idx="6">
+                  <c:v>Max_CIP</c:v>
+                </c:pt>
+              </c:strCache>
+            </c:strRef>
+          </c:cat>
+          <c:val>
+            <c:numRef>
+              <c:f>Sheet1!$B$2:$B$8</c:f>
+              <c:numCache>
+                <c:formatCode>General</c:formatCode>
+                <c:ptCount val="7"/>
+                <c:pt idx="0">
+                  <c:v>0.82784564256308035</c:v>
+                </c:pt>
+                <c:pt idx="1">
+                  <c:v>0.87425461631848056</c:v>
+                </c:pt>
+                <c:pt idx="2">
+                  <c:v>0.96831733310833479</c:v>
+                </c:pt>
+                <c:pt idx="3">
+                  <c:v>0.81364983678737224</c:v>
+                </c:pt>
+                <c:pt idx="4">
+                  <c:v>0.77956274286497174</c:v>
+                </c:pt>
+                <c:pt idx="5">
+                  <c:v>0.92365226152707069</c:v>
+                </c:pt>
+                <c:pt idx="6">
+                  <c:v>1</c:v>
+                </c:pt>
+              </c:numCache>
+            </c:numRef>
+          </c:val>
+          <c:extLst>
+            <c:ext xmlns:c16="http://schemas.microsoft.com/office/drawing/2014/chart" uri="{C3380CC4-5D6E-409C-BE32-E72D297353CC}">
+              <c16:uniqueId val="{00000000-823C-4DC2-8117-8FF73965B0B6}"/>
+            </c:ext>
+          </c:extLst>
+        </c:ser>
+        <c:dLbls>
+          <c:showLegendKey val="0"/>
+          <c:showVal val="0"/>
+          <c:showCatName val="0"/>
+          <c:showSerName val="0"/>
+          <c:showPercent val="0"/>
+          <c:showBubbleSize val="0"/>
+        </c:dLbls>
+        <c:gapWidth val="100"/>
+        <c:overlap val="-24"/>
+        <c:axId val="1122707280"/>
+        <c:axId val="1122707696"/>
+      </c:barChart>
+      <c:catAx>
+        <c:axId val="1122707280"/>
+        <c:scaling>
+          <c:orientation val="minMax"/>
+        </c:scaling>
+        <c:delete val="0"/>
+        <c:axPos val="b"/>
+        <c:title>
+          <c:tx>
+            <c:rich>
+              <a:bodyPr rot="0" spcFirstLastPara="1" vertOverflow="ellipsis" vert="horz" wrap="square" anchor="ctr" anchorCtr="1"/>
+              <a:lstStyle/>
+              <a:p>
+                <a:pPr>
+                  <a:defRPr sz="1197" b="0" i="0" u="none" strike="noStrike" kern="1200" cap="all" baseline="0">
+                    <a:solidFill>
+                      <a:schemeClr val="tx1">
+                        <a:lumMod val="50000"/>
+                        <a:lumOff val="50000"/>
+                      </a:schemeClr>
+                    </a:solidFill>
+                    <a:latin typeface="+mn-lt"/>
+                    <a:ea typeface="+mn-ea"/>
+                    <a:cs typeface="+mn-cs"/>
+                  </a:defRPr>
+                </a:pPr>
+                <a:r>
+                  <a:rPr lang="en-IN" dirty="0"/>
+                  <a:t>Correlations</a:t>
+                </a:r>
+                <a:r>
+                  <a:rPr lang="en-IN" baseline="0" dirty="0"/>
+                  <a:t> with Maximum cip</a:t>
+                </a:r>
+                <a:endParaRPr lang="en-IN" dirty="0"/>
+              </a:p>
+            </c:rich>
+          </c:tx>
+          <c:layout>
+            <c:manualLayout>
+              <c:xMode val="edge"/>
+              <c:yMode val="edge"/>
+              <c:x val="0.31700086273413935"/>
+              <c:y val="0.89037296603270022"/>
+            </c:manualLayout>
+          </c:layout>
+          <c:overlay val="0"/>
+          <c:spPr>
+            <a:noFill/>
+            <a:ln>
+              <a:solidFill>
+                <a:schemeClr val="tx1"/>
+              </a:solidFill>
+            </a:ln>
+            <a:effectLst/>
+          </c:spPr>
+          <c:txPr>
+            <a:bodyPr rot="0" spcFirstLastPara="1" vertOverflow="ellipsis" vert="horz" wrap="square" anchor="ctr" anchorCtr="1"/>
+            <a:lstStyle/>
+            <a:p>
+              <a:pPr>
+                <a:defRPr sz="1197" b="0" i="0" u="none" strike="noStrike" kern="1200" cap="all" baseline="0">
+                  <a:solidFill>
+                    <a:schemeClr val="tx1">
+                      <a:lumMod val="50000"/>
+                      <a:lumOff val="50000"/>
+                    </a:schemeClr>
+                  </a:solidFill>
+                  <a:latin typeface="+mn-lt"/>
+                  <a:ea typeface="+mn-ea"/>
+                  <a:cs typeface="+mn-cs"/>
+                </a:defRPr>
+              </a:pPr>
+              <a:endParaRPr lang="en-US"/>
+            </a:p>
+          </c:txPr>
+        </c:title>
+        <c:numFmt formatCode="General" sourceLinked="1"/>
+        <c:majorTickMark val="none"/>
+        <c:minorTickMark val="none"/>
+        <c:tickLblPos val="nextTo"/>
+        <c:spPr>
+          <a:noFill/>
+          <a:ln w="9525" cap="flat" cmpd="sng" algn="ctr">
+            <a:solidFill>
+              <a:schemeClr val="tx1">
+                <a:lumMod val="15000"/>
+                <a:lumOff val="85000"/>
+              </a:schemeClr>
+            </a:solidFill>
+            <a:round/>
+          </a:ln>
+          <a:effectLst/>
+        </c:spPr>
+        <c:txPr>
+          <a:bodyPr rot="-60000000" spcFirstLastPara="1" vertOverflow="ellipsis" vert="horz" wrap="square" anchor="ctr" anchorCtr="1"/>
+          <a:lstStyle/>
+          <a:p>
+            <a:pPr>
+              <a:defRPr sz="1197" b="0" i="0" u="none" strike="noStrike" kern="1200" baseline="0">
+                <a:solidFill>
+                  <a:schemeClr val="tx1">
+                    <a:lumMod val="50000"/>
+                    <a:lumOff val="50000"/>
+                  </a:schemeClr>
+                </a:solidFill>
+                <a:latin typeface="+mn-lt"/>
+                <a:ea typeface="+mn-ea"/>
+                <a:cs typeface="+mn-cs"/>
+              </a:defRPr>
+            </a:pPr>
+            <a:endParaRPr lang="en-US"/>
+          </a:p>
+        </c:txPr>
+        <c:crossAx val="1122707696"/>
+        <c:crosses val="autoZero"/>
+        <c:auto val="1"/>
+        <c:lblAlgn val="ctr"/>
+        <c:lblOffset val="100"/>
+        <c:noMultiLvlLbl val="0"/>
+      </c:catAx>
+      <c:valAx>
+        <c:axId val="1122707696"/>
+        <c:scaling>
+          <c:orientation val="minMax"/>
+        </c:scaling>
+        <c:delete val="0"/>
+        <c:axPos val="l"/>
+        <c:majorGridlines>
+          <c:spPr>
+            <a:ln w="9525" cap="flat" cmpd="sng" algn="ctr">
+              <a:solidFill>
+                <a:schemeClr val="tx1">
+                  <a:lumMod val="15000"/>
+                  <a:lumOff val="85000"/>
+                </a:schemeClr>
+              </a:solidFill>
+              <a:round/>
+            </a:ln>
+            <a:effectLst/>
+          </c:spPr>
+        </c:majorGridlines>
+        <c:numFmt formatCode="General" sourceLinked="1"/>
+        <c:majorTickMark val="none"/>
+        <c:minorTickMark val="none"/>
+        <c:tickLblPos val="nextTo"/>
+        <c:spPr>
+          <a:noFill/>
+          <a:ln>
+            <a:noFill/>
+          </a:ln>
+          <a:effectLst/>
+        </c:spPr>
+        <c:txPr>
+          <a:bodyPr rot="-60000000" spcFirstLastPara="1" vertOverflow="ellipsis" vert="horz" wrap="square" anchor="ctr" anchorCtr="1"/>
+          <a:lstStyle/>
+          <a:p>
+            <a:pPr>
+              <a:defRPr sz="1197" b="0" i="0" u="none" strike="noStrike" kern="1200" baseline="0">
+                <a:solidFill>
+                  <a:schemeClr val="tx1">
+                    <a:lumMod val="50000"/>
+                    <a:lumOff val="50000"/>
+                  </a:schemeClr>
+                </a:solidFill>
+                <a:latin typeface="+mn-lt"/>
+                <a:ea typeface="+mn-ea"/>
+                <a:cs typeface="+mn-cs"/>
+              </a:defRPr>
+            </a:pPr>
+            <a:endParaRPr lang="en-US"/>
+          </a:p>
+        </c:txPr>
+        <c:crossAx val="1122707280"/>
+        <c:crosses val="autoZero"/>
+        <c:crossBetween val="between"/>
+      </c:valAx>
+      <c:spPr>
+        <a:noFill/>
+        <a:ln>
+          <a:noFill/>
+        </a:ln>
+        <a:effectLst/>
+      </c:spPr>
+    </c:plotArea>
+    <c:plotVisOnly val="1"/>
+    <c:dispBlanksAs val="gap"/>
+    <c:extLst>
+      <c:ext xmlns:c16r3="http://schemas.microsoft.com/office/drawing/2017/03/chart" uri="{56B9EC1D-385E-4148-901F-78D8002777C0}">
+        <c16r3:dataDisplayOptions16>
+          <c16r3:dispNaAsBlank val="1"/>
+        </c16r3:dataDisplayOptions16>
+      </c:ext>
+    </c:extLst>
+    <c:showDLblsOverMax val="0"/>
+  </c:chart>
+  <c:spPr>
+    <a:noFill/>
+    <a:ln>
+      <a:noFill/>
+    </a:ln>
+    <a:effectLst/>
+  </c:spPr>
+  <c:txPr>
+    <a:bodyPr/>
+    <a:lstStyle/>
+    <a:p>
+      <a:pPr>
+        <a:defRPr/>
+      </a:pPr>
+      <a:endParaRPr lang="en-US"/>
+    </a:p>
+  </c:txPr>
+  <c:externalData r:id="rId3">
+    <c:autoUpdate val="0"/>
+  </c:externalData>
+</c:chartSpace>
+</file>
+
 <file path=ppt/charts/colors1.xml><?xml version="1.0" encoding="utf-8"?>
 <cs:colorStyle xmlns:cs="http://schemas.microsoft.com/office/drawing/2012/chartStyle" xmlns:a="http://schemas.openxmlformats.org/drawingml/2006/main" meth="cycle" id="10">
   <a:schemeClr val="accent1"/>
@@ -649,7 +2826,2832 @@
 </cs:colorStyle>
 </file>
 
+<file path=ppt/charts/colors2.xml><?xml version="1.0" encoding="utf-8"?>
+<cs:colorStyle xmlns:cs="http://schemas.microsoft.com/office/drawing/2012/chartStyle" xmlns:a="http://schemas.openxmlformats.org/drawingml/2006/main" meth="cycle" id="10">
+  <a:schemeClr val="accent1"/>
+  <a:schemeClr val="accent2"/>
+  <a:schemeClr val="accent3"/>
+  <a:schemeClr val="accent4"/>
+  <a:schemeClr val="accent5"/>
+  <a:schemeClr val="accent6"/>
+  <cs:variation/>
+  <cs:variation>
+    <a:lumMod val="60000"/>
+  </cs:variation>
+  <cs:variation>
+    <a:lumMod val="80000"/>
+    <a:lumOff val="20000"/>
+  </cs:variation>
+  <cs:variation>
+    <a:lumMod val="80000"/>
+  </cs:variation>
+  <cs:variation>
+    <a:lumMod val="60000"/>
+    <a:lumOff val="40000"/>
+  </cs:variation>
+  <cs:variation>
+    <a:lumMod val="50000"/>
+  </cs:variation>
+  <cs:variation>
+    <a:lumMod val="70000"/>
+    <a:lumOff val="30000"/>
+  </cs:variation>
+  <cs:variation>
+    <a:lumMod val="70000"/>
+  </cs:variation>
+  <cs:variation>
+    <a:lumMod val="50000"/>
+    <a:lumOff val="50000"/>
+  </cs:variation>
+</cs:colorStyle>
+</file>
+
+<file path=ppt/charts/colors3.xml><?xml version="1.0" encoding="utf-8"?>
+<cs:colorStyle xmlns:cs="http://schemas.microsoft.com/office/drawing/2012/chartStyle" xmlns:a="http://schemas.openxmlformats.org/drawingml/2006/main" meth="cycle" id="10">
+  <a:schemeClr val="accent1"/>
+  <a:schemeClr val="accent2"/>
+  <a:schemeClr val="accent3"/>
+  <a:schemeClr val="accent4"/>
+  <a:schemeClr val="accent5"/>
+  <a:schemeClr val="accent6"/>
+  <cs:variation/>
+  <cs:variation>
+    <a:lumMod val="60000"/>
+  </cs:variation>
+  <cs:variation>
+    <a:lumMod val="80000"/>
+    <a:lumOff val="20000"/>
+  </cs:variation>
+  <cs:variation>
+    <a:lumMod val="80000"/>
+  </cs:variation>
+  <cs:variation>
+    <a:lumMod val="60000"/>
+    <a:lumOff val="40000"/>
+  </cs:variation>
+  <cs:variation>
+    <a:lumMod val="50000"/>
+  </cs:variation>
+  <cs:variation>
+    <a:lumMod val="70000"/>
+    <a:lumOff val="30000"/>
+  </cs:variation>
+  <cs:variation>
+    <a:lumMod val="70000"/>
+  </cs:variation>
+  <cs:variation>
+    <a:lumMod val="50000"/>
+    <a:lumOff val="50000"/>
+  </cs:variation>
+</cs:colorStyle>
+</file>
+
+<file path=ppt/charts/colors4.xml><?xml version="1.0" encoding="utf-8"?>
+<cs:colorStyle xmlns:cs="http://schemas.microsoft.com/office/drawing/2012/chartStyle" xmlns:a="http://schemas.openxmlformats.org/drawingml/2006/main" meth="cycle" id="10">
+  <a:schemeClr val="accent1"/>
+  <a:schemeClr val="accent2"/>
+  <a:schemeClr val="accent3"/>
+  <a:schemeClr val="accent4"/>
+  <a:schemeClr val="accent5"/>
+  <a:schemeClr val="accent6"/>
+  <cs:variation/>
+  <cs:variation>
+    <a:lumMod val="60000"/>
+  </cs:variation>
+  <cs:variation>
+    <a:lumMod val="80000"/>
+    <a:lumOff val="20000"/>
+  </cs:variation>
+  <cs:variation>
+    <a:lumMod val="80000"/>
+  </cs:variation>
+  <cs:variation>
+    <a:lumMod val="60000"/>
+    <a:lumOff val="40000"/>
+  </cs:variation>
+  <cs:variation>
+    <a:lumMod val="50000"/>
+  </cs:variation>
+  <cs:variation>
+    <a:lumMod val="70000"/>
+    <a:lumOff val="30000"/>
+  </cs:variation>
+  <cs:variation>
+    <a:lumMod val="70000"/>
+  </cs:variation>
+  <cs:variation>
+    <a:lumMod val="50000"/>
+    <a:lumOff val="50000"/>
+  </cs:variation>
+</cs:colorStyle>
+</file>
+
+<file path=ppt/charts/colors5.xml><?xml version="1.0" encoding="utf-8"?>
+<cs:colorStyle xmlns:cs="http://schemas.microsoft.com/office/drawing/2012/chartStyle" xmlns:a="http://schemas.openxmlformats.org/drawingml/2006/main" meth="cycle" id="10">
+  <a:schemeClr val="accent1"/>
+  <a:schemeClr val="accent2"/>
+  <a:schemeClr val="accent3"/>
+  <a:schemeClr val="accent4"/>
+  <a:schemeClr val="accent5"/>
+  <a:schemeClr val="accent6"/>
+  <cs:variation/>
+  <cs:variation>
+    <a:lumMod val="60000"/>
+  </cs:variation>
+  <cs:variation>
+    <a:lumMod val="80000"/>
+    <a:lumOff val="20000"/>
+  </cs:variation>
+  <cs:variation>
+    <a:lumMod val="80000"/>
+  </cs:variation>
+  <cs:variation>
+    <a:lumMod val="60000"/>
+    <a:lumOff val="40000"/>
+  </cs:variation>
+  <cs:variation>
+    <a:lumMod val="50000"/>
+  </cs:variation>
+  <cs:variation>
+    <a:lumMod val="70000"/>
+    <a:lumOff val="30000"/>
+  </cs:variation>
+  <cs:variation>
+    <a:lumMod val="70000"/>
+  </cs:variation>
+  <cs:variation>
+    <a:lumMod val="50000"/>
+    <a:lumOff val="50000"/>
+  </cs:variation>
+</cs:colorStyle>
+</file>
+
+<file path=ppt/charts/colors6.xml><?xml version="1.0" encoding="utf-8"?>
+<cs:colorStyle xmlns:cs="http://schemas.microsoft.com/office/drawing/2012/chartStyle" xmlns:a="http://schemas.openxmlformats.org/drawingml/2006/main" meth="cycle" id="10">
+  <a:schemeClr val="accent1"/>
+  <a:schemeClr val="accent2"/>
+  <a:schemeClr val="accent3"/>
+  <a:schemeClr val="accent4"/>
+  <a:schemeClr val="accent5"/>
+  <a:schemeClr val="accent6"/>
+  <cs:variation/>
+  <cs:variation>
+    <a:lumMod val="60000"/>
+  </cs:variation>
+  <cs:variation>
+    <a:lumMod val="80000"/>
+    <a:lumOff val="20000"/>
+  </cs:variation>
+  <cs:variation>
+    <a:lumMod val="80000"/>
+  </cs:variation>
+  <cs:variation>
+    <a:lumMod val="60000"/>
+    <a:lumOff val="40000"/>
+  </cs:variation>
+  <cs:variation>
+    <a:lumMod val="50000"/>
+  </cs:variation>
+  <cs:variation>
+    <a:lumMod val="70000"/>
+    <a:lumOff val="30000"/>
+  </cs:variation>
+  <cs:variation>
+    <a:lumMod val="70000"/>
+  </cs:variation>
+  <cs:variation>
+    <a:lumMod val="50000"/>
+    <a:lumOff val="50000"/>
+  </cs:variation>
+</cs:colorStyle>
+</file>
+
 <file path=ppt/charts/style1.xml><?xml version="1.0" encoding="utf-8"?>
+<cs:chartStyle xmlns:cs="http://schemas.microsoft.com/office/drawing/2012/chartStyle" xmlns:a="http://schemas.openxmlformats.org/drawingml/2006/main" id="206">
+  <cs:axisTitle>
+    <cs:lnRef idx="0"/>
+    <cs:fillRef idx="0"/>
+    <cs:effectRef idx="0"/>
+    <cs:fontRef idx="minor">
+      <a:schemeClr val="tx1">
+        <a:lumMod val="50000"/>
+        <a:lumOff val="50000"/>
+      </a:schemeClr>
+    </cs:fontRef>
+    <cs:defRPr sz="1197" kern="1200" cap="all"/>
+  </cs:axisTitle>
+  <cs:categoryAxis>
+    <cs:lnRef idx="0"/>
+    <cs:fillRef idx="0"/>
+    <cs:effectRef idx="0"/>
+    <cs:fontRef idx="minor">
+      <a:schemeClr val="tx1">
+        <a:lumMod val="50000"/>
+        <a:lumOff val="50000"/>
+      </a:schemeClr>
+    </cs:fontRef>
+    <cs:spPr>
+      <a:ln w="9525" cap="flat" cmpd="sng" algn="ctr">
+        <a:solidFill>
+          <a:schemeClr val="tx1">
+            <a:lumMod val="15000"/>
+            <a:lumOff val="85000"/>
+          </a:schemeClr>
+        </a:solidFill>
+        <a:round/>
+      </a:ln>
+    </cs:spPr>
+    <cs:defRPr sz="1197" kern="1200"/>
+  </cs:categoryAxis>
+  <cs:chartArea mods="allowNoFillOverride allowNoLineOverride">
+    <cs:lnRef idx="0"/>
+    <cs:fillRef idx="0"/>
+    <cs:effectRef idx="0"/>
+    <cs:fontRef idx="minor">
+      <a:schemeClr val="dk1"/>
+    </cs:fontRef>
+    <cs:spPr>
+      <a:solidFill>
+        <a:schemeClr val="bg1"/>
+      </a:solidFill>
+      <a:ln w="9525" cap="flat" cmpd="sng" algn="ctr">
+        <a:solidFill>
+          <a:schemeClr val="tx1">
+            <a:lumMod val="15000"/>
+            <a:lumOff val="85000"/>
+          </a:schemeClr>
+        </a:solidFill>
+        <a:round/>
+      </a:ln>
+    </cs:spPr>
+    <cs:defRPr sz="1197" kern="1200"/>
+  </cs:chartArea>
+  <cs:dataLabel>
+    <cs:lnRef idx="0"/>
+    <cs:fillRef idx="0"/>
+    <cs:effectRef idx="0"/>
+    <cs:fontRef idx="minor">
+      <a:schemeClr val="tx1">
+        <a:lumMod val="50000"/>
+        <a:lumOff val="50000"/>
+      </a:schemeClr>
+    </cs:fontRef>
+    <cs:defRPr sz="1197" kern="1200"/>
+  </cs:dataLabel>
+  <cs:dataLabelCallout>
+    <cs:lnRef idx="0"/>
+    <cs:fillRef idx="0"/>
+    <cs:effectRef idx="0"/>
+    <cs:fontRef idx="minor">
+      <a:schemeClr val="dk1">
+        <a:lumMod val="65000"/>
+        <a:lumOff val="35000"/>
+      </a:schemeClr>
+    </cs:fontRef>
+    <cs:spPr>
+      <a:solidFill>
+        <a:schemeClr val="lt1"/>
+      </a:solidFill>
+      <a:ln>
+        <a:solidFill>
+          <a:schemeClr val="dk1">
+            <a:lumMod val="25000"/>
+            <a:lumOff val="75000"/>
+          </a:schemeClr>
+        </a:solidFill>
+      </a:ln>
+    </cs:spPr>
+    <cs:defRPr sz="1197" kern="1200"/>
+    <cs:bodyPr rot="0" spcFirstLastPara="1" vertOverflow="clip" horzOverflow="clip" vert="horz" wrap="square" lIns="36576" tIns="18288" rIns="36576" bIns="18288" anchor="ctr" anchorCtr="1">
+      <a:spAutoFit/>
+    </cs:bodyPr>
+  </cs:dataLabelCallout>
+  <cs:dataPoint>
+    <cs:lnRef idx="0">
+      <cs:styleClr val="auto"/>
+    </cs:lnRef>
+    <cs:fillRef idx="2">
+      <cs:styleClr val="auto"/>
+    </cs:fillRef>
+    <cs:effectRef idx="1"/>
+    <cs:fontRef idx="minor">
+      <a:schemeClr val="dk1"/>
+    </cs:fontRef>
+    <cs:spPr>
+      <a:ln w="9525" cap="flat" cmpd="sng" algn="ctr">
+        <a:solidFill>
+          <a:schemeClr val="phClr">
+            <a:shade val="95000"/>
+          </a:schemeClr>
+        </a:solidFill>
+        <a:round/>
+      </a:ln>
+    </cs:spPr>
+  </cs:dataPoint>
+  <cs:dataPoint3D>
+    <cs:lnRef idx="0">
+      <cs:styleClr val="auto"/>
+    </cs:lnRef>
+    <cs:fillRef idx="2">
+      <cs:styleClr val="auto"/>
+    </cs:fillRef>
+    <cs:effectRef idx="1"/>
+    <cs:fontRef idx="minor">
+      <a:schemeClr val="dk1"/>
+    </cs:fontRef>
+    <cs:spPr>
+      <a:ln w="9525" cap="flat" cmpd="sng" algn="ctr">
+        <a:solidFill>
+          <a:schemeClr val="phClr">
+            <a:shade val="95000"/>
+          </a:schemeClr>
+        </a:solidFill>
+        <a:round/>
+      </a:ln>
+    </cs:spPr>
+  </cs:dataPoint3D>
+  <cs:dataPointLine>
+    <cs:lnRef idx="0">
+      <cs:styleClr val="auto"/>
+    </cs:lnRef>
+    <cs:fillRef idx="2">
+      <cs:styleClr val="auto"/>
+    </cs:fillRef>
+    <cs:effectRef idx="1"/>
+    <cs:fontRef idx="minor">
+      <a:schemeClr val="dk1"/>
+    </cs:fontRef>
+    <cs:spPr>
+      <a:ln w="15875" cap="rnd">
+        <a:solidFill>
+          <a:schemeClr val="phClr"/>
+        </a:solidFill>
+        <a:round/>
+      </a:ln>
+    </cs:spPr>
+  </cs:dataPointLine>
+  <cs:dataPointMarker>
+    <cs:lnRef idx="0">
+      <cs:styleClr val="auto"/>
+    </cs:lnRef>
+    <cs:fillRef idx="2">
+      <cs:styleClr val="auto"/>
+    </cs:fillRef>
+    <cs:effectRef idx="1"/>
+    <cs:fontRef idx="minor">
+      <a:schemeClr val="dk1"/>
+    </cs:fontRef>
+    <cs:spPr>
+      <a:ln w="9525" cap="flat" cmpd="sng" algn="ctr">
+        <a:solidFill>
+          <a:schemeClr val="phClr">
+            <a:shade val="95000"/>
+          </a:schemeClr>
+        </a:solidFill>
+        <a:round/>
+      </a:ln>
+    </cs:spPr>
+  </cs:dataPointMarker>
+  <cs:dataPointMarkerLayout symbol="circle" size="4"/>
+  <cs:dataPointWireframe>
+    <cs:lnRef idx="0">
+      <cs:styleClr val="auto"/>
+    </cs:lnRef>
+    <cs:fillRef idx="2"/>
+    <cs:effectRef idx="0"/>
+    <cs:fontRef idx="minor">
+      <a:schemeClr val="dk1"/>
+    </cs:fontRef>
+    <cs:spPr>
+      <a:ln w="9525" cap="rnd">
+        <a:solidFill>
+          <a:schemeClr val="phClr"/>
+        </a:solidFill>
+        <a:round/>
+      </a:ln>
+    </cs:spPr>
+  </cs:dataPointWireframe>
+  <cs:dataTable>
+    <cs:lnRef idx="0"/>
+    <cs:fillRef idx="0"/>
+    <cs:effectRef idx="0"/>
+    <cs:fontRef idx="minor">
+      <a:schemeClr val="tx1">
+        <a:lumMod val="50000"/>
+        <a:lumOff val="50000"/>
+      </a:schemeClr>
+    </cs:fontRef>
+    <cs:spPr>
+      <a:ln w="9525">
+        <a:solidFill>
+          <a:schemeClr val="tx1">
+            <a:lumMod val="15000"/>
+            <a:lumOff val="85000"/>
+          </a:schemeClr>
+        </a:solidFill>
+      </a:ln>
+    </cs:spPr>
+    <cs:defRPr sz="1197" kern="1200"/>
+  </cs:dataTable>
+  <cs:downBar>
+    <cs:lnRef idx="0"/>
+    <cs:fillRef idx="0"/>
+    <cs:effectRef idx="0"/>
+    <cs:fontRef idx="minor">
+      <a:schemeClr val="dk1"/>
+    </cs:fontRef>
+    <cs:spPr>
+      <a:solidFill>
+        <a:schemeClr val="dk1">
+          <a:lumMod val="75000"/>
+          <a:lumOff val="25000"/>
+        </a:schemeClr>
+      </a:solidFill>
+      <a:ln w="9525">
+        <a:solidFill>
+          <a:schemeClr val="tx1">
+            <a:lumMod val="50000"/>
+            <a:lumOff val="50000"/>
+          </a:schemeClr>
+        </a:solidFill>
+      </a:ln>
+    </cs:spPr>
+  </cs:downBar>
+  <cs:dropLine>
+    <cs:lnRef idx="0"/>
+    <cs:fillRef idx="0"/>
+    <cs:effectRef idx="0"/>
+    <cs:fontRef idx="minor">
+      <a:schemeClr val="dk1"/>
+    </cs:fontRef>
+    <cs:spPr>
+      <a:ln w="9525">
+        <a:solidFill>
+          <a:schemeClr val="tx1">
+            <a:lumMod val="35000"/>
+            <a:lumOff val="65000"/>
+          </a:schemeClr>
+        </a:solidFill>
+        <a:prstDash val="dash"/>
+      </a:ln>
+    </cs:spPr>
+  </cs:dropLine>
+  <cs:errorBar>
+    <cs:lnRef idx="0"/>
+    <cs:fillRef idx="0"/>
+    <cs:effectRef idx="0"/>
+    <cs:fontRef idx="minor">
+      <a:schemeClr val="dk1"/>
+    </cs:fontRef>
+    <cs:spPr>
+      <a:ln w="9525">
+        <a:solidFill>
+          <a:schemeClr val="tx1">
+            <a:lumMod val="50000"/>
+            <a:lumOff val="50000"/>
+          </a:schemeClr>
+        </a:solidFill>
+      </a:ln>
+    </cs:spPr>
+  </cs:errorBar>
+  <cs:floor>
+    <cs:lnRef idx="0"/>
+    <cs:fillRef idx="0"/>
+    <cs:effectRef idx="0"/>
+    <cs:fontRef idx="minor">
+      <a:schemeClr val="dk1"/>
+    </cs:fontRef>
+  </cs:floor>
+  <cs:gridlineMajor>
+    <cs:lnRef idx="0"/>
+    <cs:fillRef idx="0"/>
+    <cs:effectRef idx="0"/>
+    <cs:fontRef idx="minor">
+      <a:schemeClr val="dk1"/>
+    </cs:fontRef>
+    <cs:spPr>
+      <a:ln w="9525" cap="flat" cmpd="sng" algn="ctr">
+        <a:solidFill>
+          <a:schemeClr val="tx1">
+            <a:lumMod val="15000"/>
+            <a:lumOff val="85000"/>
+          </a:schemeClr>
+        </a:solidFill>
+        <a:round/>
+      </a:ln>
+    </cs:spPr>
+  </cs:gridlineMajor>
+  <cs:gridlineMinor>
+    <cs:lnRef idx="0"/>
+    <cs:fillRef idx="0"/>
+    <cs:effectRef idx="0"/>
+    <cs:fontRef idx="minor">
+      <a:schemeClr val="dk1"/>
+    </cs:fontRef>
+    <cs:spPr>
+      <a:ln>
+        <a:solidFill>
+          <a:schemeClr val="tx1">
+            <a:lumMod val="5000"/>
+            <a:lumOff val="95000"/>
+          </a:schemeClr>
+        </a:solidFill>
+      </a:ln>
+    </cs:spPr>
+  </cs:gridlineMinor>
+  <cs:hiLoLine>
+    <cs:lnRef idx="0"/>
+    <cs:fillRef idx="0"/>
+    <cs:effectRef idx="0"/>
+    <cs:fontRef idx="minor">
+      <a:schemeClr val="dk1"/>
+    </cs:fontRef>
+    <cs:spPr>
+      <a:ln w="9525">
+        <a:solidFill>
+          <a:schemeClr val="tx1">
+            <a:lumMod val="50000"/>
+            <a:lumOff val="50000"/>
+          </a:schemeClr>
+        </a:solidFill>
+        <a:prstDash val="dash"/>
+      </a:ln>
+    </cs:spPr>
+  </cs:hiLoLine>
+  <cs:leaderLine>
+    <cs:lnRef idx="0"/>
+    <cs:fillRef idx="0"/>
+    <cs:effectRef idx="0"/>
+    <cs:fontRef idx="minor">
+      <a:schemeClr val="dk1"/>
+    </cs:fontRef>
+    <cs:spPr>
+      <a:ln w="9525">
+        <a:solidFill>
+          <a:schemeClr val="tx1">
+            <a:lumMod val="35000"/>
+            <a:lumOff val="65000"/>
+          </a:schemeClr>
+        </a:solidFill>
+      </a:ln>
+    </cs:spPr>
+  </cs:leaderLine>
+  <cs:legend>
+    <cs:lnRef idx="0"/>
+    <cs:fillRef idx="0"/>
+    <cs:effectRef idx="0"/>
+    <cs:fontRef idx="minor">
+      <a:schemeClr val="tx1">
+        <a:lumMod val="50000"/>
+        <a:lumOff val="50000"/>
+      </a:schemeClr>
+    </cs:fontRef>
+    <cs:defRPr sz="1197" kern="1200"/>
+  </cs:legend>
+  <cs:plotArea mods="allowNoFillOverride allowNoLineOverride">
+    <cs:lnRef idx="0"/>
+    <cs:fillRef idx="0"/>
+    <cs:effectRef idx="0"/>
+    <cs:fontRef idx="minor">
+      <a:schemeClr val="dk1"/>
+    </cs:fontRef>
+  </cs:plotArea>
+  <cs:plotArea3D mods="allowNoFillOverride allowNoLineOverride">
+    <cs:lnRef idx="0"/>
+    <cs:fillRef idx="0"/>
+    <cs:effectRef idx="0"/>
+    <cs:fontRef idx="minor">
+      <a:schemeClr val="dk1"/>
+    </cs:fontRef>
+  </cs:plotArea3D>
+  <cs:seriesAxis>
+    <cs:lnRef idx="0"/>
+    <cs:fillRef idx="0"/>
+    <cs:effectRef idx="0"/>
+    <cs:fontRef idx="minor">
+      <a:schemeClr val="tx1">
+        <a:lumMod val="50000"/>
+        <a:lumOff val="50000"/>
+      </a:schemeClr>
+    </cs:fontRef>
+    <cs:spPr>
+      <a:ln w="9525" cap="flat" cmpd="sng" algn="ctr">
+        <a:solidFill>
+          <a:schemeClr val="tx1">
+            <a:lumMod val="15000"/>
+            <a:lumOff val="85000"/>
+          </a:schemeClr>
+        </a:solidFill>
+        <a:round/>
+      </a:ln>
+    </cs:spPr>
+    <cs:defRPr sz="1197" kern="1200"/>
+  </cs:seriesAxis>
+  <cs:seriesLine>
+    <cs:lnRef idx="0"/>
+    <cs:fillRef idx="0"/>
+    <cs:effectRef idx="0"/>
+    <cs:fontRef idx="minor">
+      <a:schemeClr val="dk1"/>
+    </cs:fontRef>
+    <cs:spPr>
+      <a:ln w="9525">
+        <a:solidFill>
+          <a:schemeClr val="tx1">
+            <a:lumMod val="35000"/>
+            <a:lumOff val="65000"/>
+          </a:schemeClr>
+        </a:solidFill>
+        <a:prstDash val="dash"/>
+      </a:ln>
+    </cs:spPr>
+  </cs:seriesLine>
+  <cs:title>
+    <cs:lnRef idx="0"/>
+    <cs:fillRef idx="0"/>
+    <cs:effectRef idx="0"/>
+    <cs:fontRef idx="minor">
+      <a:schemeClr val="tx1">
+        <a:lumMod val="50000"/>
+        <a:lumOff val="50000"/>
+      </a:schemeClr>
+    </cs:fontRef>
+    <cs:defRPr sz="1862" kern="1200" cap="none" spc="20" baseline="0"/>
+  </cs:title>
+  <cs:trendline>
+    <cs:lnRef idx="0">
+      <cs:styleClr val="auto"/>
+    </cs:lnRef>
+    <cs:fillRef idx="2"/>
+    <cs:effectRef idx="0"/>
+    <cs:fontRef idx="minor">
+      <a:schemeClr val="dk1"/>
+    </cs:fontRef>
+    <cs:spPr>
+      <a:ln w="9525" cap="rnd">
+        <a:solidFill>
+          <a:schemeClr val="phClr"/>
+        </a:solidFill>
+      </a:ln>
+    </cs:spPr>
+  </cs:trendline>
+  <cs:trendlineLabel>
+    <cs:lnRef idx="0"/>
+    <cs:fillRef idx="0"/>
+    <cs:effectRef idx="0"/>
+    <cs:fontRef idx="minor">
+      <a:schemeClr val="tx1">
+        <a:lumMod val="50000"/>
+        <a:lumOff val="50000"/>
+      </a:schemeClr>
+    </cs:fontRef>
+    <cs:defRPr sz="1197" kern="1200"/>
+  </cs:trendlineLabel>
+  <cs:upBar>
+    <cs:lnRef idx="0"/>
+    <cs:fillRef idx="0"/>
+    <cs:effectRef idx="0"/>
+    <cs:fontRef idx="minor">
+      <a:schemeClr val="dk1"/>
+    </cs:fontRef>
+    <cs:spPr>
+      <a:solidFill>
+        <a:schemeClr val="lt1"/>
+      </a:solidFill>
+      <a:ln w="9525">
+        <a:solidFill>
+          <a:schemeClr val="tx1">
+            <a:lumMod val="50000"/>
+            <a:lumOff val="50000"/>
+          </a:schemeClr>
+        </a:solidFill>
+      </a:ln>
+    </cs:spPr>
+  </cs:upBar>
+  <cs:valueAxis>
+    <cs:lnRef idx="0"/>
+    <cs:fillRef idx="0"/>
+    <cs:effectRef idx="0"/>
+    <cs:fontRef idx="minor">
+      <a:schemeClr val="tx1">
+        <a:lumMod val="50000"/>
+        <a:lumOff val="50000"/>
+      </a:schemeClr>
+    </cs:fontRef>
+    <cs:defRPr sz="1197" kern="1200"/>
+  </cs:valueAxis>
+  <cs:wall>
+    <cs:lnRef idx="0"/>
+    <cs:fillRef idx="0"/>
+    <cs:effectRef idx="0"/>
+    <cs:fontRef idx="minor">
+      <a:schemeClr val="dk1"/>
+    </cs:fontRef>
+  </cs:wall>
+</cs:chartStyle>
+</file>
+
+<file path=ppt/charts/style2.xml><?xml version="1.0" encoding="utf-8"?>
+<cs:chartStyle xmlns:cs="http://schemas.microsoft.com/office/drawing/2012/chartStyle" xmlns:a="http://schemas.openxmlformats.org/drawingml/2006/main" id="206">
+  <cs:axisTitle>
+    <cs:lnRef idx="0"/>
+    <cs:fillRef idx="0"/>
+    <cs:effectRef idx="0"/>
+    <cs:fontRef idx="minor">
+      <a:schemeClr val="tx1">
+        <a:lumMod val="50000"/>
+        <a:lumOff val="50000"/>
+      </a:schemeClr>
+    </cs:fontRef>
+    <cs:defRPr sz="1197" kern="1200" cap="all"/>
+  </cs:axisTitle>
+  <cs:categoryAxis>
+    <cs:lnRef idx="0"/>
+    <cs:fillRef idx="0"/>
+    <cs:effectRef idx="0"/>
+    <cs:fontRef idx="minor">
+      <a:schemeClr val="tx1">
+        <a:lumMod val="50000"/>
+        <a:lumOff val="50000"/>
+      </a:schemeClr>
+    </cs:fontRef>
+    <cs:spPr>
+      <a:ln w="9525" cap="flat" cmpd="sng" algn="ctr">
+        <a:solidFill>
+          <a:schemeClr val="tx1">
+            <a:lumMod val="15000"/>
+            <a:lumOff val="85000"/>
+          </a:schemeClr>
+        </a:solidFill>
+        <a:round/>
+      </a:ln>
+    </cs:spPr>
+    <cs:defRPr sz="1197" kern="1200"/>
+  </cs:categoryAxis>
+  <cs:chartArea mods="allowNoFillOverride allowNoLineOverride">
+    <cs:lnRef idx="0"/>
+    <cs:fillRef idx="0"/>
+    <cs:effectRef idx="0"/>
+    <cs:fontRef idx="minor">
+      <a:schemeClr val="dk1"/>
+    </cs:fontRef>
+    <cs:spPr>
+      <a:solidFill>
+        <a:schemeClr val="bg1"/>
+      </a:solidFill>
+      <a:ln w="9525" cap="flat" cmpd="sng" algn="ctr">
+        <a:solidFill>
+          <a:schemeClr val="tx1">
+            <a:lumMod val="15000"/>
+            <a:lumOff val="85000"/>
+          </a:schemeClr>
+        </a:solidFill>
+        <a:round/>
+      </a:ln>
+    </cs:spPr>
+    <cs:defRPr sz="1197" kern="1200"/>
+  </cs:chartArea>
+  <cs:dataLabel>
+    <cs:lnRef idx="0"/>
+    <cs:fillRef idx="0"/>
+    <cs:effectRef idx="0"/>
+    <cs:fontRef idx="minor">
+      <a:schemeClr val="tx1">
+        <a:lumMod val="50000"/>
+        <a:lumOff val="50000"/>
+      </a:schemeClr>
+    </cs:fontRef>
+    <cs:defRPr sz="1197" kern="1200"/>
+  </cs:dataLabel>
+  <cs:dataLabelCallout>
+    <cs:lnRef idx="0"/>
+    <cs:fillRef idx="0"/>
+    <cs:effectRef idx="0"/>
+    <cs:fontRef idx="minor">
+      <a:schemeClr val="dk1">
+        <a:lumMod val="65000"/>
+        <a:lumOff val="35000"/>
+      </a:schemeClr>
+    </cs:fontRef>
+    <cs:spPr>
+      <a:solidFill>
+        <a:schemeClr val="lt1"/>
+      </a:solidFill>
+      <a:ln>
+        <a:solidFill>
+          <a:schemeClr val="dk1">
+            <a:lumMod val="25000"/>
+            <a:lumOff val="75000"/>
+          </a:schemeClr>
+        </a:solidFill>
+      </a:ln>
+    </cs:spPr>
+    <cs:defRPr sz="1197" kern="1200"/>
+    <cs:bodyPr rot="0" spcFirstLastPara="1" vertOverflow="clip" horzOverflow="clip" vert="horz" wrap="square" lIns="36576" tIns="18288" rIns="36576" bIns="18288" anchor="ctr" anchorCtr="1">
+      <a:spAutoFit/>
+    </cs:bodyPr>
+  </cs:dataLabelCallout>
+  <cs:dataPoint>
+    <cs:lnRef idx="0">
+      <cs:styleClr val="auto"/>
+    </cs:lnRef>
+    <cs:fillRef idx="2">
+      <cs:styleClr val="auto"/>
+    </cs:fillRef>
+    <cs:effectRef idx="1"/>
+    <cs:fontRef idx="minor">
+      <a:schemeClr val="dk1"/>
+    </cs:fontRef>
+    <cs:spPr>
+      <a:ln w="9525" cap="flat" cmpd="sng" algn="ctr">
+        <a:solidFill>
+          <a:schemeClr val="phClr">
+            <a:shade val="95000"/>
+          </a:schemeClr>
+        </a:solidFill>
+        <a:round/>
+      </a:ln>
+    </cs:spPr>
+  </cs:dataPoint>
+  <cs:dataPoint3D>
+    <cs:lnRef idx="0">
+      <cs:styleClr val="auto"/>
+    </cs:lnRef>
+    <cs:fillRef idx="2">
+      <cs:styleClr val="auto"/>
+    </cs:fillRef>
+    <cs:effectRef idx="1"/>
+    <cs:fontRef idx="minor">
+      <a:schemeClr val="dk1"/>
+    </cs:fontRef>
+    <cs:spPr>
+      <a:ln w="9525" cap="flat" cmpd="sng" algn="ctr">
+        <a:solidFill>
+          <a:schemeClr val="phClr">
+            <a:shade val="95000"/>
+          </a:schemeClr>
+        </a:solidFill>
+        <a:round/>
+      </a:ln>
+    </cs:spPr>
+  </cs:dataPoint3D>
+  <cs:dataPointLine>
+    <cs:lnRef idx="0">
+      <cs:styleClr val="auto"/>
+    </cs:lnRef>
+    <cs:fillRef idx="2">
+      <cs:styleClr val="auto"/>
+    </cs:fillRef>
+    <cs:effectRef idx="1"/>
+    <cs:fontRef idx="minor">
+      <a:schemeClr val="dk1"/>
+    </cs:fontRef>
+    <cs:spPr>
+      <a:ln w="15875" cap="rnd">
+        <a:solidFill>
+          <a:schemeClr val="phClr"/>
+        </a:solidFill>
+        <a:round/>
+      </a:ln>
+    </cs:spPr>
+  </cs:dataPointLine>
+  <cs:dataPointMarker>
+    <cs:lnRef idx="0">
+      <cs:styleClr val="auto"/>
+    </cs:lnRef>
+    <cs:fillRef idx="2">
+      <cs:styleClr val="auto"/>
+    </cs:fillRef>
+    <cs:effectRef idx="1"/>
+    <cs:fontRef idx="minor">
+      <a:schemeClr val="dk1"/>
+    </cs:fontRef>
+    <cs:spPr>
+      <a:ln w="9525" cap="flat" cmpd="sng" algn="ctr">
+        <a:solidFill>
+          <a:schemeClr val="phClr">
+            <a:shade val="95000"/>
+          </a:schemeClr>
+        </a:solidFill>
+        <a:round/>
+      </a:ln>
+    </cs:spPr>
+  </cs:dataPointMarker>
+  <cs:dataPointMarkerLayout symbol="circle" size="4"/>
+  <cs:dataPointWireframe>
+    <cs:lnRef idx="0">
+      <cs:styleClr val="auto"/>
+    </cs:lnRef>
+    <cs:fillRef idx="2"/>
+    <cs:effectRef idx="0"/>
+    <cs:fontRef idx="minor">
+      <a:schemeClr val="dk1"/>
+    </cs:fontRef>
+    <cs:spPr>
+      <a:ln w="9525" cap="rnd">
+        <a:solidFill>
+          <a:schemeClr val="phClr"/>
+        </a:solidFill>
+        <a:round/>
+      </a:ln>
+    </cs:spPr>
+  </cs:dataPointWireframe>
+  <cs:dataTable>
+    <cs:lnRef idx="0"/>
+    <cs:fillRef idx="0"/>
+    <cs:effectRef idx="0"/>
+    <cs:fontRef idx="minor">
+      <a:schemeClr val="tx1">
+        <a:lumMod val="50000"/>
+        <a:lumOff val="50000"/>
+      </a:schemeClr>
+    </cs:fontRef>
+    <cs:spPr>
+      <a:ln w="9525">
+        <a:solidFill>
+          <a:schemeClr val="tx1">
+            <a:lumMod val="15000"/>
+            <a:lumOff val="85000"/>
+          </a:schemeClr>
+        </a:solidFill>
+      </a:ln>
+    </cs:spPr>
+    <cs:defRPr sz="1197" kern="1200"/>
+  </cs:dataTable>
+  <cs:downBar>
+    <cs:lnRef idx="0"/>
+    <cs:fillRef idx="0"/>
+    <cs:effectRef idx="0"/>
+    <cs:fontRef idx="minor">
+      <a:schemeClr val="dk1"/>
+    </cs:fontRef>
+    <cs:spPr>
+      <a:solidFill>
+        <a:schemeClr val="dk1">
+          <a:lumMod val="75000"/>
+          <a:lumOff val="25000"/>
+        </a:schemeClr>
+      </a:solidFill>
+      <a:ln w="9525">
+        <a:solidFill>
+          <a:schemeClr val="tx1">
+            <a:lumMod val="50000"/>
+            <a:lumOff val="50000"/>
+          </a:schemeClr>
+        </a:solidFill>
+      </a:ln>
+    </cs:spPr>
+  </cs:downBar>
+  <cs:dropLine>
+    <cs:lnRef idx="0"/>
+    <cs:fillRef idx="0"/>
+    <cs:effectRef idx="0"/>
+    <cs:fontRef idx="minor">
+      <a:schemeClr val="dk1"/>
+    </cs:fontRef>
+    <cs:spPr>
+      <a:ln w="9525">
+        <a:solidFill>
+          <a:schemeClr val="tx1">
+            <a:lumMod val="35000"/>
+            <a:lumOff val="65000"/>
+          </a:schemeClr>
+        </a:solidFill>
+        <a:prstDash val="dash"/>
+      </a:ln>
+    </cs:spPr>
+  </cs:dropLine>
+  <cs:errorBar>
+    <cs:lnRef idx="0"/>
+    <cs:fillRef idx="0"/>
+    <cs:effectRef idx="0"/>
+    <cs:fontRef idx="minor">
+      <a:schemeClr val="dk1"/>
+    </cs:fontRef>
+    <cs:spPr>
+      <a:ln w="9525">
+        <a:solidFill>
+          <a:schemeClr val="tx1">
+            <a:lumMod val="50000"/>
+            <a:lumOff val="50000"/>
+          </a:schemeClr>
+        </a:solidFill>
+      </a:ln>
+    </cs:spPr>
+  </cs:errorBar>
+  <cs:floor>
+    <cs:lnRef idx="0"/>
+    <cs:fillRef idx="0"/>
+    <cs:effectRef idx="0"/>
+    <cs:fontRef idx="minor">
+      <a:schemeClr val="dk1"/>
+    </cs:fontRef>
+  </cs:floor>
+  <cs:gridlineMajor>
+    <cs:lnRef idx="0"/>
+    <cs:fillRef idx="0"/>
+    <cs:effectRef idx="0"/>
+    <cs:fontRef idx="minor">
+      <a:schemeClr val="dk1"/>
+    </cs:fontRef>
+    <cs:spPr>
+      <a:ln w="9525" cap="flat" cmpd="sng" algn="ctr">
+        <a:solidFill>
+          <a:schemeClr val="tx1">
+            <a:lumMod val="15000"/>
+            <a:lumOff val="85000"/>
+          </a:schemeClr>
+        </a:solidFill>
+        <a:round/>
+      </a:ln>
+    </cs:spPr>
+  </cs:gridlineMajor>
+  <cs:gridlineMinor>
+    <cs:lnRef idx="0"/>
+    <cs:fillRef idx="0"/>
+    <cs:effectRef idx="0"/>
+    <cs:fontRef idx="minor">
+      <a:schemeClr val="dk1"/>
+    </cs:fontRef>
+    <cs:spPr>
+      <a:ln>
+        <a:solidFill>
+          <a:schemeClr val="tx1">
+            <a:lumMod val="5000"/>
+            <a:lumOff val="95000"/>
+          </a:schemeClr>
+        </a:solidFill>
+      </a:ln>
+    </cs:spPr>
+  </cs:gridlineMinor>
+  <cs:hiLoLine>
+    <cs:lnRef idx="0"/>
+    <cs:fillRef idx="0"/>
+    <cs:effectRef idx="0"/>
+    <cs:fontRef idx="minor">
+      <a:schemeClr val="dk1"/>
+    </cs:fontRef>
+    <cs:spPr>
+      <a:ln w="9525">
+        <a:solidFill>
+          <a:schemeClr val="tx1">
+            <a:lumMod val="50000"/>
+            <a:lumOff val="50000"/>
+          </a:schemeClr>
+        </a:solidFill>
+        <a:prstDash val="dash"/>
+      </a:ln>
+    </cs:spPr>
+  </cs:hiLoLine>
+  <cs:leaderLine>
+    <cs:lnRef idx="0"/>
+    <cs:fillRef idx="0"/>
+    <cs:effectRef idx="0"/>
+    <cs:fontRef idx="minor">
+      <a:schemeClr val="dk1"/>
+    </cs:fontRef>
+    <cs:spPr>
+      <a:ln w="9525">
+        <a:solidFill>
+          <a:schemeClr val="tx1">
+            <a:lumMod val="35000"/>
+            <a:lumOff val="65000"/>
+          </a:schemeClr>
+        </a:solidFill>
+      </a:ln>
+    </cs:spPr>
+  </cs:leaderLine>
+  <cs:legend>
+    <cs:lnRef idx="0"/>
+    <cs:fillRef idx="0"/>
+    <cs:effectRef idx="0"/>
+    <cs:fontRef idx="minor">
+      <a:schemeClr val="tx1">
+        <a:lumMod val="50000"/>
+        <a:lumOff val="50000"/>
+      </a:schemeClr>
+    </cs:fontRef>
+    <cs:defRPr sz="1197" kern="1200"/>
+  </cs:legend>
+  <cs:plotArea mods="allowNoFillOverride allowNoLineOverride">
+    <cs:lnRef idx="0"/>
+    <cs:fillRef idx="0"/>
+    <cs:effectRef idx="0"/>
+    <cs:fontRef idx="minor">
+      <a:schemeClr val="dk1"/>
+    </cs:fontRef>
+  </cs:plotArea>
+  <cs:plotArea3D mods="allowNoFillOverride allowNoLineOverride">
+    <cs:lnRef idx="0"/>
+    <cs:fillRef idx="0"/>
+    <cs:effectRef idx="0"/>
+    <cs:fontRef idx="minor">
+      <a:schemeClr val="dk1"/>
+    </cs:fontRef>
+  </cs:plotArea3D>
+  <cs:seriesAxis>
+    <cs:lnRef idx="0"/>
+    <cs:fillRef idx="0"/>
+    <cs:effectRef idx="0"/>
+    <cs:fontRef idx="minor">
+      <a:schemeClr val="tx1">
+        <a:lumMod val="50000"/>
+        <a:lumOff val="50000"/>
+      </a:schemeClr>
+    </cs:fontRef>
+    <cs:spPr>
+      <a:ln w="9525" cap="flat" cmpd="sng" algn="ctr">
+        <a:solidFill>
+          <a:schemeClr val="tx1">
+            <a:lumMod val="15000"/>
+            <a:lumOff val="85000"/>
+          </a:schemeClr>
+        </a:solidFill>
+        <a:round/>
+      </a:ln>
+    </cs:spPr>
+    <cs:defRPr sz="1197" kern="1200"/>
+  </cs:seriesAxis>
+  <cs:seriesLine>
+    <cs:lnRef idx="0"/>
+    <cs:fillRef idx="0"/>
+    <cs:effectRef idx="0"/>
+    <cs:fontRef idx="minor">
+      <a:schemeClr val="dk1"/>
+    </cs:fontRef>
+    <cs:spPr>
+      <a:ln w="9525">
+        <a:solidFill>
+          <a:schemeClr val="tx1">
+            <a:lumMod val="35000"/>
+            <a:lumOff val="65000"/>
+          </a:schemeClr>
+        </a:solidFill>
+        <a:prstDash val="dash"/>
+      </a:ln>
+    </cs:spPr>
+  </cs:seriesLine>
+  <cs:title>
+    <cs:lnRef idx="0"/>
+    <cs:fillRef idx="0"/>
+    <cs:effectRef idx="0"/>
+    <cs:fontRef idx="minor">
+      <a:schemeClr val="tx1">
+        <a:lumMod val="50000"/>
+        <a:lumOff val="50000"/>
+      </a:schemeClr>
+    </cs:fontRef>
+    <cs:defRPr sz="1862" kern="1200" cap="none" spc="20" baseline="0"/>
+  </cs:title>
+  <cs:trendline>
+    <cs:lnRef idx="0">
+      <cs:styleClr val="auto"/>
+    </cs:lnRef>
+    <cs:fillRef idx="2"/>
+    <cs:effectRef idx="0"/>
+    <cs:fontRef idx="minor">
+      <a:schemeClr val="dk1"/>
+    </cs:fontRef>
+    <cs:spPr>
+      <a:ln w="9525" cap="rnd">
+        <a:solidFill>
+          <a:schemeClr val="phClr"/>
+        </a:solidFill>
+      </a:ln>
+    </cs:spPr>
+  </cs:trendline>
+  <cs:trendlineLabel>
+    <cs:lnRef idx="0"/>
+    <cs:fillRef idx="0"/>
+    <cs:effectRef idx="0"/>
+    <cs:fontRef idx="minor">
+      <a:schemeClr val="tx1">
+        <a:lumMod val="50000"/>
+        <a:lumOff val="50000"/>
+      </a:schemeClr>
+    </cs:fontRef>
+    <cs:defRPr sz="1197" kern="1200"/>
+  </cs:trendlineLabel>
+  <cs:upBar>
+    <cs:lnRef idx="0"/>
+    <cs:fillRef idx="0"/>
+    <cs:effectRef idx="0"/>
+    <cs:fontRef idx="minor">
+      <a:schemeClr val="dk1"/>
+    </cs:fontRef>
+    <cs:spPr>
+      <a:solidFill>
+        <a:schemeClr val="lt1"/>
+      </a:solidFill>
+      <a:ln w="9525">
+        <a:solidFill>
+          <a:schemeClr val="tx1">
+            <a:lumMod val="50000"/>
+            <a:lumOff val="50000"/>
+          </a:schemeClr>
+        </a:solidFill>
+      </a:ln>
+    </cs:spPr>
+  </cs:upBar>
+  <cs:valueAxis>
+    <cs:lnRef idx="0"/>
+    <cs:fillRef idx="0"/>
+    <cs:effectRef idx="0"/>
+    <cs:fontRef idx="minor">
+      <a:schemeClr val="tx1">
+        <a:lumMod val="50000"/>
+        <a:lumOff val="50000"/>
+      </a:schemeClr>
+    </cs:fontRef>
+    <cs:defRPr sz="1197" kern="1200"/>
+  </cs:valueAxis>
+  <cs:wall>
+    <cs:lnRef idx="0"/>
+    <cs:fillRef idx="0"/>
+    <cs:effectRef idx="0"/>
+    <cs:fontRef idx="minor">
+      <a:schemeClr val="dk1"/>
+    </cs:fontRef>
+  </cs:wall>
+</cs:chartStyle>
+</file>
+
+<file path=ppt/charts/style3.xml><?xml version="1.0" encoding="utf-8"?>
+<cs:chartStyle xmlns:cs="http://schemas.microsoft.com/office/drawing/2012/chartStyle" xmlns:a="http://schemas.openxmlformats.org/drawingml/2006/main" id="206">
+  <cs:axisTitle>
+    <cs:lnRef idx="0"/>
+    <cs:fillRef idx="0"/>
+    <cs:effectRef idx="0"/>
+    <cs:fontRef idx="minor">
+      <a:schemeClr val="tx1">
+        <a:lumMod val="50000"/>
+        <a:lumOff val="50000"/>
+      </a:schemeClr>
+    </cs:fontRef>
+    <cs:defRPr sz="1197" kern="1200" cap="all"/>
+  </cs:axisTitle>
+  <cs:categoryAxis>
+    <cs:lnRef idx="0"/>
+    <cs:fillRef idx="0"/>
+    <cs:effectRef idx="0"/>
+    <cs:fontRef idx="minor">
+      <a:schemeClr val="tx1">
+        <a:lumMod val="50000"/>
+        <a:lumOff val="50000"/>
+      </a:schemeClr>
+    </cs:fontRef>
+    <cs:spPr>
+      <a:ln w="9525" cap="flat" cmpd="sng" algn="ctr">
+        <a:solidFill>
+          <a:schemeClr val="tx1">
+            <a:lumMod val="15000"/>
+            <a:lumOff val="85000"/>
+          </a:schemeClr>
+        </a:solidFill>
+        <a:round/>
+      </a:ln>
+    </cs:spPr>
+    <cs:defRPr sz="1197" kern="1200"/>
+  </cs:categoryAxis>
+  <cs:chartArea mods="allowNoFillOverride allowNoLineOverride">
+    <cs:lnRef idx="0"/>
+    <cs:fillRef idx="0"/>
+    <cs:effectRef idx="0"/>
+    <cs:fontRef idx="minor">
+      <a:schemeClr val="dk1"/>
+    </cs:fontRef>
+    <cs:spPr>
+      <a:solidFill>
+        <a:schemeClr val="bg1"/>
+      </a:solidFill>
+      <a:ln w="9525" cap="flat" cmpd="sng" algn="ctr">
+        <a:solidFill>
+          <a:schemeClr val="tx1">
+            <a:lumMod val="15000"/>
+            <a:lumOff val="85000"/>
+          </a:schemeClr>
+        </a:solidFill>
+        <a:round/>
+      </a:ln>
+    </cs:spPr>
+    <cs:defRPr sz="1197" kern="1200"/>
+  </cs:chartArea>
+  <cs:dataLabel>
+    <cs:lnRef idx="0"/>
+    <cs:fillRef idx="0"/>
+    <cs:effectRef idx="0"/>
+    <cs:fontRef idx="minor">
+      <a:schemeClr val="tx1">
+        <a:lumMod val="50000"/>
+        <a:lumOff val="50000"/>
+      </a:schemeClr>
+    </cs:fontRef>
+    <cs:defRPr sz="1197" kern="1200"/>
+  </cs:dataLabel>
+  <cs:dataLabelCallout>
+    <cs:lnRef idx="0"/>
+    <cs:fillRef idx="0"/>
+    <cs:effectRef idx="0"/>
+    <cs:fontRef idx="minor">
+      <a:schemeClr val="dk1">
+        <a:lumMod val="65000"/>
+        <a:lumOff val="35000"/>
+      </a:schemeClr>
+    </cs:fontRef>
+    <cs:spPr>
+      <a:solidFill>
+        <a:schemeClr val="lt1"/>
+      </a:solidFill>
+      <a:ln>
+        <a:solidFill>
+          <a:schemeClr val="dk1">
+            <a:lumMod val="25000"/>
+            <a:lumOff val="75000"/>
+          </a:schemeClr>
+        </a:solidFill>
+      </a:ln>
+    </cs:spPr>
+    <cs:defRPr sz="1197" kern="1200"/>
+    <cs:bodyPr rot="0" spcFirstLastPara="1" vertOverflow="clip" horzOverflow="clip" vert="horz" wrap="square" lIns="36576" tIns="18288" rIns="36576" bIns="18288" anchor="ctr" anchorCtr="1">
+      <a:spAutoFit/>
+    </cs:bodyPr>
+  </cs:dataLabelCallout>
+  <cs:dataPoint>
+    <cs:lnRef idx="0">
+      <cs:styleClr val="auto"/>
+    </cs:lnRef>
+    <cs:fillRef idx="2">
+      <cs:styleClr val="auto"/>
+    </cs:fillRef>
+    <cs:effectRef idx="1"/>
+    <cs:fontRef idx="minor">
+      <a:schemeClr val="dk1"/>
+    </cs:fontRef>
+    <cs:spPr>
+      <a:ln w="9525" cap="flat" cmpd="sng" algn="ctr">
+        <a:solidFill>
+          <a:schemeClr val="phClr">
+            <a:shade val="95000"/>
+          </a:schemeClr>
+        </a:solidFill>
+        <a:round/>
+      </a:ln>
+    </cs:spPr>
+  </cs:dataPoint>
+  <cs:dataPoint3D>
+    <cs:lnRef idx="0">
+      <cs:styleClr val="auto"/>
+    </cs:lnRef>
+    <cs:fillRef idx="2">
+      <cs:styleClr val="auto"/>
+    </cs:fillRef>
+    <cs:effectRef idx="1"/>
+    <cs:fontRef idx="minor">
+      <a:schemeClr val="dk1"/>
+    </cs:fontRef>
+    <cs:spPr>
+      <a:ln w="9525" cap="flat" cmpd="sng" algn="ctr">
+        <a:solidFill>
+          <a:schemeClr val="phClr">
+            <a:shade val="95000"/>
+          </a:schemeClr>
+        </a:solidFill>
+        <a:round/>
+      </a:ln>
+    </cs:spPr>
+  </cs:dataPoint3D>
+  <cs:dataPointLine>
+    <cs:lnRef idx="0">
+      <cs:styleClr val="auto"/>
+    </cs:lnRef>
+    <cs:fillRef idx="2">
+      <cs:styleClr val="auto"/>
+    </cs:fillRef>
+    <cs:effectRef idx="1"/>
+    <cs:fontRef idx="minor">
+      <a:schemeClr val="dk1"/>
+    </cs:fontRef>
+    <cs:spPr>
+      <a:ln w="15875" cap="rnd">
+        <a:solidFill>
+          <a:schemeClr val="phClr"/>
+        </a:solidFill>
+        <a:round/>
+      </a:ln>
+    </cs:spPr>
+  </cs:dataPointLine>
+  <cs:dataPointMarker>
+    <cs:lnRef idx="0">
+      <cs:styleClr val="auto"/>
+    </cs:lnRef>
+    <cs:fillRef idx="2">
+      <cs:styleClr val="auto"/>
+    </cs:fillRef>
+    <cs:effectRef idx="1"/>
+    <cs:fontRef idx="minor">
+      <a:schemeClr val="dk1"/>
+    </cs:fontRef>
+    <cs:spPr>
+      <a:ln w="9525" cap="flat" cmpd="sng" algn="ctr">
+        <a:solidFill>
+          <a:schemeClr val="phClr">
+            <a:shade val="95000"/>
+          </a:schemeClr>
+        </a:solidFill>
+        <a:round/>
+      </a:ln>
+    </cs:spPr>
+  </cs:dataPointMarker>
+  <cs:dataPointMarkerLayout symbol="circle" size="4"/>
+  <cs:dataPointWireframe>
+    <cs:lnRef idx="0">
+      <cs:styleClr val="auto"/>
+    </cs:lnRef>
+    <cs:fillRef idx="2"/>
+    <cs:effectRef idx="0"/>
+    <cs:fontRef idx="minor">
+      <a:schemeClr val="dk1"/>
+    </cs:fontRef>
+    <cs:spPr>
+      <a:ln w="9525" cap="rnd">
+        <a:solidFill>
+          <a:schemeClr val="phClr"/>
+        </a:solidFill>
+        <a:round/>
+      </a:ln>
+    </cs:spPr>
+  </cs:dataPointWireframe>
+  <cs:dataTable>
+    <cs:lnRef idx="0"/>
+    <cs:fillRef idx="0"/>
+    <cs:effectRef idx="0"/>
+    <cs:fontRef idx="minor">
+      <a:schemeClr val="tx1">
+        <a:lumMod val="50000"/>
+        <a:lumOff val="50000"/>
+      </a:schemeClr>
+    </cs:fontRef>
+    <cs:spPr>
+      <a:ln w="9525">
+        <a:solidFill>
+          <a:schemeClr val="tx1">
+            <a:lumMod val="15000"/>
+            <a:lumOff val="85000"/>
+          </a:schemeClr>
+        </a:solidFill>
+      </a:ln>
+    </cs:spPr>
+    <cs:defRPr sz="1197" kern="1200"/>
+  </cs:dataTable>
+  <cs:downBar>
+    <cs:lnRef idx="0"/>
+    <cs:fillRef idx="0"/>
+    <cs:effectRef idx="0"/>
+    <cs:fontRef idx="minor">
+      <a:schemeClr val="dk1"/>
+    </cs:fontRef>
+    <cs:spPr>
+      <a:solidFill>
+        <a:schemeClr val="dk1">
+          <a:lumMod val="75000"/>
+          <a:lumOff val="25000"/>
+        </a:schemeClr>
+      </a:solidFill>
+      <a:ln w="9525">
+        <a:solidFill>
+          <a:schemeClr val="tx1">
+            <a:lumMod val="50000"/>
+            <a:lumOff val="50000"/>
+          </a:schemeClr>
+        </a:solidFill>
+      </a:ln>
+    </cs:spPr>
+  </cs:downBar>
+  <cs:dropLine>
+    <cs:lnRef idx="0"/>
+    <cs:fillRef idx="0"/>
+    <cs:effectRef idx="0"/>
+    <cs:fontRef idx="minor">
+      <a:schemeClr val="dk1"/>
+    </cs:fontRef>
+    <cs:spPr>
+      <a:ln w="9525">
+        <a:solidFill>
+          <a:schemeClr val="tx1">
+            <a:lumMod val="35000"/>
+            <a:lumOff val="65000"/>
+          </a:schemeClr>
+        </a:solidFill>
+        <a:prstDash val="dash"/>
+      </a:ln>
+    </cs:spPr>
+  </cs:dropLine>
+  <cs:errorBar>
+    <cs:lnRef idx="0"/>
+    <cs:fillRef idx="0"/>
+    <cs:effectRef idx="0"/>
+    <cs:fontRef idx="minor">
+      <a:schemeClr val="dk1"/>
+    </cs:fontRef>
+    <cs:spPr>
+      <a:ln w="9525">
+        <a:solidFill>
+          <a:schemeClr val="tx1">
+            <a:lumMod val="50000"/>
+            <a:lumOff val="50000"/>
+          </a:schemeClr>
+        </a:solidFill>
+      </a:ln>
+    </cs:spPr>
+  </cs:errorBar>
+  <cs:floor>
+    <cs:lnRef idx="0"/>
+    <cs:fillRef idx="0"/>
+    <cs:effectRef idx="0"/>
+    <cs:fontRef idx="minor">
+      <a:schemeClr val="dk1"/>
+    </cs:fontRef>
+  </cs:floor>
+  <cs:gridlineMajor>
+    <cs:lnRef idx="0"/>
+    <cs:fillRef idx="0"/>
+    <cs:effectRef idx="0"/>
+    <cs:fontRef idx="minor">
+      <a:schemeClr val="dk1"/>
+    </cs:fontRef>
+    <cs:spPr>
+      <a:ln w="9525" cap="flat" cmpd="sng" algn="ctr">
+        <a:solidFill>
+          <a:schemeClr val="tx1">
+            <a:lumMod val="15000"/>
+            <a:lumOff val="85000"/>
+          </a:schemeClr>
+        </a:solidFill>
+        <a:round/>
+      </a:ln>
+    </cs:spPr>
+  </cs:gridlineMajor>
+  <cs:gridlineMinor>
+    <cs:lnRef idx="0"/>
+    <cs:fillRef idx="0"/>
+    <cs:effectRef idx="0"/>
+    <cs:fontRef idx="minor">
+      <a:schemeClr val="dk1"/>
+    </cs:fontRef>
+    <cs:spPr>
+      <a:ln>
+        <a:solidFill>
+          <a:schemeClr val="tx1">
+            <a:lumMod val="5000"/>
+            <a:lumOff val="95000"/>
+          </a:schemeClr>
+        </a:solidFill>
+      </a:ln>
+    </cs:spPr>
+  </cs:gridlineMinor>
+  <cs:hiLoLine>
+    <cs:lnRef idx="0"/>
+    <cs:fillRef idx="0"/>
+    <cs:effectRef idx="0"/>
+    <cs:fontRef idx="minor">
+      <a:schemeClr val="dk1"/>
+    </cs:fontRef>
+    <cs:spPr>
+      <a:ln w="9525">
+        <a:solidFill>
+          <a:schemeClr val="tx1">
+            <a:lumMod val="50000"/>
+            <a:lumOff val="50000"/>
+          </a:schemeClr>
+        </a:solidFill>
+        <a:prstDash val="dash"/>
+      </a:ln>
+    </cs:spPr>
+  </cs:hiLoLine>
+  <cs:leaderLine>
+    <cs:lnRef idx="0"/>
+    <cs:fillRef idx="0"/>
+    <cs:effectRef idx="0"/>
+    <cs:fontRef idx="minor">
+      <a:schemeClr val="dk1"/>
+    </cs:fontRef>
+    <cs:spPr>
+      <a:ln w="9525">
+        <a:solidFill>
+          <a:schemeClr val="tx1">
+            <a:lumMod val="35000"/>
+            <a:lumOff val="65000"/>
+          </a:schemeClr>
+        </a:solidFill>
+      </a:ln>
+    </cs:spPr>
+  </cs:leaderLine>
+  <cs:legend>
+    <cs:lnRef idx="0"/>
+    <cs:fillRef idx="0"/>
+    <cs:effectRef idx="0"/>
+    <cs:fontRef idx="minor">
+      <a:schemeClr val="tx1">
+        <a:lumMod val="50000"/>
+        <a:lumOff val="50000"/>
+      </a:schemeClr>
+    </cs:fontRef>
+    <cs:defRPr sz="1197" kern="1200"/>
+  </cs:legend>
+  <cs:plotArea mods="allowNoFillOverride allowNoLineOverride">
+    <cs:lnRef idx="0"/>
+    <cs:fillRef idx="0"/>
+    <cs:effectRef idx="0"/>
+    <cs:fontRef idx="minor">
+      <a:schemeClr val="dk1"/>
+    </cs:fontRef>
+  </cs:plotArea>
+  <cs:plotArea3D mods="allowNoFillOverride allowNoLineOverride">
+    <cs:lnRef idx="0"/>
+    <cs:fillRef idx="0"/>
+    <cs:effectRef idx="0"/>
+    <cs:fontRef idx="minor">
+      <a:schemeClr val="dk1"/>
+    </cs:fontRef>
+  </cs:plotArea3D>
+  <cs:seriesAxis>
+    <cs:lnRef idx="0"/>
+    <cs:fillRef idx="0"/>
+    <cs:effectRef idx="0"/>
+    <cs:fontRef idx="minor">
+      <a:schemeClr val="tx1">
+        <a:lumMod val="50000"/>
+        <a:lumOff val="50000"/>
+      </a:schemeClr>
+    </cs:fontRef>
+    <cs:spPr>
+      <a:ln w="9525" cap="flat" cmpd="sng" algn="ctr">
+        <a:solidFill>
+          <a:schemeClr val="tx1">
+            <a:lumMod val="15000"/>
+            <a:lumOff val="85000"/>
+          </a:schemeClr>
+        </a:solidFill>
+        <a:round/>
+      </a:ln>
+    </cs:spPr>
+    <cs:defRPr sz="1197" kern="1200"/>
+  </cs:seriesAxis>
+  <cs:seriesLine>
+    <cs:lnRef idx="0"/>
+    <cs:fillRef idx="0"/>
+    <cs:effectRef idx="0"/>
+    <cs:fontRef idx="minor">
+      <a:schemeClr val="dk1"/>
+    </cs:fontRef>
+    <cs:spPr>
+      <a:ln w="9525">
+        <a:solidFill>
+          <a:schemeClr val="tx1">
+            <a:lumMod val="35000"/>
+            <a:lumOff val="65000"/>
+          </a:schemeClr>
+        </a:solidFill>
+        <a:prstDash val="dash"/>
+      </a:ln>
+    </cs:spPr>
+  </cs:seriesLine>
+  <cs:title>
+    <cs:lnRef idx="0"/>
+    <cs:fillRef idx="0"/>
+    <cs:effectRef idx="0"/>
+    <cs:fontRef idx="minor">
+      <a:schemeClr val="tx1">
+        <a:lumMod val="50000"/>
+        <a:lumOff val="50000"/>
+      </a:schemeClr>
+    </cs:fontRef>
+    <cs:defRPr sz="1862" kern="1200" cap="none" spc="20" baseline="0"/>
+  </cs:title>
+  <cs:trendline>
+    <cs:lnRef idx="0">
+      <cs:styleClr val="auto"/>
+    </cs:lnRef>
+    <cs:fillRef idx="2"/>
+    <cs:effectRef idx="0"/>
+    <cs:fontRef idx="minor">
+      <a:schemeClr val="dk1"/>
+    </cs:fontRef>
+    <cs:spPr>
+      <a:ln w="9525" cap="rnd">
+        <a:solidFill>
+          <a:schemeClr val="phClr"/>
+        </a:solidFill>
+      </a:ln>
+    </cs:spPr>
+  </cs:trendline>
+  <cs:trendlineLabel>
+    <cs:lnRef idx="0"/>
+    <cs:fillRef idx="0"/>
+    <cs:effectRef idx="0"/>
+    <cs:fontRef idx="minor">
+      <a:schemeClr val="tx1">
+        <a:lumMod val="50000"/>
+        <a:lumOff val="50000"/>
+      </a:schemeClr>
+    </cs:fontRef>
+    <cs:defRPr sz="1197" kern="1200"/>
+  </cs:trendlineLabel>
+  <cs:upBar>
+    <cs:lnRef idx="0"/>
+    <cs:fillRef idx="0"/>
+    <cs:effectRef idx="0"/>
+    <cs:fontRef idx="minor">
+      <a:schemeClr val="dk1"/>
+    </cs:fontRef>
+    <cs:spPr>
+      <a:solidFill>
+        <a:schemeClr val="lt1"/>
+      </a:solidFill>
+      <a:ln w="9525">
+        <a:solidFill>
+          <a:schemeClr val="tx1">
+            <a:lumMod val="50000"/>
+            <a:lumOff val="50000"/>
+          </a:schemeClr>
+        </a:solidFill>
+      </a:ln>
+    </cs:spPr>
+  </cs:upBar>
+  <cs:valueAxis>
+    <cs:lnRef idx="0"/>
+    <cs:fillRef idx="0"/>
+    <cs:effectRef idx="0"/>
+    <cs:fontRef idx="minor">
+      <a:schemeClr val="tx1">
+        <a:lumMod val="50000"/>
+        <a:lumOff val="50000"/>
+      </a:schemeClr>
+    </cs:fontRef>
+    <cs:defRPr sz="1197" kern="1200"/>
+  </cs:valueAxis>
+  <cs:wall>
+    <cs:lnRef idx="0"/>
+    <cs:fillRef idx="0"/>
+    <cs:effectRef idx="0"/>
+    <cs:fontRef idx="minor">
+      <a:schemeClr val="dk1"/>
+    </cs:fontRef>
+  </cs:wall>
+</cs:chartStyle>
+</file>
+
+<file path=ppt/charts/style4.xml><?xml version="1.0" encoding="utf-8"?>
+<cs:chartStyle xmlns:cs="http://schemas.microsoft.com/office/drawing/2012/chartStyle" xmlns:a="http://schemas.openxmlformats.org/drawingml/2006/main" id="206">
+  <cs:axisTitle>
+    <cs:lnRef idx="0"/>
+    <cs:fillRef idx="0"/>
+    <cs:effectRef idx="0"/>
+    <cs:fontRef idx="minor">
+      <a:schemeClr val="tx1">
+        <a:lumMod val="50000"/>
+        <a:lumOff val="50000"/>
+      </a:schemeClr>
+    </cs:fontRef>
+    <cs:defRPr sz="1197" kern="1200" cap="all"/>
+  </cs:axisTitle>
+  <cs:categoryAxis>
+    <cs:lnRef idx="0"/>
+    <cs:fillRef idx="0"/>
+    <cs:effectRef idx="0"/>
+    <cs:fontRef idx="minor">
+      <a:schemeClr val="tx1">
+        <a:lumMod val="50000"/>
+        <a:lumOff val="50000"/>
+      </a:schemeClr>
+    </cs:fontRef>
+    <cs:spPr>
+      <a:ln w="9525" cap="flat" cmpd="sng" algn="ctr">
+        <a:solidFill>
+          <a:schemeClr val="tx1">
+            <a:lumMod val="15000"/>
+            <a:lumOff val="85000"/>
+          </a:schemeClr>
+        </a:solidFill>
+        <a:round/>
+      </a:ln>
+    </cs:spPr>
+    <cs:defRPr sz="1197" kern="1200"/>
+  </cs:categoryAxis>
+  <cs:chartArea mods="allowNoFillOverride allowNoLineOverride">
+    <cs:lnRef idx="0"/>
+    <cs:fillRef idx="0"/>
+    <cs:effectRef idx="0"/>
+    <cs:fontRef idx="minor">
+      <a:schemeClr val="dk1"/>
+    </cs:fontRef>
+    <cs:spPr>
+      <a:solidFill>
+        <a:schemeClr val="bg1"/>
+      </a:solidFill>
+      <a:ln w="9525" cap="flat" cmpd="sng" algn="ctr">
+        <a:solidFill>
+          <a:schemeClr val="tx1">
+            <a:lumMod val="15000"/>
+            <a:lumOff val="85000"/>
+          </a:schemeClr>
+        </a:solidFill>
+        <a:round/>
+      </a:ln>
+    </cs:spPr>
+    <cs:defRPr sz="1197" kern="1200"/>
+  </cs:chartArea>
+  <cs:dataLabel>
+    <cs:lnRef idx="0"/>
+    <cs:fillRef idx="0"/>
+    <cs:effectRef idx="0"/>
+    <cs:fontRef idx="minor">
+      <a:schemeClr val="tx1">
+        <a:lumMod val="50000"/>
+        <a:lumOff val="50000"/>
+      </a:schemeClr>
+    </cs:fontRef>
+    <cs:defRPr sz="1197" kern="1200"/>
+  </cs:dataLabel>
+  <cs:dataLabelCallout>
+    <cs:lnRef idx="0"/>
+    <cs:fillRef idx="0"/>
+    <cs:effectRef idx="0"/>
+    <cs:fontRef idx="minor">
+      <a:schemeClr val="dk1">
+        <a:lumMod val="65000"/>
+        <a:lumOff val="35000"/>
+      </a:schemeClr>
+    </cs:fontRef>
+    <cs:spPr>
+      <a:solidFill>
+        <a:schemeClr val="lt1"/>
+      </a:solidFill>
+      <a:ln>
+        <a:solidFill>
+          <a:schemeClr val="dk1">
+            <a:lumMod val="25000"/>
+            <a:lumOff val="75000"/>
+          </a:schemeClr>
+        </a:solidFill>
+      </a:ln>
+    </cs:spPr>
+    <cs:defRPr sz="1197" kern="1200"/>
+    <cs:bodyPr rot="0" spcFirstLastPara="1" vertOverflow="clip" horzOverflow="clip" vert="horz" wrap="square" lIns="36576" tIns="18288" rIns="36576" bIns="18288" anchor="ctr" anchorCtr="1">
+      <a:spAutoFit/>
+    </cs:bodyPr>
+  </cs:dataLabelCallout>
+  <cs:dataPoint>
+    <cs:lnRef idx="0">
+      <cs:styleClr val="auto"/>
+    </cs:lnRef>
+    <cs:fillRef idx="2">
+      <cs:styleClr val="auto"/>
+    </cs:fillRef>
+    <cs:effectRef idx="1"/>
+    <cs:fontRef idx="minor">
+      <a:schemeClr val="dk1"/>
+    </cs:fontRef>
+    <cs:spPr>
+      <a:ln w="9525" cap="flat" cmpd="sng" algn="ctr">
+        <a:solidFill>
+          <a:schemeClr val="phClr">
+            <a:shade val="95000"/>
+          </a:schemeClr>
+        </a:solidFill>
+        <a:round/>
+      </a:ln>
+    </cs:spPr>
+  </cs:dataPoint>
+  <cs:dataPoint3D>
+    <cs:lnRef idx="0">
+      <cs:styleClr val="auto"/>
+    </cs:lnRef>
+    <cs:fillRef idx="2">
+      <cs:styleClr val="auto"/>
+    </cs:fillRef>
+    <cs:effectRef idx="1"/>
+    <cs:fontRef idx="minor">
+      <a:schemeClr val="dk1"/>
+    </cs:fontRef>
+    <cs:spPr>
+      <a:ln w="9525" cap="flat" cmpd="sng" algn="ctr">
+        <a:solidFill>
+          <a:schemeClr val="phClr">
+            <a:shade val="95000"/>
+          </a:schemeClr>
+        </a:solidFill>
+        <a:round/>
+      </a:ln>
+    </cs:spPr>
+  </cs:dataPoint3D>
+  <cs:dataPointLine>
+    <cs:lnRef idx="0">
+      <cs:styleClr val="auto"/>
+    </cs:lnRef>
+    <cs:fillRef idx="2">
+      <cs:styleClr val="auto"/>
+    </cs:fillRef>
+    <cs:effectRef idx="1"/>
+    <cs:fontRef idx="minor">
+      <a:schemeClr val="dk1"/>
+    </cs:fontRef>
+    <cs:spPr>
+      <a:ln w="15875" cap="rnd">
+        <a:solidFill>
+          <a:schemeClr val="phClr"/>
+        </a:solidFill>
+        <a:round/>
+      </a:ln>
+    </cs:spPr>
+  </cs:dataPointLine>
+  <cs:dataPointMarker>
+    <cs:lnRef idx="0">
+      <cs:styleClr val="auto"/>
+    </cs:lnRef>
+    <cs:fillRef idx="2">
+      <cs:styleClr val="auto"/>
+    </cs:fillRef>
+    <cs:effectRef idx="1"/>
+    <cs:fontRef idx="minor">
+      <a:schemeClr val="dk1"/>
+    </cs:fontRef>
+    <cs:spPr>
+      <a:ln w="9525" cap="flat" cmpd="sng" algn="ctr">
+        <a:solidFill>
+          <a:schemeClr val="phClr">
+            <a:shade val="95000"/>
+          </a:schemeClr>
+        </a:solidFill>
+        <a:round/>
+      </a:ln>
+    </cs:spPr>
+  </cs:dataPointMarker>
+  <cs:dataPointMarkerLayout symbol="circle" size="4"/>
+  <cs:dataPointWireframe>
+    <cs:lnRef idx="0">
+      <cs:styleClr val="auto"/>
+    </cs:lnRef>
+    <cs:fillRef idx="2"/>
+    <cs:effectRef idx="0"/>
+    <cs:fontRef idx="minor">
+      <a:schemeClr val="dk1"/>
+    </cs:fontRef>
+    <cs:spPr>
+      <a:ln w="9525" cap="rnd">
+        <a:solidFill>
+          <a:schemeClr val="phClr"/>
+        </a:solidFill>
+        <a:round/>
+      </a:ln>
+    </cs:spPr>
+  </cs:dataPointWireframe>
+  <cs:dataTable>
+    <cs:lnRef idx="0"/>
+    <cs:fillRef idx="0"/>
+    <cs:effectRef idx="0"/>
+    <cs:fontRef idx="minor">
+      <a:schemeClr val="tx1">
+        <a:lumMod val="50000"/>
+        <a:lumOff val="50000"/>
+      </a:schemeClr>
+    </cs:fontRef>
+    <cs:spPr>
+      <a:ln w="9525">
+        <a:solidFill>
+          <a:schemeClr val="tx1">
+            <a:lumMod val="15000"/>
+            <a:lumOff val="85000"/>
+          </a:schemeClr>
+        </a:solidFill>
+      </a:ln>
+    </cs:spPr>
+    <cs:defRPr sz="1197" kern="1200"/>
+  </cs:dataTable>
+  <cs:downBar>
+    <cs:lnRef idx="0"/>
+    <cs:fillRef idx="0"/>
+    <cs:effectRef idx="0"/>
+    <cs:fontRef idx="minor">
+      <a:schemeClr val="dk1"/>
+    </cs:fontRef>
+    <cs:spPr>
+      <a:solidFill>
+        <a:schemeClr val="dk1">
+          <a:lumMod val="75000"/>
+          <a:lumOff val="25000"/>
+        </a:schemeClr>
+      </a:solidFill>
+      <a:ln w="9525">
+        <a:solidFill>
+          <a:schemeClr val="tx1">
+            <a:lumMod val="50000"/>
+            <a:lumOff val="50000"/>
+          </a:schemeClr>
+        </a:solidFill>
+      </a:ln>
+    </cs:spPr>
+  </cs:downBar>
+  <cs:dropLine>
+    <cs:lnRef idx="0"/>
+    <cs:fillRef idx="0"/>
+    <cs:effectRef idx="0"/>
+    <cs:fontRef idx="minor">
+      <a:schemeClr val="dk1"/>
+    </cs:fontRef>
+    <cs:spPr>
+      <a:ln w="9525">
+        <a:solidFill>
+          <a:schemeClr val="tx1">
+            <a:lumMod val="35000"/>
+            <a:lumOff val="65000"/>
+          </a:schemeClr>
+        </a:solidFill>
+        <a:prstDash val="dash"/>
+      </a:ln>
+    </cs:spPr>
+  </cs:dropLine>
+  <cs:errorBar>
+    <cs:lnRef idx="0"/>
+    <cs:fillRef idx="0"/>
+    <cs:effectRef idx="0"/>
+    <cs:fontRef idx="minor">
+      <a:schemeClr val="dk1"/>
+    </cs:fontRef>
+    <cs:spPr>
+      <a:ln w="9525">
+        <a:solidFill>
+          <a:schemeClr val="tx1">
+            <a:lumMod val="50000"/>
+            <a:lumOff val="50000"/>
+          </a:schemeClr>
+        </a:solidFill>
+      </a:ln>
+    </cs:spPr>
+  </cs:errorBar>
+  <cs:floor>
+    <cs:lnRef idx="0"/>
+    <cs:fillRef idx="0"/>
+    <cs:effectRef idx="0"/>
+    <cs:fontRef idx="minor">
+      <a:schemeClr val="dk1"/>
+    </cs:fontRef>
+  </cs:floor>
+  <cs:gridlineMajor>
+    <cs:lnRef idx="0"/>
+    <cs:fillRef idx="0"/>
+    <cs:effectRef idx="0"/>
+    <cs:fontRef idx="minor">
+      <a:schemeClr val="dk1"/>
+    </cs:fontRef>
+    <cs:spPr>
+      <a:ln w="9525" cap="flat" cmpd="sng" algn="ctr">
+        <a:solidFill>
+          <a:schemeClr val="tx1">
+            <a:lumMod val="15000"/>
+            <a:lumOff val="85000"/>
+          </a:schemeClr>
+        </a:solidFill>
+        <a:round/>
+      </a:ln>
+    </cs:spPr>
+  </cs:gridlineMajor>
+  <cs:gridlineMinor>
+    <cs:lnRef idx="0"/>
+    <cs:fillRef idx="0"/>
+    <cs:effectRef idx="0"/>
+    <cs:fontRef idx="minor">
+      <a:schemeClr val="dk1"/>
+    </cs:fontRef>
+    <cs:spPr>
+      <a:ln>
+        <a:solidFill>
+          <a:schemeClr val="tx1">
+            <a:lumMod val="5000"/>
+            <a:lumOff val="95000"/>
+          </a:schemeClr>
+        </a:solidFill>
+      </a:ln>
+    </cs:spPr>
+  </cs:gridlineMinor>
+  <cs:hiLoLine>
+    <cs:lnRef idx="0"/>
+    <cs:fillRef idx="0"/>
+    <cs:effectRef idx="0"/>
+    <cs:fontRef idx="minor">
+      <a:schemeClr val="dk1"/>
+    </cs:fontRef>
+    <cs:spPr>
+      <a:ln w="9525">
+        <a:solidFill>
+          <a:schemeClr val="tx1">
+            <a:lumMod val="50000"/>
+            <a:lumOff val="50000"/>
+          </a:schemeClr>
+        </a:solidFill>
+        <a:prstDash val="dash"/>
+      </a:ln>
+    </cs:spPr>
+  </cs:hiLoLine>
+  <cs:leaderLine>
+    <cs:lnRef idx="0"/>
+    <cs:fillRef idx="0"/>
+    <cs:effectRef idx="0"/>
+    <cs:fontRef idx="minor">
+      <a:schemeClr val="dk1"/>
+    </cs:fontRef>
+    <cs:spPr>
+      <a:ln w="9525">
+        <a:solidFill>
+          <a:schemeClr val="tx1">
+            <a:lumMod val="35000"/>
+            <a:lumOff val="65000"/>
+          </a:schemeClr>
+        </a:solidFill>
+      </a:ln>
+    </cs:spPr>
+  </cs:leaderLine>
+  <cs:legend>
+    <cs:lnRef idx="0"/>
+    <cs:fillRef idx="0"/>
+    <cs:effectRef idx="0"/>
+    <cs:fontRef idx="minor">
+      <a:schemeClr val="tx1">
+        <a:lumMod val="50000"/>
+        <a:lumOff val="50000"/>
+      </a:schemeClr>
+    </cs:fontRef>
+    <cs:defRPr sz="1197" kern="1200"/>
+  </cs:legend>
+  <cs:plotArea mods="allowNoFillOverride allowNoLineOverride">
+    <cs:lnRef idx="0"/>
+    <cs:fillRef idx="0"/>
+    <cs:effectRef idx="0"/>
+    <cs:fontRef idx="minor">
+      <a:schemeClr val="dk1"/>
+    </cs:fontRef>
+  </cs:plotArea>
+  <cs:plotArea3D mods="allowNoFillOverride allowNoLineOverride">
+    <cs:lnRef idx="0"/>
+    <cs:fillRef idx="0"/>
+    <cs:effectRef idx="0"/>
+    <cs:fontRef idx="minor">
+      <a:schemeClr val="dk1"/>
+    </cs:fontRef>
+  </cs:plotArea3D>
+  <cs:seriesAxis>
+    <cs:lnRef idx="0"/>
+    <cs:fillRef idx="0"/>
+    <cs:effectRef idx="0"/>
+    <cs:fontRef idx="minor">
+      <a:schemeClr val="tx1">
+        <a:lumMod val="50000"/>
+        <a:lumOff val="50000"/>
+      </a:schemeClr>
+    </cs:fontRef>
+    <cs:spPr>
+      <a:ln w="9525" cap="flat" cmpd="sng" algn="ctr">
+        <a:solidFill>
+          <a:schemeClr val="tx1">
+            <a:lumMod val="15000"/>
+            <a:lumOff val="85000"/>
+          </a:schemeClr>
+        </a:solidFill>
+        <a:round/>
+      </a:ln>
+    </cs:spPr>
+    <cs:defRPr sz="1197" kern="1200"/>
+  </cs:seriesAxis>
+  <cs:seriesLine>
+    <cs:lnRef idx="0"/>
+    <cs:fillRef idx="0"/>
+    <cs:effectRef idx="0"/>
+    <cs:fontRef idx="minor">
+      <a:schemeClr val="dk1"/>
+    </cs:fontRef>
+    <cs:spPr>
+      <a:ln w="9525">
+        <a:solidFill>
+          <a:schemeClr val="tx1">
+            <a:lumMod val="35000"/>
+            <a:lumOff val="65000"/>
+          </a:schemeClr>
+        </a:solidFill>
+        <a:prstDash val="dash"/>
+      </a:ln>
+    </cs:spPr>
+  </cs:seriesLine>
+  <cs:title>
+    <cs:lnRef idx="0"/>
+    <cs:fillRef idx="0"/>
+    <cs:effectRef idx="0"/>
+    <cs:fontRef idx="minor">
+      <a:schemeClr val="tx1">
+        <a:lumMod val="50000"/>
+        <a:lumOff val="50000"/>
+      </a:schemeClr>
+    </cs:fontRef>
+    <cs:defRPr sz="1862" kern="1200" cap="none" spc="20" baseline="0"/>
+  </cs:title>
+  <cs:trendline>
+    <cs:lnRef idx="0">
+      <cs:styleClr val="auto"/>
+    </cs:lnRef>
+    <cs:fillRef idx="2"/>
+    <cs:effectRef idx="0"/>
+    <cs:fontRef idx="minor">
+      <a:schemeClr val="dk1"/>
+    </cs:fontRef>
+    <cs:spPr>
+      <a:ln w="9525" cap="rnd">
+        <a:solidFill>
+          <a:schemeClr val="phClr"/>
+        </a:solidFill>
+      </a:ln>
+    </cs:spPr>
+  </cs:trendline>
+  <cs:trendlineLabel>
+    <cs:lnRef idx="0"/>
+    <cs:fillRef idx="0"/>
+    <cs:effectRef idx="0"/>
+    <cs:fontRef idx="minor">
+      <a:schemeClr val="tx1">
+        <a:lumMod val="50000"/>
+        <a:lumOff val="50000"/>
+      </a:schemeClr>
+    </cs:fontRef>
+    <cs:defRPr sz="1197" kern="1200"/>
+  </cs:trendlineLabel>
+  <cs:upBar>
+    <cs:lnRef idx="0"/>
+    <cs:fillRef idx="0"/>
+    <cs:effectRef idx="0"/>
+    <cs:fontRef idx="minor">
+      <a:schemeClr val="dk1"/>
+    </cs:fontRef>
+    <cs:spPr>
+      <a:solidFill>
+        <a:schemeClr val="lt1"/>
+      </a:solidFill>
+      <a:ln w="9525">
+        <a:solidFill>
+          <a:schemeClr val="tx1">
+            <a:lumMod val="50000"/>
+            <a:lumOff val="50000"/>
+          </a:schemeClr>
+        </a:solidFill>
+      </a:ln>
+    </cs:spPr>
+  </cs:upBar>
+  <cs:valueAxis>
+    <cs:lnRef idx="0"/>
+    <cs:fillRef idx="0"/>
+    <cs:effectRef idx="0"/>
+    <cs:fontRef idx="minor">
+      <a:schemeClr val="tx1">
+        <a:lumMod val="50000"/>
+        <a:lumOff val="50000"/>
+      </a:schemeClr>
+    </cs:fontRef>
+    <cs:defRPr sz="1197" kern="1200"/>
+  </cs:valueAxis>
+  <cs:wall>
+    <cs:lnRef idx="0"/>
+    <cs:fillRef idx="0"/>
+    <cs:effectRef idx="0"/>
+    <cs:fontRef idx="minor">
+      <a:schemeClr val="dk1"/>
+    </cs:fontRef>
+  </cs:wall>
+</cs:chartStyle>
+</file>
+
+<file path=ppt/charts/style5.xml><?xml version="1.0" encoding="utf-8"?>
+<cs:chartStyle xmlns:cs="http://schemas.microsoft.com/office/drawing/2012/chartStyle" xmlns:a="http://schemas.openxmlformats.org/drawingml/2006/main" id="206">
+  <cs:axisTitle>
+    <cs:lnRef idx="0"/>
+    <cs:fillRef idx="0"/>
+    <cs:effectRef idx="0"/>
+    <cs:fontRef idx="minor">
+      <a:schemeClr val="tx1">
+        <a:lumMod val="50000"/>
+        <a:lumOff val="50000"/>
+      </a:schemeClr>
+    </cs:fontRef>
+    <cs:defRPr sz="1197" kern="1200" cap="all"/>
+  </cs:axisTitle>
+  <cs:categoryAxis>
+    <cs:lnRef idx="0"/>
+    <cs:fillRef idx="0"/>
+    <cs:effectRef idx="0"/>
+    <cs:fontRef idx="minor">
+      <a:schemeClr val="tx1">
+        <a:lumMod val="50000"/>
+        <a:lumOff val="50000"/>
+      </a:schemeClr>
+    </cs:fontRef>
+    <cs:spPr>
+      <a:ln w="9525" cap="flat" cmpd="sng" algn="ctr">
+        <a:solidFill>
+          <a:schemeClr val="tx1">
+            <a:lumMod val="15000"/>
+            <a:lumOff val="85000"/>
+          </a:schemeClr>
+        </a:solidFill>
+        <a:round/>
+      </a:ln>
+    </cs:spPr>
+    <cs:defRPr sz="1197" kern="1200"/>
+  </cs:categoryAxis>
+  <cs:chartArea mods="allowNoFillOverride allowNoLineOverride">
+    <cs:lnRef idx="0"/>
+    <cs:fillRef idx="0"/>
+    <cs:effectRef idx="0"/>
+    <cs:fontRef idx="minor">
+      <a:schemeClr val="dk1"/>
+    </cs:fontRef>
+    <cs:spPr>
+      <a:solidFill>
+        <a:schemeClr val="bg1"/>
+      </a:solidFill>
+      <a:ln w="9525" cap="flat" cmpd="sng" algn="ctr">
+        <a:solidFill>
+          <a:schemeClr val="tx1">
+            <a:lumMod val="15000"/>
+            <a:lumOff val="85000"/>
+          </a:schemeClr>
+        </a:solidFill>
+        <a:round/>
+      </a:ln>
+    </cs:spPr>
+    <cs:defRPr sz="1197" kern="1200"/>
+  </cs:chartArea>
+  <cs:dataLabel>
+    <cs:lnRef idx="0"/>
+    <cs:fillRef idx="0"/>
+    <cs:effectRef idx="0"/>
+    <cs:fontRef idx="minor">
+      <a:schemeClr val="tx1">
+        <a:lumMod val="50000"/>
+        <a:lumOff val="50000"/>
+      </a:schemeClr>
+    </cs:fontRef>
+    <cs:defRPr sz="1197" kern="1200"/>
+  </cs:dataLabel>
+  <cs:dataLabelCallout>
+    <cs:lnRef idx="0"/>
+    <cs:fillRef idx="0"/>
+    <cs:effectRef idx="0"/>
+    <cs:fontRef idx="minor">
+      <a:schemeClr val="dk1">
+        <a:lumMod val="65000"/>
+        <a:lumOff val="35000"/>
+      </a:schemeClr>
+    </cs:fontRef>
+    <cs:spPr>
+      <a:solidFill>
+        <a:schemeClr val="lt1"/>
+      </a:solidFill>
+      <a:ln>
+        <a:solidFill>
+          <a:schemeClr val="dk1">
+            <a:lumMod val="25000"/>
+            <a:lumOff val="75000"/>
+          </a:schemeClr>
+        </a:solidFill>
+      </a:ln>
+    </cs:spPr>
+    <cs:defRPr sz="1197" kern="1200"/>
+    <cs:bodyPr rot="0" spcFirstLastPara="1" vertOverflow="clip" horzOverflow="clip" vert="horz" wrap="square" lIns="36576" tIns="18288" rIns="36576" bIns="18288" anchor="ctr" anchorCtr="1">
+      <a:spAutoFit/>
+    </cs:bodyPr>
+  </cs:dataLabelCallout>
+  <cs:dataPoint>
+    <cs:lnRef idx="0">
+      <cs:styleClr val="auto"/>
+    </cs:lnRef>
+    <cs:fillRef idx="2">
+      <cs:styleClr val="auto"/>
+    </cs:fillRef>
+    <cs:effectRef idx="1"/>
+    <cs:fontRef idx="minor">
+      <a:schemeClr val="dk1"/>
+    </cs:fontRef>
+    <cs:spPr>
+      <a:ln w="9525" cap="flat" cmpd="sng" algn="ctr">
+        <a:solidFill>
+          <a:schemeClr val="phClr">
+            <a:shade val="95000"/>
+          </a:schemeClr>
+        </a:solidFill>
+        <a:round/>
+      </a:ln>
+    </cs:spPr>
+  </cs:dataPoint>
+  <cs:dataPoint3D>
+    <cs:lnRef idx="0">
+      <cs:styleClr val="auto"/>
+    </cs:lnRef>
+    <cs:fillRef idx="2">
+      <cs:styleClr val="auto"/>
+    </cs:fillRef>
+    <cs:effectRef idx="1"/>
+    <cs:fontRef idx="minor">
+      <a:schemeClr val="dk1"/>
+    </cs:fontRef>
+    <cs:spPr>
+      <a:ln w="9525" cap="flat" cmpd="sng" algn="ctr">
+        <a:solidFill>
+          <a:schemeClr val="phClr">
+            <a:shade val="95000"/>
+          </a:schemeClr>
+        </a:solidFill>
+        <a:round/>
+      </a:ln>
+    </cs:spPr>
+  </cs:dataPoint3D>
+  <cs:dataPointLine>
+    <cs:lnRef idx="0">
+      <cs:styleClr val="auto"/>
+    </cs:lnRef>
+    <cs:fillRef idx="2">
+      <cs:styleClr val="auto"/>
+    </cs:fillRef>
+    <cs:effectRef idx="1"/>
+    <cs:fontRef idx="minor">
+      <a:schemeClr val="dk1"/>
+    </cs:fontRef>
+    <cs:spPr>
+      <a:ln w="15875" cap="rnd">
+        <a:solidFill>
+          <a:schemeClr val="phClr"/>
+        </a:solidFill>
+        <a:round/>
+      </a:ln>
+    </cs:spPr>
+  </cs:dataPointLine>
+  <cs:dataPointMarker>
+    <cs:lnRef idx="0">
+      <cs:styleClr val="auto"/>
+    </cs:lnRef>
+    <cs:fillRef idx="2">
+      <cs:styleClr val="auto"/>
+    </cs:fillRef>
+    <cs:effectRef idx="1"/>
+    <cs:fontRef idx="minor">
+      <a:schemeClr val="dk1"/>
+    </cs:fontRef>
+    <cs:spPr>
+      <a:ln w="9525" cap="flat" cmpd="sng" algn="ctr">
+        <a:solidFill>
+          <a:schemeClr val="phClr">
+            <a:shade val="95000"/>
+          </a:schemeClr>
+        </a:solidFill>
+        <a:round/>
+      </a:ln>
+    </cs:spPr>
+  </cs:dataPointMarker>
+  <cs:dataPointMarkerLayout symbol="circle" size="4"/>
+  <cs:dataPointWireframe>
+    <cs:lnRef idx="0">
+      <cs:styleClr val="auto"/>
+    </cs:lnRef>
+    <cs:fillRef idx="2"/>
+    <cs:effectRef idx="0"/>
+    <cs:fontRef idx="minor">
+      <a:schemeClr val="dk1"/>
+    </cs:fontRef>
+    <cs:spPr>
+      <a:ln w="9525" cap="rnd">
+        <a:solidFill>
+          <a:schemeClr val="phClr"/>
+        </a:solidFill>
+        <a:round/>
+      </a:ln>
+    </cs:spPr>
+  </cs:dataPointWireframe>
+  <cs:dataTable>
+    <cs:lnRef idx="0"/>
+    <cs:fillRef idx="0"/>
+    <cs:effectRef idx="0"/>
+    <cs:fontRef idx="minor">
+      <a:schemeClr val="tx1">
+        <a:lumMod val="50000"/>
+        <a:lumOff val="50000"/>
+      </a:schemeClr>
+    </cs:fontRef>
+    <cs:spPr>
+      <a:ln w="9525">
+        <a:solidFill>
+          <a:schemeClr val="tx1">
+            <a:lumMod val="15000"/>
+            <a:lumOff val="85000"/>
+          </a:schemeClr>
+        </a:solidFill>
+      </a:ln>
+    </cs:spPr>
+    <cs:defRPr sz="1197" kern="1200"/>
+  </cs:dataTable>
+  <cs:downBar>
+    <cs:lnRef idx="0"/>
+    <cs:fillRef idx="0"/>
+    <cs:effectRef idx="0"/>
+    <cs:fontRef idx="minor">
+      <a:schemeClr val="dk1"/>
+    </cs:fontRef>
+    <cs:spPr>
+      <a:solidFill>
+        <a:schemeClr val="dk1">
+          <a:lumMod val="75000"/>
+          <a:lumOff val="25000"/>
+        </a:schemeClr>
+      </a:solidFill>
+      <a:ln w="9525">
+        <a:solidFill>
+          <a:schemeClr val="tx1">
+            <a:lumMod val="50000"/>
+            <a:lumOff val="50000"/>
+          </a:schemeClr>
+        </a:solidFill>
+      </a:ln>
+    </cs:spPr>
+  </cs:downBar>
+  <cs:dropLine>
+    <cs:lnRef idx="0"/>
+    <cs:fillRef idx="0"/>
+    <cs:effectRef idx="0"/>
+    <cs:fontRef idx="minor">
+      <a:schemeClr val="dk1"/>
+    </cs:fontRef>
+    <cs:spPr>
+      <a:ln w="9525">
+        <a:solidFill>
+          <a:schemeClr val="tx1">
+            <a:lumMod val="35000"/>
+            <a:lumOff val="65000"/>
+          </a:schemeClr>
+        </a:solidFill>
+        <a:prstDash val="dash"/>
+      </a:ln>
+    </cs:spPr>
+  </cs:dropLine>
+  <cs:errorBar>
+    <cs:lnRef idx="0"/>
+    <cs:fillRef idx="0"/>
+    <cs:effectRef idx="0"/>
+    <cs:fontRef idx="minor">
+      <a:schemeClr val="dk1"/>
+    </cs:fontRef>
+    <cs:spPr>
+      <a:ln w="9525">
+        <a:solidFill>
+          <a:schemeClr val="tx1">
+            <a:lumMod val="50000"/>
+            <a:lumOff val="50000"/>
+          </a:schemeClr>
+        </a:solidFill>
+      </a:ln>
+    </cs:spPr>
+  </cs:errorBar>
+  <cs:floor>
+    <cs:lnRef idx="0"/>
+    <cs:fillRef idx="0"/>
+    <cs:effectRef idx="0"/>
+    <cs:fontRef idx="minor">
+      <a:schemeClr val="dk1"/>
+    </cs:fontRef>
+  </cs:floor>
+  <cs:gridlineMajor>
+    <cs:lnRef idx="0"/>
+    <cs:fillRef idx="0"/>
+    <cs:effectRef idx="0"/>
+    <cs:fontRef idx="minor">
+      <a:schemeClr val="dk1"/>
+    </cs:fontRef>
+    <cs:spPr>
+      <a:ln w="9525" cap="flat" cmpd="sng" algn="ctr">
+        <a:solidFill>
+          <a:schemeClr val="tx1">
+            <a:lumMod val="15000"/>
+            <a:lumOff val="85000"/>
+          </a:schemeClr>
+        </a:solidFill>
+        <a:round/>
+      </a:ln>
+    </cs:spPr>
+  </cs:gridlineMajor>
+  <cs:gridlineMinor>
+    <cs:lnRef idx="0"/>
+    <cs:fillRef idx="0"/>
+    <cs:effectRef idx="0"/>
+    <cs:fontRef idx="minor">
+      <a:schemeClr val="dk1"/>
+    </cs:fontRef>
+    <cs:spPr>
+      <a:ln>
+        <a:solidFill>
+          <a:schemeClr val="tx1">
+            <a:lumMod val="5000"/>
+            <a:lumOff val="95000"/>
+          </a:schemeClr>
+        </a:solidFill>
+      </a:ln>
+    </cs:spPr>
+  </cs:gridlineMinor>
+  <cs:hiLoLine>
+    <cs:lnRef idx="0"/>
+    <cs:fillRef idx="0"/>
+    <cs:effectRef idx="0"/>
+    <cs:fontRef idx="minor">
+      <a:schemeClr val="dk1"/>
+    </cs:fontRef>
+    <cs:spPr>
+      <a:ln w="9525">
+        <a:solidFill>
+          <a:schemeClr val="tx1">
+            <a:lumMod val="50000"/>
+            <a:lumOff val="50000"/>
+          </a:schemeClr>
+        </a:solidFill>
+        <a:prstDash val="dash"/>
+      </a:ln>
+    </cs:spPr>
+  </cs:hiLoLine>
+  <cs:leaderLine>
+    <cs:lnRef idx="0"/>
+    <cs:fillRef idx="0"/>
+    <cs:effectRef idx="0"/>
+    <cs:fontRef idx="minor">
+      <a:schemeClr val="dk1"/>
+    </cs:fontRef>
+    <cs:spPr>
+      <a:ln w="9525">
+        <a:solidFill>
+          <a:schemeClr val="tx1">
+            <a:lumMod val="35000"/>
+            <a:lumOff val="65000"/>
+          </a:schemeClr>
+        </a:solidFill>
+      </a:ln>
+    </cs:spPr>
+  </cs:leaderLine>
+  <cs:legend>
+    <cs:lnRef idx="0"/>
+    <cs:fillRef idx="0"/>
+    <cs:effectRef idx="0"/>
+    <cs:fontRef idx="minor">
+      <a:schemeClr val="tx1">
+        <a:lumMod val="50000"/>
+        <a:lumOff val="50000"/>
+      </a:schemeClr>
+    </cs:fontRef>
+    <cs:defRPr sz="1197" kern="1200"/>
+  </cs:legend>
+  <cs:plotArea mods="allowNoFillOverride allowNoLineOverride">
+    <cs:lnRef idx="0"/>
+    <cs:fillRef idx="0"/>
+    <cs:effectRef idx="0"/>
+    <cs:fontRef idx="minor">
+      <a:schemeClr val="dk1"/>
+    </cs:fontRef>
+  </cs:plotArea>
+  <cs:plotArea3D mods="allowNoFillOverride allowNoLineOverride">
+    <cs:lnRef idx="0"/>
+    <cs:fillRef idx="0"/>
+    <cs:effectRef idx="0"/>
+    <cs:fontRef idx="minor">
+      <a:schemeClr val="dk1"/>
+    </cs:fontRef>
+  </cs:plotArea3D>
+  <cs:seriesAxis>
+    <cs:lnRef idx="0"/>
+    <cs:fillRef idx="0"/>
+    <cs:effectRef idx="0"/>
+    <cs:fontRef idx="minor">
+      <a:schemeClr val="tx1">
+        <a:lumMod val="50000"/>
+        <a:lumOff val="50000"/>
+      </a:schemeClr>
+    </cs:fontRef>
+    <cs:spPr>
+      <a:ln w="9525" cap="flat" cmpd="sng" algn="ctr">
+        <a:solidFill>
+          <a:schemeClr val="tx1">
+            <a:lumMod val="15000"/>
+            <a:lumOff val="85000"/>
+          </a:schemeClr>
+        </a:solidFill>
+        <a:round/>
+      </a:ln>
+    </cs:spPr>
+    <cs:defRPr sz="1197" kern="1200"/>
+  </cs:seriesAxis>
+  <cs:seriesLine>
+    <cs:lnRef idx="0"/>
+    <cs:fillRef idx="0"/>
+    <cs:effectRef idx="0"/>
+    <cs:fontRef idx="minor">
+      <a:schemeClr val="dk1"/>
+    </cs:fontRef>
+    <cs:spPr>
+      <a:ln w="9525">
+        <a:solidFill>
+          <a:schemeClr val="tx1">
+            <a:lumMod val="35000"/>
+            <a:lumOff val="65000"/>
+          </a:schemeClr>
+        </a:solidFill>
+        <a:prstDash val="dash"/>
+      </a:ln>
+    </cs:spPr>
+  </cs:seriesLine>
+  <cs:title>
+    <cs:lnRef idx="0"/>
+    <cs:fillRef idx="0"/>
+    <cs:effectRef idx="0"/>
+    <cs:fontRef idx="minor">
+      <a:schemeClr val="tx1">
+        <a:lumMod val="50000"/>
+        <a:lumOff val="50000"/>
+      </a:schemeClr>
+    </cs:fontRef>
+    <cs:defRPr sz="1862" kern="1200" cap="none" spc="20" baseline="0"/>
+  </cs:title>
+  <cs:trendline>
+    <cs:lnRef idx="0">
+      <cs:styleClr val="auto"/>
+    </cs:lnRef>
+    <cs:fillRef idx="2"/>
+    <cs:effectRef idx="0"/>
+    <cs:fontRef idx="minor">
+      <a:schemeClr val="dk1"/>
+    </cs:fontRef>
+    <cs:spPr>
+      <a:ln w="9525" cap="rnd">
+        <a:solidFill>
+          <a:schemeClr val="phClr"/>
+        </a:solidFill>
+      </a:ln>
+    </cs:spPr>
+  </cs:trendline>
+  <cs:trendlineLabel>
+    <cs:lnRef idx="0"/>
+    <cs:fillRef idx="0"/>
+    <cs:effectRef idx="0"/>
+    <cs:fontRef idx="minor">
+      <a:schemeClr val="tx1">
+        <a:lumMod val="50000"/>
+        <a:lumOff val="50000"/>
+      </a:schemeClr>
+    </cs:fontRef>
+    <cs:defRPr sz="1197" kern="1200"/>
+  </cs:trendlineLabel>
+  <cs:upBar>
+    <cs:lnRef idx="0"/>
+    <cs:fillRef idx="0"/>
+    <cs:effectRef idx="0"/>
+    <cs:fontRef idx="minor">
+      <a:schemeClr val="dk1"/>
+    </cs:fontRef>
+    <cs:spPr>
+      <a:solidFill>
+        <a:schemeClr val="lt1"/>
+      </a:solidFill>
+      <a:ln w="9525">
+        <a:solidFill>
+          <a:schemeClr val="tx1">
+            <a:lumMod val="50000"/>
+            <a:lumOff val="50000"/>
+          </a:schemeClr>
+        </a:solidFill>
+      </a:ln>
+    </cs:spPr>
+  </cs:upBar>
+  <cs:valueAxis>
+    <cs:lnRef idx="0"/>
+    <cs:fillRef idx="0"/>
+    <cs:effectRef idx="0"/>
+    <cs:fontRef idx="minor">
+      <a:schemeClr val="tx1">
+        <a:lumMod val="50000"/>
+        <a:lumOff val="50000"/>
+      </a:schemeClr>
+    </cs:fontRef>
+    <cs:defRPr sz="1197" kern="1200"/>
+  </cs:valueAxis>
+  <cs:wall>
+    <cs:lnRef idx="0"/>
+    <cs:fillRef idx="0"/>
+    <cs:effectRef idx="0"/>
+    <cs:fontRef idx="minor">
+      <a:schemeClr val="dk1"/>
+    </cs:fontRef>
+  </cs:wall>
+</cs:chartStyle>
+</file>
+
+<file path=ppt/charts/style6.xml><?xml version="1.0" encoding="utf-8"?>
 <cs:chartStyle xmlns:cs="http://schemas.microsoft.com/office/drawing/2012/chartStyle" xmlns:a="http://schemas.openxmlformats.org/drawingml/2006/main" id="206">
   <cs:axisTitle>
     <cs:lnRef idx="0"/>
@@ -1256,7 +6258,7 @@
           <a:p>
             <a:fld id="{AC4B41AD-19D4-43EF-8FC9-CEF8A7140931}" type="datetimeFigureOut">
               <a:rPr lang="en-IN" smtClean="0"/>
-              <a:t>12-11-2022</a:t>
+              <a:t>16-11-2022</a:t>
             </a:fld>
             <a:endParaRPr lang="en-IN"/>
           </a:p>
@@ -1757,7 +6759,7 @@
           <a:p>
             <a:fld id="{59175997-4A2A-46F6-9283-8A96DC235D15}" type="datetimeFigureOut">
               <a:rPr lang="en-IN" smtClean="0"/>
-              <a:t>12-11-2022</a:t>
+              <a:t>16-11-2022</a:t>
             </a:fld>
             <a:endParaRPr lang="en-IN"/>
           </a:p>
@@ -1957,7 +6959,7 @@
           <a:p>
             <a:fld id="{59175997-4A2A-46F6-9283-8A96DC235D15}" type="datetimeFigureOut">
               <a:rPr lang="en-IN" smtClean="0"/>
-              <a:t>12-11-2022</a:t>
+              <a:t>16-11-2022</a:t>
             </a:fld>
             <a:endParaRPr lang="en-IN"/>
           </a:p>
@@ -2167,7 +7169,7 @@
           <a:p>
             <a:fld id="{59175997-4A2A-46F6-9283-8A96DC235D15}" type="datetimeFigureOut">
               <a:rPr lang="en-IN" smtClean="0"/>
-              <a:t>12-11-2022</a:t>
+              <a:t>16-11-2022</a:t>
             </a:fld>
             <a:endParaRPr lang="en-IN"/>
           </a:p>
@@ -2367,7 +7369,7 @@
           <a:p>
             <a:fld id="{59175997-4A2A-46F6-9283-8A96DC235D15}" type="datetimeFigureOut">
               <a:rPr lang="en-IN" smtClean="0"/>
-              <a:t>12-11-2022</a:t>
+              <a:t>16-11-2022</a:t>
             </a:fld>
             <a:endParaRPr lang="en-IN"/>
           </a:p>
@@ -2643,7 +7645,7 @@
           <a:p>
             <a:fld id="{59175997-4A2A-46F6-9283-8A96DC235D15}" type="datetimeFigureOut">
               <a:rPr lang="en-IN" smtClean="0"/>
-              <a:t>12-11-2022</a:t>
+              <a:t>16-11-2022</a:t>
             </a:fld>
             <a:endParaRPr lang="en-IN"/>
           </a:p>
@@ -2911,7 +7913,7 @@
           <a:p>
             <a:fld id="{59175997-4A2A-46F6-9283-8A96DC235D15}" type="datetimeFigureOut">
               <a:rPr lang="en-IN" smtClean="0"/>
-              <a:t>12-11-2022</a:t>
+              <a:t>16-11-2022</a:t>
             </a:fld>
             <a:endParaRPr lang="en-IN"/>
           </a:p>
@@ -3326,7 +8328,7 @@
           <a:p>
             <a:fld id="{59175997-4A2A-46F6-9283-8A96DC235D15}" type="datetimeFigureOut">
               <a:rPr lang="en-IN" smtClean="0"/>
-              <a:t>12-11-2022</a:t>
+              <a:t>16-11-2022</a:t>
             </a:fld>
             <a:endParaRPr lang="en-IN"/>
           </a:p>
@@ -3468,7 +8470,7 @@
           <a:p>
             <a:fld id="{59175997-4A2A-46F6-9283-8A96DC235D15}" type="datetimeFigureOut">
               <a:rPr lang="en-IN" smtClean="0"/>
-              <a:t>12-11-2022</a:t>
+              <a:t>16-11-2022</a:t>
             </a:fld>
             <a:endParaRPr lang="en-IN"/>
           </a:p>
@@ -3581,7 +8583,7 @@
           <a:p>
             <a:fld id="{59175997-4A2A-46F6-9283-8A96DC235D15}" type="datetimeFigureOut">
               <a:rPr lang="en-IN" smtClean="0"/>
-              <a:t>12-11-2022</a:t>
+              <a:t>16-11-2022</a:t>
             </a:fld>
             <a:endParaRPr lang="en-IN"/>
           </a:p>
@@ -3894,7 +8896,7 @@
           <a:p>
             <a:fld id="{59175997-4A2A-46F6-9283-8A96DC235D15}" type="datetimeFigureOut">
               <a:rPr lang="en-IN" smtClean="0"/>
-              <a:t>12-11-2022</a:t>
+              <a:t>16-11-2022</a:t>
             </a:fld>
             <a:endParaRPr lang="en-IN"/>
           </a:p>
@@ -4183,7 +9185,7 @@
           <a:p>
             <a:fld id="{59175997-4A2A-46F6-9283-8A96DC235D15}" type="datetimeFigureOut">
               <a:rPr lang="en-IN" smtClean="0"/>
-              <a:t>12-11-2022</a:t>
+              <a:t>16-11-2022</a:t>
             </a:fld>
             <a:endParaRPr lang="en-IN"/>
           </a:p>
@@ -4426,7 +9428,7 @@
           <a:p>
             <a:fld id="{59175997-4A2A-46F6-9283-8A96DC235D15}" type="datetimeFigureOut">
               <a:rPr lang="en-IN" smtClean="0"/>
-              <a:t>12-11-2022</a:t>
+              <a:t>16-11-2022</a:t>
             </a:fld>
             <a:endParaRPr lang="en-IN"/>
           </a:p>
@@ -6868,6 +11870,1423 @@
 </p:sld>
 </file>
 
+<file path=ppt/slides/slide10.xml><?xml version="1.0" encoding="utf-8"?>
+<p:sld xmlns:a="http://schemas.openxmlformats.org/drawingml/2006/main" xmlns:r="http://schemas.openxmlformats.org/officeDocument/2006/relationships" xmlns:p="http://schemas.openxmlformats.org/presentationml/2006/main">
+  <p:cSld>
+    <p:spTree>
+      <p:nvGrpSpPr>
+        <p:cNvPr id="1" name=""/>
+        <p:cNvGrpSpPr/>
+        <p:nvPr/>
+      </p:nvGrpSpPr>
+      <p:grpSpPr>
+        <a:xfrm>
+          <a:off x="0" y="0"/>
+          <a:ext cx="0" cy="0"/>
+          <a:chOff x="0" y="0"/>
+          <a:chExt cx="0" cy="0"/>
+        </a:xfrm>
+      </p:grpSpPr>
+      <p:sp>
+        <p:nvSpPr>
+          <p:cNvPr id="11" name="TextBox 10">
+            <a:extLst>
+              <a:ext uri="{FF2B5EF4-FFF2-40B4-BE49-F238E27FC236}">
+                <a16:creationId xmlns:a16="http://schemas.microsoft.com/office/drawing/2014/main" id="{FCEB48D9-F6AE-2CE9-1387-F0E795C8E9F3}"/>
+              </a:ext>
+            </a:extLst>
+          </p:cNvPr>
+          <p:cNvSpPr txBox="1"/>
+          <p:nvPr/>
+        </p:nvSpPr>
+        <p:spPr>
+          <a:xfrm>
+            <a:off x="2745987" y="159237"/>
+            <a:ext cx="6989027" cy="584775"/>
+          </a:xfrm>
+          <a:prstGeom prst="rect">
+            <a:avLst/>
+          </a:prstGeom>
+          <a:noFill/>
+        </p:spPr>
+        <p:txBody>
+          <a:bodyPr wrap="square">
+            <a:spAutoFit/>
+          </a:bodyPr>
+          <a:lstStyle/>
+          <a:p>
+            <a:pPr marL="0" marR="0" lvl="0" indent="0" algn="l" defTabSz="914400" rtl="0" eaLnBrk="1" fontAlgn="auto" latinLnBrk="0" hangingPunct="1">
+              <a:lnSpc>
+                <a:spcPct val="100000"/>
+              </a:lnSpc>
+              <a:spcBef>
+                <a:spcPts val="0"/>
+              </a:spcBef>
+              <a:spcAft>
+                <a:spcPts val="0"/>
+              </a:spcAft>
+              <a:buClrTx/>
+              <a:buSzTx/>
+              <a:buFontTx/>
+              <a:buNone/>
+              <a:tabLst/>
+              <a:defRPr/>
+            </a:pPr>
+            <a:r>
+              <a:rPr lang="en-IN" sz="3200" dirty="0">
+                <a:solidFill>
+                  <a:prstClr val="black"/>
+                </a:solidFill>
+                <a:latin typeface="Calibri" panose="020F0502020204030204"/>
+              </a:rPr>
+              <a:t>Dilution Steam Ratio</a:t>
+            </a:r>
+            <a:r>
+              <a:rPr kumimoji="0" lang="en-IN" sz="3200" b="0" i="0" u="none" strike="noStrike" kern="1200" cap="none" spc="0" normalizeH="0" baseline="0" noProof="0" dirty="0">
+                <a:ln>
+                  <a:noFill/>
+                </a:ln>
+                <a:solidFill>
+                  <a:prstClr val="black"/>
+                </a:solidFill>
+                <a:effectLst/>
+                <a:uLnTx/>
+                <a:uFillTx/>
+                <a:latin typeface="Calibri" panose="020F0502020204030204"/>
+                <a:ea typeface="+mn-ea"/>
+                <a:cs typeface="+mn-cs"/>
+              </a:rPr>
+              <a:t> Correlation Analysis</a:t>
+            </a:r>
+          </a:p>
+        </p:txBody>
+      </p:sp>
+      <p:graphicFrame>
+        <p:nvGraphicFramePr>
+          <p:cNvPr id="12" name="Chart 11">
+            <a:extLst>
+              <a:ext uri="{FF2B5EF4-FFF2-40B4-BE49-F238E27FC236}">
+                <a16:creationId xmlns:a16="http://schemas.microsoft.com/office/drawing/2014/main" id="{B9EA8E68-1B10-2ABB-6344-E443AE589272}"/>
+              </a:ext>
+            </a:extLst>
+          </p:cNvPr>
+          <p:cNvGraphicFramePr/>
+          <p:nvPr>
+            <p:extLst>
+              <p:ext uri="{D42A27DB-BD31-4B8C-83A1-F6EECF244321}">
+                <p14:modId xmlns:p14="http://schemas.microsoft.com/office/powerpoint/2010/main" val="4146642656"/>
+              </p:ext>
+            </p:extLst>
+          </p:nvPr>
+        </p:nvGraphicFramePr>
+        <p:xfrm>
+          <a:off x="615796" y="936038"/>
+          <a:ext cx="4959813" cy="3546087"/>
+        </p:xfrm>
+        <a:graphic>
+          <a:graphicData uri="http://schemas.openxmlformats.org/drawingml/2006/chart">
+            <c:chart xmlns:c="http://schemas.openxmlformats.org/drawingml/2006/chart" xmlns:r="http://schemas.openxmlformats.org/officeDocument/2006/relationships" r:id="rId2"/>
+          </a:graphicData>
+        </a:graphic>
+      </p:graphicFrame>
+      <p:pic>
+        <p:nvPicPr>
+          <p:cNvPr id="14" name="Picture 13">
+            <a:extLst>
+              <a:ext uri="{FF2B5EF4-FFF2-40B4-BE49-F238E27FC236}">
+                <a16:creationId xmlns:a16="http://schemas.microsoft.com/office/drawing/2014/main" id="{BB7B30E8-3CFB-76A6-0938-255A23368C9A}"/>
+              </a:ext>
+            </a:extLst>
+          </p:cNvPr>
+          <p:cNvPicPr>
+            <a:picLocks noChangeAspect="1"/>
+          </p:cNvPicPr>
+          <p:nvPr/>
+        </p:nvPicPr>
+        <p:blipFill>
+          <a:blip r:embed="rId3">
+            <a:extLst>
+              <a:ext uri="{28A0092B-C50C-407E-A947-70E740481C1C}">
+                <a14:useLocalDpi xmlns:a14="http://schemas.microsoft.com/office/drawing/2010/main" val="0"/>
+              </a:ext>
+            </a:extLst>
+          </a:blip>
+          <a:stretch>
+            <a:fillRect/>
+          </a:stretch>
+        </p:blipFill>
+        <p:spPr>
+          <a:xfrm>
+            <a:off x="6096000" y="855293"/>
+            <a:ext cx="5623932" cy="3459429"/>
+          </a:xfrm>
+          <a:prstGeom prst="rect">
+            <a:avLst/>
+          </a:prstGeom>
+        </p:spPr>
+      </p:pic>
+      <p:sp>
+        <p:nvSpPr>
+          <p:cNvPr id="18" name="TextBox 17">
+            <a:extLst>
+              <a:ext uri="{FF2B5EF4-FFF2-40B4-BE49-F238E27FC236}">
+                <a16:creationId xmlns:a16="http://schemas.microsoft.com/office/drawing/2014/main" id="{C26340D5-E314-3EA9-AEA8-17500EAF76E3}"/>
+              </a:ext>
+            </a:extLst>
+          </p:cNvPr>
+          <p:cNvSpPr txBox="1"/>
+          <p:nvPr/>
+        </p:nvSpPr>
+        <p:spPr>
+          <a:xfrm>
+            <a:off x="615796" y="4674151"/>
+            <a:ext cx="11204496" cy="2308324"/>
+          </a:xfrm>
+          <a:prstGeom prst="rect">
+            <a:avLst/>
+          </a:prstGeom>
+          <a:noFill/>
+        </p:spPr>
+        <p:txBody>
+          <a:bodyPr wrap="square">
+            <a:spAutoFit/>
+          </a:bodyPr>
+          <a:lstStyle/>
+          <a:p>
+            <a:pPr marL="0" marR="0" lvl="0" indent="0" algn="l" defTabSz="914400" rtl="0" eaLnBrk="1" fontAlgn="auto" latinLnBrk="0" hangingPunct="1">
+              <a:lnSpc>
+                <a:spcPct val="100000"/>
+              </a:lnSpc>
+              <a:spcBef>
+                <a:spcPts val="0"/>
+              </a:spcBef>
+              <a:spcAft>
+                <a:spcPts val="0"/>
+              </a:spcAft>
+              <a:buClrTx/>
+              <a:buSzTx/>
+              <a:buFontTx/>
+              <a:buNone/>
+              <a:tabLst/>
+              <a:defRPr/>
+            </a:pPr>
+            <a:r>
+              <a:rPr kumimoji="0" lang="en-IN" sz="1800" b="0" i="0" u="none" strike="noStrike" kern="1200" cap="none" spc="0" normalizeH="0" baseline="0" noProof="0" dirty="0">
+                <a:ln>
+                  <a:noFill/>
+                </a:ln>
+                <a:solidFill>
+                  <a:prstClr val="black"/>
+                </a:solidFill>
+                <a:effectLst/>
+                <a:uLnTx/>
+                <a:uFillTx/>
+                <a:latin typeface="Calibri" panose="020F0502020204030204"/>
+                <a:ea typeface="+mn-ea"/>
+                <a:cs typeface="+mn-cs"/>
+              </a:rPr>
+              <a:t>The sample dataset consists of 6 columns (individual </a:t>
+            </a:r>
+            <a:r>
+              <a:rPr lang="en-IN" dirty="0">
+                <a:solidFill>
+                  <a:prstClr val="black"/>
+                </a:solidFill>
+                <a:latin typeface="Calibri" panose="020F0502020204030204"/>
+              </a:rPr>
+              <a:t>Dilution Steam</a:t>
+            </a:r>
+            <a:r>
+              <a:rPr kumimoji="0" lang="en-IN" sz="1800" b="0" i="0" u="none" strike="noStrike" kern="1200" cap="none" spc="0" normalizeH="0" baseline="0" noProof="0" dirty="0">
+                <a:ln>
+                  <a:noFill/>
+                </a:ln>
+                <a:solidFill>
+                  <a:prstClr val="black"/>
+                </a:solidFill>
+                <a:effectLst/>
+                <a:uLnTx/>
+                <a:uFillTx/>
+                <a:latin typeface="Calibri" panose="020F0502020204030204"/>
+                <a:ea typeface="+mn-ea"/>
+                <a:cs typeface="+mn-cs"/>
+              </a:rPr>
+              <a:t> coils). Each columns are highly correlated to each other.</a:t>
+            </a:r>
+          </a:p>
+          <a:p>
+            <a:pPr marL="0" marR="0" lvl="0" indent="0" algn="l" defTabSz="914400" rtl="0" eaLnBrk="1" fontAlgn="auto" latinLnBrk="0" hangingPunct="1">
+              <a:lnSpc>
+                <a:spcPct val="100000"/>
+              </a:lnSpc>
+              <a:spcBef>
+                <a:spcPts val="0"/>
+              </a:spcBef>
+              <a:spcAft>
+                <a:spcPts val="0"/>
+              </a:spcAft>
+              <a:buClrTx/>
+              <a:buSzTx/>
+              <a:buFontTx/>
+              <a:buNone/>
+              <a:tabLst/>
+              <a:defRPr/>
+            </a:pPr>
+            <a:endParaRPr kumimoji="0" lang="en-IN" sz="1800" b="0" i="0" u="none" strike="noStrike" kern="1200" cap="none" spc="0" normalizeH="0" baseline="0" noProof="0" dirty="0">
+              <a:ln>
+                <a:noFill/>
+              </a:ln>
+              <a:solidFill>
+                <a:prstClr val="black"/>
+              </a:solidFill>
+              <a:effectLst/>
+              <a:uLnTx/>
+              <a:uFillTx/>
+              <a:latin typeface="Calibri" panose="020F0502020204030204"/>
+              <a:ea typeface="+mn-ea"/>
+              <a:cs typeface="+mn-cs"/>
+            </a:endParaRPr>
+          </a:p>
+          <a:p>
+            <a:pPr marL="0" marR="0" lvl="0" indent="0" algn="l" defTabSz="914400" rtl="0" eaLnBrk="1" fontAlgn="auto" latinLnBrk="0" hangingPunct="1">
+              <a:lnSpc>
+                <a:spcPct val="100000"/>
+              </a:lnSpc>
+              <a:spcBef>
+                <a:spcPts val="0"/>
+              </a:spcBef>
+              <a:spcAft>
+                <a:spcPts val="0"/>
+              </a:spcAft>
+              <a:buClrTx/>
+              <a:buSzTx/>
+              <a:buFontTx/>
+              <a:buNone/>
+              <a:tabLst/>
+              <a:defRPr/>
+            </a:pPr>
+            <a:r>
+              <a:rPr kumimoji="0" lang="en-IN" sz="1800" b="1" i="0" u="none" strike="noStrike" kern="1200" cap="none" spc="0" normalizeH="0" baseline="0" noProof="0" dirty="0">
+                <a:ln>
+                  <a:noFill/>
+                </a:ln>
+                <a:solidFill>
+                  <a:prstClr val="black"/>
+                </a:solidFill>
+                <a:effectLst/>
+                <a:uLnTx/>
+                <a:uFillTx/>
+                <a:latin typeface="Calibri" panose="020F0502020204030204"/>
+                <a:ea typeface="+mn-ea"/>
+                <a:cs typeface="+mn-cs"/>
+              </a:rPr>
+              <a:t>Treatment:</a:t>
+            </a:r>
+          </a:p>
+          <a:p>
+            <a:pPr marL="742950" marR="0" lvl="1" indent="-285750" algn="l" defTabSz="914400" rtl="0" eaLnBrk="1" fontAlgn="auto" latinLnBrk="0" hangingPunct="1">
+              <a:lnSpc>
+                <a:spcPct val="100000"/>
+              </a:lnSpc>
+              <a:spcBef>
+                <a:spcPts val="0"/>
+              </a:spcBef>
+              <a:spcAft>
+                <a:spcPts val="0"/>
+              </a:spcAft>
+              <a:buClrTx/>
+              <a:buSzTx/>
+              <a:buFont typeface="Arial" panose="020B0604020202020204" pitchFamily="34" charset="0"/>
+              <a:buChar char="•"/>
+              <a:tabLst/>
+              <a:defRPr/>
+            </a:pPr>
+            <a:r>
+              <a:rPr kumimoji="0" lang="en-IN" sz="1800" b="0" i="0" u="none" strike="noStrike" kern="1200" cap="none" spc="0" normalizeH="0" baseline="0" noProof="0" dirty="0">
+                <a:ln>
+                  <a:noFill/>
+                </a:ln>
+                <a:solidFill>
+                  <a:prstClr val="black"/>
+                </a:solidFill>
+                <a:effectLst/>
+                <a:uLnTx/>
+                <a:uFillTx/>
+                <a:latin typeface="Calibri" panose="020F0502020204030204"/>
+                <a:ea typeface="+mn-ea"/>
+                <a:cs typeface="+mn-cs"/>
+              </a:rPr>
+              <a:t>Total DS Ratio  is computed across all the columns.</a:t>
+            </a:r>
+          </a:p>
+          <a:p>
+            <a:pPr marL="742950" marR="0" lvl="1" indent="-285750" algn="l" defTabSz="914400" rtl="0" eaLnBrk="1" fontAlgn="auto" latinLnBrk="0" hangingPunct="1">
+              <a:lnSpc>
+                <a:spcPct val="100000"/>
+              </a:lnSpc>
+              <a:spcBef>
+                <a:spcPts val="0"/>
+              </a:spcBef>
+              <a:spcAft>
+                <a:spcPts val="0"/>
+              </a:spcAft>
+              <a:buClrTx/>
+              <a:buSzTx/>
+              <a:buFont typeface="Arial" panose="020B0604020202020204" pitchFamily="34" charset="0"/>
+              <a:buChar char="•"/>
+              <a:tabLst/>
+              <a:defRPr/>
+            </a:pPr>
+            <a:r>
+              <a:rPr kumimoji="0" lang="en-IN" sz="1800" b="0" i="0" u="none" strike="noStrike" kern="1200" cap="none" spc="0" normalizeH="0" baseline="0" noProof="0" dirty="0">
+                <a:ln>
+                  <a:noFill/>
+                </a:ln>
+                <a:solidFill>
+                  <a:prstClr val="black"/>
+                </a:solidFill>
+                <a:effectLst/>
+                <a:uLnTx/>
+                <a:uFillTx/>
+                <a:latin typeface="Calibri" panose="020F0502020204030204"/>
+                <a:ea typeface="+mn-ea"/>
+                <a:cs typeface="+mn-cs"/>
+              </a:rPr>
+              <a:t>Since Total DS Ratio is highly correlated with all individual columns. Hence</a:t>
+            </a:r>
+            <a:r>
+              <a:rPr kumimoji="0" lang="en-IN" sz="1800" b="1" i="0" u="none" strike="noStrike" kern="1200" cap="none" spc="0" normalizeH="0" baseline="0" noProof="0" dirty="0">
+                <a:ln>
+                  <a:noFill/>
+                </a:ln>
+                <a:solidFill>
+                  <a:prstClr val="black"/>
+                </a:solidFill>
+                <a:effectLst/>
+                <a:uLnTx/>
+                <a:uFillTx/>
+                <a:latin typeface="Calibri" panose="020F0502020204030204"/>
+                <a:ea typeface="+mn-ea"/>
+                <a:cs typeface="+mn-cs"/>
+              </a:rPr>
+              <a:t> </a:t>
+            </a:r>
+            <a:r>
+              <a:rPr kumimoji="0" lang="en-IN" sz="1800" b="0" i="0" u="none" strike="noStrike" kern="1200" cap="none" spc="0" normalizeH="0" baseline="0" noProof="0" dirty="0">
+                <a:ln>
+                  <a:noFill/>
+                </a:ln>
+                <a:solidFill>
+                  <a:prstClr val="black"/>
+                </a:solidFill>
+                <a:effectLst/>
+                <a:uLnTx/>
+                <a:uFillTx/>
+                <a:latin typeface="Calibri" panose="020F0502020204030204"/>
+                <a:ea typeface="+mn-ea"/>
+                <a:cs typeface="+mn-cs"/>
+              </a:rPr>
+              <a:t>individual DS Ratio columns are dropped and replaced with Total DS Ratio.</a:t>
+            </a:r>
+            <a:endParaRPr kumimoji="0" lang="en-IN" sz="1800" b="1" i="0" u="none" strike="noStrike" kern="1200" cap="none" spc="0" normalizeH="0" baseline="0" noProof="0" dirty="0">
+              <a:ln>
+                <a:noFill/>
+              </a:ln>
+              <a:solidFill>
+                <a:prstClr val="black"/>
+              </a:solidFill>
+              <a:effectLst/>
+              <a:uLnTx/>
+              <a:uFillTx/>
+              <a:latin typeface="Calibri" panose="020F0502020204030204"/>
+              <a:ea typeface="+mn-ea"/>
+              <a:cs typeface="+mn-cs"/>
+            </a:endParaRPr>
+          </a:p>
+          <a:p>
+            <a:pPr marL="0" marR="0" lvl="0" indent="0" algn="l" defTabSz="914400" rtl="0" eaLnBrk="1" fontAlgn="auto" latinLnBrk="0" hangingPunct="1">
+              <a:lnSpc>
+                <a:spcPct val="100000"/>
+              </a:lnSpc>
+              <a:spcBef>
+                <a:spcPts val="0"/>
+              </a:spcBef>
+              <a:spcAft>
+                <a:spcPts val="0"/>
+              </a:spcAft>
+              <a:buClrTx/>
+              <a:buSzTx/>
+              <a:buFontTx/>
+              <a:buNone/>
+              <a:tabLst/>
+              <a:defRPr/>
+            </a:pPr>
+            <a:r>
+              <a:rPr kumimoji="0" lang="en-IN" sz="1800" b="0" i="0" u="none" strike="noStrike" kern="1200" cap="none" spc="0" normalizeH="0" baseline="0" noProof="0" dirty="0">
+                <a:ln>
+                  <a:noFill/>
+                </a:ln>
+                <a:solidFill>
+                  <a:prstClr val="black"/>
+                </a:solidFill>
+                <a:effectLst/>
+                <a:uLnTx/>
+                <a:uFillTx/>
+                <a:latin typeface="Calibri" panose="020F0502020204030204"/>
+                <a:ea typeface="+mn-ea"/>
+                <a:cs typeface="+mn-cs"/>
+              </a:rPr>
+              <a:t> </a:t>
+            </a:r>
+          </a:p>
+        </p:txBody>
+      </p:sp>
+    </p:spTree>
+    <p:extLst>
+      <p:ext uri="{BB962C8B-B14F-4D97-AF65-F5344CB8AC3E}">
+        <p14:creationId xmlns:p14="http://schemas.microsoft.com/office/powerpoint/2010/main" val="3255105054"/>
+      </p:ext>
+    </p:extLst>
+  </p:cSld>
+  <p:clrMapOvr>
+    <a:masterClrMapping/>
+  </p:clrMapOvr>
+</p:sld>
+</file>
+
+<file path=ppt/slides/slide11.xml><?xml version="1.0" encoding="utf-8"?>
+<p:sld xmlns:a="http://schemas.openxmlformats.org/drawingml/2006/main" xmlns:r="http://schemas.openxmlformats.org/officeDocument/2006/relationships" xmlns:p="http://schemas.openxmlformats.org/presentationml/2006/main">
+  <p:cSld>
+    <p:spTree>
+      <p:nvGrpSpPr>
+        <p:cNvPr id="1" name=""/>
+        <p:cNvGrpSpPr/>
+        <p:nvPr/>
+      </p:nvGrpSpPr>
+      <p:grpSpPr>
+        <a:xfrm>
+          <a:off x="0" y="0"/>
+          <a:ext cx="0" cy="0"/>
+          <a:chOff x="0" y="0"/>
+          <a:chExt cx="0" cy="0"/>
+        </a:xfrm>
+      </p:grpSpPr>
+      <p:sp>
+        <p:nvSpPr>
+          <p:cNvPr id="5" name="TextBox 4">
+            <a:extLst>
+              <a:ext uri="{FF2B5EF4-FFF2-40B4-BE49-F238E27FC236}">
+                <a16:creationId xmlns:a16="http://schemas.microsoft.com/office/drawing/2014/main" id="{1D387E8C-0049-D3D0-0632-27B428E5DF92}"/>
+              </a:ext>
+            </a:extLst>
+          </p:cNvPr>
+          <p:cNvSpPr txBox="1"/>
+          <p:nvPr/>
+        </p:nvSpPr>
+        <p:spPr>
+          <a:xfrm>
+            <a:off x="2636334" y="118176"/>
+            <a:ext cx="7622787" cy="584775"/>
+          </a:xfrm>
+          <a:prstGeom prst="rect">
+            <a:avLst/>
+          </a:prstGeom>
+          <a:noFill/>
+        </p:spPr>
+        <p:txBody>
+          <a:bodyPr wrap="square">
+            <a:spAutoFit/>
+          </a:bodyPr>
+          <a:lstStyle/>
+          <a:p>
+            <a:pPr marL="0" marR="0" lvl="0" indent="0" algn="l" defTabSz="914400" rtl="0" eaLnBrk="1" fontAlgn="auto" latinLnBrk="0" hangingPunct="1">
+              <a:lnSpc>
+                <a:spcPct val="100000"/>
+              </a:lnSpc>
+              <a:spcBef>
+                <a:spcPts val="0"/>
+              </a:spcBef>
+              <a:spcAft>
+                <a:spcPts val="0"/>
+              </a:spcAft>
+              <a:buClrTx/>
+              <a:buSzTx/>
+              <a:buFontTx/>
+              <a:buNone/>
+              <a:tabLst/>
+              <a:defRPr/>
+            </a:pPr>
+            <a:r>
+              <a:rPr kumimoji="0" lang="en-IN" sz="3200" b="0" i="0" u="none" strike="noStrike" kern="1200" cap="none" spc="0" normalizeH="0" baseline="0" noProof="0" dirty="0">
+                <a:ln>
+                  <a:noFill/>
+                </a:ln>
+                <a:solidFill>
+                  <a:prstClr val="black"/>
+                </a:solidFill>
+                <a:effectLst/>
+                <a:uLnTx/>
+                <a:uFillTx/>
+                <a:latin typeface="Calibri" panose="020F0502020204030204"/>
+                <a:ea typeface="+mn-ea"/>
+                <a:cs typeface="+mn-cs"/>
+              </a:rPr>
+              <a:t>Cross Over Temperature Correlation Analysis</a:t>
+            </a:r>
+          </a:p>
+        </p:txBody>
+      </p:sp>
+      <p:graphicFrame>
+        <p:nvGraphicFramePr>
+          <p:cNvPr id="6" name="Chart 5">
+            <a:extLst>
+              <a:ext uri="{FF2B5EF4-FFF2-40B4-BE49-F238E27FC236}">
+                <a16:creationId xmlns:a16="http://schemas.microsoft.com/office/drawing/2014/main" id="{1090AD8D-9FA0-C6A8-D6E3-47470FD4E4DE}"/>
+              </a:ext>
+            </a:extLst>
+          </p:cNvPr>
+          <p:cNvGraphicFramePr/>
+          <p:nvPr>
+            <p:extLst>
+              <p:ext uri="{D42A27DB-BD31-4B8C-83A1-F6EECF244321}">
+                <p14:modId xmlns:p14="http://schemas.microsoft.com/office/powerpoint/2010/main" val="4089298589"/>
+              </p:ext>
+            </p:extLst>
+          </p:nvPr>
+        </p:nvGraphicFramePr>
+        <p:xfrm>
+          <a:off x="615796" y="936038"/>
+          <a:ext cx="4959813" cy="3546087"/>
+        </p:xfrm>
+        <a:graphic>
+          <a:graphicData uri="http://schemas.openxmlformats.org/drawingml/2006/chart">
+            <c:chart xmlns:c="http://schemas.openxmlformats.org/drawingml/2006/chart" xmlns:r="http://schemas.openxmlformats.org/officeDocument/2006/relationships" r:id="rId2"/>
+          </a:graphicData>
+        </a:graphic>
+      </p:graphicFrame>
+      <p:pic>
+        <p:nvPicPr>
+          <p:cNvPr id="8" name="Picture 7">
+            <a:extLst>
+              <a:ext uri="{FF2B5EF4-FFF2-40B4-BE49-F238E27FC236}">
+                <a16:creationId xmlns:a16="http://schemas.microsoft.com/office/drawing/2014/main" id="{325D0A6E-AD82-1C05-A831-C75EF32A40FA}"/>
+              </a:ext>
+            </a:extLst>
+          </p:cNvPr>
+          <p:cNvPicPr>
+            <a:picLocks noChangeAspect="1"/>
+          </p:cNvPicPr>
+          <p:nvPr/>
+        </p:nvPicPr>
+        <p:blipFill>
+          <a:blip r:embed="rId3">
+            <a:extLst>
+              <a:ext uri="{28A0092B-C50C-407E-A947-70E740481C1C}">
+                <a14:useLocalDpi xmlns:a14="http://schemas.microsoft.com/office/drawing/2010/main" val="0"/>
+              </a:ext>
+            </a:extLst>
+          </a:blip>
+          <a:stretch>
+            <a:fillRect/>
+          </a:stretch>
+        </p:blipFill>
+        <p:spPr>
+          <a:xfrm>
+            <a:off x="6096000" y="936038"/>
+            <a:ext cx="5480204" cy="3546087"/>
+          </a:xfrm>
+          <a:prstGeom prst="rect">
+            <a:avLst/>
+          </a:prstGeom>
+        </p:spPr>
+      </p:pic>
+      <p:sp>
+        <p:nvSpPr>
+          <p:cNvPr id="12" name="TextBox 11">
+            <a:extLst>
+              <a:ext uri="{FF2B5EF4-FFF2-40B4-BE49-F238E27FC236}">
+                <a16:creationId xmlns:a16="http://schemas.microsoft.com/office/drawing/2014/main" id="{82896E1D-34C3-043C-071A-114124DEA19A}"/>
+              </a:ext>
+            </a:extLst>
+          </p:cNvPr>
+          <p:cNvSpPr txBox="1"/>
+          <p:nvPr/>
+        </p:nvSpPr>
+        <p:spPr>
+          <a:xfrm>
+            <a:off x="615796" y="4708499"/>
+            <a:ext cx="10960408" cy="2031325"/>
+          </a:xfrm>
+          <a:prstGeom prst="rect">
+            <a:avLst/>
+          </a:prstGeom>
+          <a:noFill/>
+        </p:spPr>
+        <p:txBody>
+          <a:bodyPr wrap="square">
+            <a:spAutoFit/>
+          </a:bodyPr>
+          <a:lstStyle/>
+          <a:p>
+            <a:pPr marL="0" marR="0" lvl="0" indent="0" algn="l" defTabSz="914400" rtl="0" eaLnBrk="1" fontAlgn="auto" latinLnBrk="0" hangingPunct="1">
+              <a:lnSpc>
+                <a:spcPct val="100000"/>
+              </a:lnSpc>
+              <a:spcBef>
+                <a:spcPts val="0"/>
+              </a:spcBef>
+              <a:spcAft>
+                <a:spcPts val="0"/>
+              </a:spcAft>
+              <a:buClrTx/>
+              <a:buSzTx/>
+              <a:buFontTx/>
+              <a:buNone/>
+              <a:tabLst/>
+              <a:defRPr/>
+            </a:pPr>
+            <a:r>
+              <a:rPr kumimoji="0" lang="en-IN" sz="1800" b="0" i="0" u="none" strike="noStrike" kern="1200" cap="none" spc="0" normalizeH="0" baseline="0" noProof="0" dirty="0">
+                <a:ln>
+                  <a:noFill/>
+                </a:ln>
+                <a:solidFill>
+                  <a:prstClr val="black"/>
+                </a:solidFill>
+                <a:effectLst/>
+                <a:uLnTx/>
+                <a:uFillTx/>
+                <a:latin typeface="Calibri" panose="020F0502020204030204"/>
+                <a:ea typeface="+mn-ea"/>
+                <a:cs typeface="+mn-cs"/>
+              </a:rPr>
+              <a:t>The sample dataset consists of 6 columns (individual CIT coils). Each columns are highly correlated to each other.</a:t>
+            </a:r>
+          </a:p>
+          <a:p>
+            <a:pPr marL="0" marR="0" lvl="0" indent="0" algn="l" defTabSz="914400" rtl="0" eaLnBrk="1" fontAlgn="auto" latinLnBrk="0" hangingPunct="1">
+              <a:lnSpc>
+                <a:spcPct val="100000"/>
+              </a:lnSpc>
+              <a:spcBef>
+                <a:spcPts val="0"/>
+              </a:spcBef>
+              <a:spcAft>
+                <a:spcPts val="0"/>
+              </a:spcAft>
+              <a:buClrTx/>
+              <a:buSzTx/>
+              <a:buFontTx/>
+              <a:buNone/>
+              <a:tabLst/>
+              <a:defRPr/>
+            </a:pPr>
+            <a:endParaRPr kumimoji="0" lang="en-IN" sz="1800" b="0" i="0" u="none" strike="noStrike" kern="1200" cap="none" spc="0" normalizeH="0" baseline="0" noProof="0" dirty="0">
+              <a:ln>
+                <a:noFill/>
+              </a:ln>
+              <a:solidFill>
+                <a:prstClr val="black"/>
+              </a:solidFill>
+              <a:effectLst/>
+              <a:uLnTx/>
+              <a:uFillTx/>
+              <a:latin typeface="Calibri" panose="020F0502020204030204"/>
+              <a:ea typeface="+mn-ea"/>
+              <a:cs typeface="+mn-cs"/>
+            </a:endParaRPr>
+          </a:p>
+          <a:p>
+            <a:pPr marL="0" marR="0" lvl="0" indent="0" algn="l" defTabSz="914400" rtl="0" eaLnBrk="1" fontAlgn="auto" latinLnBrk="0" hangingPunct="1">
+              <a:lnSpc>
+                <a:spcPct val="100000"/>
+              </a:lnSpc>
+              <a:spcBef>
+                <a:spcPts val="0"/>
+              </a:spcBef>
+              <a:spcAft>
+                <a:spcPts val="0"/>
+              </a:spcAft>
+              <a:buClrTx/>
+              <a:buSzTx/>
+              <a:buFontTx/>
+              <a:buNone/>
+              <a:tabLst/>
+              <a:defRPr/>
+            </a:pPr>
+            <a:r>
+              <a:rPr kumimoji="0" lang="en-IN" sz="1800" b="1" i="0" u="none" strike="noStrike" kern="1200" cap="none" spc="0" normalizeH="0" baseline="0" noProof="0" dirty="0">
+                <a:ln>
+                  <a:noFill/>
+                </a:ln>
+                <a:solidFill>
+                  <a:prstClr val="black"/>
+                </a:solidFill>
+                <a:effectLst/>
+                <a:uLnTx/>
+                <a:uFillTx/>
+                <a:latin typeface="Calibri" panose="020F0502020204030204"/>
+                <a:ea typeface="+mn-ea"/>
+                <a:cs typeface="+mn-cs"/>
+              </a:rPr>
+              <a:t>Treatment:</a:t>
+            </a:r>
+          </a:p>
+          <a:p>
+            <a:pPr marL="742950" marR="0" lvl="1" indent="-285750" algn="l" defTabSz="914400" rtl="0" eaLnBrk="1" fontAlgn="auto" latinLnBrk="0" hangingPunct="1">
+              <a:lnSpc>
+                <a:spcPct val="100000"/>
+              </a:lnSpc>
+              <a:spcBef>
+                <a:spcPts val="0"/>
+              </a:spcBef>
+              <a:spcAft>
+                <a:spcPts val="0"/>
+              </a:spcAft>
+              <a:buClrTx/>
+              <a:buSzTx/>
+              <a:buFont typeface="Arial" panose="020B0604020202020204" pitchFamily="34" charset="0"/>
+              <a:buChar char="•"/>
+              <a:tabLst/>
+              <a:defRPr/>
+            </a:pPr>
+            <a:r>
+              <a:rPr lang="en-IN" dirty="0">
+                <a:solidFill>
+                  <a:prstClr val="black"/>
+                </a:solidFill>
+                <a:latin typeface="Calibri" panose="020F0502020204030204"/>
+              </a:rPr>
+              <a:t>Average Cross Over Temperature</a:t>
+            </a:r>
+            <a:r>
+              <a:rPr kumimoji="0" lang="en-IN" sz="1800" b="0" i="0" u="none" strike="noStrike" kern="1200" cap="none" spc="0" normalizeH="0" baseline="0" noProof="0" dirty="0">
+                <a:ln>
+                  <a:noFill/>
+                </a:ln>
+                <a:solidFill>
+                  <a:prstClr val="black"/>
+                </a:solidFill>
+                <a:effectLst/>
+                <a:uLnTx/>
+                <a:uFillTx/>
+                <a:latin typeface="Calibri" panose="020F0502020204030204"/>
+                <a:ea typeface="+mn-ea"/>
+                <a:cs typeface="+mn-cs"/>
+              </a:rPr>
+              <a:t>  is computed across all the columns.</a:t>
+            </a:r>
+          </a:p>
+          <a:p>
+            <a:pPr marL="742950" marR="0" lvl="1" indent="-285750" algn="l" defTabSz="914400" rtl="0" eaLnBrk="1" fontAlgn="auto" latinLnBrk="0" hangingPunct="1">
+              <a:lnSpc>
+                <a:spcPct val="100000"/>
+              </a:lnSpc>
+              <a:spcBef>
+                <a:spcPts val="0"/>
+              </a:spcBef>
+              <a:spcAft>
+                <a:spcPts val="0"/>
+              </a:spcAft>
+              <a:buClrTx/>
+              <a:buSzTx/>
+              <a:buFont typeface="Arial" panose="020B0604020202020204" pitchFamily="34" charset="0"/>
+              <a:buChar char="•"/>
+              <a:tabLst/>
+              <a:defRPr/>
+            </a:pPr>
+            <a:r>
+              <a:rPr kumimoji="0" lang="en-IN" sz="1800" b="0" i="0" u="none" strike="noStrike" kern="1200" cap="none" spc="0" normalizeH="0" baseline="0" noProof="0" dirty="0">
+                <a:ln>
+                  <a:noFill/>
+                </a:ln>
+                <a:solidFill>
+                  <a:prstClr val="black"/>
+                </a:solidFill>
+                <a:effectLst/>
+                <a:uLnTx/>
+                <a:uFillTx/>
+                <a:latin typeface="Calibri" panose="020F0502020204030204"/>
+                <a:ea typeface="+mn-ea"/>
+                <a:cs typeface="+mn-cs"/>
+              </a:rPr>
+              <a:t>Since </a:t>
+            </a:r>
+            <a:r>
+              <a:rPr lang="en-IN" dirty="0">
+                <a:solidFill>
+                  <a:prstClr val="black"/>
+                </a:solidFill>
+                <a:latin typeface="Calibri" panose="020F0502020204030204"/>
+              </a:rPr>
+              <a:t>Average Cross Over Temperature</a:t>
+            </a:r>
+            <a:r>
+              <a:rPr kumimoji="0" lang="en-IN" sz="1800" b="0" i="0" u="none" strike="noStrike" kern="1200" cap="none" spc="0" normalizeH="0" baseline="0" noProof="0" dirty="0">
+                <a:ln>
+                  <a:noFill/>
+                </a:ln>
+                <a:solidFill>
+                  <a:prstClr val="black"/>
+                </a:solidFill>
+                <a:effectLst/>
+                <a:uLnTx/>
+                <a:uFillTx/>
+                <a:latin typeface="Calibri" panose="020F0502020204030204"/>
+                <a:ea typeface="+mn-ea"/>
+                <a:cs typeface="+mn-cs"/>
+              </a:rPr>
+              <a:t> is highly correlated with all individual columns. Hence</a:t>
+            </a:r>
+            <a:r>
+              <a:rPr kumimoji="0" lang="en-IN" sz="1800" b="1" i="0" u="none" strike="noStrike" kern="1200" cap="none" spc="0" normalizeH="0" baseline="0" noProof="0" dirty="0">
+                <a:ln>
+                  <a:noFill/>
+                </a:ln>
+                <a:solidFill>
+                  <a:prstClr val="black"/>
+                </a:solidFill>
+                <a:effectLst/>
+                <a:uLnTx/>
+                <a:uFillTx/>
+                <a:latin typeface="Calibri" panose="020F0502020204030204"/>
+                <a:ea typeface="+mn-ea"/>
+                <a:cs typeface="+mn-cs"/>
+              </a:rPr>
+              <a:t> </a:t>
+            </a:r>
+            <a:r>
+              <a:rPr kumimoji="0" lang="en-IN" sz="1800" b="0" i="0" u="none" strike="noStrike" kern="1200" cap="none" spc="0" normalizeH="0" baseline="0" noProof="0" dirty="0">
+                <a:ln>
+                  <a:noFill/>
+                </a:ln>
+                <a:solidFill>
+                  <a:prstClr val="black"/>
+                </a:solidFill>
+                <a:effectLst/>
+                <a:uLnTx/>
+                <a:uFillTx/>
+                <a:latin typeface="Calibri" panose="020F0502020204030204"/>
+                <a:ea typeface="+mn-ea"/>
+                <a:cs typeface="+mn-cs"/>
+              </a:rPr>
+              <a:t>individual CIT columns are dropped and replaced with Average Cross Over Temperature.</a:t>
+            </a:r>
+            <a:endParaRPr kumimoji="0" lang="en-IN" sz="1800" b="1" i="0" u="none" strike="noStrike" kern="1200" cap="none" spc="0" normalizeH="0" baseline="0" noProof="0" dirty="0">
+              <a:ln>
+                <a:noFill/>
+              </a:ln>
+              <a:solidFill>
+                <a:prstClr val="black"/>
+              </a:solidFill>
+              <a:effectLst/>
+              <a:uLnTx/>
+              <a:uFillTx/>
+              <a:latin typeface="Calibri" panose="020F0502020204030204"/>
+              <a:ea typeface="+mn-ea"/>
+              <a:cs typeface="+mn-cs"/>
+            </a:endParaRPr>
+          </a:p>
+          <a:p>
+            <a:pPr marL="0" marR="0" lvl="0" indent="0" algn="l" defTabSz="914400" rtl="0" eaLnBrk="1" fontAlgn="auto" latinLnBrk="0" hangingPunct="1">
+              <a:lnSpc>
+                <a:spcPct val="100000"/>
+              </a:lnSpc>
+              <a:spcBef>
+                <a:spcPts val="0"/>
+              </a:spcBef>
+              <a:spcAft>
+                <a:spcPts val="0"/>
+              </a:spcAft>
+              <a:buClrTx/>
+              <a:buSzTx/>
+              <a:buFontTx/>
+              <a:buNone/>
+              <a:tabLst/>
+              <a:defRPr/>
+            </a:pPr>
+            <a:r>
+              <a:rPr kumimoji="0" lang="en-IN" sz="1800" b="0" i="0" u="none" strike="noStrike" kern="1200" cap="none" spc="0" normalizeH="0" baseline="0" noProof="0" dirty="0">
+                <a:ln>
+                  <a:noFill/>
+                </a:ln>
+                <a:solidFill>
+                  <a:prstClr val="black"/>
+                </a:solidFill>
+                <a:effectLst/>
+                <a:uLnTx/>
+                <a:uFillTx/>
+                <a:latin typeface="Calibri" panose="020F0502020204030204"/>
+                <a:ea typeface="+mn-ea"/>
+                <a:cs typeface="+mn-cs"/>
+              </a:rPr>
+              <a:t> </a:t>
+            </a:r>
+          </a:p>
+        </p:txBody>
+      </p:sp>
+    </p:spTree>
+    <p:extLst>
+      <p:ext uri="{BB962C8B-B14F-4D97-AF65-F5344CB8AC3E}">
+        <p14:creationId xmlns:p14="http://schemas.microsoft.com/office/powerpoint/2010/main" val="2382306026"/>
+      </p:ext>
+    </p:extLst>
+  </p:cSld>
+  <p:clrMapOvr>
+    <a:masterClrMapping/>
+  </p:clrMapOvr>
+</p:sld>
+</file>
+
+<file path=ppt/slides/slide12.xml><?xml version="1.0" encoding="utf-8"?>
+<p:sld xmlns:a="http://schemas.openxmlformats.org/drawingml/2006/main" xmlns:r="http://schemas.openxmlformats.org/officeDocument/2006/relationships" xmlns:p="http://schemas.openxmlformats.org/presentationml/2006/main">
+  <p:cSld>
+    <p:spTree>
+      <p:nvGrpSpPr>
+        <p:cNvPr id="1" name=""/>
+        <p:cNvGrpSpPr/>
+        <p:nvPr/>
+      </p:nvGrpSpPr>
+      <p:grpSpPr>
+        <a:xfrm>
+          <a:off x="0" y="0"/>
+          <a:ext cx="0" cy="0"/>
+          <a:chOff x="0" y="0"/>
+          <a:chExt cx="0" cy="0"/>
+        </a:xfrm>
+      </p:grpSpPr>
+      <p:sp>
+        <p:nvSpPr>
+          <p:cNvPr id="5" name="TextBox 4">
+            <a:extLst>
+              <a:ext uri="{FF2B5EF4-FFF2-40B4-BE49-F238E27FC236}">
+                <a16:creationId xmlns:a16="http://schemas.microsoft.com/office/drawing/2014/main" id="{A88B958D-3A0C-EBA2-9A32-DC95A7A653A0}"/>
+              </a:ext>
+            </a:extLst>
+          </p:cNvPr>
+          <p:cNvSpPr txBox="1"/>
+          <p:nvPr/>
+        </p:nvSpPr>
+        <p:spPr>
+          <a:xfrm>
+            <a:off x="2824046" y="247552"/>
+            <a:ext cx="7691553" cy="584775"/>
+          </a:xfrm>
+          <a:prstGeom prst="rect">
+            <a:avLst/>
+          </a:prstGeom>
+          <a:noFill/>
+        </p:spPr>
+        <p:txBody>
+          <a:bodyPr wrap="square">
+            <a:spAutoFit/>
+          </a:bodyPr>
+          <a:lstStyle/>
+          <a:p>
+            <a:pPr marL="0" marR="0" lvl="0" indent="0" algn="l" defTabSz="914400" rtl="0" eaLnBrk="1" fontAlgn="auto" latinLnBrk="0" hangingPunct="1">
+              <a:lnSpc>
+                <a:spcPct val="100000"/>
+              </a:lnSpc>
+              <a:spcBef>
+                <a:spcPts val="0"/>
+              </a:spcBef>
+              <a:spcAft>
+                <a:spcPts val="0"/>
+              </a:spcAft>
+              <a:buClrTx/>
+              <a:buSzTx/>
+              <a:buFontTx/>
+              <a:buNone/>
+              <a:tabLst/>
+              <a:defRPr/>
+            </a:pPr>
+            <a:r>
+              <a:rPr kumimoji="0" lang="en-IN" sz="3200" b="0" i="0" u="none" strike="noStrike" kern="1200" cap="none" spc="0" normalizeH="0" baseline="0" noProof="0" dirty="0">
+                <a:ln>
+                  <a:noFill/>
+                </a:ln>
+                <a:solidFill>
+                  <a:prstClr val="black"/>
+                </a:solidFill>
+                <a:effectLst/>
+                <a:uLnTx/>
+                <a:uFillTx/>
+                <a:latin typeface="Calibri" panose="020F0502020204030204"/>
+                <a:ea typeface="+mn-ea"/>
+                <a:cs typeface="+mn-cs"/>
+              </a:rPr>
+              <a:t>Coil Inlet Pressure Correlation Analysis</a:t>
+            </a:r>
+          </a:p>
+        </p:txBody>
+      </p:sp>
+      <p:graphicFrame>
+        <p:nvGraphicFramePr>
+          <p:cNvPr id="6" name="Chart 5">
+            <a:extLst>
+              <a:ext uri="{FF2B5EF4-FFF2-40B4-BE49-F238E27FC236}">
+                <a16:creationId xmlns:a16="http://schemas.microsoft.com/office/drawing/2014/main" id="{EE7925B1-89FC-4D92-E369-9E7193CDFF0B}"/>
+              </a:ext>
+            </a:extLst>
+          </p:cNvPr>
+          <p:cNvGraphicFramePr/>
+          <p:nvPr>
+            <p:extLst>
+              <p:ext uri="{D42A27DB-BD31-4B8C-83A1-F6EECF244321}">
+                <p14:modId xmlns:p14="http://schemas.microsoft.com/office/powerpoint/2010/main" val="118200572"/>
+              </p:ext>
+            </p:extLst>
+          </p:nvPr>
+        </p:nvGraphicFramePr>
+        <p:xfrm>
+          <a:off x="615796" y="912393"/>
+          <a:ext cx="4959813" cy="3546087"/>
+        </p:xfrm>
+        <a:graphic>
+          <a:graphicData uri="http://schemas.openxmlformats.org/drawingml/2006/chart">
+            <c:chart xmlns:c="http://schemas.openxmlformats.org/drawingml/2006/chart" xmlns:r="http://schemas.openxmlformats.org/officeDocument/2006/relationships" r:id="rId2"/>
+          </a:graphicData>
+        </a:graphic>
+      </p:graphicFrame>
+      <p:pic>
+        <p:nvPicPr>
+          <p:cNvPr id="8" name="Picture 7">
+            <a:extLst>
+              <a:ext uri="{FF2B5EF4-FFF2-40B4-BE49-F238E27FC236}">
+                <a16:creationId xmlns:a16="http://schemas.microsoft.com/office/drawing/2014/main" id="{88FEA358-ED01-C507-3E3E-522EF56B4CBC}"/>
+              </a:ext>
+            </a:extLst>
+          </p:cNvPr>
+          <p:cNvPicPr>
+            <a:picLocks noChangeAspect="1"/>
+          </p:cNvPicPr>
+          <p:nvPr/>
+        </p:nvPicPr>
+        <p:blipFill>
+          <a:blip r:embed="rId3">
+            <a:extLst>
+              <a:ext uri="{28A0092B-C50C-407E-A947-70E740481C1C}">
+                <a14:useLocalDpi xmlns:a14="http://schemas.microsoft.com/office/drawing/2010/main" val="0"/>
+              </a:ext>
+            </a:extLst>
+          </a:blip>
+          <a:stretch>
+            <a:fillRect/>
+          </a:stretch>
+        </p:blipFill>
+        <p:spPr>
+          <a:xfrm>
+            <a:off x="5823904" y="832327"/>
+            <a:ext cx="5606096" cy="3728521"/>
+          </a:xfrm>
+          <a:prstGeom prst="rect">
+            <a:avLst/>
+          </a:prstGeom>
+        </p:spPr>
+      </p:pic>
+      <p:sp>
+        <p:nvSpPr>
+          <p:cNvPr id="12" name="TextBox 11">
+            <a:extLst>
+              <a:ext uri="{FF2B5EF4-FFF2-40B4-BE49-F238E27FC236}">
+                <a16:creationId xmlns:a16="http://schemas.microsoft.com/office/drawing/2014/main" id="{F66292E9-DC2D-E7A4-FA69-A4FBC9C7C514}"/>
+              </a:ext>
+            </a:extLst>
+          </p:cNvPr>
+          <p:cNvSpPr txBox="1"/>
+          <p:nvPr/>
+        </p:nvSpPr>
+        <p:spPr>
+          <a:xfrm>
+            <a:off x="615796" y="4538546"/>
+            <a:ext cx="10814204" cy="2585323"/>
+          </a:xfrm>
+          <a:prstGeom prst="rect">
+            <a:avLst/>
+          </a:prstGeom>
+          <a:noFill/>
+        </p:spPr>
+        <p:txBody>
+          <a:bodyPr wrap="square">
+            <a:spAutoFit/>
+          </a:bodyPr>
+          <a:lstStyle/>
+          <a:p>
+            <a:pPr marL="0" marR="0" lvl="0" indent="0" algn="l" defTabSz="914400" rtl="0" eaLnBrk="1" fontAlgn="auto" latinLnBrk="0" hangingPunct="1">
+              <a:lnSpc>
+                <a:spcPct val="100000"/>
+              </a:lnSpc>
+              <a:spcBef>
+                <a:spcPts val="0"/>
+              </a:spcBef>
+              <a:spcAft>
+                <a:spcPts val="0"/>
+              </a:spcAft>
+              <a:buClrTx/>
+              <a:buSzTx/>
+              <a:buFontTx/>
+              <a:buNone/>
+              <a:tabLst/>
+              <a:defRPr/>
+            </a:pPr>
+            <a:r>
+              <a:rPr kumimoji="0" lang="en-IN" sz="1800" b="0" i="0" u="none" strike="noStrike" kern="1200" cap="none" spc="0" normalizeH="0" baseline="0" noProof="0" dirty="0">
+                <a:ln>
+                  <a:noFill/>
+                </a:ln>
+                <a:solidFill>
+                  <a:prstClr val="black"/>
+                </a:solidFill>
+                <a:effectLst/>
+                <a:uLnTx/>
+                <a:uFillTx/>
+                <a:latin typeface="Calibri" panose="020F0502020204030204"/>
+                <a:ea typeface="+mn-ea"/>
+                <a:cs typeface="+mn-cs"/>
+              </a:rPr>
+              <a:t>The sample dataset consists of 6 columns (individual CIP coils). Though not all the columns are highly correlated to each other,  they are having correlation value greater than 0.75. This implies those individual column samples contain similar information.</a:t>
+            </a:r>
+          </a:p>
+          <a:p>
+            <a:pPr marL="0" marR="0" lvl="0" indent="0" algn="l" defTabSz="914400" rtl="0" eaLnBrk="1" fontAlgn="auto" latinLnBrk="0" hangingPunct="1">
+              <a:lnSpc>
+                <a:spcPct val="100000"/>
+              </a:lnSpc>
+              <a:spcBef>
+                <a:spcPts val="0"/>
+              </a:spcBef>
+              <a:spcAft>
+                <a:spcPts val="0"/>
+              </a:spcAft>
+              <a:buClrTx/>
+              <a:buSzTx/>
+              <a:buFontTx/>
+              <a:buNone/>
+              <a:tabLst/>
+              <a:defRPr/>
+            </a:pPr>
+            <a:endParaRPr kumimoji="0" lang="en-IN" sz="1800" b="0" i="0" u="none" strike="noStrike" kern="1200" cap="none" spc="0" normalizeH="0" baseline="0" noProof="0" dirty="0">
+              <a:ln>
+                <a:noFill/>
+              </a:ln>
+              <a:solidFill>
+                <a:prstClr val="black"/>
+              </a:solidFill>
+              <a:effectLst/>
+              <a:uLnTx/>
+              <a:uFillTx/>
+              <a:latin typeface="Calibri" panose="020F0502020204030204"/>
+              <a:ea typeface="+mn-ea"/>
+              <a:cs typeface="+mn-cs"/>
+            </a:endParaRPr>
+          </a:p>
+          <a:p>
+            <a:pPr marL="0" marR="0" lvl="0" indent="0" algn="l" defTabSz="914400" rtl="0" eaLnBrk="1" fontAlgn="auto" latinLnBrk="0" hangingPunct="1">
+              <a:lnSpc>
+                <a:spcPct val="100000"/>
+              </a:lnSpc>
+              <a:spcBef>
+                <a:spcPts val="0"/>
+              </a:spcBef>
+              <a:spcAft>
+                <a:spcPts val="0"/>
+              </a:spcAft>
+              <a:buClrTx/>
+              <a:buSzTx/>
+              <a:buFontTx/>
+              <a:buNone/>
+              <a:tabLst/>
+              <a:defRPr/>
+            </a:pPr>
+            <a:r>
+              <a:rPr kumimoji="0" lang="en-IN" sz="1800" b="1" i="0" u="none" strike="noStrike" kern="1200" cap="none" spc="0" normalizeH="0" baseline="0" noProof="0" dirty="0">
+                <a:ln>
+                  <a:noFill/>
+                </a:ln>
+                <a:solidFill>
+                  <a:prstClr val="black"/>
+                </a:solidFill>
+                <a:effectLst/>
+                <a:uLnTx/>
+                <a:uFillTx/>
+                <a:latin typeface="Calibri" panose="020F0502020204030204"/>
+                <a:ea typeface="+mn-ea"/>
+                <a:cs typeface="+mn-cs"/>
+              </a:rPr>
+              <a:t>Treatment:</a:t>
+            </a:r>
+          </a:p>
+          <a:p>
+            <a:pPr marL="742950" marR="0" lvl="1" indent="-285750" algn="l" defTabSz="914400" rtl="0" eaLnBrk="1" fontAlgn="auto" latinLnBrk="0" hangingPunct="1">
+              <a:lnSpc>
+                <a:spcPct val="100000"/>
+              </a:lnSpc>
+              <a:spcBef>
+                <a:spcPts val="0"/>
+              </a:spcBef>
+              <a:spcAft>
+                <a:spcPts val="0"/>
+              </a:spcAft>
+              <a:buClrTx/>
+              <a:buSzTx/>
+              <a:buFont typeface="Arial" panose="020B0604020202020204" pitchFamily="34" charset="0"/>
+              <a:buChar char="•"/>
+              <a:tabLst/>
+              <a:defRPr/>
+            </a:pPr>
+            <a:r>
+              <a:rPr kumimoji="0" lang="en-IN" sz="1800" b="0" i="0" u="none" strike="noStrike" kern="1200" cap="none" spc="0" normalizeH="0" baseline="0" noProof="0" dirty="0">
+                <a:ln>
+                  <a:noFill/>
+                </a:ln>
+                <a:solidFill>
+                  <a:prstClr val="black"/>
+                </a:solidFill>
+                <a:effectLst/>
+                <a:uLnTx/>
+                <a:uFillTx/>
+                <a:latin typeface="Calibri" panose="020F0502020204030204"/>
+                <a:ea typeface="+mn-ea"/>
+                <a:cs typeface="+mn-cs"/>
+              </a:rPr>
+              <a:t>Maximum CIP  is computed across all the columns.</a:t>
+            </a:r>
+          </a:p>
+          <a:p>
+            <a:pPr marL="742950" marR="0" lvl="1" indent="-285750" algn="l" defTabSz="914400" rtl="0" eaLnBrk="1" fontAlgn="auto" latinLnBrk="0" hangingPunct="1">
+              <a:lnSpc>
+                <a:spcPct val="100000"/>
+              </a:lnSpc>
+              <a:spcBef>
+                <a:spcPts val="0"/>
+              </a:spcBef>
+              <a:spcAft>
+                <a:spcPts val="0"/>
+              </a:spcAft>
+              <a:buClrTx/>
+              <a:buSzTx/>
+              <a:buFont typeface="Arial" panose="020B0604020202020204" pitchFamily="34" charset="0"/>
+              <a:buChar char="•"/>
+              <a:tabLst/>
+              <a:defRPr/>
+            </a:pPr>
+            <a:r>
+              <a:rPr kumimoji="0" lang="en-IN" sz="1800" b="0" i="0" u="none" strike="noStrike" kern="1200" cap="none" spc="0" normalizeH="0" baseline="0" noProof="0" dirty="0">
+                <a:ln>
+                  <a:noFill/>
+                </a:ln>
+                <a:solidFill>
+                  <a:prstClr val="black"/>
+                </a:solidFill>
+                <a:effectLst/>
+                <a:uLnTx/>
+                <a:uFillTx/>
+                <a:latin typeface="Calibri" panose="020F0502020204030204"/>
+                <a:ea typeface="+mn-ea"/>
+                <a:cs typeface="+mn-cs"/>
+              </a:rPr>
+              <a:t>Since maximum CIP is highly correlated with all individual columns. Hence</a:t>
+            </a:r>
+            <a:r>
+              <a:rPr kumimoji="0" lang="en-IN" sz="1800" b="1" i="0" u="none" strike="noStrike" kern="1200" cap="none" spc="0" normalizeH="0" baseline="0" noProof="0" dirty="0">
+                <a:ln>
+                  <a:noFill/>
+                </a:ln>
+                <a:solidFill>
+                  <a:prstClr val="black"/>
+                </a:solidFill>
+                <a:effectLst/>
+                <a:uLnTx/>
+                <a:uFillTx/>
+                <a:latin typeface="Calibri" panose="020F0502020204030204"/>
+                <a:ea typeface="+mn-ea"/>
+                <a:cs typeface="+mn-cs"/>
+              </a:rPr>
+              <a:t> </a:t>
+            </a:r>
+            <a:r>
+              <a:rPr kumimoji="0" lang="en-IN" sz="1800" b="0" i="0" u="none" strike="noStrike" kern="1200" cap="none" spc="0" normalizeH="0" baseline="0" noProof="0" dirty="0">
+                <a:ln>
+                  <a:noFill/>
+                </a:ln>
+                <a:solidFill>
+                  <a:prstClr val="black"/>
+                </a:solidFill>
+                <a:effectLst/>
+                <a:uLnTx/>
+                <a:uFillTx/>
+                <a:latin typeface="Calibri" panose="020F0502020204030204"/>
+                <a:ea typeface="+mn-ea"/>
+                <a:cs typeface="+mn-cs"/>
+              </a:rPr>
+              <a:t>individual CIP columns are dropped and replaced with Average Cross Over Temperature. </a:t>
+            </a:r>
+            <a:endParaRPr kumimoji="0" lang="en-IN" sz="1800" b="1" i="0" u="none" strike="noStrike" kern="1200" cap="none" spc="0" normalizeH="0" baseline="0" noProof="0" dirty="0">
+              <a:ln>
+                <a:noFill/>
+              </a:ln>
+              <a:solidFill>
+                <a:prstClr val="black"/>
+              </a:solidFill>
+              <a:effectLst/>
+              <a:uLnTx/>
+              <a:uFillTx/>
+              <a:latin typeface="Calibri" panose="020F0502020204030204"/>
+              <a:ea typeface="+mn-ea"/>
+              <a:cs typeface="+mn-cs"/>
+            </a:endParaRPr>
+          </a:p>
+          <a:p>
+            <a:pPr marL="0" marR="0" lvl="0" indent="0" algn="l" defTabSz="914400" rtl="0" eaLnBrk="1" fontAlgn="auto" latinLnBrk="0" hangingPunct="1">
+              <a:lnSpc>
+                <a:spcPct val="100000"/>
+              </a:lnSpc>
+              <a:spcBef>
+                <a:spcPts val="0"/>
+              </a:spcBef>
+              <a:spcAft>
+                <a:spcPts val="0"/>
+              </a:spcAft>
+              <a:buClrTx/>
+              <a:buSzTx/>
+              <a:buFontTx/>
+              <a:buNone/>
+              <a:tabLst/>
+              <a:defRPr/>
+            </a:pPr>
+            <a:r>
+              <a:rPr kumimoji="0" lang="en-IN" sz="1800" b="0" i="0" u="none" strike="noStrike" kern="1200" cap="none" spc="0" normalizeH="0" baseline="0" noProof="0" dirty="0">
+                <a:ln>
+                  <a:noFill/>
+                </a:ln>
+                <a:solidFill>
+                  <a:prstClr val="black"/>
+                </a:solidFill>
+                <a:effectLst/>
+                <a:uLnTx/>
+                <a:uFillTx/>
+                <a:latin typeface="Calibri" panose="020F0502020204030204"/>
+                <a:ea typeface="+mn-ea"/>
+                <a:cs typeface="+mn-cs"/>
+              </a:rPr>
+              <a:t> </a:t>
+            </a:r>
+          </a:p>
+        </p:txBody>
+      </p:sp>
+    </p:spTree>
+    <p:extLst>
+      <p:ext uri="{BB962C8B-B14F-4D97-AF65-F5344CB8AC3E}">
+        <p14:creationId xmlns:p14="http://schemas.microsoft.com/office/powerpoint/2010/main" val="2967268408"/>
+      </p:ext>
+    </p:extLst>
+  </p:cSld>
+  <p:clrMapOvr>
+    <a:masterClrMapping/>
+  </p:clrMapOvr>
+</p:sld>
+</file>
+
 <file path=ppt/slides/slide2.xml><?xml version="1.0" encoding="utf-8"?>
 <p:sld xmlns:a="http://schemas.openxmlformats.org/drawingml/2006/main" xmlns:r="http://schemas.openxmlformats.org/officeDocument/2006/relationships" xmlns:p="http://schemas.openxmlformats.org/presentationml/2006/main">
   <p:cSld>
@@ -7534,7 +13953,7 @@
           <p:nvPr>
             <p:extLst>
               <p:ext uri="{D42A27DB-BD31-4B8C-83A1-F6EECF244321}">
-                <p14:modId xmlns:p14="http://schemas.microsoft.com/office/powerpoint/2010/main" val="834249226"/>
+                <p14:modId xmlns:p14="http://schemas.microsoft.com/office/powerpoint/2010/main" val="3503672877"/>
               </p:ext>
             </p:extLst>
           </p:nvPr>
@@ -7584,6 +14003,635 @@
           <p:cNvPr id="5" name="TextBox 4">
             <a:extLst>
               <a:ext uri="{FF2B5EF4-FFF2-40B4-BE49-F238E27FC236}">
+                <a16:creationId xmlns:a16="http://schemas.microsoft.com/office/drawing/2014/main" id="{F8319D94-EE66-D355-4F05-4D8B6ED41991}"/>
+              </a:ext>
+            </a:extLst>
+          </p:cNvPr>
+          <p:cNvSpPr txBox="1"/>
+          <p:nvPr/>
+        </p:nvSpPr>
+        <p:spPr>
+          <a:xfrm>
+            <a:off x="3928016" y="191796"/>
+            <a:ext cx="3275672" cy="584775"/>
+          </a:xfrm>
+          <a:prstGeom prst="rect">
+            <a:avLst/>
+          </a:prstGeom>
+          <a:noFill/>
+        </p:spPr>
+        <p:txBody>
+          <a:bodyPr wrap="square">
+            <a:spAutoFit/>
+          </a:bodyPr>
+          <a:lstStyle/>
+          <a:p>
+            <a:pPr marL="0" marR="0" lvl="0" indent="0" algn="l" defTabSz="914400" rtl="0" eaLnBrk="1" fontAlgn="auto" latinLnBrk="0" hangingPunct="1">
+              <a:lnSpc>
+                <a:spcPct val="100000"/>
+              </a:lnSpc>
+              <a:spcBef>
+                <a:spcPts val="0"/>
+              </a:spcBef>
+              <a:spcAft>
+                <a:spcPts val="0"/>
+              </a:spcAft>
+              <a:buClrTx/>
+              <a:buSzTx/>
+              <a:buFontTx/>
+              <a:buNone/>
+              <a:tabLst/>
+              <a:defRPr/>
+            </a:pPr>
+            <a:r>
+              <a:rPr kumimoji="0" lang="en-IN" sz="3200" b="0" i="0" u="none" strike="noStrike" kern="1200" cap="none" spc="0" normalizeH="0" baseline="0" noProof="0" dirty="0">
+                <a:ln>
+                  <a:noFill/>
+                </a:ln>
+                <a:solidFill>
+                  <a:prstClr val="black"/>
+                </a:solidFill>
+                <a:effectLst/>
+                <a:uLnTx/>
+                <a:uFillTx/>
+                <a:latin typeface="Calibri" panose="020F0502020204030204"/>
+                <a:ea typeface="+mn-ea"/>
+                <a:cs typeface="+mn-cs"/>
+              </a:rPr>
+              <a:t>TMT Data Analysis</a:t>
+            </a:r>
+          </a:p>
+        </p:txBody>
+      </p:sp>
+      <p:graphicFrame>
+        <p:nvGraphicFramePr>
+          <p:cNvPr id="6" name="Table 6">
+            <a:extLst>
+              <a:ext uri="{FF2B5EF4-FFF2-40B4-BE49-F238E27FC236}">
+                <a16:creationId xmlns:a16="http://schemas.microsoft.com/office/drawing/2014/main" id="{1D2B4F12-07A8-5785-54B3-83DBDC080CF7}"/>
+              </a:ext>
+            </a:extLst>
+          </p:cNvPr>
+          <p:cNvGraphicFramePr>
+            <a:graphicFrameLocks noGrp="1"/>
+          </p:cNvGraphicFramePr>
+          <p:nvPr>
+            <p:extLst>
+              <p:ext uri="{D42A27DB-BD31-4B8C-83A1-F6EECF244321}">
+                <p14:modId xmlns:p14="http://schemas.microsoft.com/office/powerpoint/2010/main" val="2323773793"/>
+              </p:ext>
+            </p:extLst>
+          </p:nvPr>
+        </p:nvGraphicFramePr>
+        <p:xfrm>
+          <a:off x="1329470" y="828313"/>
+          <a:ext cx="9241884" cy="5762307"/>
+        </p:xfrm>
+        <a:graphic>
+          <a:graphicData uri="http://schemas.openxmlformats.org/drawingml/2006/table">
+            <a:tbl>
+              <a:tblPr firstRow="1" bandRow="1">
+                <a:tableStyleId>{5C22544A-7EE6-4342-B048-85BDC9FD1C3A}</a:tableStyleId>
+              </a:tblPr>
+              <a:tblGrid>
+                <a:gridCol w="2310471">
+                  <a:extLst>
+                    <a:ext uri="{9D8B030D-6E8A-4147-A177-3AD203B41FA5}">
+                      <a16:colId xmlns:a16="http://schemas.microsoft.com/office/drawing/2014/main" val="3919213361"/>
+                    </a:ext>
+                  </a:extLst>
+                </a:gridCol>
+                <a:gridCol w="2310471">
+                  <a:extLst>
+                    <a:ext uri="{9D8B030D-6E8A-4147-A177-3AD203B41FA5}">
+                      <a16:colId xmlns:a16="http://schemas.microsoft.com/office/drawing/2014/main" val="3093538154"/>
+                    </a:ext>
+                  </a:extLst>
+                </a:gridCol>
+                <a:gridCol w="2310471">
+                  <a:extLst>
+                    <a:ext uri="{9D8B030D-6E8A-4147-A177-3AD203B41FA5}">
+                      <a16:colId xmlns:a16="http://schemas.microsoft.com/office/drawing/2014/main" val="3978444818"/>
+                    </a:ext>
+                  </a:extLst>
+                </a:gridCol>
+                <a:gridCol w="2310471">
+                  <a:extLst>
+                    <a:ext uri="{9D8B030D-6E8A-4147-A177-3AD203B41FA5}">
+                      <a16:colId xmlns:a16="http://schemas.microsoft.com/office/drawing/2014/main" val="1721256539"/>
+                    </a:ext>
+                  </a:extLst>
+                </a:gridCol>
+              </a:tblGrid>
+              <a:tr h="794067">
+                <a:tc>
+                  <a:txBody>
+                    <a:bodyPr/>
+                    <a:lstStyle/>
+                    <a:p>
+                      <a:pPr algn="ctr"/>
+                      <a:r>
+                        <a:rPr lang="en-US" dirty="0"/>
+                        <a:t>Parameters</a:t>
+                      </a:r>
+                      <a:endParaRPr lang="en-IN" dirty="0"/>
+                    </a:p>
+                  </a:txBody>
+                  <a:tcPr/>
+                </a:tc>
+                <a:tc>
+                  <a:txBody>
+                    <a:bodyPr/>
+                    <a:lstStyle/>
+                    <a:p>
+                      <a:pPr algn="ctr"/>
+                      <a:r>
+                        <a:rPr lang="en-US" dirty="0"/>
+                        <a:t>Missing records</a:t>
+                      </a:r>
+                      <a:endParaRPr lang="en-IN" dirty="0"/>
+                    </a:p>
+                  </a:txBody>
+                  <a:tcPr/>
+                </a:tc>
+                <a:tc>
+                  <a:txBody>
+                    <a:bodyPr/>
+                    <a:lstStyle/>
+                    <a:p>
+                      <a:pPr algn="ctr"/>
+                      <a:r>
+                        <a:rPr lang="en-US" dirty="0"/>
+                        <a:t>%</a:t>
+                      </a:r>
+                      <a:endParaRPr lang="en-IN" dirty="0"/>
+                    </a:p>
+                  </a:txBody>
+                  <a:tcPr/>
+                </a:tc>
+                <a:tc>
+                  <a:txBody>
+                    <a:bodyPr/>
+                    <a:lstStyle/>
+                    <a:p>
+                      <a:pPr algn="ctr"/>
+                      <a:r>
+                        <a:rPr lang="en-US" dirty="0"/>
+                        <a:t>Treatment Done</a:t>
+                      </a:r>
+                      <a:endParaRPr lang="en-IN" dirty="0"/>
+                    </a:p>
+                  </a:txBody>
+                  <a:tcPr/>
+                </a:tc>
+                <a:extLst>
+                  <a:ext uri="{0D108BD9-81ED-4DB2-BD59-A6C34878D82A}">
+                    <a16:rowId xmlns:a16="http://schemas.microsoft.com/office/drawing/2014/main" val="458131065"/>
+                  </a:ext>
+                </a:extLst>
+              </a:tr>
+              <a:tr h="794067">
+                <a:tc>
+                  <a:txBody>
+                    <a:bodyPr/>
+                    <a:lstStyle/>
+                    <a:p>
+                      <a:r>
+                        <a:rPr lang="en-US" dirty="0"/>
+                        <a:t>TMT Coil 1</a:t>
+                      </a:r>
+                      <a:endParaRPr lang="en-IN" dirty="0"/>
+                    </a:p>
+                  </a:txBody>
+                  <a:tcPr/>
+                </a:tc>
+                <a:tc>
+                  <a:txBody>
+                    <a:bodyPr/>
+                    <a:lstStyle/>
+                    <a:p>
+                      <a:r>
+                        <a:rPr lang="en-US" dirty="0"/>
+                        <a:t>96</a:t>
+                      </a:r>
+                      <a:endParaRPr lang="en-IN" dirty="0"/>
+                    </a:p>
+                  </a:txBody>
+                  <a:tcPr/>
+                </a:tc>
+                <a:tc>
+                  <a:txBody>
+                    <a:bodyPr/>
+                    <a:lstStyle/>
+                    <a:p>
+                      <a:r>
+                        <a:rPr lang="en-US" dirty="0"/>
+                        <a:t>0.08</a:t>
+                      </a:r>
+                      <a:endParaRPr lang="en-IN" dirty="0"/>
+                    </a:p>
+                  </a:txBody>
+                  <a:tcPr/>
+                </a:tc>
+                <a:tc rowSpan="6">
+                  <a:txBody>
+                    <a:bodyPr/>
+                    <a:lstStyle/>
+                    <a:p>
+                      <a:r>
+                        <a:rPr lang="en-US" sz="1600" dirty="0"/>
+                        <a:t>Since, TMT samples are collected on daily basis while the state of the furnace is online where as DCS  samples are stored in hourly format. Hence TMT is converted in the hourly format. Which leads to the increase in missing values. </a:t>
+                      </a:r>
+                    </a:p>
+                    <a:p>
+                      <a:endParaRPr lang="en-US" sz="1600" dirty="0"/>
+                    </a:p>
+                    <a:p>
+                      <a:r>
+                        <a:rPr lang="en-US" sz="1600" dirty="0"/>
+                        <a:t>Mean or median could be used to fill the missing values which might decrease the accuracy. </a:t>
+                      </a:r>
+                    </a:p>
+                    <a:p>
+                      <a:r>
+                        <a:rPr lang="en-US" sz="1600" dirty="0"/>
+                        <a:t>Therefore, linear regression technique is used to fill those missing values.   </a:t>
+                      </a:r>
+                      <a:endParaRPr lang="en-IN" sz="1600" dirty="0"/>
+                    </a:p>
+                  </a:txBody>
+                  <a:tcPr/>
+                </a:tc>
+                <a:extLst>
+                  <a:ext uri="{0D108BD9-81ED-4DB2-BD59-A6C34878D82A}">
+                    <a16:rowId xmlns:a16="http://schemas.microsoft.com/office/drawing/2014/main" val="1458280952"/>
+                  </a:ext>
+                </a:extLst>
+              </a:tr>
+              <a:tr h="794067">
+                <a:tc>
+                  <a:txBody>
+                    <a:bodyPr/>
+                    <a:lstStyle/>
+                    <a:p>
+                      <a:r>
+                        <a:rPr lang="en-US" dirty="0"/>
+                        <a:t>TMT Coil 2</a:t>
+                      </a:r>
+                      <a:endParaRPr lang="en-IN" dirty="0"/>
+                    </a:p>
+                  </a:txBody>
+                  <a:tcPr/>
+                </a:tc>
+                <a:tc>
+                  <a:txBody>
+                    <a:bodyPr/>
+                    <a:lstStyle/>
+                    <a:p>
+                      <a:r>
+                        <a:rPr lang="en-US" dirty="0"/>
+                        <a:t>96</a:t>
+                      </a:r>
+                      <a:endParaRPr lang="en-IN" dirty="0"/>
+                    </a:p>
+                  </a:txBody>
+                  <a:tcPr/>
+                </a:tc>
+                <a:tc>
+                  <a:txBody>
+                    <a:bodyPr/>
+                    <a:lstStyle/>
+                    <a:p>
+                      <a:r>
+                        <a:rPr lang="en-US" dirty="0"/>
+                        <a:t>0.08</a:t>
+                      </a:r>
+                      <a:endParaRPr lang="en-IN" dirty="0"/>
+                    </a:p>
+                  </a:txBody>
+                  <a:tcPr/>
+                </a:tc>
+                <a:tc vMerge="1">
+                  <a:txBody>
+                    <a:bodyPr/>
+                    <a:lstStyle/>
+                    <a:p>
+                      <a:endParaRPr lang="en-IN" dirty="0"/>
+                    </a:p>
+                  </a:txBody>
+                  <a:tcPr/>
+                </a:tc>
+                <a:extLst>
+                  <a:ext uri="{0D108BD9-81ED-4DB2-BD59-A6C34878D82A}">
+                    <a16:rowId xmlns:a16="http://schemas.microsoft.com/office/drawing/2014/main" val="2096345452"/>
+                  </a:ext>
+                </a:extLst>
+              </a:tr>
+              <a:tr h="794067">
+                <a:tc>
+                  <a:txBody>
+                    <a:bodyPr/>
+                    <a:lstStyle/>
+                    <a:p>
+                      <a:r>
+                        <a:rPr lang="en-US" dirty="0"/>
+                        <a:t>TMT Coil 3</a:t>
+                      </a:r>
+                      <a:endParaRPr lang="en-IN" dirty="0"/>
+                    </a:p>
+                  </a:txBody>
+                  <a:tcPr/>
+                </a:tc>
+                <a:tc>
+                  <a:txBody>
+                    <a:bodyPr/>
+                    <a:lstStyle/>
+                    <a:p>
+                      <a:r>
+                        <a:rPr lang="en-US" dirty="0"/>
+                        <a:t>96</a:t>
+                      </a:r>
+                      <a:endParaRPr lang="en-IN" dirty="0"/>
+                    </a:p>
+                  </a:txBody>
+                  <a:tcPr/>
+                </a:tc>
+                <a:tc>
+                  <a:txBody>
+                    <a:bodyPr/>
+                    <a:lstStyle/>
+                    <a:p>
+                      <a:r>
+                        <a:rPr lang="en-US" dirty="0"/>
+                        <a:t>0.08</a:t>
+                      </a:r>
+                      <a:endParaRPr lang="en-IN" dirty="0"/>
+                    </a:p>
+                  </a:txBody>
+                  <a:tcPr/>
+                </a:tc>
+                <a:tc vMerge="1">
+                  <a:txBody>
+                    <a:bodyPr/>
+                    <a:lstStyle/>
+                    <a:p>
+                      <a:endParaRPr lang="en-IN" dirty="0"/>
+                    </a:p>
+                  </a:txBody>
+                  <a:tcPr/>
+                </a:tc>
+                <a:extLst>
+                  <a:ext uri="{0D108BD9-81ED-4DB2-BD59-A6C34878D82A}">
+                    <a16:rowId xmlns:a16="http://schemas.microsoft.com/office/drawing/2014/main" val="1784757435"/>
+                  </a:ext>
+                </a:extLst>
+              </a:tr>
+              <a:tr h="794067">
+                <a:tc>
+                  <a:txBody>
+                    <a:bodyPr/>
+                    <a:lstStyle/>
+                    <a:p>
+                      <a:r>
+                        <a:rPr lang="en-US" dirty="0"/>
+                        <a:t>TMT Coil 4</a:t>
+                      </a:r>
+                      <a:endParaRPr lang="en-IN" dirty="0"/>
+                    </a:p>
+                  </a:txBody>
+                  <a:tcPr/>
+                </a:tc>
+                <a:tc>
+                  <a:txBody>
+                    <a:bodyPr/>
+                    <a:lstStyle/>
+                    <a:p>
+                      <a:r>
+                        <a:rPr lang="en-US" dirty="0"/>
+                        <a:t>96</a:t>
+                      </a:r>
+                      <a:endParaRPr lang="en-IN" dirty="0"/>
+                    </a:p>
+                  </a:txBody>
+                  <a:tcPr/>
+                </a:tc>
+                <a:tc>
+                  <a:txBody>
+                    <a:bodyPr/>
+                    <a:lstStyle/>
+                    <a:p>
+                      <a:r>
+                        <a:rPr lang="en-US" dirty="0"/>
+                        <a:t>0.08</a:t>
+                      </a:r>
+                      <a:endParaRPr lang="en-IN" dirty="0"/>
+                    </a:p>
+                  </a:txBody>
+                  <a:tcPr/>
+                </a:tc>
+                <a:tc vMerge="1">
+                  <a:txBody>
+                    <a:bodyPr/>
+                    <a:lstStyle/>
+                    <a:p>
+                      <a:endParaRPr lang="en-IN" dirty="0"/>
+                    </a:p>
+                  </a:txBody>
+                  <a:tcPr/>
+                </a:tc>
+                <a:extLst>
+                  <a:ext uri="{0D108BD9-81ED-4DB2-BD59-A6C34878D82A}">
+                    <a16:rowId xmlns:a16="http://schemas.microsoft.com/office/drawing/2014/main" val="1394288006"/>
+                  </a:ext>
+                </a:extLst>
+              </a:tr>
+              <a:tr h="794067">
+                <a:tc>
+                  <a:txBody>
+                    <a:bodyPr/>
+                    <a:lstStyle/>
+                    <a:p>
+                      <a:r>
+                        <a:rPr lang="en-US" dirty="0"/>
+                        <a:t>TMT Coil 5</a:t>
+                      </a:r>
+                      <a:endParaRPr lang="en-IN" dirty="0"/>
+                    </a:p>
+                  </a:txBody>
+                  <a:tcPr/>
+                </a:tc>
+                <a:tc>
+                  <a:txBody>
+                    <a:bodyPr/>
+                    <a:lstStyle/>
+                    <a:p>
+                      <a:r>
+                        <a:rPr lang="en-US" dirty="0"/>
+                        <a:t>96</a:t>
+                      </a:r>
+                      <a:endParaRPr lang="en-IN" dirty="0"/>
+                    </a:p>
+                  </a:txBody>
+                  <a:tcPr/>
+                </a:tc>
+                <a:tc>
+                  <a:txBody>
+                    <a:bodyPr/>
+                    <a:lstStyle/>
+                    <a:p>
+                      <a:r>
+                        <a:rPr lang="en-US" dirty="0"/>
+                        <a:t>0.08</a:t>
+                      </a:r>
+                      <a:endParaRPr lang="en-IN" dirty="0"/>
+                    </a:p>
+                  </a:txBody>
+                  <a:tcPr/>
+                </a:tc>
+                <a:tc vMerge="1">
+                  <a:txBody>
+                    <a:bodyPr/>
+                    <a:lstStyle/>
+                    <a:p>
+                      <a:endParaRPr lang="en-IN" dirty="0"/>
+                    </a:p>
+                  </a:txBody>
+                  <a:tcPr/>
+                </a:tc>
+                <a:extLst>
+                  <a:ext uri="{0D108BD9-81ED-4DB2-BD59-A6C34878D82A}">
+                    <a16:rowId xmlns:a16="http://schemas.microsoft.com/office/drawing/2014/main" val="759663118"/>
+                  </a:ext>
+                </a:extLst>
+              </a:tr>
+              <a:tr h="794067">
+                <a:tc>
+                  <a:txBody>
+                    <a:bodyPr/>
+                    <a:lstStyle/>
+                    <a:p>
+                      <a:r>
+                        <a:rPr lang="en-US" dirty="0"/>
+                        <a:t>TMT Coil 6</a:t>
+                      </a:r>
+                      <a:endParaRPr lang="en-IN" dirty="0"/>
+                    </a:p>
+                  </a:txBody>
+                  <a:tcPr/>
+                </a:tc>
+                <a:tc>
+                  <a:txBody>
+                    <a:bodyPr/>
+                    <a:lstStyle/>
+                    <a:p>
+                      <a:r>
+                        <a:rPr lang="en-US" dirty="0"/>
+                        <a:t>96</a:t>
+                      </a:r>
+                      <a:endParaRPr lang="en-IN" dirty="0"/>
+                    </a:p>
+                  </a:txBody>
+                  <a:tcPr/>
+                </a:tc>
+                <a:tc>
+                  <a:txBody>
+                    <a:bodyPr/>
+                    <a:lstStyle/>
+                    <a:p>
+                      <a:r>
+                        <a:rPr lang="en-US" dirty="0"/>
+                        <a:t>0.08</a:t>
+                      </a:r>
+                      <a:endParaRPr lang="en-IN" dirty="0"/>
+                    </a:p>
+                  </a:txBody>
+                  <a:tcPr/>
+                </a:tc>
+                <a:tc vMerge="1">
+                  <a:txBody>
+                    <a:bodyPr/>
+                    <a:lstStyle/>
+                    <a:p>
+                      <a:endParaRPr lang="en-IN" dirty="0"/>
+                    </a:p>
+                  </a:txBody>
+                  <a:tcPr/>
+                </a:tc>
+                <a:extLst>
+                  <a:ext uri="{0D108BD9-81ED-4DB2-BD59-A6C34878D82A}">
+                    <a16:rowId xmlns:a16="http://schemas.microsoft.com/office/drawing/2014/main" val="215194762"/>
+                  </a:ext>
+                </a:extLst>
+              </a:tr>
+            </a:tbl>
+          </a:graphicData>
+        </a:graphic>
+      </p:graphicFrame>
+    </p:spTree>
+    <p:extLst>
+      <p:ext uri="{BB962C8B-B14F-4D97-AF65-F5344CB8AC3E}">
+        <p14:creationId xmlns:p14="http://schemas.microsoft.com/office/powerpoint/2010/main" val="4257911362"/>
+      </p:ext>
+    </p:extLst>
+  </p:cSld>
+  <p:clrMapOvr>
+    <a:masterClrMapping/>
+  </p:clrMapOvr>
+</p:sld>
+</file>
+
+<file path=ppt/slides/slide5.xml><?xml version="1.0" encoding="utf-8"?>
+<p:sld xmlns:a="http://schemas.openxmlformats.org/drawingml/2006/main" xmlns:r="http://schemas.openxmlformats.org/officeDocument/2006/relationships" xmlns:p="http://schemas.openxmlformats.org/presentationml/2006/main">
+  <p:cSld>
+    <p:spTree>
+      <p:nvGrpSpPr>
+        <p:cNvPr id="1" name=""/>
+        <p:cNvGrpSpPr/>
+        <p:nvPr/>
+      </p:nvGrpSpPr>
+      <p:grpSpPr>
+        <a:xfrm>
+          <a:off x="0" y="0"/>
+          <a:ext cx="0" cy="0"/>
+          <a:chOff x="0" y="0"/>
+          <a:chExt cx="0" cy="0"/>
+        </a:xfrm>
+      </p:grpSpPr>
+    </p:spTree>
+    <p:extLst>
+      <p:ext uri="{BB962C8B-B14F-4D97-AF65-F5344CB8AC3E}">
+        <p14:creationId xmlns:p14="http://schemas.microsoft.com/office/powerpoint/2010/main" val="1381129242"/>
+      </p:ext>
+    </p:extLst>
+  </p:cSld>
+  <p:clrMapOvr>
+    <a:masterClrMapping/>
+  </p:clrMapOvr>
+</p:sld>
+</file>
+
+<file path=ppt/slides/slide6.xml><?xml version="1.0" encoding="utf-8"?>
+<p:sld xmlns:a="http://schemas.openxmlformats.org/drawingml/2006/main" xmlns:r="http://schemas.openxmlformats.org/officeDocument/2006/relationships" xmlns:p="http://schemas.openxmlformats.org/presentationml/2006/main">
+  <p:cSld>
+    <p:spTree>
+      <p:nvGrpSpPr>
+        <p:cNvPr id="1" name=""/>
+        <p:cNvGrpSpPr/>
+        <p:nvPr/>
+      </p:nvGrpSpPr>
+      <p:grpSpPr>
+        <a:xfrm>
+          <a:off x="0" y="0"/>
+          <a:ext cx="0" cy="0"/>
+          <a:chOff x="0" y="0"/>
+          <a:chExt cx="0" cy="0"/>
+        </a:xfrm>
+      </p:grpSpPr>
+      <p:sp>
+        <p:nvSpPr>
+          <p:cNvPr id="5" name="TextBox 4">
+            <a:extLst>
+              <a:ext uri="{FF2B5EF4-FFF2-40B4-BE49-F238E27FC236}">
                 <a16:creationId xmlns:a16="http://schemas.microsoft.com/office/drawing/2014/main" id="{F6EDC5B0-9BFA-AA44-683E-61A5D2FBB5F0}"/>
               </a:ext>
             </a:extLst>
@@ -7735,7 +14783,7 @@
 </p:sld>
 </file>
 
-<file path=ppt/slides/slide5.xml><?xml version="1.0" encoding="utf-8"?>
+<file path=ppt/slides/slide7.xml><?xml version="1.0" encoding="utf-8"?>
 <p:sld xmlns:a="http://schemas.openxmlformats.org/drawingml/2006/main" xmlns:r="http://schemas.openxmlformats.org/officeDocument/2006/relationships" xmlns:p="http://schemas.openxmlformats.org/presentationml/2006/main">
   <p:cSld>
     <p:spTree>
@@ -7910,13 +14958,8 @@
             </a:pPr>
             <a:r>
               <a:rPr lang="en-IN" dirty="0"/>
-              <a:t>Feed Temp 1 and </a:t>
+              <a:t>Feed Temp 1 and 2   </a:t>
             </a:r>
-            <a:r>
-              <a:rPr lang="en-IN"/>
-              <a:t>2   </a:t>
-            </a:r>
-            <a:endParaRPr lang="en-IN" dirty="0"/>
           </a:p>
         </p:txBody>
       </p:sp>
@@ -7924,6 +14967,482 @@
     <p:extLst>
       <p:ext uri="{BB962C8B-B14F-4D97-AF65-F5344CB8AC3E}">
         <p14:creationId xmlns:p14="http://schemas.microsoft.com/office/powerpoint/2010/main" val="4050697058"/>
+      </p:ext>
+    </p:extLst>
+  </p:cSld>
+  <p:clrMapOvr>
+    <a:masterClrMapping/>
+  </p:clrMapOvr>
+</p:sld>
+</file>
+
+<file path=ppt/slides/slide8.xml><?xml version="1.0" encoding="utf-8"?>
+<p:sld xmlns:a="http://schemas.openxmlformats.org/drawingml/2006/main" xmlns:r="http://schemas.openxmlformats.org/officeDocument/2006/relationships" xmlns:p="http://schemas.openxmlformats.org/presentationml/2006/main">
+  <p:cSld>
+    <p:spTree>
+      <p:nvGrpSpPr>
+        <p:cNvPr id="1" name=""/>
+        <p:cNvGrpSpPr/>
+        <p:nvPr/>
+      </p:nvGrpSpPr>
+      <p:grpSpPr>
+        <a:xfrm>
+          <a:off x="0" y="0"/>
+          <a:ext cx="0" cy="0"/>
+          <a:chOff x="0" y="0"/>
+          <a:chExt cx="0" cy="0"/>
+        </a:xfrm>
+      </p:grpSpPr>
+      <p:sp>
+        <p:nvSpPr>
+          <p:cNvPr id="5" name="TextBox 4">
+            <a:extLst>
+              <a:ext uri="{FF2B5EF4-FFF2-40B4-BE49-F238E27FC236}">
+                <a16:creationId xmlns:a16="http://schemas.microsoft.com/office/drawing/2014/main" id="{27CD9B1D-170E-39FE-4739-A601CE5D1208}"/>
+              </a:ext>
+            </a:extLst>
+          </p:cNvPr>
+          <p:cNvSpPr txBox="1"/>
+          <p:nvPr/>
+        </p:nvSpPr>
+        <p:spPr>
+          <a:xfrm>
+            <a:off x="3048930" y="248448"/>
+            <a:ext cx="6094140" cy="584775"/>
+          </a:xfrm>
+          <a:prstGeom prst="rect">
+            <a:avLst/>
+          </a:prstGeom>
+          <a:noFill/>
+        </p:spPr>
+        <p:txBody>
+          <a:bodyPr wrap="square">
+            <a:spAutoFit/>
+          </a:bodyPr>
+          <a:lstStyle/>
+          <a:p>
+            <a:pPr marL="0" marR="0" lvl="0" indent="0" algn="l" defTabSz="914400" rtl="0" eaLnBrk="1" fontAlgn="auto" latinLnBrk="0" hangingPunct="1">
+              <a:lnSpc>
+                <a:spcPct val="100000"/>
+              </a:lnSpc>
+              <a:spcBef>
+                <a:spcPts val="0"/>
+              </a:spcBef>
+              <a:spcAft>
+                <a:spcPts val="0"/>
+              </a:spcAft>
+              <a:buClrTx/>
+              <a:buSzTx/>
+              <a:buFontTx/>
+              <a:buNone/>
+              <a:tabLst/>
+              <a:defRPr/>
+            </a:pPr>
+            <a:r>
+              <a:rPr kumimoji="0" lang="en-IN" sz="3200" b="0" i="0" u="none" strike="noStrike" kern="1200" cap="none" spc="0" normalizeH="0" baseline="0" noProof="0" dirty="0">
+                <a:ln>
+                  <a:noFill/>
+                </a:ln>
+                <a:solidFill>
+                  <a:prstClr val="black"/>
+                </a:solidFill>
+                <a:effectLst/>
+                <a:uLnTx/>
+                <a:uFillTx/>
+                <a:latin typeface="Calibri" panose="020F0502020204030204"/>
+                <a:ea typeface="+mn-ea"/>
+                <a:cs typeface="+mn-cs"/>
+              </a:rPr>
+              <a:t>Naphtha Feed Correlation Analysis</a:t>
+            </a:r>
+          </a:p>
+        </p:txBody>
+      </p:sp>
+      <p:graphicFrame>
+        <p:nvGraphicFramePr>
+          <p:cNvPr id="11" name="Chart 10">
+            <a:extLst>
+              <a:ext uri="{FF2B5EF4-FFF2-40B4-BE49-F238E27FC236}">
+                <a16:creationId xmlns:a16="http://schemas.microsoft.com/office/drawing/2014/main" id="{D554FA0F-5286-CC99-42EA-6E94CD7D8F5A}"/>
+              </a:ext>
+            </a:extLst>
+          </p:cNvPr>
+          <p:cNvGraphicFramePr/>
+          <p:nvPr>
+            <p:extLst>
+              <p:ext uri="{D42A27DB-BD31-4B8C-83A1-F6EECF244321}">
+                <p14:modId xmlns:p14="http://schemas.microsoft.com/office/powerpoint/2010/main" val="2257372237"/>
+              </p:ext>
+            </p:extLst>
+          </p:nvPr>
+        </p:nvGraphicFramePr>
+        <p:xfrm>
+          <a:off x="381621" y="947854"/>
+          <a:ext cx="4959813" cy="3233853"/>
+        </p:xfrm>
+        <a:graphic>
+          <a:graphicData uri="http://schemas.openxmlformats.org/drawingml/2006/chart">
+            <c:chart xmlns:c="http://schemas.openxmlformats.org/drawingml/2006/chart" xmlns:r="http://schemas.openxmlformats.org/officeDocument/2006/relationships" r:id="rId2"/>
+          </a:graphicData>
+        </a:graphic>
+      </p:graphicFrame>
+      <p:pic>
+        <p:nvPicPr>
+          <p:cNvPr id="3" name="Picture 2">
+            <a:extLst>
+              <a:ext uri="{FF2B5EF4-FFF2-40B4-BE49-F238E27FC236}">
+                <a16:creationId xmlns:a16="http://schemas.microsoft.com/office/drawing/2014/main" id="{431C433F-3C22-9608-5B18-5E0BF9223BCC}"/>
+              </a:ext>
+            </a:extLst>
+          </p:cNvPr>
+          <p:cNvPicPr>
+            <a:picLocks noChangeAspect="1"/>
+          </p:cNvPicPr>
+          <p:nvPr/>
+        </p:nvPicPr>
+        <p:blipFill>
+          <a:blip r:embed="rId3">
+            <a:extLst>
+              <a:ext uri="{28A0092B-C50C-407E-A947-70E740481C1C}">
+                <a14:useLocalDpi xmlns:a14="http://schemas.microsoft.com/office/drawing/2010/main" val="0"/>
+              </a:ext>
+            </a:extLst>
+          </a:blip>
+          <a:stretch>
+            <a:fillRect/>
+          </a:stretch>
+        </p:blipFill>
+        <p:spPr>
+          <a:xfrm>
+            <a:off x="6330176" y="947854"/>
+            <a:ext cx="5177882" cy="3233854"/>
+          </a:xfrm>
+          <a:prstGeom prst="rect">
+            <a:avLst/>
+          </a:prstGeom>
+        </p:spPr>
+      </p:pic>
+      <p:sp>
+        <p:nvSpPr>
+          <p:cNvPr id="4" name="TextBox 3">
+            <a:extLst>
+              <a:ext uri="{FF2B5EF4-FFF2-40B4-BE49-F238E27FC236}">
+                <a16:creationId xmlns:a16="http://schemas.microsoft.com/office/drawing/2014/main" id="{7D3DFC9C-DA65-F0F5-FC5A-A725F2E3844D}"/>
+              </a:ext>
+            </a:extLst>
+          </p:cNvPr>
+          <p:cNvSpPr txBox="1"/>
+          <p:nvPr/>
+        </p:nvSpPr>
+        <p:spPr>
+          <a:xfrm>
+            <a:off x="281260" y="4627756"/>
+            <a:ext cx="11394067" cy="2308324"/>
+          </a:xfrm>
+          <a:prstGeom prst="rect">
+            <a:avLst/>
+          </a:prstGeom>
+          <a:noFill/>
+        </p:spPr>
+        <p:txBody>
+          <a:bodyPr wrap="square" rtlCol="0">
+            <a:spAutoFit/>
+          </a:bodyPr>
+          <a:lstStyle/>
+          <a:p>
+            <a:r>
+              <a:rPr lang="en-IN" dirty="0"/>
+              <a:t>The sample dataset is having 6 columns (individual Naphtha Feed coils). Each columns are highly correlated to each other.</a:t>
+            </a:r>
+          </a:p>
+          <a:p>
+            <a:endParaRPr lang="en-IN" dirty="0"/>
+          </a:p>
+          <a:p>
+            <a:r>
+              <a:rPr lang="en-IN" b="1" dirty="0"/>
+              <a:t>Treatment:</a:t>
+            </a:r>
+          </a:p>
+          <a:p>
+            <a:pPr marL="742950" lvl="1" indent="-285750">
+              <a:buFont typeface="Arial" panose="020B0604020202020204" pitchFamily="34" charset="0"/>
+              <a:buChar char="•"/>
+            </a:pPr>
+            <a:r>
+              <a:rPr lang="en-IN" dirty="0"/>
+              <a:t>Total Naphtha Feed is computed across all the columns.</a:t>
+            </a:r>
+          </a:p>
+          <a:p>
+            <a:pPr marL="742950" lvl="1" indent="-285750">
+              <a:buFont typeface="Arial" panose="020B0604020202020204" pitchFamily="34" charset="0"/>
+              <a:buChar char="•"/>
+            </a:pPr>
+            <a:r>
+              <a:rPr lang="en-IN" dirty="0"/>
+              <a:t>Since Total Naphtha Feed is highly correlated with all individual columns. Hence</a:t>
+            </a:r>
+            <a:r>
+              <a:rPr lang="en-IN" b="1" dirty="0"/>
+              <a:t> </a:t>
+            </a:r>
+            <a:r>
+              <a:rPr lang="en-IN" dirty="0"/>
+              <a:t>individual Naphtha Feed columns are dropped and replaced with Total Naphtha Feed.</a:t>
+            </a:r>
+            <a:endParaRPr lang="en-IN" b="1" dirty="0"/>
+          </a:p>
+          <a:p>
+            <a:r>
+              <a:rPr lang="en-IN" dirty="0"/>
+              <a:t> </a:t>
+            </a:r>
+          </a:p>
+        </p:txBody>
+      </p:sp>
+    </p:spTree>
+    <p:extLst>
+      <p:ext uri="{BB962C8B-B14F-4D97-AF65-F5344CB8AC3E}">
+        <p14:creationId xmlns:p14="http://schemas.microsoft.com/office/powerpoint/2010/main" val="2467742754"/>
+      </p:ext>
+    </p:extLst>
+  </p:cSld>
+  <p:clrMapOvr>
+    <a:masterClrMapping/>
+  </p:clrMapOvr>
+</p:sld>
+</file>
+
+<file path=ppt/slides/slide9.xml><?xml version="1.0" encoding="utf-8"?>
+<p:sld xmlns:a="http://schemas.openxmlformats.org/drawingml/2006/main" xmlns:r="http://schemas.openxmlformats.org/officeDocument/2006/relationships" xmlns:p="http://schemas.openxmlformats.org/presentationml/2006/main">
+  <p:cSld>
+    <p:spTree>
+      <p:nvGrpSpPr>
+        <p:cNvPr id="1" name=""/>
+        <p:cNvGrpSpPr/>
+        <p:nvPr/>
+      </p:nvGrpSpPr>
+      <p:grpSpPr>
+        <a:xfrm>
+          <a:off x="0" y="0"/>
+          <a:ext cx="0" cy="0"/>
+          <a:chOff x="0" y="0"/>
+          <a:chExt cx="0" cy="0"/>
+        </a:xfrm>
+      </p:grpSpPr>
+      <p:sp>
+        <p:nvSpPr>
+          <p:cNvPr id="5" name="TextBox 4">
+            <a:extLst>
+              <a:ext uri="{FF2B5EF4-FFF2-40B4-BE49-F238E27FC236}">
+                <a16:creationId xmlns:a16="http://schemas.microsoft.com/office/drawing/2014/main" id="{0C6BC91D-FEFA-DE7A-9129-AF53C0D9BD7E}"/>
+              </a:ext>
+            </a:extLst>
+          </p:cNvPr>
+          <p:cNvSpPr txBox="1"/>
+          <p:nvPr/>
+        </p:nvSpPr>
+        <p:spPr>
+          <a:xfrm>
+            <a:off x="3560026" y="189571"/>
+            <a:ext cx="4323886" cy="584775"/>
+          </a:xfrm>
+          <a:prstGeom prst="rect">
+            <a:avLst/>
+          </a:prstGeom>
+          <a:noFill/>
+        </p:spPr>
+        <p:txBody>
+          <a:bodyPr wrap="square">
+            <a:spAutoFit/>
+          </a:bodyPr>
+          <a:lstStyle/>
+          <a:p>
+            <a:pPr marL="0" marR="0" lvl="0" indent="0" algn="l" defTabSz="914400" rtl="0" eaLnBrk="1" fontAlgn="auto" latinLnBrk="0" hangingPunct="1">
+              <a:lnSpc>
+                <a:spcPct val="100000"/>
+              </a:lnSpc>
+              <a:spcBef>
+                <a:spcPts val="0"/>
+              </a:spcBef>
+              <a:spcAft>
+                <a:spcPts val="0"/>
+              </a:spcAft>
+              <a:buClrTx/>
+              <a:buSzTx/>
+              <a:buFontTx/>
+              <a:buNone/>
+              <a:tabLst/>
+              <a:defRPr/>
+            </a:pPr>
+            <a:r>
+              <a:rPr kumimoji="0" lang="en-IN" sz="3200" b="0" i="0" u="none" strike="noStrike" kern="1200" cap="none" spc="0" normalizeH="0" baseline="0" noProof="0" dirty="0">
+                <a:ln>
+                  <a:noFill/>
+                </a:ln>
+                <a:solidFill>
+                  <a:prstClr val="black"/>
+                </a:solidFill>
+                <a:effectLst/>
+                <a:uLnTx/>
+                <a:uFillTx/>
+                <a:latin typeface="Calibri" panose="020F0502020204030204"/>
+                <a:ea typeface="+mn-ea"/>
+                <a:cs typeface="+mn-cs"/>
+              </a:rPr>
+              <a:t>COT Correlation Analysis</a:t>
+            </a:r>
+          </a:p>
+        </p:txBody>
+      </p:sp>
+      <p:graphicFrame>
+        <p:nvGraphicFramePr>
+          <p:cNvPr id="6" name="Chart 5">
+            <a:extLst>
+              <a:ext uri="{FF2B5EF4-FFF2-40B4-BE49-F238E27FC236}">
+                <a16:creationId xmlns:a16="http://schemas.microsoft.com/office/drawing/2014/main" id="{94E10428-462A-0084-A3F8-6CC1709023D0}"/>
+              </a:ext>
+            </a:extLst>
+          </p:cNvPr>
+          <p:cNvGraphicFramePr/>
+          <p:nvPr>
+            <p:extLst>
+              <p:ext uri="{D42A27DB-BD31-4B8C-83A1-F6EECF244321}">
+                <p14:modId xmlns:p14="http://schemas.microsoft.com/office/powerpoint/2010/main" val="581206692"/>
+              </p:ext>
+            </p:extLst>
+          </p:nvPr>
+        </p:nvGraphicFramePr>
+        <p:xfrm>
+          <a:off x="615796" y="936038"/>
+          <a:ext cx="4959813" cy="3546087"/>
+        </p:xfrm>
+        <a:graphic>
+          <a:graphicData uri="http://schemas.openxmlformats.org/drawingml/2006/chart">
+            <c:chart xmlns:c="http://schemas.openxmlformats.org/drawingml/2006/chart" xmlns:r="http://schemas.openxmlformats.org/officeDocument/2006/relationships" r:id="rId2"/>
+          </a:graphicData>
+        </a:graphic>
+      </p:graphicFrame>
+      <p:pic>
+        <p:nvPicPr>
+          <p:cNvPr id="8" name="Picture 7">
+            <a:extLst>
+              <a:ext uri="{FF2B5EF4-FFF2-40B4-BE49-F238E27FC236}">
+                <a16:creationId xmlns:a16="http://schemas.microsoft.com/office/drawing/2014/main" id="{E4BEE40F-9AFD-D035-80D7-AFC99E79050A}"/>
+              </a:ext>
+            </a:extLst>
+          </p:cNvPr>
+          <p:cNvPicPr>
+            <a:picLocks noChangeAspect="1"/>
+          </p:cNvPicPr>
+          <p:nvPr/>
+        </p:nvPicPr>
+        <p:blipFill>
+          <a:blip r:embed="rId3">
+            <a:extLst>
+              <a:ext uri="{28A0092B-C50C-407E-A947-70E740481C1C}">
+                <a14:useLocalDpi xmlns:a14="http://schemas.microsoft.com/office/drawing/2010/main" val="0"/>
+              </a:ext>
+            </a:extLst>
+          </a:blip>
+          <a:stretch>
+            <a:fillRect/>
+          </a:stretch>
+        </p:blipFill>
+        <p:spPr>
+          <a:xfrm>
+            <a:off x="6006790" y="980644"/>
+            <a:ext cx="5569414" cy="3435240"/>
+          </a:xfrm>
+          <a:prstGeom prst="rect">
+            <a:avLst/>
+          </a:prstGeom>
+        </p:spPr>
+      </p:pic>
+      <p:sp>
+        <p:nvSpPr>
+          <p:cNvPr id="10" name="TextBox 9">
+            <a:extLst>
+              <a:ext uri="{FF2B5EF4-FFF2-40B4-BE49-F238E27FC236}">
+                <a16:creationId xmlns:a16="http://schemas.microsoft.com/office/drawing/2014/main" id="{1A3DDDA8-DDF2-8E62-5C9E-CCF07362101C}"/>
+              </a:ext>
+            </a:extLst>
+          </p:cNvPr>
+          <p:cNvSpPr txBox="1"/>
+          <p:nvPr/>
+        </p:nvSpPr>
+        <p:spPr>
+          <a:xfrm>
+            <a:off x="615796" y="4688423"/>
+            <a:ext cx="10960408" cy="2031325"/>
+          </a:xfrm>
+          <a:prstGeom prst="rect">
+            <a:avLst/>
+          </a:prstGeom>
+          <a:noFill/>
+        </p:spPr>
+        <p:txBody>
+          <a:bodyPr wrap="square">
+            <a:spAutoFit/>
+          </a:bodyPr>
+          <a:lstStyle/>
+          <a:p>
+            <a:r>
+              <a:rPr lang="en-IN" dirty="0"/>
+              <a:t>The sample dataset consists of 6 columns (individual COT coils). Each columns are highly correlated to each other.</a:t>
+            </a:r>
+          </a:p>
+          <a:p>
+            <a:endParaRPr lang="en-IN" dirty="0"/>
+          </a:p>
+          <a:p>
+            <a:r>
+              <a:rPr lang="en-IN" b="1" dirty="0"/>
+              <a:t>Treatment:</a:t>
+            </a:r>
+          </a:p>
+          <a:p>
+            <a:pPr marL="742950" lvl="1" indent="-285750">
+              <a:buFont typeface="Arial" panose="020B0604020202020204" pitchFamily="34" charset="0"/>
+              <a:buChar char="•"/>
+            </a:pPr>
+            <a:r>
+              <a:rPr lang="en-IN" dirty="0"/>
+              <a:t>Average COT is computed across all the columns.</a:t>
+            </a:r>
+          </a:p>
+          <a:p>
+            <a:pPr marL="742950" lvl="1" indent="-285750">
+              <a:buFont typeface="Arial" panose="020B0604020202020204" pitchFamily="34" charset="0"/>
+              <a:buChar char="•"/>
+            </a:pPr>
+            <a:r>
+              <a:rPr lang="en-IN" dirty="0"/>
+              <a:t>Since Average COT is highly correlated with all individual columns. Hence</a:t>
+            </a:r>
+            <a:r>
+              <a:rPr lang="en-IN" b="1" dirty="0"/>
+              <a:t> </a:t>
+            </a:r>
+            <a:r>
+              <a:rPr lang="en-IN" dirty="0"/>
+              <a:t>individual COT columns are dropped and replaced with Average COT.</a:t>
+            </a:r>
+            <a:endParaRPr lang="en-IN" b="1" dirty="0"/>
+          </a:p>
+          <a:p>
+            <a:r>
+              <a:rPr lang="en-IN" dirty="0"/>
+              <a:t> </a:t>
+            </a:r>
+          </a:p>
+        </p:txBody>
+      </p:sp>
+    </p:spTree>
+    <p:extLst>
+      <p:ext uri="{BB962C8B-B14F-4D97-AF65-F5344CB8AC3E}">
+        <p14:creationId xmlns:p14="http://schemas.microsoft.com/office/powerpoint/2010/main" val="1246954888"/>
       </p:ext>
     </p:extLst>
   </p:cSld>

--- a/CAP_106_Research_Env/EDA_Report/New Microsoft PowerPoint Presentation.pptx
+++ b/CAP_106_Research_Env/EDA_Report/New Microsoft PowerPoint Presentation.pptx
@@ -5,7 +5,7 @@
     <p:sldMasterId id="2147483648" r:id="rId1"/>
   </p:sldMasterIdLst>
   <p:notesMasterIdLst>
-    <p:notesMasterId r:id="rId14"/>
+    <p:notesMasterId r:id="rId20"/>
   </p:notesMasterIdLst>
   <p:sldIdLst>
     <p:sldId id="256" r:id="rId2"/>
@@ -20,6 +20,12 @@
     <p:sldId id="263" r:id="rId11"/>
     <p:sldId id="264" r:id="rId12"/>
     <p:sldId id="265" r:id="rId13"/>
+    <p:sldId id="268" r:id="rId14"/>
+    <p:sldId id="269" r:id="rId15"/>
+    <p:sldId id="270" r:id="rId16"/>
+    <p:sldId id="272" r:id="rId17"/>
+    <p:sldId id="273" r:id="rId18"/>
+    <p:sldId id="274" r:id="rId19"/>
   </p:sldIdLst>
   <p:sldSz cx="12192000" cy="6858000"/>
   <p:notesSz cx="6858000" cy="9144000"/>
@@ -795,22 +801,22 @@
                 <c:formatCode>General</c:formatCode>
                 <c:ptCount val="7"/>
                 <c:pt idx="0">
-                  <c:v>0.97614130029694757</c:v>
+                  <c:v>0.97442271625170396</c:v>
                 </c:pt>
                 <c:pt idx="1">
-                  <c:v>0.97614130029694757</c:v>
+                  <c:v>0.97442271625170396</c:v>
                 </c:pt>
                 <c:pt idx="2">
-                  <c:v>0.9750464023063492</c:v>
+                  <c:v>0.97326127833380538</c:v>
                 </c:pt>
                 <c:pt idx="3">
-                  <c:v>0.95481784985605844</c:v>
+                  <c:v>0.95104449549809622</c:v>
                 </c:pt>
                 <c:pt idx="4">
-                  <c:v>0.95817320922268057</c:v>
+                  <c:v>0.95458436078615316</c:v>
                 </c:pt>
                 <c:pt idx="5">
-                  <c:v>0.92320148688857007</c:v>
+                  <c:v>0.91579244267578419</c:v>
                 </c:pt>
                 <c:pt idx="6">
                   <c:v>1</c:v>
@@ -1219,22 +1225,22 @@
                 <c:formatCode>General</c:formatCode>
                 <c:ptCount val="7"/>
                 <c:pt idx="0">
-                  <c:v>0.99537814167555205</c:v>
+                  <c:v>0.9972195625061524</c:v>
                 </c:pt>
                 <c:pt idx="1">
-                  <c:v>0.99266866445127966</c:v>
+                  <c:v>0.99743706221426365</c:v>
                 </c:pt>
                 <c:pt idx="2">
-                  <c:v>0.99778298017427391</c:v>
+                  <c:v>0.99868858987811404</c:v>
                 </c:pt>
                 <c:pt idx="3">
-                  <c:v>0.9939704784610699</c:v>
+                  <c:v>0.99171515605431992</c:v>
                 </c:pt>
                 <c:pt idx="4">
-                  <c:v>0.99443141025617499</c:v>
+                  <c:v>0.99862100169394608</c:v>
                 </c:pt>
                 <c:pt idx="5">
-                  <c:v>0.99517442390385358</c:v>
+                  <c:v>0.99891354966094748</c:v>
                 </c:pt>
                 <c:pt idx="6">
                   <c:v>1</c:v>
@@ -1643,22 +1649,22 @@
                 <c:formatCode>General</c:formatCode>
                 <c:ptCount val="7"/>
                 <c:pt idx="0">
-                  <c:v>0.97917845081192856</c:v>
+                  <c:v>0.97656662243270453</c:v>
                 </c:pt>
                 <c:pt idx="1">
-                  <c:v>0.97452991870507544</c:v>
+                  <c:v>0.9699058180082526</c:v>
                 </c:pt>
                 <c:pt idx="2">
-                  <c:v>0.98609896135669872</c:v>
+                  <c:v>0.98166582436527439</c:v>
                 </c:pt>
                 <c:pt idx="3">
-                  <c:v>0.96776834630997843</c:v>
+                  <c:v>0.95329013296311771</c:v>
                 </c:pt>
                 <c:pt idx="4">
-                  <c:v>0.97410223696948084</c:v>
+                  <c:v>0.96194049120392988</c:v>
                 </c:pt>
                 <c:pt idx="5">
-                  <c:v>0.96101523547099743</c:v>
+                  <c:v>0.94119444362225324</c:v>
                 </c:pt>
                 <c:pt idx="6">
                   <c:v>1</c:v>
@@ -2075,22 +2081,22 @@
                 <c:formatCode>General</c:formatCode>
                 <c:ptCount val="7"/>
                 <c:pt idx="0">
-                  <c:v>0.91055024507728322</c:v>
+                  <c:v>0.89999950126360173</c:v>
                 </c:pt>
                 <c:pt idx="1">
-                  <c:v>0.96757002710680229</c:v>
+                  <c:v>0.96508189996548954</c:v>
                 </c:pt>
                 <c:pt idx="2">
-                  <c:v>0.91635186449188666</c:v>
+                  <c:v>0.90599704542532922</c:v>
                 </c:pt>
                 <c:pt idx="3">
-                  <c:v>0.93405936273792078</c:v>
+                  <c:v>0.92743748911976576</c:v>
                 </c:pt>
                 <c:pt idx="4">
-                  <c:v>0.94387543353051961</c:v>
+                  <c:v>0.93881619696534657</c:v>
                 </c:pt>
                 <c:pt idx="5">
-                  <c:v>0.91506716405104982</c:v>
+                  <c:v>0.91266856888534353</c:v>
                 </c:pt>
                 <c:pt idx="6">
                   <c:v>1</c:v>
@@ -2525,22 +2531,22 @@
                 <c:formatCode>General</c:formatCode>
                 <c:ptCount val="7"/>
                 <c:pt idx="0">
-                  <c:v>0.82784564256308035</c:v>
+                  <c:v>0.82031289374246363</c:v>
                 </c:pt>
                 <c:pt idx="1">
-                  <c:v>0.87425461631848056</c:v>
+                  <c:v>0.86776000073361648</c:v>
                 </c:pt>
                 <c:pt idx="2">
-                  <c:v>0.96831733310833479</c:v>
+                  <c:v>0.96770299833678985</c:v>
                 </c:pt>
                 <c:pt idx="3">
-                  <c:v>0.81364983678737224</c:v>
+                  <c:v>0.80864640166300417</c:v>
                 </c:pt>
                 <c:pt idx="4">
-                  <c:v>0.77956274286497174</c:v>
+                  <c:v>0.76741951337006598</c:v>
                 </c:pt>
                 <c:pt idx="5">
-                  <c:v>0.92365226152707069</c:v>
+                  <c:v>0.92083878096658178</c:v>
                 </c:pt>
                 <c:pt idx="6">
                   <c:v>1</c:v>
@@ -2609,8 +2615,8 @@
             <c:manualLayout>
               <c:xMode val="edge"/>
               <c:yMode val="edge"/>
-              <c:x val="0.31700086273413935"/>
-              <c:y val="0.89037296603270022"/>
+              <c:x val="0.31187970191618114"/>
+              <c:y val="0.91544285292492833"/>
             </c:manualLayout>
           </c:layout>
           <c:overlay val="0"/>
@@ -2752,6 +2758,1273 @@
         <a:effectLst/>
       </c:spPr>
     </c:plotArea>
+    <c:plotVisOnly val="1"/>
+    <c:dispBlanksAs val="gap"/>
+    <c:extLst>
+      <c:ext xmlns:c16r3="http://schemas.microsoft.com/office/drawing/2017/03/chart" uri="{56B9EC1D-385E-4148-901F-78D8002777C0}">
+        <c16r3:dataDisplayOptions16>
+          <c16r3:dispNaAsBlank val="1"/>
+        </c16r3:dataDisplayOptions16>
+      </c:ext>
+    </c:extLst>
+    <c:showDLblsOverMax val="0"/>
+  </c:chart>
+  <c:spPr>
+    <a:noFill/>
+    <a:ln>
+      <a:noFill/>
+    </a:ln>
+    <a:effectLst/>
+  </c:spPr>
+  <c:txPr>
+    <a:bodyPr/>
+    <a:lstStyle/>
+    <a:p>
+      <a:pPr>
+        <a:defRPr/>
+      </a:pPr>
+      <a:endParaRPr lang="en-US"/>
+    </a:p>
+  </c:txPr>
+  <c:externalData r:id="rId3">
+    <c:autoUpdate val="0"/>
+  </c:externalData>
+</c:chartSpace>
+</file>
+
+<file path=ppt/charts/chart7.xml><?xml version="1.0" encoding="utf-8"?>
+<c:chartSpace xmlns:c="http://schemas.openxmlformats.org/drawingml/2006/chart" xmlns:a="http://schemas.openxmlformats.org/drawingml/2006/main" xmlns:r="http://schemas.openxmlformats.org/officeDocument/2006/relationships" xmlns:c16r2="http://schemas.microsoft.com/office/drawing/2015/06/chart">
+  <c:date1904 val="0"/>
+  <c:lang val="en-US"/>
+  <c:roundedCorners val="0"/>
+  <mc:AlternateContent xmlns:mc="http://schemas.openxmlformats.org/markup-compatibility/2006">
+    <mc:Choice xmlns:c14="http://schemas.microsoft.com/office/drawing/2007/8/2/chart" Requires="c14">
+      <c14:style val="102"/>
+    </mc:Choice>
+    <mc:Fallback>
+      <c:style val="2"/>
+    </mc:Fallback>
+  </mc:AlternateContent>
+  <c:chart>
+    <c:title>
+      <c:tx>
+        <c:rich>
+          <a:bodyPr rot="0" spcFirstLastPara="1" vertOverflow="ellipsis" vert="horz" wrap="square" anchor="ctr" anchorCtr="1"/>
+          <a:lstStyle/>
+          <a:p>
+            <a:pPr>
+              <a:defRPr sz="1862" b="0" i="0" u="none" strike="noStrike" kern="1200" cap="none" spc="20" baseline="0">
+                <a:solidFill>
+                  <a:schemeClr val="tx1">
+                    <a:lumMod val="50000"/>
+                    <a:lumOff val="50000"/>
+                  </a:schemeClr>
+                </a:solidFill>
+                <a:latin typeface="+mn-lt"/>
+                <a:ea typeface="+mn-ea"/>
+                <a:cs typeface="+mn-cs"/>
+              </a:defRPr>
+            </a:pPr>
+            <a:r>
+              <a:rPr lang="en-US" baseline="0" dirty="0"/>
+              <a:t>Feed Temp Correlation Plot</a:t>
+            </a:r>
+            <a:endParaRPr lang="en-US" dirty="0"/>
+          </a:p>
+        </c:rich>
+      </c:tx>
+      <c:layout>
+        <c:manualLayout>
+          <c:xMode val="edge"/>
+          <c:yMode val="edge"/>
+          <c:x val="0.15853967415739478"/>
+          <c:y val="2.0185860470070247E-2"/>
+        </c:manualLayout>
+      </c:layout>
+      <c:overlay val="0"/>
+      <c:spPr>
+        <a:noFill/>
+        <a:ln>
+          <a:solidFill>
+            <a:schemeClr val="tx1"/>
+          </a:solidFill>
+        </a:ln>
+        <a:effectLst/>
+      </c:spPr>
+      <c:txPr>
+        <a:bodyPr rot="0" spcFirstLastPara="1" vertOverflow="ellipsis" vert="horz" wrap="square" anchor="ctr" anchorCtr="1"/>
+        <a:lstStyle/>
+        <a:p>
+          <a:pPr>
+            <a:defRPr sz="1862" b="0" i="0" u="none" strike="noStrike" kern="1200" cap="none" spc="20" baseline="0">
+              <a:solidFill>
+                <a:schemeClr val="tx1">
+                  <a:lumMod val="50000"/>
+                  <a:lumOff val="50000"/>
+                </a:schemeClr>
+              </a:solidFill>
+              <a:latin typeface="+mn-lt"/>
+              <a:ea typeface="+mn-ea"/>
+              <a:cs typeface="+mn-cs"/>
+            </a:defRPr>
+          </a:pPr>
+          <a:endParaRPr lang="en-US"/>
+        </a:p>
+      </c:txPr>
+    </c:title>
+    <c:autoTitleDeleted val="0"/>
+    <c:plotArea>
+      <c:layout>
+        <c:manualLayout>
+          <c:layoutTarget val="inner"/>
+          <c:xMode val="edge"/>
+          <c:yMode val="edge"/>
+          <c:x val="9.2511572837683159E-2"/>
+          <c:y val="0.17561461119783064"/>
+          <c:w val="0.86463251040223366"/>
+          <c:h val="0.53331973168040869"/>
+        </c:manualLayout>
+      </c:layout>
+      <c:barChart>
+        <c:barDir val="col"/>
+        <c:grouping val="clustered"/>
+        <c:varyColors val="0"/>
+        <c:ser>
+          <c:idx val="0"/>
+          <c:order val="0"/>
+          <c:tx>
+            <c:strRef>
+              <c:f>Sheet1!$B$1</c:f>
+              <c:strCache>
+                <c:ptCount val="1"/>
+                <c:pt idx="0">
+                  <c:v>Feed Temp</c:v>
+                </c:pt>
+              </c:strCache>
+            </c:strRef>
+          </c:tx>
+          <c:spPr>
+            <a:gradFill rotWithShape="1">
+              <a:gsLst>
+                <a:gs pos="0">
+                  <a:schemeClr val="accent1">
+                    <a:lumMod val="110000"/>
+                    <a:satMod val="105000"/>
+                    <a:tint val="67000"/>
+                  </a:schemeClr>
+                </a:gs>
+                <a:gs pos="50000">
+                  <a:schemeClr val="accent1">
+                    <a:lumMod val="105000"/>
+                    <a:satMod val="103000"/>
+                    <a:tint val="73000"/>
+                  </a:schemeClr>
+                </a:gs>
+                <a:gs pos="100000">
+                  <a:schemeClr val="accent1">
+                    <a:lumMod val="105000"/>
+                    <a:satMod val="109000"/>
+                    <a:tint val="81000"/>
+                  </a:schemeClr>
+                </a:gs>
+              </a:gsLst>
+              <a:lin ang="5400000" scaled="0"/>
+            </a:gradFill>
+            <a:ln w="9525" cap="flat" cmpd="sng" algn="ctr">
+              <a:solidFill>
+                <a:schemeClr val="accent1">
+                  <a:shade val="95000"/>
+                </a:schemeClr>
+              </a:solidFill>
+              <a:round/>
+            </a:ln>
+            <a:effectLst/>
+          </c:spPr>
+          <c:invertIfNegative val="0"/>
+          <c:cat>
+            <c:strRef>
+              <c:f>Sheet1!$A$2:$A$8</c:f>
+              <c:strCache>
+                <c:ptCount val="2"/>
+                <c:pt idx="0">
+                  <c:v>Feed Temp1</c:v>
+                </c:pt>
+                <c:pt idx="1">
+                  <c:v>Feed Temp2</c:v>
+                </c:pt>
+              </c:strCache>
+            </c:strRef>
+          </c:cat>
+          <c:val>
+            <c:numRef>
+              <c:f>Sheet1!$B$2:$B$8</c:f>
+              <c:numCache>
+                <c:formatCode>General</c:formatCode>
+                <c:ptCount val="7"/>
+                <c:pt idx="0">
+                  <c:v>1</c:v>
+                </c:pt>
+                <c:pt idx="1">
+                  <c:v>9.6866870575433764E-2</c:v>
+                </c:pt>
+              </c:numCache>
+            </c:numRef>
+          </c:val>
+          <c:extLst>
+            <c:ext xmlns:c16="http://schemas.microsoft.com/office/drawing/2014/chart" uri="{C3380CC4-5D6E-409C-BE32-E72D297353CC}">
+              <c16:uniqueId val="{00000000-572F-4FB5-8155-72C9749F354C}"/>
+            </c:ext>
+          </c:extLst>
+        </c:ser>
+        <c:dLbls>
+          <c:showLegendKey val="0"/>
+          <c:showVal val="0"/>
+          <c:showCatName val="0"/>
+          <c:showSerName val="0"/>
+          <c:showPercent val="0"/>
+          <c:showBubbleSize val="0"/>
+        </c:dLbls>
+        <c:gapWidth val="100"/>
+        <c:overlap val="-24"/>
+        <c:axId val="1122707280"/>
+        <c:axId val="1122707696"/>
+      </c:barChart>
+      <c:catAx>
+        <c:axId val="1122707280"/>
+        <c:scaling>
+          <c:orientation val="minMax"/>
+        </c:scaling>
+        <c:delete val="0"/>
+        <c:axPos val="b"/>
+        <c:title>
+          <c:tx>
+            <c:rich>
+              <a:bodyPr rot="0" spcFirstLastPara="1" vertOverflow="ellipsis" vert="horz" wrap="square" anchor="ctr" anchorCtr="1"/>
+              <a:lstStyle/>
+              <a:p>
+                <a:pPr>
+                  <a:defRPr sz="1197" b="0" i="0" u="none" strike="noStrike" kern="1200" cap="all" baseline="0">
+                    <a:solidFill>
+                      <a:schemeClr val="tx1">
+                        <a:lumMod val="50000"/>
+                        <a:lumOff val="50000"/>
+                      </a:schemeClr>
+                    </a:solidFill>
+                    <a:latin typeface="+mn-lt"/>
+                    <a:ea typeface="+mn-ea"/>
+                    <a:cs typeface="+mn-cs"/>
+                  </a:defRPr>
+                </a:pPr>
+                <a:r>
+                  <a:rPr lang="en-IN" dirty="0"/>
+                  <a:t>Correlations</a:t>
+                </a:r>
+                <a:r>
+                  <a:rPr lang="en-IN" baseline="0" dirty="0"/>
+                  <a:t> with Feed temp 1</a:t>
+                </a:r>
+                <a:endParaRPr lang="en-IN" dirty="0"/>
+              </a:p>
+            </c:rich>
+          </c:tx>
+          <c:layout>
+            <c:manualLayout>
+              <c:xMode val="edge"/>
+              <c:yMode val="edge"/>
+              <c:x val="0.21890478186477214"/>
+              <c:y val="0.90656168205668508"/>
+            </c:manualLayout>
+          </c:layout>
+          <c:overlay val="0"/>
+          <c:spPr>
+            <a:noFill/>
+            <a:ln>
+              <a:solidFill>
+                <a:schemeClr val="tx1"/>
+              </a:solidFill>
+            </a:ln>
+            <a:effectLst/>
+          </c:spPr>
+          <c:txPr>
+            <a:bodyPr rot="0" spcFirstLastPara="1" vertOverflow="ellipsis" vert="horz" wrap="square" anchor="ctr" anchorCtr="1"/>
+            <a:lstStyle/>
+            <a:p>
+              <a:pPr>
+                <a:defRPr sz="1197" b="0" i="0" u="none" strike="noStrike" kern="1200" cap="all" baseline="0">
+                  <a:solidFill>
+                    <a:schemeClr val="tx1">
+                      <a:lumMod val="50000"/>
+                      <a:lumOff val="50000"/>
+                    </a:schemeClr>
+                  </a:solidFill>
+                  <a:latin typeface="+mn-lt"/>
+                  <a:ea typeface="+mn-ea"/>
+                  <a:cs typeface="+mn-cs"/>
+                </a:defRPr>
+              </a:pPr>
+              <a:endParaRPr lang="en-US"/>
+            </a:p>
+          </c:txPr>
+        </c:title>
+        <c:numFmt formatCode="General" sourceLinked="1"/>
+        <c:majorTickMark val="none"/>
+        <c:minorTickMark val="none"/>
+        <c:tickLblPos val="nextTo"/>
+        <c:spPr>
+          <a:noFill/>
+          <a:ln w="9525" cap="flat" cmpd="sng" algn="ctr">
+            <a:solidFill>
+              <a:schemeClr val="tx1">
+                <a:lumMod val="15000"/>
+                <a:lumOff val="85000"/>
+              </a:schemeClr>
+            </a:solidFill>
+            <a:round/>
+          </a:ln>
+          <a:effectLst/>
+        </c:spPr>
+        <c:txPr>
+          <a:bodyPr rot="-60000000" spcFirstLastPara="1" vertOverflow="ellipsis" vert="horz" wrap="square" anchor="ctr" anchorCtr="1"/>
+          <a:lstStyle/>
+          <a:p>
+            <a:pPr>
+              <a:defRPr sz="1197" b="0" i="0" u="none" strike="noStrike" kern="1200" baseline="0">
+                <a:solidFill>
+                  <a:schemeClr val="tx1">
+                    <a:lumMod val="50000"/>
+                    <a:lumOff val="50000"/>
+                  </a:schemeClr>
+                </a:solidFill>
+                <a:latin typeface="+mn-lt"/>
+                <a:ea typeface="+mn-ea"/>
+                <a:cs typeface="+mn-cs"/>
+              </a:defRPr>
+            </a:pPr>
+            <a:endParaRPr lang="en-US"/>
+          </a:p>
+        </c:txPr>
+        <c:crossAx val="1122707696"/>
+        <c:crosses val="autoZero"/>
+        <c:auto val="1"/>
+        <c:lblAlgn val="ctr"/>
+        <c:lblOffset val="100"/>
+        <c:noMultiLvlLbl val="0"/>
+      </c:catAx>
+      <c:valAx>
+        <c:axId val="1122707696"/>
+        <c:scaling>
+          <c:orientation val="minMax"/>
+        </c:scaling>
+        <c:delete val="0"/>
+        <c:axPos val="l"/>
+        <c:majorGridlines>
+          <c:spPr>
+            <a:ln w="9525" cap="flat" cmpd="sng" algn="ctr">
+              <a:solidFill>
+                <a:schemeClr val="tx1">
+                  <a:lumMod val="15000"/>
+                  <a:lumOff val="85000"/>
+                </a:schemeClr>
+              </a:solidFill>
+              <a:round/>
+            </a:ln>
+            <a:effectLst/>
+          </c:spPr>
+        </c:majorGridlines>
+        <c:numFmt formatCode="General" sourceLinked="1"/>
+        <c:majorTickMark val="none"/>
+        <c:minorTickMark val="none"/>
+        <c:tickLblPos val="nextTo"/>
+        <c:spPr>
+          <a:noFill/>
+          <a:ln>
+            <a:noFill/>
+          </a:ln>
+          <a:effectLst/>
+        </c:spPr>
+        <c:txPr>
+          <a:bodyPr rot="-60000000" spcFirstLastPara="1" vertOverflow="ellipsis" vert="horz" wrap="square" anchor="ctr" anchorCtr="1"/>
+          <a:lstStyle/>
+          <a:p>
+            <a:pPr>
+              <a:defRPr sz="1197" b="0" i="0" u="none" strike="noStrike" kern="1200" baseline="0">
+                <a:solidFill>
+                  <a:schemeClr val="tx1">
+                    <a:lumMod val="50000"/>
+                    <a:lumOff val="50000"/>
+                  </a:schemeClr>
+                </a:solidFill>
+                <a:latin typeface="+mn-lt"/>
+                <a:ea typeface="+mn-ea"/>
+                <a:cs typeface="+mn-cs"/>
+              </a:defRPr>
+            </a:pPr>
+            <a:endParaRPr lang="en-US"/>
+          </a:p>
+        </c:txPr>
+        <c:crossAx val="1122707280"/>
+        <c:crosses val="autoZero"/>
+        <c:crossBetween val="between"/>
+      </c:valAx>
+      <c:spPr>
+        <a:noFill/>
+        <a:ln>
+          <a:noFill/>
+        </a:ln>
+        <a:effectLst/>
+      </c:spPr>
+    </c:plotArea>
+    <c:plotVisOnly val="1"/>
+    <c:dispBlanksAs val="gap"/>
+    <c:extLst>
+      <c:ext xmlns:c16r3="http://schemas.microsoft.com/office/drawing/2017/03/chart" uri="{56B9EC1D-385E-4148-901F-78D8002777C0}">
+        <c16r3:dataDisplayOptions16>
+          <c16r3:dispNaAsBlank val="1"/>
+        </c16r3:dataDisplayOptions16>
+      </c:ext>
+    </c:extLst>
+    <c:showDLblsOverMax val="0"/>
+  </c:chart>
+  <c:spPr>
+    <a:noFill/>
+    <a:ln>
+      <a:noFill/>
+    </a:ln>
+    <a:effectLst/>
+  </c:spPr>
+  <c:txPr>
+    <a:bodyPr/>
+    <a:lstStyle/>
+    <a:p>
+      <a:pPr>
+        <a:defRPr/>
+      </a:pPr>
+      <a:endParaRPr lang="en-US"/>
+    </a:p>
+  </c:txPr>
+  <c:externalData r:id="rId3">
+    <c:autoUpdate val="0"/>
+  </c:externalData>
+</c:chartSpace>
+</file>
+
+<file path=ppt/charts/chart8.xml><?xml version="1.0" encoding="utf-8"?>
+<c:chartSpace xmlns:c="http://schemas.openxmlformats.org/drawingml/2006/chart" xmlns:a="http://schemas.openxmlformats.org/drawingml/2006/main" xmlns:r="http://schemas.openxmlformats.org/officeDocument/2006/relationships" xmlns:c16r2="http://schemas.microsoft.com/office/drawing/2015/06/chart">
+  <c:date1904 val="0"/>
+  <c:lang val="en-US"/>
+  <c:roundedCorners val="0"/>
+  <mc:AlternateContent xmlns:mc="http://schemas.openxmlformats.org/markup-compatibility/2006">
+    <mc:Choice xmlns:c14="http://schemas.microsoft.com/office/drawing/2007/8/2/chart" Requires="c14">
+      <c14:style val="102"/>
+    </mc:Choice>
+    <mc:Fallback>
+      <c:style val="2"/>
+    </mc:Fallback>
+  </mc:AlternateContent>
+  <c:chart>
+    <c:title>
+      <c:tx>
+        <c:rich>
+          <a:bodyPr rot="0" spcFirstLastPara="1" vertOverflow="ellipsis" vert="horz" wrap="square" anchor="ctr" anchorCtr="1"/>
+          <a:lstStyle/>
+          <a:p>
+            <a:pPr>
+              <a:defRPr sz="1862" b="0" i="0" u="none" strike="noStrike" kern="1200" cap="none" spc="20" baseline="0">
+                <a:solidFill>
+                  <a:schemeClr val="tx1">
+                    <a:lumMod val="50000"/>
+                    <a:lumOff val="50000"/>
+                  </a:schemeClr>
+                </a:solidFill>
+                <a:latin typeface="+mn-lt"/>
+                <a:ea typeface="+mn-ea"/>
+                <a:cs typeface="+mn-cs"/>
+              </a:defRPr>
+            </a:pPr>
+            <a:r>
+              <a:rPr lang="en-US" dirty="0"/>
+              <a:t>TMT</a:t>
+            </a:r>
+            <a:r>
+              <a:rPr lang="en-US" baseline="0" dirty="0"/>
+              <a:t> Correlation Plot</a:t>
+            </a:r>
+            <a:endParaRPr lang="en-US" dirty="0"/>
+          </a:p>
+        </c:rich>
+      </c:tx>
+      <c:overlay val="0"/>
+      <c:spPr>
+        <a:noFill/>
+        <a:ln>
+          <a:solidFill>
+            <a:schemeClr val="tx1"/>
+          </a:solidFill>
+        </a:ln>
+        <a:effectLst/>
+      </c:spPr>
+      <c:txPr>
+        <a:bodyPr rot="0" spcFirstLastPara="1" vertOverflow="ellipsis" vert="horz" wrap="square" anchor="ctr" anchorCtr="1"/>
+        <a:lstStyle/>
+        <a:p>
+          <a:pPr>
+            <a:defRPr sz="1862" b="0" i="0" u="none" strike="noStrike" kern="1200" cap="none" spc="20" baseline="0">
+              <a:solidFill>
+                <a:schemeClr val="tx1">
+                  <a:lumMod val="50000"/>
+                  <a:lumOff val="50000"/>
+                </a:schemeClr>
+              </a:solidFill>
+              <a:latin typeface="+mn-lt"/>
+              <a:ea typeface="+mn-ea"/>
+              <a:cs typeface="+mn-cs"/>
+            </a:defRPr>
+          </a:pPr>
+          <a:endParaRPr lang="en-US"/>
+        </a:p>
+      </c:txPr>
+    </c:title>
+    <c:autoTitleDeleted val="0"/>
+    <c:plotArea>
+      <c:layout/>
+      <c:barChart>
+        <c:barDir val="col"/>
+        <c:grouping val="clustered"/>
+        <c:varyColors val="0"/>
+        <c:ser>
+          <c:idx val="0"/>
+          <c:order val="0"/>
+          <c:tx>
+            <c:strRef>
+              <c:f>Sheet1!$B$1</c:f>
+              <c:strCache>
+                <c:ptCount val="1"/>
+                <c:pt idx="0">
+                  <c:v>Max TMT</c:v>
+                </c:pt>
+              </c:strCache>
+            </c:strRef>
+          </c:tx>
+          <c:spPr>
+            <a:gradFill rotWithShape="1">
+              <a:gsLst>
+                <a:gs pos="0">
+                  <a:schemeClr val="accent1">
+                    <a:lumMod val="110000"/>
+                    <a:satMod val="105000"/>
+                    <a:tint val="67000"/>
+                  </a:schemeClr>
+                </a:gs>
+                <a:gs pos="50000">
+                  <a:schemeClr val="accent1">
+                    <a:lumMod val="105000"/>
+                    <a:satMod val="103000"/>
+                    <a:tint val="73000"/>
+                  </a:schemeClr>
+                </a:gs>
+                <a:gs pos="100000">
+                  <a:schemeClr val="accent1">
+                    <a:lumMod val="105000"/>
+                    <a:satMod val="109000"/>
+                    <a:tint val="81000"/>
+                  </a:schemeClr>
+                </a:gs>
+              </a:gsLst>
+              <a:lin ang="5400000" scaled="0"/>
+            </a:gradFill>
+            <a:ln w="9525" cap="flat" cmpd="sng" algn="ctr">
+              <a:solidFill>
+                <a:schemeClr val="accent1">
+                  <a:shade val="95000"/>
+                </a:schemeClr>
+              </a:solidFill>
+              <a:round/>
+            </a:ln>
+            <a:effectLst/>
+          </c:spPr>
+          <c:invertIfNegative val="0"/>
+          <c:cat>
+            <c:strRef>
+              <c:f>Sheet1!$A$2:$A$8</c:f>
+              <c:strCache>
+                <c:ptCount val="7"/>
+                <c:pt idx="0">
+                  <c:v>Max TMT</c:v>
+                </c:pt>
+                <c:pt idx="1">
+                  <c:v>Coil 1</c:v>
+                </c:pt>
+                <c:pt idx="2">
+                  <c:v>Coil 2</c:v>
+                </c:pt>
+                <c:pt idx="3">
+                  <c:v>Coil 3</c:v>
+                </c:pt>
+                <c:pt idx="4">
+                  <c:v>Coil 4</c:v>
+                </c:pt>
+                <c:pt idx="5">
+                  <c:v>Coil 5</c:v>
+                </c:pt>
+                <c:pt idx="6">
+                  <c:v>Coil 6</c:v>
+                </c:pt>
+              </c:strCache>
+            </c:strRef>
+          </c:cat>
+          <c:val>
+            <c:numRef>
+              <c:f>Sheet1!$B$2:$B$8</c:f>
+              <c:numCache>
+                <c:formatCode>General</c:formatCode>
+                <c:ptCount val="7"/>
+                <c:pt idx="0">
+                  <c:v>1</c:v>
+                </c:pt>
+                <c:pt idx="1">
+                  <c:v>0.98873573664182757</c:v>
+                </c:pt>
+                <c:pt idx="2">
+                  <c:v>0.98785547390690343</c:v>
+                </c:pt>
+                <c:pt idx="3">
+                  <c:v>0.9907922725893713</c:v>
+                </c:pt>
+                <c:pt idx="4">
+                  <c:v>0.98763416313538888</c:v>
+                </c:pt>
+                <c:pt idx="5">
+                  <c:v>0.98947296768802551</c:v>
+                </c:pt>
+                <c:pt idx="6">
+                  <c:v>0.99278896286545326</c:v>
+                </c:pt>
+              </c:numCache>
+            </c:numRef>
+          </c:val>
+          <c:extLst>
+            <c:ext xmlns:c16="http://schemas.microsoft.com/office/drawing/2014/chart" uri="{C3380CC4-5D6E-409C-BE32-E72D297353CC}">
+              <c16:uniqueId val="{00000000-AE8B-44C3-8670-0BFE3C6E3C9B}"/>
+            </c:ext>
+          </c:extLst>
+        </c:ser>
+        <c:dLbls>
+          <c:showLegendKey val="0"/>
+          <c:showVal val="0"/>
+          <c:showCatName val="0"/>
+          <c:showSerName val="0"/>
+          <c:showPercent val="0"/>
+          <c:showBubbleSize val="0"/>
+        </c:dLbls>
+        <c:gapWidth val="100"/>
+        <c:overlap val="-24"/>
+        <c:axId val="1122707280"/>
+        <c:axId val="1122707696"/>
+      </c:barChart>
+      <c:catAx>
+        <c:axId val="1122707280"/>
+        <c:scaling>
+          <c:orientation val="minMax"/>
+        </c:scaling>
+        <c:delete val="0"/>
+        <c:axPos val="b"/>
+        <c:title>
+          <c:tx>
+            <c:rich>
+              <a:bodyPr rot="0" spcFirstLastPara="1" vertOverflow="ellipsis" vert="horz" wrap="square" anchor="ctr" anchorCtr="1"/>
+              <a:lstStyle/>
+              <a:p>
+                <a:pPr>
+                  <a:defRPr sz="1197" b="0" i="0" u="none" strike="noStrike" kern="1200" cap="all" baseline="0">
+                    <a:solidFill>
+                      <a:schemeClr val="tx1">
+                        <a:lumMod val="50000"/>
+                        <a:lumOff val="50000"/>
+                      </a:schemeClr>
+                    </a:solidFill>
+                    <a:latin typeface="+mn-lt"/>
+                    <a:ea typeface="+mn-ea"/>
+                    <a:cs typeface="+mn-cs"/>
+                  </a:defRPr>
+                </a:pPr>
+                <a:r>
+                  <a:rPr lang="en-IN" dirty="0"/>
+                  <a:t>Correlations</a:t>
+                </a:r>
+                <a:r>
+                  <a:rPr lang="en-IN" baseline="0" dirty="0"/>
+                  <a:t> with </a:t>
+                </a:r>
+                <a:r>
+                  <a:rPr lang="en-IN" baseline="0" dirty="0" err="1"/>
+                  <a:t>tMT</a:t>
+                </a:r>
+                <a:endParaRPr lang="en-IN" dirty="0"/>
+              </a:p>
+            </c:rich>
+          </c:tx>
+          <c:overlay val="0"/>
+          <c:spPr>
+            <a:noFill/>
+            <a:ln>
+              <a:solidFill>
+                <a:schemeClr val="tx1"/>
+              </a:solidFill>
+            </a:ln>
+            <a:effectLst/>
+          </c:spPr>
+          <c:txPr>
+            <a:bodyPr rot="0" spcFirstLastPara="1" vertOverflow="ellipsis" vert="horz" wrap="square" anchor="ctr" anchorCtr="1"/>
+            <a:lstStyle/>
+            <a:p>
+              <a:pPr>
+                <a:defRPr sz="1197" b="0" i="0" u="none" strike="noStrike" kern="1200" cap="all" baseline="0">
+                  <a:solidFill>
+                    <a:schemeClr val="tx1">
+                      <a:lumMod val="50000"/>
+                      <a:lumOff val="50000"/>
+                    </a:schemeClr>
+                  </a:solidFill>
+                  <a:latin typeface="+mn-lt"/>
+                  <a:ea typeface="+mn-ea"/>
+                  <a:cs typeface="+mn-cs"/>
+                </a:defRPr>
+              </a:pPr>
+              <a:endParaRPr lang="en-US"/>
+            </a:p>
+          </c:txPr>
+        </c:title>
+        <c:numFmt formatCode="General" sourceLinked="1"/>
+        <c:majorTickMark val="none"/>
+        <c:minorTickMark val="none"/>
+        <c:tickLblPos val="nextTo"/>
+        <c:spPr>
+          <a:noFill/>
+          <a:ln w="9525" cap="flat" cmpd="sng" algn="ctr">
+            <a:solidFill>
+              <a:schemeClr val="tx1">
+                <a:lumMod val="15000"/>
+                <a:lumOff val="85000"/>
+              </a:schemeClr>
+            </a:solidFill>
+            <a:round/>
+          </a:ln>
+          <a:effectLst/>
+        </c:spPr>
+        <c:txPr>
+          <a:bodyPr rot="-60000000" spcFirstLastPara="1" vertOverflow="ellipsis" vert="horz" wrap="square" anchor="ctr" anchorCtr="1"/>
+          <a:lstStyle/>
+          <a:p>
+            <a:pPr>
+              <a:defRPr sz="1197" b="0" i="0" u="none" strike="noStrike" kern="1200" baseline="0">
+                <a:solidFill>
+                  <a:schemeClr val="tx1">
+                    <a:lumMod val="50000"/>
+                    <a:lumOff val="50000"/>
+                  </a:schemeClr>
+                </a:solidFill>
+                <a:latin typeface="+mn-lt"/>
+                <a:ea typeface="+mn-ea"/>
+                <a:cs typeface="+mn-cs"/>
+              </a:defRPr>
+            </a:pPr>
+            <a:endParaRPr lang="en-US"/>
+          </a:p>
+        </c:txPr>
+        <c:crossAx val="1122707696"/>
+        <c:crosses val="autoZero"/>
+        <c:auto val="1"/>
+        <c:lblAlgn val="ctr"/>
+        <c:lblOffset val="100"/>
+        <c:noMultiLvlLbl val="0"/>
+      </c:catAx>
+      <c:valAx>
+        <c:axId val="1122707696"/>
+        <c:scaling>
+          <c:orientation val="minMax"/>
+        </c:scaling>
+        <c:delete val="0"/>
+        <c:axPos val="l"/>
+        <c:majorGridlines>
+          <c:spPr>
+            <a:ln w="9525" cap="flat" cmpd="sng" algn="ctr">
+              <a:solidFill>
+                <a:schemeClr val="tx1">
+                  <a:lumMod val="15000"/>
+                  <a:lumOff val="85000"/>
+                </a:schemeClr>
+              </a:solidFill>
+              <a:round/>
+            </a:ln>
+            <a:effectLst/>
+          </c:spPr>
+        </c:majorGridlines>
+        <c:numFmt formatCode="General" sourceLinked="1"/>
+        <c:majorTickMark val="none"/>
+        <c:minorTickMark val="none"/>
+        <c:tickLblPos val="nextTo"/>
+        <c:spPr>
+          <a:noFill/>
+          <a:ln>
+            <a:noFill/>
+          </a:ln>
+          <a:effectLst/>
+        </c:spPr>
+        <c:txPr>
+          <a:bodyPr rot="-60000000" spcFirstLastPara="1" vertOverflow="ellipsis" vert="horz" wrap="square" anchor="ctr" anchorCtr="1"/>
+          <a:lstStyle/>
+          <a:p>
+            <a:pPr>
+              <a:defRPr sz="1197" b="0" i="0" u="none" strike="noStrike" kern="1200" baseline="0">
+                <a:solidFill>
+                  <a:schemeClr val="tx1">
+                    <a:lumMod val="50000"/>
+                    <a:lumOff val="50000"/>
+                  </a:schemeClr>
+                </a:solidFill>
+                <a:latin typeface="+mn-lt"/>
+                <a:ea typeface="+mn-ea"/>
+                <a:cs typeface="+mn-cs"/>
+              </a:defRPr>
+            </a:pPr>
+            <a:endParaRPr lang="en-US"/>
+          </a:p>
+        </c:txPr>
+        <c:crossAx val="1122707280"/>
+        <c:crosses val="autoZero"/>
+        <c:crossBetween val="between"/>
+      </c:valAx>
+      <c:spPr>
+        <a:noFill/>
+        <a:ln>
+          <a:noFill/>
+        </a:ln>
+        <a:effectLst/>
+      </c:spPr>
+    </c:plotArea>
+    <c:plotVisOnly val="1"/>
+    <c:dispBlanksAs val="gap"/>
+    <c:extLst>
+      <c:ext xmlns:c16r3="http://schemas.microsoft.com/office/drawing/2017/03/chart" uri="{56B9EC1D-385E-4148-901F-78D8002777C0}">
+        <c16r3:dataDisplayOptions16>
+          <c16r3:dispNaAsBlank val="1"/>
+        </c16r3:dataDisplayOptions16>
+      </c:ext>
+    </c:extLst>
+    <c:showDLblsOverMax val="0"/>
+  </c:chart>
+  <c:spPr>
+    <a:noFill/>
+    <a:ln>
+      <a:noFill/>
+    </a:ln>
+    <a:effectLst/>
+  </c:spPr>
+  <c:txPr>
+    <a:bodyPr/>
+    <a:lstStyle/>
+    <a:p>
+      <a:pPr>
+        <a:defRPr/>
+      </a:pPr>
+      <a:endParaRPr lang="en-US"/>
+    </a:p>
+  </c:txPr>
+  <c:externalData r:id="rId3">
+    <c:autoUpdate val="0"/>
+  </c:externalData>
+</c:chartSpace>
+</file>
+
+<file path=ppt/charts/chart9.xml><?xml version="1.0" encoding="utf-8"?>
+<c:chartSpace xmlns:c="http://schemas.openxmlformats.org/drawingml/2006/chart" xmlns:a="http://schemas.openxmlformats.org/drawingml/2006/main" xmlns:r="http://schemas.openxmlformats.org/officeDocument/2006/relationships" xmlns:c16r2="http://schemas.microsoft.com/office/drawing/2015/06/chart">
+  <c:date1904 val="0"/>
+  <c:lang val="en-US"/>
+  <c:roundedCorners val="0"/>
+  <mc:AlternateContent xmlns:mc="http://schemas.openxmlformats.org/markup-compatibility/2006">
+    <mc:Choice xmlns:c14="http://schemas.microsoft.com/office/drawing/2007/8/2/chart" Requires="c14">
+      <c14:style val="102"/>
+    </mc:Choice>
+    <mc:Fallback>
+      <c:style val="2"/>
+    </mc:Fallback>
+  </mc:AlternateContent>
+  <c:chart>
+    <c:title>
+      <c:overlay val="0"/>
+      <c:spPr>
+        <a:noFill/>
+        <a:ln>
+          <a:noFill/>
+        </a:ln>
+        <a:effectLst/>
+      </c:spPr>
+      <c:txPr>
+        <a:bodyPr rot="0" spcFirstLastPara="1" vertOverflow="ellipsis" vert="horz" wrap="square" anchor="ctr" anchorCtr="1"/>
+        <a:lstStyle/>
+        <a:p>
+          <a:pPr>
+            <a:defRPr sz="1862" b="0" i="0" u="none" strike="noStrike" kern="1200" spc="0" baseline="0">
+              <a:solidFill>
+                <a:schemeClr val="tx1">
+                  <a:lumMod val="65000"/>
+                  <a:lumOff val="35000"/>
+                </a:schemeClr>
+              </a:solidFill>
+              <a:latin typeface="+mn-lt"/>
+              <a:ea typeface="+mn-ea"/>
+              <a:cs typeface="+mn-cs"/>
+            </a:defRPr>
+          </a:pPr>
+          <a:endParaRPr lang="en-US"/>
+        </a:p>
+      </c:txPr>
+    </c:title>
+    <c:autoTitleDeleted val="0"/>
+    <c:plotArea>
+      <c:layout/>
+      <c:barChart>
+        <c:barDir val="col"/>
+        <c:grouping val="clustered"/>
+        <c:varyColors val="0"/>
+        <c:ser>
+          <c:idx val="0"/>
+          <c:order val="0"/>
+          <c:tx>
+            <c:strRef>
+              <c:f>Sheet1!$B$1</c:f>
+              <c:strCache>
+                <c:ptCount val="1"/>
+                <c:pt idx="0">
+                  <c:v>Max TMT</c:v>
+                </c:pt>
+              </c:strCache>
+            </c:strRef>
+          </c:tx>
+          <c:spPr>
+            <a:solidFill>
+              <a:schemeClr val="accent1"/>
+            </a:solidFill>
+            <a:ln>
+              <a:noFill/>
+            </a:ln>
+            <a:effectLst/>
+          </c:spPr>
+          <c:invertIfNegative val="0"/>
+          <c:cat>
+            <c:strRef>
+              <c:f>Sheet1!$A$2:$A$23</c:f>
+              <c:strCache>
+                <c:ptCount val="22"/>
+                <c:pt idx="0">
+                  <c:v>CrossOverTemp_Coil3</c:v>
+                </c:pt>
+                <c:pt idx="1">
+                  <c:v>BFW Rate</c:v>
+                </c:pt>
+                <c:pt idx="2">
+                  <c:v>Feed Temp1</c:v>
+                </c:pt>
+                <c:pt idx="3">
+                  <c:v>Feed Temp2</c:v>
+                </c:pt>
+                <c:pt idx="4">
+                  <c:v>CrossOverTemp_Coil1</c:v>
+                </c:pt>
+                <c:pt idx="5">
+                  <c:v>CrossOverTemp_Coil5</c:v>
+                </c:pt>
+                <c:pt idx="6">
+                  <c:v>CrossOverTemp_Coil2</c:v>
+                </c:pt>
+                <c:pt idx="7">
+                  <c:v>CrossOverTemp_Coil4</c:v>
+                </c:pt>
+                <c:pt idx="8">
+                  <c:v>DS Temp</c:v>
+                </c:pt>
+                <c:pt idx="9">
+                  <c:v>Ground_Fuel_Gas_Flow</c:v>
+                </c:pt>
+                <c:pt idx="10">
+                  <c:v>Wall_Fuel_Gas_Flow</c:v>
+                </c:pt>
+                <c:pt idx="11">
+                  <c:v>CrossOverTemp_Coil6</c:v>
+                </c:pt>
+                <c:pt idx="12">
+                  <c:v>Total_Ds_Ratio</c:v>
+                </c:pt>
+                <c:pt idx="13">
+                  <c:v>Total_Naphtha_Feed</c:v>
+                </c:pt>
+                <c:pt idx="14">
+                  <c:v>O2</c:v>
+                </c:pt>
+                <c:pt idx="15">
+                  <c:v>CIP1</c:v>
+                </c:pt>
+                <c:pt idx="16">
+                  <c:v>Avg_COT</c:v>
+                </c:pt>
+                <c:pt idx="17">
+                  <c:v>CIP6</c:v>
+                </c:pt>
+                <c:pt idx="18">
+                  <c:v>CIP4</c:v>
+                </c:pt>
+                <c:pt idx="19">
+                  <c:v>CIP3</c:v>
+                </c:pt>
+                <c:pt idx="20">
+                  <c:v>CIP5</c:v>
+                </c:pt>
+                <c:pt idx="21">
+                  <c:v>CIP2</c:v>
+                </c:pt>
+              </c:strCache>
+            </c:strRef>
+          </c:cat>
+          <c:val>
+            <c:numRef>
+              <c:f>Sheet1!$B$2:$B$23</c:f>
+              <c:numCache>
+                <c:formatCode>General</c:formatCode>
+                <c:ptCount val="22"/>
+                <c:pt idx="0">
+                  <c:v>1.830378137478007E-2</c:v>
+                </c:pt>
+                <c:pt idx="1">
+                  <c:v>2.431726545046459E-2</c:v>
+                </c:pt>
+                <c:pt idx="2">
+                  <c:v>4.767828225790921E-2</c:v>
+                </c:pt>
+                <c:pt idx="3">
+                  <c:v>5.7289381795746712E-2</c:v>
+                </c:pt>
+                <c:pt idx="4">
+                  <c:v>0.1257937332864679</c:v>
+                </c:pt>
+                <c:pt idx="5">
+                  <c:v>0.14016206546248339</c:v>
+                </c:pt>
+                <c:pt idx="6">
+                  <c:v>0.15432637679499789</c:v>
+                </c:pt>
+                <c:pt idx="7">
+                  <c:v>0.1790542329577795</c:v>
+                </c:pt>
+                <c:pt idx="8">
+                  <c:v>0.21582950512501611</c:v>
+                </c:pt>
+                <c:pt idx="9">
+                  <c:v>0.27983345309733298</c:v>
+                </c:pt>
+                <c:pt idx="10">
+                  <c:v>0.31581926722642811</c:v>
+                </c:pt>
+                <c:pt idx="11">
+                  <c:v>0.33165610700531573</c:v>
+                </c:pt>
+                <c:pt idx="12">
+                  <c:v>0.36734305378657361</c:v>
+                </c:pt>
+                <c:pt idx="13">
+                  <c:v>0.38275144040653819</c:v>
+                </c:pt>
+                <c:pt idx="14">
+                  <c:v>0.4018559214750263</c:v>
+                </c:pt>
+                <c:pt idx="15">
+                  <c:v>0.42904365915435999</c:v>
+                </c:pt>
+                <c:pt idx="16">
+                  <c:v>0.44613291462655291</c:v>
+                </c:pt>
+                <c:pt idx="17">
+                  <c:v>0.51093429607076624</c:v>
+                </c:pt>
+                <c:pt idx="18">
+                  <c:v>0.55032703186440779</c:v>
+                </c:pt>
+                <c:pt idx="19">
+                  <c:v>0.61421627024409031</c:v>
+                </c:pt>
+                <c:pt idx="20">
+                  <c:v>0.63263954710313142</c:v>
+                </c:pt>
+                <c:pt idx="21">
+                  <c:v>0.64934506786153068</c:v>
+                </c:pt>
+              </c:numCache>
+            </c:numRef>
+          </c:val>
+          <c:extLst>
+            <c:ext xmlns:c16="http://schemas.microsoft.com/office/drawing/2014/chart" uri="{C3380CC4-5D6E-409C-BE32-E72D297353CC}">
+              <c16:uniqueId val="{00000000-1421-4E8F-9127-7BDC1FBE5F5D}"/>
+            </c:ext>
+          </c:extLst>
+        </c:ser>
+        <c:dLbls>
+          <c:showLegendKey val="0"/>
+          <c:showVal val="0"/>
+          <c:showCatName val="0"/>
+          <c:showSerName val="0"/>
+          <c:showPercent val="0"/>
+          <c:showBubbleSize val="0"/>
+        </c:dLbls>
+        <c:gapWidth val="219"/>
+        <c:overlap val="-27"/>
+        <c:axId val="1412139855"/>
+        <c:axId val="1412144431"/>
+      </c:barChart>
+      <c:catAx>
+        <c:axId val="1412139855"/>
+        <c:scaling>
+          <c:orientation val="minMax"/>
+        </c:scaling>
+        <c:delete val="0"/>
+        <c:axPos val="b"/>
+        <c:numFmt formatCode="General" sourceLinked="1"/>
+        <c:majorTickMark val="none"/>
+        <c:minorTickMark val="none"/>
+        <c:tickLblPos val="nextTo"/>
+        <c:spPr>
+          <a:noFill/>
+          <a:ln w="9525" cap="flat" cmpd="sng" algn="ctr">
+            <a:solidFill>
+              <a:schemeClr val="tx1">
+                <a:lumMod val="15000"/>
+                <a:lumOff val="85000"/>
+              </a:schemeClr>
+            </a:solidFill>
+            <a:round/>
+          </a:ln>
+          <a:effectLst/>
+        </c:spPr>
+        <c:txPr>
+          <a:bodyPr rot="-60000000" spcFirstLastPara="1" vertOverflow="ellipsis" vert="horz" wrap="square" anchor="ctr" anchorCtr="1"/>
+          <a:lstStyle/>
+          <a:p>
+            <a:pPr>
+              <a:defRPr sz="1197" b="0" i="0" u="none" strike="noStrike" kern="1200" baseline="0">
+                <a:solidFill>
+                  <a:schemeClr val="tx1">
+                    <a:lumMod val="65000"/>
+                    <a:lumOff val="35000"/>
+                  </a:schemeClr>
+                </a:solidFill>
+                <a:latin typeface="+mn-lt"/>
+                <a:ea typeface="+mn-ea"/>
+                <a:cs typeface="+mn-cs"/>
+              </a:defRPr>
+            </a:pPr>
+            <a:endParaRPr lang="en-US"/>
+          </a:p>
+        </c:txPr>
+        <c:crossAx val="1412144431"/>
+        <c:crosses val="autoZero"/>
+        <c:auto val="1"/>
+        <c:lblAlgn val="ctr"/>
+        <c:lblOffset val="100"/>
+        <c:noMultiLvlLbl val="0"/>
+      </c:catAx>
+      <c:valAx>
+        <c:axId val="1412144431"/>
+        <c:scaling>
+          <c:orientation val="minMax"/>
+        </c:scaling>
+        <c:delete val="0"/>
+        <c:axPos val="l"/>
+        <c:majorGridlines>
+          <c:spPr>
+            <a:ln w="9525" cap="flat" cmpd="sng" algn="ctr">
+              <a:solidFill>
+                <a:schemeClr val="tx1">
+                  <a:lumMod val="15000"/>
+                  <a:lumOff val="85000"/>
+                </a:schemeClr>
+              </a:solidFill>
+              <a:round/>
+            </a:ln>
+            <a:effectLst/>
+          </c:spPr>
+        </c:majorGridlines>
+        <c:numFmt formatCode="General" sourceLinked="1"/>
+        <c:majorTickMark val="none"/>
+        <c:minorTickMark val="none"/>
+        <c:tickLblPos val="nextTo"/>
+        <c:spPr>
+          <a:noFill/>
+          <a:ln>
+            <a:noFill/>
+          </a:ln>
+          <a:effectLst/>
+        </c:spPr>
+        <c:txPr>
+          <a:bodyPr rot="-60000000" spcFirstLastPara="1" vertOverflow="ellipsis" vert="horz" wrap="square" anchor="ctr" anchorCtr="1"/>
+          <a:lstStyle/>
+          <a:p>
+            <a:pPr>
+              <a:defRPr sz="1197" b="0" i="0" u="none" strike="noStrike" kern="1200" baseline="0">
+                <a:solidFill>
+                  <a:schemeClr val="tx1">
+                    <a:lumMod val="65000"/>
+                    <a:lumOff val="35000"/>
+                  </a:schemeClr>
+                </a:solidFill>
+                <a:latin typeface="+mn-lt"/>
+                <a:ea typeface="+mn-ea"/>
+                <a:cs typeface="+mn-cs"/>
+              </a:defRPr>
+            </a:pPr>
+            <a:endParaRPr lang="en-US"/>
+          </a:p>
+        </c:txPr>
+        <c:crossAx val="1412139855"/>
+        <c:crosses val="autoZero"/>
+        <c:crossBetween val="between"/>
+      </c:valAx>
+      <c:spPr>
+        <a:noFill/>
+        <a:ln>
+          <a:noFill/>
+        </a:ln>
+        <a:effectLst/>
+      </c:spPr>
+    </c:plotArea>
+    <c:legend>
+      <c:legendPos val="b"/>
+      <c:overlay val="0"/>
+      <c:spPr>
+        <a:noFill/>
+        <a:ln>
+          <a:noFill/>
+        </a:ln>
+        <a:effectLst/>
+      </c:spPr>
+      <c:txPr>
+        <a:bodyPr rot="0" spcFirstLastPara="1" vertOverflow="ellipsis" vert="horz" wrap="square" anchor="ctr" anchorCtr="1"/>
+        <a:lstStyle/>
+        <a:p>
+          <a:pPr>
+            <a:defRPr sz="1197" b="0" i="0" u="none" strike="noStrike" kern="1200" baseline="0">
+              <a:solidFill>
+                <a:schemeClr val="tx1">
+                  <a:lumMod val="65000"/>
+                  <a:lumOff val="35000"/>
+                </a:schemeClr>
+              </a:solidFill>
+              <a:latin typeface="+mn-lt"/>
+              <a:ea typeface="+mn-ea"/>
+              <a:cs typeface="+mn-cs"/>
+            </a:defRPr>
+          </a:pPr>
+          <a:endParaRPr lang="en-US"/>
+        </a:p>
+      </c:txPr>
+    </c:legend>
     <c:plotVisOnly val="1"/>
     <c:dispBlanksAs val="gap"/>
     <c:extLst>
@@ -3026,6 +4299,126 @@
 </cs:colorStyle>
 </file>
 
+<file path=ppt/charts/colors7.xml><?xml version="1.0" encoding="utf-8"?>
+<cs:colorStyle xmlns:cs="http://schemas.microsoft.com/office/drawing/2012/chartStyle" xmlns:a="http://schemas.openxmlformats.org/drawingml/2006/main" meth="cycle" id="10">
+  <a:schemeClr val="accent1"/>
+  <a:schemeClr val="accent2"/>
+  <a:schemeClr val="accent3"/>
+  <a:schemeClr val="accent4"/>
+  <a:schemeClr val="accent5"/>
+  <a:schemeClr val="accent6"/>
+  <cs:variation/>
+  <cs:variation>
+    <a:lumMod val="60000"/>
+  </cs:variation>
+  <cs:variation>
+    <a:lumMod val="80000"/>
+    <a:lumOff val="20000"/>
+  </cs:variation>
+  <cs:variation>
+    <a:lumMod val="80000"/>
+  </cs:variation>
+  <cs:variation>
+    <a:lumMod val="60000"/>
+    <a:lumOff val="40000"/>
+  </cs:variation>
+  <cs:variation>
+    <a:lumMod val="50000"/>
+  </cs:variation>
+  <cs:variation>
+    <a:lumMod val="70000"/>
+    <a:lumOff val="30000"/>
+  </cs:variation>
+  <cs:variation>
+    <a:lumMod val="70000"/>
+  </cs:variation>
+  <cs:variation>
+    <a:lumMod val="50000"/>
+    <a:lumOff val="50000"/>
+  </cs:variation>
+</cs:colorStyle>
+</file>
+
+<file path=ppt/charts/colors8.xml><?xml version="1.0" encoding="utf-8"?>
+<cs:colorStyle xmlns:cs="http://schemas.microsoft.com/office/drawing/2012/chartStyle" xmlns:a="http://schemas.openxmlformats.org/drawingml/2006/main" meth="cycle" id="10">
+  <a:schemeClr val="accent1"/>
+  <a:schemeClr val="accent2"/>
+  <a:schemeClr val="accent3"/>
+  <a:schemeClr val="accent4"/>
+  <a:schemeClr val="accent5"/>
+  <a:schemeClr val="accent6"/>
+  <cs:variation/>
+  <cs:variation>
+    <a:lumMod val="60000"/>
+  </cs:variation>
+  <cs:variation>
+    <a:lumMod val="80000"/>
+    <a:lumOff val="20000"/>
+  </cs:variation>
+  <cs:variation>
+    <a:lumMod val="80000"/>
+  </cs:variation>
+  <cs:variation>
+    <a:lumMod val="60000"/>
+    <a:lumOff val="40000"/>
+  </cs:variation>
+  <cs:variation>
+    <a:lumMod val="50000"/>
+  </cs:variation>
+  <cs:variation>
+    <a:lumMod val="70000"/>
+    <a:lumOff val="30000"/>
+  </cs:variation>
+  <cs:variation>
+    <a:lumMod val="70000"/>
+  </cs:variation>
+  <cs:variation>
+    <a:lumMod val="50000"/>
+    <a:lumOff val="50000"/>
+  </cs:variation>
+</cs:colorStyle>
+</file>
+
+<file path=ppt/charts/colors9.xml><?xml version="1.0" encoding="utf-8"?>
+<cs:colorStyle xmlns:cs="http://schemas.microsoft.com/office/drawing/2012/chartStyle" xmlns:a="http://schemas.openxmlformats.org/drawingml/2006/main" meth="cycle" id="10">
+  <a:schemeClr val="accent1"/>
+  <a:schemeClr val="accent2"/>
+  <a:schemeClr val="accent3"/>
+  <a:schemeClr val="accent4"/>
+  <a:schemeClr val="accent5"/>
+  <a:schemeClr val="accent6"/>
+  <cs:variation/>
+  <cs:variation>
+    <a:lumMod val="60000"/>
+  </cs:variation>
+  <cs:variation>
+    <a:lumMod val="80000"/>
+    <a:lumOff val="20000"/>
+  </cs:variation>
+  <cs:variation>
+    <a:lumMod val="80000"/>
+  </cs:variation>
+  <cs:variation>
+    <a:lumMod val="60000"/>
+    <a:lumOff val="40000"/>
+  </cs:variation>
+  <cs:variation>
+    <a:lumMod val="50000"/>
+  </cs:variation>
+  <cs:variation>
+    <a:lumMod val="70000"/>
+    <a:lumOff val="30000"/>
+  </cs:variation>
+  <cs:variation>
+    <a:lumMod val="70000"/>
+  </cs:variation>
+  <cs:variation>
+    <a:lumMod val="50000"/>
+    <a:lumOff val="50000"/>
+  </cs:variation>
+</cs:colorStyle>
+</file>
+
 <file path=ppt/charts/style1.xml><?xml version="1.0" encoding="utf-8"?>
 <cs:chartStyle xmlns:cs="http://schemas.microsoft.com/office/drawing/2012/chartStyle" xmlns:a="http://schemas.openxmlformats.org/drawingml/2006/main" id="206">
   <cs:axisTitle>
@@ -6172,6 +7565,1559 @@
     <cs:fontRef idx="minor">
       <a:schemeClr val="dk1"/>
     </cs:fontRef>
+  </cs:wall>
+</cs:chartStyle>
+</file>
+
+<file path=ppt/charts/style7.xml><?xml version="1.0" encoding="utf-8"?>
+<cs:chartStyle xmlns:cs="http://schemas.microsoft.com/office/drawing/2012/chartStyle" xmlns:a="http://schemas.openxmlformats.org/drawingml/2006/main" id="206">
+  <cs:axisTitle>
+    <cs:lnRef idx="0"/>
+    <cs:fillRef idx="0"/>
+    <cs:effectRef idx="0"/>
+    <cs:fontRef idx="minor">
+      <a:schemeClr val="tx1">
+        <a:lumMod val="50000"/>
+        <a:lumOff val="50000"/>
+      </a:schemeClr>
+    </cs:fontRef>
+    <cs:defRPr sz="1197" kern="1200" cap="all"/>
+  </cs:axisTitle>
+  <cs:categoryAxis>
+    <cs:lnRef idx="0"/>
+    <cs:fillRef idx="0"/>
+    <cs:effectRef idx="0"/>
+    <cs:fontRef idx="minor">
+      <a:schemeClr val="tx1">
+        <a:lumMod val="50000"/>
+        <a:lumOff val="50000"/>
+      </a:schemeClr>
+    </cs:fontRef>
+    <cs:spPr>
+      <a:ln w="9525" cap="flat" cmpd="sng" algn="ctr">
+        <a:solidFill>
+          <a:schemeClr val="tx1">
+            <a:lumMod val="15000"/>
+            <a:lumOff val="85000"/>
+          </a:schemeClr>
+        </a:solidFill>
+        <a:round/>
+      </a:ln>
+    </cs:spPr>
+    <cs:defRPr sz="1197" kern="1200"/>
+  </cs:categoryAxis>
+  <cs:chartArea mods="allowNoFillOverride allowNoLineOverride">
+    <cs:lnRef idx="0"/>
+    <cs:fillRef idx="0"/>
+    <cs:effectRef idx="0"/>
+    <cs:fontRef idx="minor">
+      <a:schemeClr val="dk1"/>
+    </cs:fontRef>
+    <cs:spPr>
+      <a:solidFill>
+        <a:schemeClr val="bg1"/>
+      </a:solidFill>
+      <a:ln w="9525" cap="flat" cmpd="sng" algn="ctr">
+        <a:solidFill>
+          <a:schemeClr val="tx1">
+            <a:lumMod val="15000"/>
+            <a:lumOff val="85000"/>
+          </a:schemeClr>
+        </a:solidFill>
+        <a:round/>
+      </a:ln>
+    </cs:spPr>
+    <cs:defRPr sz="1197" kern="1200"/>
+  </cs:chartArea>
+  <cs:dataLabel>
+    <cs:lnRef idx="0"/>
+    <cs:fillRef idx="0"/>
+    <cs:effectRef idx="0"/>
+    <cs:fontRef idx="minor">
+      <a:schemeClr val="tx1">
+        <a:lumMod val="50000"/>
+        <a:lumOff val="50000"/>
+      </a:schemeClr>
+    </cs:fontRef>
+    <cs:defRPr sz="1197" kern="1200"/>
+  </cs:dataLabel>
+  <cs:dataLabelCallout>
+    <cs:lnRef idx="0"/>
+    <cs:fillRef idx="0"/>
+    <cs:effectRef idx="0"/>
+    <cs:fontRef idx="minor">
+      <a:schemeClr val="dk1">
+        <a:lumMod val="65000"/>
+        <a:lumOff val="35000"/>
+      </a:schemeClr>
+    </cs:fontRef>
+    <cs:spPr>
+      <a:solidFill>
+        <a:schemeClr val="lt1"/>
+      </a:solidFill>
+      <a:ln>
+        <a:solidFill>
+          <a:schemeClr val="dk1">
+            <a:lumMod val="25000"/>
+            <a:lumOff val="75000"/>
+          </a:schemeClr>
+        </a:solidFill>
+      </a:ln>
+    </cs:spPr>
+    <cs:defRPr sz="1197" kern="1200"/>
+    <cs:bodyPr rot="0" spcFirstLastPara="1" vertOverflow="clip" horzOverflow="clip" vert="horz" wrap="square" lIns="36576" tIns="18288" rIns="36576" bIns="18288" anchor="ctr" anchorCtr="1">
+      <a:spAutoFit/>
+    </cs:bodyPr>
+  </cs:dataLabelCallout>
+  <cs:dataPoint>
+    <cs:lnRef idx="0">
+      <cs:styleClr val="auto"/>
+    </cs:lnRef>
+    <cs:fillRef idx="2">
+      <cs:styleClr val="auto"/>
+    </cs:fillRef>
+    <cs:effectRef idx="1"/>
+    <cs:fontRef idx="minor">
+      <a:schemeClr val="dk1"/>
+    </cs:fontRef>
+    <cs:spPr>
+      <a:ln w="9525" cap="flat" cmpd="sng" algn="ctr">
+        <a:solidFill>
+          <a:schemeClr val="phClr">
+            <a:shade val="95000"/>
+          </a:schemeClr>
+        </a:solidFill>
+        <a:round/>
+      </a:ln>
+    </cs:spPr>
+  </cs:dataPoint>
+  <cs:dataPoint3D>
+    <cs:lnRef idx="0">
+      <cs:styleClr val="auto"/>
+    </cs:lnRef>
+    <cs:fillRef idx="2">
+      <cs:styleClr val="auto"/>
+    </cs:fillRef>
+    <cs:effectRef idx="1"/>
+    <cs:fontRef idx="minor">
+      <a:schemeClr val="dk1"/>
+    </cs:fontRef>
+    <cs:spPr>
+      <a:ln w="9525" cap="flat" cmpd="sng" algn="ctr">
+        <a:solidFill>
+          <a:schemeClr val="phClr">
+            <a:shade val="95000"/>
+          </a:schemeClr>
+        </a:solidFill>
+        <a:round/>
+      </a:ln>
+    </cs:spPr>
+  </cs:dataPoint3D>
+  <cs:dataPointLine>
+    <cs:lnRef idx="0">
+      <cs:styleClr val="auto"/>
+    </cs:lnRef>
+    <cs:fillRef idx="2">
+      <cs:styleClr val="auto"/>
+    </cs:fillRef>
+    <cs:effectRef idx="1"/>
+    <cs:fontRef idx="minor">
+      <a:schemeClr val="dk1"/>
+    </cs:fontRef>
+    <cs:spPr>
+      <a:ln w="15875" cap="rnd">
+        <a:solidFill>
+          <a:schemeClr val="phClr"/>
+        </a:solidFill>
+        <a:round/>
+      </a:ln>
+    </cs:spPr>
+  </cs:dataPointLine>
+  <cs:dataPointMarker>
+    <cs:lnRef idx="0">
+      <cs:styleClr val="auto"/>
+    </cs:lnRef>
+    <cs:fillRef idx="2">
+      <cs:styleClr val="auto"/>
+    </cs:fillRef>
+    <cs:effectRef idx="1"/>
+    <cs:fontRef idx="minor">
+      <a:schemeClr val="dk1"/>
+    </cs:fontRef>
+    <cs:spPr>
+      <a:ln w="9525" cap="flat" cmpd="sng" algn="ctr">
+        <a:solidFill>
+          <a:schemeClr val="phClr">
+            <a:shade val="95000"/>
+          </a:schemeClr>
+        </a:solidFill>
+        <a:round/>
+      </a:ln>
+    </cs:spPr>
+  </cs:dataPointMarker>
+  <cs:dataPointMarkerLayout symbol="circle" size="4"/>
+  <cs:dataPointWireframe>
+    <cs:lnRef idx="0">
+      <cs:styleClr val="auto"/>
+    </cs:lnRef>
+    <cs:fillRef idx="2"/>
+    <cs:effectRef idx="0"/>
+    <cs:fontRef idx="minor">
+      <a:schemeClr val="dk1"/>
+    </cs:fontRef>
+    <cs:spPr>
+      <a:ln w="9525" cap="rnd">
+        <a:solidFill>
+          <a:schemeClr val="phClr"/>
+        </a:solidFill>
+        <a:round/>
+      </a:ln>
+    </cs:spPr>
+  </cs:dataPointWireframe>
+  <cs:dataTable>
+    <cs:lnRef idx="0"/>
+    <cs:fillRef idx="0"/>
+    <cs:effectRef idx="0"/>
+    <cs:fontRef idx="minor">
+      <a:schemeClr val="tx1">
+        <a:lumMod val="50000"/>
+        <a:lumOff val="50000"/>
+      </a:schemeClr>
+    </cs:fontRef>
+    <cs:spPr>
+      <a:ln w="9525">
+        <a:solidFill>
+          <a:schemeClr val="tx1">
+            <a:lumMod val="15000"/>
+            <a:lumOff val="85000"/>
+          </a:schemeClr>
+        </a:solidFill>
+      </a:ln>
+    </cs:spPr>
+    <cs:defRPr sz="1197" kern="1200"/>
+  </cs:dataTable>
+  <cs:downBar>
+    <cs:lnRef idx="0"/>
+    <cs:fillRef idx="0"/>
+    <cs:effectRef idx="0"/>
+    <cs:fontRef idx="minor">
+      <a:schemeClr val="dk1"/>
+    </cs:fontRef>
+    <cs:spPr>
+      <a:solidFill>
+        <a:schemeClr val="dk1">
+          <a:lumMod val="75000"/>
+          <a:lumOff val="25000"/>
+        </a:schemeClr>
+      </a:solidFill>
+      <a:ln w="9525">
+        <a:solidFill>
+          <a:schemeClr val="tx1">
+            <a:lumMod val="50000"/>
+            <a:lumOff val="50000"/>
+          </a:schemeClr>
+        </a:solidFill>
+      </a:ln>
+    </cs:spPr>
+  </cs:downBar>
+  <cs:dropLine>
+    <cs:lnRef idx="0"/>
+    <cs:fillRef idx="0"/>
+    <cs:effectRef idx="0"/>
+    <cs:fontRef idx="minor">
+      <a:schemeClr val="dk1"/>
+    </cs:fontRef>
+    <cs:spPr>
+      <a:ln w="9525">
+        <a:solidFill>
+          <a:schemeClr val="tx1">
+            <a:lumMod val="35000"/>
+            <a:lumOff val="65000"/>
+          </a:schemeClr>
+        </a:solidFill>
+        <a:prstDash val="dash"/>
+      </a:ln>
+    </cs:spPr>
+  </cs:dropLine>
+  <cs:errorBar>
+    <cs:lnRef idx="0"/>
+    <cs:fillRef idx="0"/>
+    <cs:effectRef idx="0"/>
+    <cs:fontRef idx="minor">
+      <a:schemeClr val="dk1"/>
+    </cs:fontRef>
+    <cs:spPr>
+      <a:ln w="9525">
+        <a:solidFill>
+          <a:schemeClr val="tx1">
+            <a:lumMod val="50000"/>
+            <a:lumOff val="50000"/>
+          </a:schemeClr>
+        </a:solidFill>
+      </a:ln>
+    </cs:spPr>
+  </cs:errorBar>
+  <cs:floor>
+    <cs:lnRef idx="0"/>
+    <cs:fillRef idx="0"/>
+    <cs:effectRef idx="0"/>
+    <cs:fontRef idx="minor">
+      <a:schemeClr val="dk1"/>
+    </cs:fontRef>
+  </cs:floor>
+  <cs:gridlineMajor>
+    <cs:lnRef idx="0"/>
+    <cs:fillRef idx="0"/>
+    <cs:effectRef idx="0"/>
+    <cs:fontRef idx="minor">
+      <a:schemeClr val="dk1"/>
+    </cs:fontRef>
+    <cs:spPr>
+      <a:ln w="9525" cap="flat" cmpd="sng" algn="ctr">
+        <a:solidFill>
+          <a:schemeClr val="tx1">
+            <a:lumMod val="15000"/>
+            <a:lumOff val="85000"/>
+          </a:schemeClr>
+        </a:solidFill>
+        <a:round/>
+      </a:ln>
+    </cs:spPr>
+  </cs:gridlineMajor>
+  <cs:gridlineMinor>
+    <cs:lnRef idx="0"/>
+    <cs:fillRef idx="0"/>
+    <cs:effectRef idx="0"/>
+    <cs:fontRef idx="minor">
+      <a:schemeClr val="dk1"/>
+    </cs:fontRef>
+    <cs:spPr>
+      <a:ln>
+        <a:solidFill>
+          <a:schemeClr val="tx1">
+            <a:lumMod val="5000"/>
+            <a:lumOff val="95000"/>
+          </a:schemeClr>
+        </a:solidFill>
+      </a:ln>
+    </cs:spPr>
+  </cs:gridlineMinor>
+  <cs:hiLoLine>
+    <cs:lnRef idx="0"/>
+    <cs:fillRef idx="0"/>
+    <cs:effectRef idx="0"/>
+    <cs:fontRef idx="minor">
+      <a:schemeClr val="dk1"/>
+    </cs:fontRef>
+    <cs:spPr>
+      <a:ln w="9525">
+        <a:solidFill>
+          <a:schemeClr val="tx1">
+            <a:lumMod val="50000"/>
+            <a:lumOff val="50000"/>
+          </a:schemeClr>
+        </a:solidFill>
+        <a:prstDash val="dash"/>
+      </a:ln>
+    </cs:spPr>
+  </cs:hiLoLine>
+  <cs:leaderLine>
+    <cs:lnRef idx="0"/>
+    <cs:fillRef idx="0"/>
+    <cs:effectRef idx="0"/>
+    <cs:fontRef idx="minor">
+      <a:schemeClr val="dk1"/>
+    </cs:fontRef>
+    <cs:spPr>
+      <a:ln w="9525">
+        <a:solidFill>
+          <a:schemeClr val="tx1">
+            <a:lumMod val="35000"/>
+            <a:lumOff val="65000"/>
+          </a:schemeClr>
+        </a:solidFill>
+      </a:ln>
+    </cs:spPr>
+  </cs:leaderLine>
+  <cs:legend>
+    <cs:lnRef idx="0"/>
+    <cs:fillRef idx="0"/>
+    <cs:effectRef idx="0"/>
+    <cs:fontRef idx="minor">
+      <a:schemeClr val="tx1">
+        <a:lumMod val="50000"/>
+        <a:lumOff val="50000"/>
+      </a:schemeClr>
+    </cs:fontRef>
+    <cs:defRPr sz="1197" kern="1200"/>
+  </cs:legend>
+  <cs:plotArea mods="allowNoFillOverride allowNoLineOverride">
+    <cs:lnRef idx="0"/>
+    <cs:fillRef idx="0"/>
+    <cs:effectRef idx="0"/>
+    <cs:fontRef idx="minor">
+      <a:schemeClr val="dk1"/>
+    </cs:fontRef>
+  </cs:plotArea>
+  <cs:plotArea3D mods="allowNoFillOverride allowNoLineOverride">
+    <cs:lnRef idx="0"/>
+    <cs:fillRef idx="0"/>
+    <cs:effectRef idx="0"/>
+    <cs:fontRef idx="minor">
+      <a:schemeClr val="dk1"/>
+    </cs:fontRef>
+  </cs:plotArea3D>
+  <cs:seriesAxis>
+    <cs:lnRef idx="0"/>
+    <cs:fillRef idx="0"/>
+    <cs:effectRef idx="0"/>
+    <cs:fontRef idx="minor">
+      <a:schemeClr val="tx1">
+        <a:lumMod val="50000"/>
+        <a:lumOff val="50000"/>
+      </a:schemeClr>
+    </cs:fontRef>
+    <cs:spPr>
+      <a:ln w="9525" cap="flat" cmpd="sng" algn="ctr">
+        <a:solidFill>
+          <a:schemeClr val="tx1">
+            <a:lumMod val="15000"/>
+            <a:lumOff val="85000"/>
+          </a:schemeClr>
+        </a:solidFill>
+        <a:round/>
+      </a:ln>
+    </cs:spPr>
+    <cs:defRPr sz="1197" kern="1200"/>
+  </cs:seriesAxis>
+  <cs:seriesLine>
+    <cs:lnRef idx="0"/>
+    <cs:fillRef idx="0"/>
+    <cs:effectRef idx="0"/>
+    <cs:fontRef idx="minor">
+      <a:schemeClr val="dk1"/>
+    </cs:fontRef>
+    <cs:spPr>
+      <a:ln w="9525">
+        <a:solidFill>
+          <a:schemeClr val="tx1">
+            <a:lumMod val="35000"/>
+            <a:lumOff val="65000"/>
+          </a:schemeClr>
+        </a:solidFill>
+        <a:prstDash val="dash"/>
+      </a:ln>
+    </cs:spPr>
+  </cs:seriesLine>
+  <cs:title>
+    <cs:lnRef idx="0"/>
+    <cs:fillRef idx="0"/>
+    <cs:effectRef idx="0"/>
+    <cs:fontRef idx="minor">
+      <a:schemeClr val="tx1">
+        <a:lumMod val="50000"/>
+        <a:lumOff val="50000"/>
+      </a:schemeClr>
+    </cs:fontRef>
+    <cs:defRPr sz="1862" kern="1200" cap="none" spc="20" baseline="0"/>
+  </cs:title>
+  <cs:trendline>
+    <cs:lnRef idx="0">
+      <cs:styleClr val="auto"/>
+    </cs:lnRef>
+    <cs:fillRef idx="2"/>
+    <cs:effectRef idx="0"/>
+    <cs:fontRef idx="minor">
+      <a:schemeClr val="dk1"/>
+    </cs:fontRef>
+    <cs:spPr>
+      <a:ln w="9525" cap="rnd">
+        <a:solidFill>
+          <a:schemeClr val="phClr"/>
+        </a:solidFill>
+      </a:ln>
+    </cs:spPr>
+  </cs:trendline>
+  <cs:trendlineLabel>
+    <cs:lnRef idx="0"/>
+    <cs:fillRef idx="0"/>
+    <cs:effectRef idx="0"/>
+    <cs:fontRef idx="minor">
+      <a:schemeClr val="tx1">
+        <a:lumMod val="50000"/>
+        <a:lumOff val="50000"/>
+      </a:schemeClr>
+    </cs:fontRef>
+    <cs:defRPr sz="1197" kern="1200"/>
+  </cs:trendlineLabel>
+  <cs:upBar>
+    <cs:lnRef idx="0"/>
+    <cs:fillRef idx="0"/>
+    <cs:effectRef idx="0"/>
+    <cs:fontRef idx="minor">
+      <a:schemeClr val="dk1"/>
+    </cs:fontRef>
+    <cs:spPr>
+      <a:solidFill>
+        <a:schemeClr val="lt1"/>
+      </a:solidFill>
+      <a:ln w="9525">
+        <a:solidFill>
+          <a:schemeClr val="tx1">
+            <a:lumMod val="50000"/>
+            <a:lumOff val="50000"/>
+          </a:schemeClr>
+        </a:solidFill>
+      </a:ln>
+    </cs:spPr>
+  </cs:upBar>
+  <cs:valueAxis>
+    <cs:lnRef idx="0"/>
+    <cs:fillRef idx="0"/>
+    <cs:effectRef idx="0"/>
+    <cs:fontRef idx="minor">
+      <a:schemeClr val="tx1">
+        <a:lumMod val="50000"/>
+        <a:lumOff val="50000"/>
+      </a:schemeClr>
+    </cs:fontRef>
+    <cs:defRPr sz="1197" kern="1200"/>
+  </cs:valueAxis>
+  <cs:wall>
+    <cs:lnRef idx="0"/>
+    <cs:fillRef idx="0"/>
+    <cs:effectRef idx="0"/>
+    <cs:fontRef idx="minor">
+      <a:schemeClr val="dk1"/>
+    </cs:fontRef>
+  </cs:wall>
+</cs:chartStyle>
+</file>
+
+<file path=ppt/charts/style8.xml><?xml version="1.0" encoding="utf-8"?>
+<cs:chartStyle xmlns:cs="http://schemas.microsoft.com/office/drawing/2012/chartStyle" xmlns:a="http://schemas.openxmlformats.org/drawingml/2006/main" id="206">
+  <cs:axisTitle>
+    <cs:lnRef idx="0"/>
+    <cs:fillRef idx="0"/>
+    <cs:effectRef idx="0"/>
+    <cs:fontRef idx="minor">
+      <a:schemeClr val="tx1">
+        <a:lumMod val="50000"/>
+        <a:lumOff val="50000"/>
+      </a:schemeClr>
+    </cs:fontRef>
+    <cs:defRPr sz="1197" kern="1200" cap="all"/>
+  </cs:axisTitle>
+  <cs:categoryAxis>
+    <cs:lnRef idx="0"/>
+    <cs:fillRef idx="0"/>
+    <cs:effectRef idx="0"/>
+    <cs:fontRef idx="minor">
+      <a:schemeClr val="tx1">
+        <a:lumMod val="50000"/>
+        <a:lumOff val="50000"/>
+      </a:schemeClr>
+    </cs:fontRef>
+    <cs:spPr>
+      <a:ln w="9525" cap="flat" cmpd="sng" algn="ctr">
+        <a:solidFill>
+          <a:schemeClr val="tx1">
+            <a:lumMod val="15000"/>
+            <a:lumOff val="85000"/>
+          </a:schemeClr>
+        </a:solidFill>
+        <a:round/>
+      </a:ln>
+    </cs:spPr>
+    <cs:defRPr sz="1197" kern="1200"/>
+  </cs:categoryAxis>
+  <cs:chartArea mods="allowNoFillOverride allowNoLineOverride">
+    <cs:lnRef idx="0"/>
+    <cs:fillRef idx="0"/>
+    <cs:effectRef idx="0"/>
+    <cs:fontRef idx="minor">
+      <a:schemeClr val="dk1"/>
+    </cs:fontRef>
+    <cs:spPr>
+      <a:solidFill>
+        <a:schemeClr val="bg1"/>
+      </a:solidFill>
+      <a:ln w="9525" cap="flat" cmpd="sng" algn="ctr">
+        <a:solidFill>
+          <a:schemeClr val="tx1">
+            <a:lumMod val="15000"/>
+            <a:lumOff val="85000"/>
+          </a:schemeClr>
+        </a:solidFill>
+        <a:round/>
+      </a:ln>
+    </cs:spPr>
+    <cs:defRPr sz="1197" kern="1200"/>
+  </cs:chartArea>
+  <cs:dataLabel>
+    <cs:lnRef idx="0"/>
+    <cs:fillRef idx="0"/>
+    <cs:effectRef idx="0"/>
+    <cs:fontRef idx="minor">
+      <a:schemeClr val="tx1">
+        <a:lumMod val="50000"/>
+        <a:lumOff val="50000"/>
+      </a:schemeClr>
+    </cs:fontRef>
+    <cs:defRPr sz="1197" kern="1200"/>
+  </cs:dataLabel>
+  <cs:dataLabelCallout>
+    <cs:lnRef idx="0"/>
+    <cs:fillRef idx="0"/>
+    <cs:effectRef idx="0"/>
+    <cs:fontRef idx="minor">
+      <a:schemeClr val="dk1">
+        <a:lumMod val="65000"/>
+        <a:lumOff val="35000"/>
+      </a:schemeClr>
+    </cs:fontRef>
+    <cs:spPr>
+      <a:solidFill>
+        <a:schemeClr val="lt1"/>
+      </a:solidFill>
+      <a:ln>
+        <a:solidFill>
+          <a:schemeClr val="dk1">
+            <a:lumMod val="25000"/>
+            <a:lumOff val="75000"/>
+          </a:schemeClr>
+        </a:solidFill>
+      </a:ln>
+    </cs:spPr>
+    <cs:defRPr sz="1197" kern="1200"/>
+    <cs:bodyPr rot="0" spcFirstLastPara="1" vertOverflow="clip" horzOverflow="clip" vert="horz" wrap="square" lIns="36576" tIns="18288" rIns="36576" bIns="18288" anchor="ctr" anchorCtr="1">
+      <a:spAutoFit/>
+    </cs:bodyPr>
+  </cs:dataLabelCallout>
+  <cs:dataPoint>
+    <cs:lnRef idx="0">
+      <cs:styleClr val="auto"/>
+    </cs:lnRef>
+    <cs:fillRef idx="2">
+      <cs:styleClr val="auto"/>
+    </cs:fillRef>
+    <cs:effectRef idx="1"/>
+    <cs:fontRef idx="minor">
+      <a:schemeClr val="dk1"/>
+    </cs:fontRef>
+    <cs:spPr>
+      <a:ln w="9525" cap="flat" cmpd="sng" algn="ctr">
+        <a:solidFill>
+          <a:schemeClr val="phClr">
+            <a:shade val="95000"/>
+          </a:schemeClr>
+        </a:solidFill>
+        <a:round/>
+      </a:ln>
+    </cs:spPr>
+  </cs:dataPoint>
+  <cs:dataPoint3D>
+    <cs:lnRef idx="0">
+      <cs:styleClr val="auto"/>
+    </cs:lnRef>
+    <cs:fillRef idx="2">
+      <cs:styleClr val="auto"/>
+    </cs:fillRef>
+    <cs:effectRef idx="1"/>
+    <cs:fontRef idx="minor">
+      <a:schemeClr val="dk1"/>
+    </cs:fontRef>
+    <cs:spPr>
+      <a:ln w="9525" cap="flat" cmpd="sng" algn="ctr">
+        <a:solidFill>
+          <a:schemeClr val="phClr">
+            <a:shade val="95000"/>
+          </a:schemeClr>
+        </a:solidFill>
+        <a:round/>
+      </a:ln>
+    </cs:spPr>
+  </cs:dataPoint3D>
+  <cs:dataPointLine>
+    <cs:lnRef idx="0">
+      <cs:styleClr val="auto"/>
+    </cs:lnRef>
+    <cs:fillRef idx="2">
+      <cs:styleClr val="auto"/>
+    </cs:fillRef>
+    <cs:effectRef idx="1"/>
+    <cs:fontRef idx="minor">
+      <a:schemeClr val="dk1"/>
+    </cs:fontRef>
+    <cs:spPr>
+      <a:ln w="15875" cap="rnd">
+        <a:solidFill>
+          <a:schemeClr val="phClr"/>
+        </a:solidFill>
+        <a:round/>
+      </a:ln>
+    </cs:spPr>
+  </cs:dataPointLine>
+  <cs:dataPointMarker>
+    <cs:lnRef idx="0">
+      <cs:styleClr val="auto"/>
+    </cs:lnRef>
+    <cs:fillRef idx="2">
+      <cs:styleClr val="auto"/>
+    </cs:fillRef>
+    <cs:effectRef idx="1"/>
+    <cs:fontRef idx="minor">
+      <a:schemeClr val="dk1"/>
+    </cs:fontRef>
+    <cs:spPr>
+      <a:ln w="9525" cap="flat" cmpd="sng" algn="ctr">
+        <a:solidFill>
+          <a:schemeClr val="phClr">
+            <a:shade val="95000"/>
+          </a:schemeClr>
+        </a:solidFill>
+        <a:round/>
+      </a:ln>
+    </cs:spPr>
+  </cs:dataPointMarker>
+  <cs:dataPointMarkerLayout symbol="circle" size="4"/>
+  <cs:dataPointWireframe>
+    <cs:lnRef idx="0">
+      <cs:styleClr val="auto"/>
+    </cs:lnRef>
+    <cs:fillRef idx="2"/>
+    <cs:effectRef idx="0"/>
+    <cs:fontRef idx="minor">
+      <a:schemeClr val="dk1"/>
+    </cs:fontRef>
+    <cs:spPr>
+      <a:ln w="9525" cap="rnd">
+        <a:solidFill>
+          <a:schemeClr val="phClr"/>
+        </a:solidFill>
+        <a:round/>
+      </a:ln>
+    </cs:spPr>
+  </cs:dataPointWireframe>
+  <cs:dataTable>
+    <cs:lnRef idx="0"/>
+    <cs:fillRef idx="0"/>
+    <cs:effectRef idx="0"/>
+    <cs:fontRef idx="minor">
+      <a:schemeClr val="tx1">
+        <a:lumMod val="50000"/>
+        <a:lumOff val="50000"/>
+      </a:schemeClr>
+    </cs:fontRef>
+    <cs:spPr>
+      <a:ln w="9525">
+        <a:solidFill>
+          <a:schemeClr val="tx1">
+            <a:lumMod val="15000"/>
+            <a:lumOff val="85000"/>
+          </a:schemeClr>
+        </a:solidFill>
+      </a:ln>
+    </cs:spPr>
+    <cs:defRPr sz="1197" kern="1200"/>
+  </cs:dataTable>
+  <cs:downBar>
+    <cs:lnRef idx="0"/>
+    <cs:fillRef idx="0"/>
+    <cs:effectRef idx="0"/>
+    <cs:fontRef idx="minor">
+      <a:schemeClr val="dk1"/>
+    </cs:fontRef>
+    <cs:spPr>
+      <a:solidFill>
+        <a:schemeClr val="dk1">
+          <a:lumMod val="75000"/>
+          <a:lumOff val="25000"/>
+        </a:schemeClr>
+      </a:solidFill>
+      <a:ln w="9525">
+        <a:solidFill>
+          <a:schemeClr val="tx1">
+            <a:lumMod val="50000"/>
+            <a:lumOff val="50000"/>
+          </a:schemeClr>
+        </a:solidFill>
+      </a:ln>
+    </cs:spPr>
+  </cs:downBar>
+  <cs:dropLine>
+    <cs:lnRef idx="0"/>
+    <cs:fillRef idx="0"/>
+    <cs:effectRef idx="0"/>
+    <cs:fontRef idx="minor">
+      <a:schemeClr val="dk1"/>
+    </cs:fontRef>
+    <cs:spPr>
+      <a:ln w="9525">
+        <a:solidFill>
+          <a:schemeClr val="tx1">
+            <a:lumMod val="35000"/>
+            <a:lumOff val="65000"/>
+          </a:schemeClr>
+        </a:solidFill>
+        <a:prstDash val="dash"/>
+      </a:ln>
+    </cs:spPr>
+  </cs:dropLine>
+  <cs:errorBar>
+    <cs:lnRef idx="0"/>
+    <cs:fillRef idx="0"/>
+    <cs:effectRef idx="0"/>
+    <cs:fontRef idx="minor">
+      <a:schemeClr val="dk1"/>
+    </cs:fontRef>
+    <cs:spPr>
+      <a:ln w="9525">
+        <a:solidFill>
+          <a:schemeClr val="tx1">
+            <a:lumMod val="50000"/>
+            <a:lumOff val="50000"/>
+          </a:schemeClr>
+        </a:solidFill>
+      </a:ln>
+    </cs:spPr>
+  </cs:errorBar>
+  <cs:floor>
+    <cs:lnRef idx="0"/>
+    <cs:fillRef idx="0"/>
+    <cs:effectRef idx="0"/>
+    <cs:fontRef idx="minor">
+      <a:schemeClr val="dk1"/>
+    </cs:fontRef>
+  </cs:floor>
+  <cs:gridlineMajor>
+    <cs:lnRef idx="0"/>
+    <cs:fillRef idx="0"/>
+    <cs:effectRef idx="0"/>
+    <cs:fontRef idx="minor">
+      <a:schemeClr val="dk1"/>
+    </cs:fontRef>
+    <cs:spPr>
+      <a:ln w="9525" cap="flat" cmpd="sng" algn="ctr">
+        <a:solidFill>
+          <a:schemeClr val="tx1">
+            <a:lumMod val="15000"/>
+            <a:lumOff val="85000"/>
+          </a:schemeClr>
+        </a:solidFill>
+        <a:round/>
+      </a:ln>
+    </cs:spPr>
+  </cs:gridlineMajor>
+  <cs:gridlineMinor>
+    <cs:lnRef idx="0"/>
+    <cs:fillRef idx="0"/>
+    <cs:effectRef idx="0"/>
+    <cs:fontRef idx="minor">
+      <a:schemeClr val="dk1"/>
+    </cs:fontRef>
+    <cs:spPr>
+      <a:ln>
+        <a:solidFill>
+          <a:schemeClr val="tx1">
+            <a:lumMod val="5000"/>
+            <a:lumOff val="95000"/>
+          </a:schemeClr>
+        </a:solidFill>
+      </a:ln>
+    </cs:spPr>
+  </cs:gridlineMinor>
+  <cs:hiLoLine>
+    <cs:lnRef idx="0"/>
+    <cs:fillRef idx="0"/>
+    <cs:effectRef idx="0"/>
+    <cs:fontRef idx="minor">
+      <a:schemeClr val="dk1"/>
+    </cs:fontRef>
+    <cs:spPr>
+      <a:ln w="9525">
+        <a:solidFill>
+          <a:schemeClr val="tx1">
+            <a:lumMod val="50000"/>
+            <a:lumOff val="50000"/>
+          </a:schemeClr>
+        </a:solidFill>
+        <a:prstDash val="dash"/>
+      </a:ln>
+    </cs:spPr>
+  </cs:hiLoLine>
+  <cs:leaderLine>
+    <cs:lnRef idx="0"/>
+    <cs:fillRef idx="0"/>
+    <cs:effectRef idx="0"/>
+    <cs:fontRef idx="minor">
+      <a:schemeClr val="dk1"/>
+    </cs:fontRef>
+    <cs:spPr>
+      <a:ln w="9525">
+        <a:solidFill>
+          <a:schemeClr val="tx1">
+            <a:lumMod val="35000"/>
+            <a:lumOff val="65000"/>
+          </a:schemeClr>
+        </a:solidFill>
+      </a:ln>
+    </cs:spPr>
+  </cs:leaderLine>
+  <cs:legend>
+    <cs:lnRef idx="0"/>
+    <cs:fillRef idx="0"/>
+    <cs:effectRef idx="0"/>
+    <cs:fontRef idx="minor">
+      <a:schemeClr val="tx1">
+        <a:lumMod val="50000"/>
+        <a:lumOff val="50000"/>
+      </a:schemeClr>
+    </cs:fontRef>
+    <cs:defRPr sz="1197" kern="1200"/>
+  </cs:legend>
+  <cs:plotArea mods="allowNoFillOverride allowNoLineOverride">
+    <cs:lnRef idx="0"/>
+    <cs:fillRef idx="0"/>
+    <cs:effectRef idx="0"/>
+    <cs:fontRef idx="minor">
+      <a:schemeClr val="dk1"/>
+    </cs:fontRef>
+  </cs:plotArea>
+  <cs:plotArea3D mods="allowNoFillOverride allowNoLineOverride">
+    <cs:lnRef idx="0"/>
+    <cs:fillRef idx="0"/>
+    <cs:effectRef idx="0"/>
+    <cs:fontRef idx="minor">
+      <a:schemeClr val="dk1"/>
+    </cs:fontRef>
+  </cs:plotArea3D>
+  <cs:seriesAxis>
+    <cs:lnRef idx="0"/>
+    <cs:fillRef idx="0"/>
+    <cs:effectRef idx="0"/>
+    <cs:fontRef idx="minor">
+      <a:schemeClr val="tx1">
+        <a:lumMod val="50000"/>
+        <a:lumOff val="50000"/>
+      </a:schemeClr>
+    </cs:fontRef>
+    <cs:spPr>
+      <a:ln w="9525" cap="flat" cmpd="sng" algn="ctr">
+        <a:solidFill>
+          <a:schemeClr val="tx1">
+            <a:lumMod val="15000"/>
+            <a:lumOff val="85000"/>
+          </a:schemeClr>
+        </a:solidFill>
+        <a:round/>
+      </a:ln>
+    </cs:spPr>
+    <cs:defRPr sz="1197" kern="1200"/>
+  </cs:seriesAxis>
+  <cs:seriesLine>
+    <cs:lnRef idx="0"/>
+    <cs:fillRef idx="0"/>
+    <cs:effectRef idx="0"/>
+    <cs:fontRef idx="minor">
+      <a:schemeClr val="dk1"/>
+    </cs:fontRef>
+    <cs:spPr>
+      <a:ln w="9525">
+        <a:solidFill>
+          <a:schemeClr val="tx1">
+            <a:lumMod val="35000"/>
+            <a:lumOff val="65000"/>
+          </a:schemeClr>
+        </a:solidFill>
+        <a:prstDash val="dash"/>
+      </a:ln>
+    </cs:spPr>
+  </cs:seriesLine>
+  <cs:title>
+    <cs:lnRef idx="0"/>
+    <cs:fillRef idx="0"/>
+    <cs:effectRef idx="0"/>
+    <cs:fontRef idx="minor">
+      <a:schemeClr val="tx1">
+        <a:lumMod val="50000"/>
+        <a:lumOff val="50000"/>
+      </a:schemeClr>
+    </cs:fontRef>
+    <cs:defRPr sz="1862" kern="1200" cap="none" spc="20" baseline="0"/>
+  </cs:title>
+  <cs:trendline>
+    <cs:lnRef idx="0">
+      <cs:styleClr val="auto"/>
+    </cs:lnRef>
+    <cs:fillRef idx="2"/>
+    <cs:effectRef idx="0"/>
+    <cs:fontRef idx="minor">
+      <a:schemeClr val="dk1"/>
+    </cs:fontRef>
+    <cs:spPr>
+      <a:ln w="9525" cap="rnd">
+        <a:solidFill>
+          <a:schemeClr val="phClr"/>
+        </a:solidFill>
+      </a:ln>
+    </cs:spPr>
+  </cs:trendline>
+  <cs:trendlineLabel>
+    <cs:lnRef idx="0"/>
+    <cs:fillRef idx="0"/>
+    <cs:effectRef idx="0"/>
+    <cs:fontRef idx="minor">
+      <a:schemeClr val="tx1">
+        <a:lumMod val="50000"/>
+        <a:lumOff val="50000"/>
+      </a:schemeClr>
+    </cs:fontRef>
+    <cs:defRPr sz="1197" kern="1200"/>
+  </cs:trendlineLabel>
+  <cs:upBar>
+    <cs:lnRef idx="0"/>
+    <cs:fillRef idx="0"/>
+    <cs:effectRef idx="0"/>
+    <cs:fontRef idx="minor">
+      <a:schemeClr val="dk1"/>
+    </cs:fontRef>
+    <cs:spPr>
+      <a:solidFill>
+        <a:schemeClr val="lt1"/>
+      </a:solidFill>
+      <a:ln w="9525">
+        <a:solidFill>
+          <a:schemeClr val="tx1">
+            <a:lumMod val="50000"/>
+            <a:lumOff val="50000"/>
+          </a:schemeClr>
+        </a:solidFill>
+      </a:ln>
+    </cs:spPr>
+  </cs:upBar>
+  <cs:valueAxis>
+    <cs:lnRef idx="0"/>
+    <cs:fillRef idx="0"/>
+    <cs:effectRef idx="0"/>
+    <cs:fontRef idx="minor">
+      <a:schemeClr val="tx1">
+        <a:lumMod val="50000"/>
+        <a:lumOff val="50000"/>
+      </a:schemeClr>
+    </cs:fontRef>
+    <cs:defRPr sz="1197" kern="1200"/>
+  </cs:valueAxis>
+  <cs:wall>
+    <cs:lnRef idx="0"/>
+    <cs:fillRef idx="0"/>
+    <cs:effectRef idx="0"/>
+    <cs:fontRef idx="minor">
+      <a:schemeClr val="dk1"/>
+    </cs:fontRef>
+  </cs:wall>
+</cs:chartStyle>
+</file>
+
+<file path=ppt/charts/style9.xml><?xml version="1.0" encoding="utf-8"?>
+<cs:chartStyle xmlns:cs="http://schemas.microsoft.com/office/drawing/2012/chartStyle" xmlns:a="http://schemas.openxmlformats.org/drawingml/2006/main" id="201">
+  <cs:axisTitle>
+    <cs:lnRef idx="0"/>
+    <cs:fillRef idx="0"/>
+    <cs:effectRef idx="0"/>
+    <cs:fontRef idx="minor">
+      <a:schemeClr val="tx1">
+        <a:lumMod val="65000"/>
+        <a:lumOff val="35000"/>
+      </a:schemeClr>
+    </cs:fontRef>
+    <cs:defRPr sz="1330" kern="1200"/>
+  </cs:axisTitle>
+  <cs:categoryAxis>
+    <cs:lnRef idx="0"/>
+    <cs:fillRef idx="0"/>
+    <cs:effectRef idx="0"/>
+    <cs:fontRef idx="minor">
+      <a:schemeClr val="tx1">
+        <a:lumMod val="65000"/>
+        <a:lumOff val="35000"/>
+      </a:schemeClr>
+    </cs:fontRef>
+    <cs:spPr>
+      <a:ln w="9525" cap="flat" cmpd="sng" algn="ctr">
+        <a:solidFill>
+          <a:schemeClr val="tx1">
+            <a:lumMod val="15000"/>
+            <a:lumOff val="85000"/>
+          </a:schemeClr>
+        </a:solidFill>
+        <a:round/>
+      </a:ln>
+    </cs:spPr>
+    <cs:defRPr sz="1197" kern="1200"/>
+  </cs:categoryAxis>
+  <cs:chartArea mods="allowNoFillOverride allowNoLineOverride">
+    <cs:lnRef idx="0"/>
+    <cs:fillRef idx="0"/>
+    <cs:effectRef idx="0"/>
+    <cs:fontRef idx="minor">
+      <a:schemeClr val="tx1"/>
+    </cs:fontRef>
+    <cs:spPr>
+      <a:solidFill>
+        <a:schemeClr val="bg1"/>
+      </a:solidFill>
+      <a:ln w="9525" cap="flat" cmpd="sng" algn="ctr">
+        <a:solidFill>
+          <a:schemeClr val="tx1">
+            <a:lumMod val="15000"/>
+            <a:lumOff val="85000"/>
+          </a:schemeClr>
+        </a:solidFill>
+        <a:round/>
+      </a:ln>
+    </cs:spPr>
+    <cs:defRPr sz="1330" kern="1200"/>
+  </cs:chartArea>
+  <cs:dataLabel>
+    <cs:lnRef idx="0"/>
+    <cs:fillRef idx="0"/>
+    <cs:effectRef idx="0"/>
+    <cs:fontRef idx="minor">
+      <a:schemeClr val="tx1">
+        <a:lumMod val="75000"/>
+        <a:lumOff val="25000"/>
+      </a:schemeClr>
+    </cs:fontRef>
+    <cs:defRPr sz="1197" kern="1200"/>
+  </cs:dataLabel>
+  <cs:dataLabelCallout>
+    <cs:lnRef idx="0"/>
+    <cs:fillRef idx="0"/>
+    <cs:effectRef idx="0"/>
+    <cs:fontRef idx="minor">
+      <a:schemeClr val="dk1">
+        <a:lumMod val="65000"/>
+        <a:lumOff val="35000"/>
+      </a:schemeClr>
+    </cs:fontRef>
+    <cs:spPr>
+      <a:solidFill>
+        <a:schemeClr val="lt1"/>
+      </a:solidFill>
+      <a:ln>
+        <a:solidFill>
+          <a:schemeClr val="dk1">
+            <a:lumMod val="25000"/>
+            <a:lumOff val="75000"/>
+          </a:schemeClr>
+        </a:solidFill>
+      </a:ln>
+    </cs:spPr>
+    <cs:defRPr sz="1197" kern="1200"/>
+    <cs:bodyPr rot="0" spcFirstLastPara="1" vertOverflow="clip" horzOverflow="clip" vert="horz" wrap="square" lIns="36576" tIns="18288" rIns="36576" bIns="18288" anchor="ctr" anchorCtr="1">
+      <a:spAutoFit/>
+    </cs:bodyPr>
+  </cs:dataLabelCallout>
+  <cs:dataPoint>
+    <cs:lnRef idx="0"/>
+    <cs:fillRef idx="1">
+      <cs:styleClr val="auto"/>
+    </cs:fillRef>
+    <cs:effectRef idx="0"/>
+    <cs:fontRef idx="minor">
+      <a:schemeClr val="tx1"/>
+    </cs:fontRef>
+  </cs:dataPoint>
+  <cs:dataPoint3D>
+    <cs:lnRef idx="0"/>
+    <cs:fillRef idx="1">
+      <cs:styleClr val="auto"/>
+    </cs:fillRef>
+    <cs:effectRef idx="0"/>
+    <cs:fontRef idx="minor">
+      <a:schemeClr val="tx1"/>
+    </cs:fontRef>
+  </cs:dataPoint3D>
+  <cs:dataPointLine>
+    <cs:lnRef idx="0">
+      <cs:styleClr val="auto"/>
+    </cs:lnRef>
+    <cs:fillRef idx="1"/>
+    <cs:effectRef idx="0"/>
+    <cs:fontRef idx="minor">
+      <a:schemeClr val="tx1"/>
+    </cs:fontRef>
+    <cs:spPr>
+      <a:ln w="28575" cap="rnd">
+        <a:solidFill>
+          <a:schemeClr val="phClr"/>
+        </a:solidFill>
+        <a:round/>
+      </a:ln>
+    </cs:spPr>
+  </cs:dataPointLine>
+  <cs:dataPointMarker>
+    <cs:lnRef idx="0">
+      <cs:styleClr val="auto"/>
+    </cs:lnRef>
+    <cs:fillRef idx="1">
+      <cs:styleClr val="auto"/>
+    </cs:fillRef>
+    <cs:effectRef idx="0"/>
+    <cs:fontRef idx="minor">
+      <a:schemeClr val="tx1"/>
+    </cs:fontRef>
+    <cs:spPr>
+      <a:ln w="9525">
+        <a:solidFill>
+          <a:schemeClr val="phClr"/>
+        </a:solidFill>
+      </a:ln>
+    </cs:spPr>
+  </cs:dataPointMarker>
+  <cs:dataPointMarkerLayout symbol="circle" size="5"/>
+  <cs:dataPointWireframe>
+    <cs:lnRef idx="0">
+      <cs:styleClr val="auto"/>
+    </cs:lnRef>
+    <cs:fillRef idx="1"/>
+    <cs:effectRef idx="0"/>
+    <cs:fontRef idx="minor">
+      <a:schemeClr val="tx1"/>
+    </cs:fontRef>
+    <cs:spPr>
+      <a:ln w="9525" cap="rnd">
+        <a:solidFill>
+          <a:schemeClr val="phClr"/>
+        </a:solidFill>
+        <a:round/>
+      </a:ln>
+    </cs:spPr>
+  </cs:dataPointWireframe>
+  <cs:dataTable>
+    <cs:lnRef idx="0"/>
+    <cs:fillRef idx="0"/>
+    <cs:effectRef idx="0"/>
+    <cs:fontRef idx="minor">
+      <a:schemeClr val="tx1">
+        <a:lumMod val="65000"/>
+        <a:lumOff val="35000"/>
+      </a:schemeClr>
+    </cs:fontRef>
+    <cs:spPr>
+      <a:noFill/>
+      <a:ln w="9525" cap="flat" cmpd="sng" algn="ctr">
+        <a:solidFill>
+          <a:schemeClr val="tx1">
+            <a:lumMod val="15000"/>
+            <a:lumOff val="85000"/>
+          </a:schemeClr>
+        </a:solidFill>
+        <a:round/>
+      </a:ln>
+    </cs:spPr>
+    <cs:defRPr sz="1197" kern="1200"/>
+  </cs:dataTable>
+  <cs:downBar>
+    <cs:lnRef idx="0"/>
+    <cs:fillRef idx="0"/>
+    <cs:effectRef idx="0"/>
+    <cs:fontRef idx="minor">
+      <a:schemeClr val="dk1"/>
+    </cs:fontRef>
+    <cs:spPr>
+      <a:solidFill>
+        <a:schemeClr val="dk1">
+          <a:lumMod val="65000"/>
+          <a:lumOff val="35000"/>
+        </a:schemeClr>
+      </a:solidFill>
+      <a:ln w="9525">
+        <a:solidFill>
+          <a:schemeClr val="tx1">
+            <a:lumMod val="65000"/>
+            <a:lumOff val="35000"/>
+          </a:schemeClr>
+        </a:solidFill>
+      </a:ln>
+    </cs:spPr>
+  </cs:downBar>
+  <cs:dropLine>
+    <cs:lnRef idx="0"/>
+    <cs:fillRef idx="0"/>
+    <cs:effectRef idx="0"/>
+    <cs:fontRef idx="minor">
+      <a:schemeClr val="tx1"/>
+    </cs:fontRef>
+    <cs:spPr>
+      <a:ln w="9525" cap="flat" cmpd="sng" algn="ctr">
+        <a:solidFill>
+          <a:schemeClr val="tx1">
+            <a:lumMod val="35000"/>
+            <a:lumOff val="65000"/>
+          </a:schemeClr>
+        </a:solidFill>
+        <a:round/>
+      </a:ln>
+    </cs:spPr>
+  </cs:dropLine>
+  <cs:errorBar>
+    <cs:lnRef idx="0"/>
+    <cs:fillRef idx="0"/>
+    <cs:effectRef idx="0"/>
+    <cs:fontRef idx="minor">
+      <a:schemeClr val="tx1"/>
+    </cs:fontRef>
+    <cs:spPr>
+      <a:ln w="9525" cap="flat" cmpd="sng" algn="ctr">
+        <a:solidFill>
+          <a:schemeClr val="tx1">
+            <a:lumMod val="65000"/>
+            <a:lumOff val="35000"/>
+          </a:schemeClr>
+        </a:solidFill>
+        <a:round/>
+      </a:ln>
+    </cs:spPr>
+  </cs:errorBar>
+  <cs:floor>
+    <cs:lnRef idx="0"/>
+    <cs:fillRef idx="0"/>
+    <cs:effectRef idx="0"/>
+    <cs:fontRef idx="minor">
+      <a:schemeClr val="tx1"/>
+    </cs:fontRef>
+    <cs:spPr>
+      <a:noFill/>
+      <a:ln>
+        <a:noFill/>
+      </a:ln>
+    </cs:spPr>
+  </cs:floor>
+  <cs:gridlineMajor>
+    <cs:lnRef idx="0"/>
+    <cs:fillRef idx="0"/>
+    <cs:effectRef idx="0"/>
+    <cs:fontRef idx="minor">
+      <a:schemeClr val="tx1"/>
+    </cs:fontRef>
+    <cs:spPr>
+      <a:ln w="9525" cap="flat" cmpd="sng" algn="ctr">
+        <a:solidFill>
+          <a:schemeClr val="tx1">
+            <a:lumMod val="15000"/>
+            <a:lumOff val="85000"/>
+          </a:schemeClr>
+        </a:solidFill>
+        <a:round/>
+      </a:ln>
+    </cs:spPr>
+  </cs:gridlineMajor>
+  <cs:gridlineMinor>
+    <cs:lnRef idx="0"/>
+    <cs:fillRef idx="0"/>
+    <cs:effectRef idx="0"/>
+    <cs:fontRef idx="minor">
+      <a:schemeClr val="tx1"/>
+    </cs:fontRef>
+    <cs:spPr>
+      <a:ln w="9525" cap="flat" cmpd="sng" algn="ctr">
+        <a:solidFill>
+          <a:schemeClr val="tx1">
+            <a:lumMod val="5000"/>
+            <a:lumOff val="95000"/>
+          </a:schemeClr>
+        </a:solidFill>
+        <a:round/>
+      </a:ln>
+    </cs:spPr>
+  </cs:gridlineMinor>
+  <cs:hiLoLine>
+    <cs:lnRef idx="0"/>
+    <cs:fillRef idx="0"/>
+    <cs:effectRef idx="0"/>
+    <cs:fontRef idx="minor">
+      <a:schemeClr val="tx1"/>
+    </cs:fontRef>
+    <cs:spPr>
+      <a:ln w="9525" cap="flat" cmpd="sng" algn="ctr">
+        <a:solidFill>
+          <a:schemeClr val="tx1">
+            <a:lumMod val="75000"/>
+            <a:lumOff val="25000"/>
+          </a:schemeClr>
+        </a:solidFill>
+        <a:round/>
+      </a:ln>
+    </cs:spPr>
+  </cs:hiLoLine>
+  <cs:leaderLine>
+    <cs:lnRef idx="0"/>
+    <cs:fillRef idx="0"/>
+    <cs:effectRef idx="0"/>
+    <cs:fontRef idx="minor">
+      <a:schemeClr val="tx1"/>
+    </cs:fontRef>
+    <cs:spPr>
+      <a:ln w="9525" cap="flat" cmpd="sng" algn="ctr">
+        <a:solidFill>
+          <a:schemeClr val="tx1">
+            <a:lumMod val="35000"/>
+            <a:lumOff val="65000"/>
+          </a:schemeClr>
+        </a:solidFill>
+        <a:round/>
+      </a:ln>
+    </cs:spPr>
+  </cs:leaderLine>
+  <cs:legend>
+    <cs:lnRef idx="0"/>
+    <cs:fillRef idx="0"/>
+    <cs:effectRef idx="0"/>
+    <cs:fontRef idx="minor">
+      <a:schemeClr val="tx1">
+        <a:lumMod val="65000"/>
+        <a:lumOff val="35000"/>
+      </a:schemeClr>
+    </cs:fontRef>
+    <cs:defRPr sz="1197" kern="1200"/>
+  </cs:legend>
+  <cs:plotArea mods="allowNoFillOverride allowNoLineOverride">
+    <cs:lnRef idx="0"/>
+    <cs:fillRef idx="0"/>
+    <cs:effectRef idx="0"/>
+    <cs:fontRef idx="minor">
+      <a:schemeClr val="tx1"/>
+    </cs:fontRef>
+  </cs:plotArea>
+  <cs:plotArea3D mods="allowNoFillOverride allowNoLineOverride">
+    <cs:lnRef idx="0"/>
+    <cs:fillRef idx="0"/>
+    <cs:effectRef idx="0"/>
+    <cs:fontRef idx="minor">
+      <a:schemeClr val="tx1"/>
+    </cs:fontRef>
+  </cs:plotArea3D>
+  <cs:seriesAxis>
+    <cs:lnRef idx="0"/>
+    <cs:fillRef idx="0"/>
+    <cs:effectRef idx="0"/>
+    <cs:fontRef idx="minor">
+      <a:schemeClr val="tx1">
+        <a:lumMod val="65000"/>
+        <a:lumOff val="35000"/>
+      </a:schemeClr>
+    </cs:fontRef>
+    <cs:defRPr sz="1197" kern="1200"/>
+  </cs:seriesAxis>
+  <cs:seriesLine>
+    <cs:lnRef idx="0"/>
+    <cs:fillRef idx="0"/>
+    <cs:effectRef idx="0"/>
+    <cs:fontRef idx="minor">
+      <a:schemeClr val="tx1"/>
+    </cs:fontRef>
+    <cs:spPr>
+      <a:ln w="9525" cap="flat" cmpd="sng" algn="ctr">
+        <a:solidFill>
+          <a:schemeClr val="tx1">
+            <a:lumMod val="35000"/>
+            <a:lumOff val="65000"/>
+          </a:schemeClr>
+        </a:solidFill>
+        <a:round/>
+      </a:ln>
+    </cs:spPr>
+  </cs:seriesLine>
+  <cs:title>
+    <cs:lnRef idx="0"/>
+    <cs:fillRef idx="0"/>
+    <cs:effectRef idx="0"/>
+    <cs:fontRef idx="minor">
+      <a:schemeClr val="tx1">
+        <a:lumMod val="65000"/>
+        <a:lumOff val="35000"/>
+      </a:schemeClr>
+    </cs:fontRef>
+    <cs:defRPr sz="1862" b="0" kern="1200" spc="0" baseline="0"/>
+  </cs:title>
+  <cs:trendline>
+    <cs:lnRef idx="0">
+      <cs:styleClr val="auto"/>
+    </cs:lnRef>
+    <cs:fillRef idx="0"/>
+    <cs:effectRef idx="0"/>
+    <cs:fontRef idx="minor">
+      <a:schemeClr val="tx1"/>
+    </cs:fontRef>
+    <cs:spPr>
+      <a:ln w="19050" cap="rnd">
+        <a:solidFill>
+          <a:schemeClr val="phClr"/>
+        </a:solidFill>
+        <a:prstDash val="sysDot"/>
+      </a:ln>
+    </cs:spPr>
+  </cs:trendline>
+  <cs:trendlineLabel>
+    <cs:lnRef idx="0"/>
+    <cs:fillRef idx="0"/>
+    <cs:effectRef idx="0"/>
+    <cs:fontRef idx="minor">
+      <a:schemeClr val="tx1">
+        <a:lumMod val="65000"/>
+        <a:lumOff val="35000"/>
+      </a:schemeClr>
+    </cs:fontRef>
+    <cs:defRPr sz="1197" kern="1200"/>
+  </cs:trendlineLabel>
+  <cs:upBar>
+    <cs:lnRef idx="0"/>
+    <cs:fillRef idx="0"/>
+    <cs:effectRef idx="0"/>
+    <cs:fontRef idx="minor">
+      <a:schemeClr val="dk1"/>
+    </cs:fontRef>
+    <cs:spPr>
+      <a:solidFill>
+        <a:schemeClr val="lt1"/>
+      </a:solidFill>
+      <a:ln w="9525">
+        <a:solidFill>
+          <a:schemeClr val="tx1">
+            <a:lumMod val="15000"/>
+            <a:lumOff val="85000"/>
+          </a:schemeClr>
+        </a:solidFill>
+      </a:ln>
+    </cs:spPr>
+  </cs:upBar>
+  <cs:valueAxis>
+    <cs:lnRef idx="0"/>
+    <cs:fillRef idx="0"/>
+    <cs:effectRef idx="0"/>
+    <cs:fontRef idx="minor">
+      <a:schemeClr val="tx1">
+        <a:lumMod val="65000"/>
+        <a:lumOff val="35000"/>
+      </a:schemeClr>
+    </cs:fontRef>
+    <cs:defRPr sz="1197" kern="1200"/>
+  </cs:valueAxis>
+  <cs:wall>
+    <cs:lnRef idx="0"/>
+    <cs:fillRef idx="0"/>
+    <cs:effectRef idx="0"/>
+    <cs:fontRef idx="minor">
+      <a:schemeClr val="tx1"/>
+    </cs:fontRef>
+    <cs:spPr>
+      <a:noFill/>
+      <a:ln>
+        <a:noFill/>
+      </a:ln>
+    </cs:spPr>
   </cs:wall>
 </cs:chartStyle>
 </file>
@@ -6258,7 +9204,7 @@
           <a:p>
             <a:fld id="{AC4B41AD-19D4-43EF-8FC9-CEF8A7140931}" type="datetimeFigureOut">
               <a:rPr lang="en-IN" smtClean="0"/>
-              <a:t>16-11-2022</a:t>
+              <a:t>26-12-2022</a:t>
             </a:fld>
             <a:endParaRPr lang="en-IN"/>
           </a:p>
@@ -6759,7 +9705,7 @@
           <a:p>
             <a:fld id="{59175997-4A2A-46F6-9283-8A96DC235D15}" type="datetimeFigureOut">
               <a:rPr lang="en-IN" smtClean="0"/>
-              <a:t>16-11-2022</a:t>
+              <a:t>26-12-2022</a:t>
             </a:fld>
             <a:endParaRPr lang="en-IN"/>
           </a:p>
@@ -6959,7 +9905,7 @@
           <a:p>
             <a:fld id="{59175997-4A2A-46F6-9283-8A96DC235D15}" type="datetimeFigureOut">
               <a:rPr lang="en-IN" smtClean="0"/>
-              <a:t>16-11-2022</a:t>
+              <a:t>26-12-2022</a:t>
             </a:fld>
             <a:endParaRPr lang="en-IN"/>
           </a:p>
@@ -7169,7 +10115,7 @@
           <a:p>
             <a:fld id="{59175997-4A2A-46F6-9283-8A96DC235D15}" type="datetimeFigureOut">
               <a:rPr lang="en-IN" smtClean="0"/>
-              <a:t>16-11-2022</a:t>
+              <a:t>26-12-2022</a:t>
             </a:fld>
             <a:endParaRPr lang="en-IN"/>
           </a:p>
@@ -7369,7 +10315,7 @@
           <a:p>
             <a:fld id="{59175997-4A2A-46F6-9283-8A96DC235D15}" type="datetimeFigureOut">
               <a:rPr lang="en-IN" smtClean="0"/>
-              <a:t>16-11-2022</a:t>
+              <a:t>26-12-2022</a:t>
             </a:fld>
             <a:endParaRPr lang="en-IN"/>
           </a:p>
@@ -7645,7 +10591,7 @@
           <a:p>
             <a:fld id="{59175997-4A2A-46F6-9283-8A96DC235D15}" type="datetimeFigureOut">
               <a:rPr lang="en-IN" smtClean="0"/>
-              <a:t>16-11-2022</a:t>
+              <a:t>26-12-2022</a:t>
             </a:fld>
             <a:endParaRPr lang="en-IN"/>
           </a:p>
@@ -7913,7 +10859,7 @@
           <a:p>
             <a:fld id="{59175997-4A2A-46F6-9283-8A96DC235D15}" type="datetimeFigureOut">
               <a:rPr lang="en-IN" smtClean="0"/>
-              <a:t>16-11-2022</a:t>
+              <a:t>26-12-2022</a:t>
             </a:fld>
             <a:endParaRPr lang="en-IN"/>
           </a:p>
@@ -8328,7 +11274,7 @@
           <a:p>
             <a:fld id="{59175997-4A2A-46F6-9283-8A96DC235D15}" type="datetimeFigureOut">
               <a:rPr lang="en-IN" smtClean="0"/>
-              <a:t>16-11-2022</a:t>
+              <a:t>26-12-2022</a:t>
             </a:fld>
             <a:endParaRPr lang="en-IN"/>
           </a:p>
@@ -8470,7 +11416,7 @@
           <a:p>
             <a:fld id="{59175997-4A2A-46F6-9283-8A96DC235D15}" type="datetimeFigureOut">
               <a:rPr lang="en-IN" smtClean="0"/>
-              <a:t>16-11-2022</a:t>
+              <a:t>26-12-2022</a:t>
             </a:fld>
             <a:endParaRPr lang="en-IN"/>
           </a:p>
@@ -8583,7 +11529,7 @@
           <a:p>
             <a:fld id="{59175997-4A2A-46F6-9283-8A96DC235D15}" type="datetimeFigureOut">
               <a:rPr lang="en-IN" smtClean="0"/>
-              <a:t>16-11-2022</a:t>
+              <a:t>26-12-2022</a:t>
             </a:fld>
             <a:endParaRPr lang="en-IN"/>
           </a:p>
@@ -8896,7 +11842,7 @@
           <a:p>
             <a:fld id="{59175997-4A2A-46F6-9283-8A96DC235D15}" type="datetimeFigureOut">
               <a:rPr lang="en-IN" smtClean="0"/>
-              <a:t>16-11-2022</a:t>
+              <a:t>26-12-2022</a:t>
             </a:fld>
             <a:endParaRPr lang="en-IN"/>
           </a:p>
@@ -9185,7 +12131,7 @@
           <a:p>
             <a:fld id="{59175997-4A2A-46F6-9283-8A96DC235D15}" type="datetimeFigureOut">
               <a:rPr lang="en-IN" smtClean="0"/>
-              <a:t>16-11-2022</a:t>
+              <a:t>26-12-2022</a:t>
             </a:fld>
             <a:endParaRPr lang="en-IN"/>
           </a:p>
@@ -9428,7 +12374,7 @@
           <a:p>
             <a:fld id="{59175997-4A2A-46F6-9283-8A96DC235D15}" type="datetimeFigureOut">
               <a:rPr lang="en-IN" smtClean="0"/>
-              <a:t>16-11-2022</a:t>
+              <a:t>26-12-2022</a:t>
             </a:fld>
             <a:endParaRPr lang="en-IN"/>
           </a:p>
@@ -9895,14 +12841,14 @@
           <p:nvPr>
             <p:extLst>
               <p:ext uri="{D42A27DB-BD31-4B8C-83A1-F6EECF244321}">
-                <p14:modId xmlns:p14="http://schemas.microsoft.com/office/powerpoint/2010/main" val="3439028127"/>
+                <p14:modId xmlns:p14="http://schemas.microsoft.com/office/powerpoint/2010/main" val="3656848313"/>
               </p:ext>
             </p:extLst>
           </p:nvPr>
         </p:nvGraphicFramePr>
         <p:xfrm>
           <a:off x="970410" y="1490221"/>
-          <a:ext cx="10966181" cy="2137549"/>
+          <a:ext cx="10966181" cy="2612560"/>
         </p:xfrm>
         <a:graphic>
           <a:graphicData uri="http://schemas.openxmlformats.org/drawingml/2006/table">
@@ -10893,7 +13839,7 @@
                         <a:rPr lang="en-US" dirty="0">
                           <a:effectLst/>
                         </a:rPr>
-                        <a:t>30/10/2021​</a:t>
+                        <a:t>31-05-2022​</a:t>
                       </a:r>
                     </a:p>
                   </a:txBody>
@@ -11300,10 +14246,14 @@
                         <a:sysClr val="window" lastClr="FFFFFF"/>
                       </a:solidFill>
                     </a:lnT>
-                    <a:lnB w="12700" cmpd="sng">
+                    <a:lnB w="12700" cap="flat" cmpd="sng" algn="ctr">
                       <a:solidFill>
                         <a:sysClr val="window" lastClr="FFFFFF"/>
                       </a:solidFill>
+                      <a:prstDash val="solid"/>
+                      <a:round/>
+                      <a:headEnd type="none" w="med" len="med"/>
+                      <a:tailEnd type="none" w="med" len="med"/>
                     </a:lnB>
                     <a:lnTlToBr w="12700" cmpd="sng">
                       <a:noFill/>
@@ -11423,10 +14373,14 @@
                         <a:sysClr val="window" lastClr="FFFFFF"/>
                       </a:solidFill>
                     </a:lnT>
-                    <a:lnB w="12700" cmpd="sng">
+                    <a:lnB w="12700" cap="flat" cmpd="sng" algn="ctr">
                       <a:solidFill>
                         <a:sysClr val="window" lastClr="FFFFFF"/>
                       </a:solidFill>
+                      <a:prstDash val="solid"/>
+                      <a:round/>
+                      <a:headEnd type="none" w="med" len="med"/>
+                      <a:tailEnd type="none" w="med" len="med"/>
                     </a:lnB>
                     <a:lnTlToBr w="12700" cmpd="sng">
                       <a:noFill/>
@@ -11526,7 +14480,7 @@
                         <a:rPr lang="en-US" dirty="0">
                           <a:effectLst/>
                         </a:rPr>
-                        <a:t>30/10/2021​</a:t>
+                        <a:t>31-05-2022</a:t>
                       </a:r>
                     </a:p>
                   </a:txBody>
@@ -11546,10 +14500,14 @@
                         <a:sysClr val="window" lastClr="FFFFFF"/>
                       </a:solidFill>
                     </a:lnT>
-                    <a:lnB w="12700" cmpd="sng">
+                    <a:lnB w="12700" cap="flat" cmpd="sng" algn="ctr">
                       <a:solidFill>
                         <a:sysClr val="window" lastClr="FFFFFF"/>
                       </a:solidFill>
+                      <a:prstDash val="solid"/>
+                      <a:round/>
+                      <a:headEnd type="none" w="med" len="med"/>
+                      <a:tailEnd type="none" w="med" len="med"/>
                     </a:lnB>
                     <a:lnTlToBr w="12700" cmpd="sng">
                       <a:noFill/>
@@ -11669,10 +14627,14 @@
                         <a:sysClr val="window" lastClr="FFFFFF"/>
                       </a:solidFill>
                     </a:lnT>
-                    <a:lnB w="12700" cmpd="sng">
+                    <a:lnB w="12700" cap="flat" cmpd="sng" algn="ctr">
                       <a:solidFill>
                         <a:sysClr val="window" lastClr="FFFFFF"/>
                       </a:solidFill>
+                      <a:prstDash val="solid"/>
+                      <a:round/>
+                      <a:headEnd type="none" w="med" len="med"/>
+                      <a:tailEnd type="none" w="med" len="med"/>
                     </a:lnB>
                     <a:lnTlToBr w="12700" cmpd="sng">
                       <a:noFill/>
@@ -11792,6 +14754,296 @@
                         <a:sysClr val="window" lastClr="FFFFFF"/>
                       </a:solidFill>
                     </a:lnT>
+                    <a:lnB w="12700" cap="flat" cmpd="sng" algn="ctr">
+                      <a:solidFill>
+                        <a:sysClr val="window" lastClr="FFFFFF"/>
+                      </a:solidFill>
+                      <a:prstDash val="solid"/>
+                      <a:round/>
+                      <a:headEnd type="none" w="med" len="med"/>
+                      <a:tailEnd type="none" w="med" len="med"/>
+                    </a:lnB>
+                    <a:lnTlToBr w="12700" cmpd="sng">
+                      <a:noFill/>
+                      <a:prstDash val="solid"/>
+                    </a:lnTlToBr>
+                    <a:lnBlToTr w="12700" cmpd="sng">
+                      <a:noFill/>
+                      <a:prstDash val="solid"/>
+                    </a:lnBlToTr>
+                    <a:solidFill>
+                      <a:srgbClr val="4472C4">
+                        <a:tint val="20000"/>
+                      </a:srgbClr>
+                    </a:solidFill>
+                  </a:tcPr>
+                </a:tc>
+                <a:extLst>
+                  <a:ext uri="{0D108BD9-81ED-4DB2-BD59-A6C34878D82A}">
+                    <a16:rowId xmlns:a16="http://schemas.microsoft.com/office/drawing/2014/main" val="4154260463"/>
+                  </a:ext>
+                </a:extLst>
+              </a:tr>
+              <a:tr h="475011">
+                <a:tc>
+                  <a:txBody>
+                    <a:bodyPr/>
+                    <a:lstStyle/>
+                    <a:p>
+                      <a:pPr algn="l"/>
+                      <a:r>
+                        <a:rPr lang="en-US" dirty="0">
+                          <a:effectLst/>
+                        </a:rPr>
+                        <a:t>TMT </a:t>
+                      </a:r>
+                    </a:p>
+                  </a:txBody>
+                  <a:tcPr marL="93278" marR="93278" anchor="ctr">
+                    <a:lnL w="12700" cmpd="sng">
+                      <a:solidFill>
+                        <a:sysClr val="window" lastClr="FFFFFF"/>
+                      </a:solidFill>
+                    </a:lnL>
+                    <a:lnR w="12700" cap="flat" cmpd="sng" algn="ctr">
+                      <a:solidFill>
+                        <a:sysClr val="window" lastClr="FFFFFF"/>
+                      </a:solidFill>
+                      <a:prstDash val="solid"/>
+                      <a:round/>
+                      <a:headEnd type="none" w="med" len="med"/>
+                      <a:tailEnd type="none" w="med" len="med"/>
+                    </a:lnR>
+                    <a:lnT w="12700" cmpd="sng">
+                      <a:solidFill>
+                        <a:sysClr val="window" lastClr="FFFFFF"/>
+                      </a:solidFill>
+                    </a:lnT>
+                    <a:lnB w="12700" cmpd="sng">
+                      <a:solidFill>
+                        <a:sysClr val="window" lastClr="FFFFFF"/>
+                      </a:solidFill>
+                    </a:lnB>
+                    <a:lnTlToBr w="12700" cmpd="sng">
+                      <a:noFill/>
+                      <a:prstDash val="solid"/>
+                    </a:lnTlToBr>
+                    <a:lnBlToTr w="12700" cmpd="sng">
+                      <a:noFill/>
+                      <a:prstDash val="solid"/>
+                    </a:lnBlToTr>
+                    <a:solidFill>
+                      <a:srgbClr val="4472C4">
+                        <a:tint val="20000"/>
+                      </a:srgbClr>
+                    </a:solidFill>
+                  </a:tcPr>
+                </a:tc>
+                <a:tc>
+                  <a:txBody>
+                    <a:bodyPr/>
+                    <a:lstStyle/>
+                    <a:p>
+                      <a:pPr algn="ctr"/>
+                      <a:r>
+                        <a:rPr lang="en-US" dirty="0">
+                          <a:effectLst/>
+                        </a:rPr>
+                        <a:t>07-01-2021</a:t>
+                      </a:r>
+                    </a:p>
+                  </a:txBody>
+                  <a:tcPr marL="93278" marR="93278" anchor="ctr">
+                    <a:lnL w="12700" cap="flat" cmpd="sng" algn="ctr">
+                      <a:solidFill>
+                        <a:sysClr val="window" lastClr="FFFFFF"/>
+                      </a:solidFill>
+                      <a:prstDash val="solid"/>
+                      <a:round/>
+                      <a:headEnd type="none" w="med" len="med"/>
+                      <a:tailEnd type="none" w="med" len="med"/>
+                    </a:lnL>
+                    <a:lnR w="12700" cap="flat" cmpd="sng" algn="ctr">
+                      <a:solidFill>
+                        <a:sysClr val="window" lastClr="FFFFFF"/>
+                      </a:solidFill>
+                      <a:prstDash val="solid"/>
+                      <a:round/>
+                      <a:headEnd type="none" w="med" len="med"/>
+                      <a:tailEnd type="none" w="med" len="med"/>
+                    </a:lnR>
+                    <a:lnT w="12700" cmpd="sng">
+                      <a:solidFill>
+                        <a:sysClr val="window" lastClr="FFFFFF"/>
+                      </a:solidFill>
+                    </a:lnT>
+                    <a:lnB w="12700" cmpd="sng">
+                      <a:solidFill>
+                        <a:sysClr val="window" lastClr="FFFFFF"/>
+                      </a:solidFill>
+                    </a:lnB>
+                    <a:lnTlToBr w="12700" cmpd="sng">
+                      <a:noFill/>
+                      <a:prstDash val="solid"/>
+                    </a:lnTlToBr>
+                    <a:lnBlToTr w="12700" cmpd="sng">
+                      <a:noFill/>
+                      <a:prstDash val="solid"/>
+                    </a:lnBlToTr>
+                    <a:solidFill>
+                      <a:srgbClr val="4472C4">
+                        <a:tint val="20000"/>
+                      </a:srgbClr>
+                    </a:solidFill>
+                  </a:tcPr>
+                </a:tc>
+                <a:tc>
+                  <a:txBody>
+                    <a:bodyPr/>
+                    <a:lstStyle/>
+                    <a:p>
+                      <a:pPr algn="ctr"/>
+                      <a:r>
+                        <a:rPr lang="en-US" dirty="0">
+                          <a:effectLst/>
+                        </a:rPr>
+                        <a:t>13-06-2022</a:t>
+                      </a:r>
+                    </a:p>
+                  </a:txBody>
+                  <a:tcPr marL="93278" marR="93278" anchor="ctr">
+                    <a:lnL w="12700" cap="flat" cmpd="sng" algn="ctr">
+                      <a:solidFill>
+                        <a:sysClr val="window" lastClr="FFFFFF"/>
+                      </a:solidFill>
+                      <a:prstDash val="solid"/>
+                      <a:round/>
+                      <a:headEnd type="none" w="med" len="med"/>
+                      <a:tailEnd type="none" w="med" len="med"/>
+                    </a:lnL>
+                    <a:lnR w="12700" cap="flat" cmpd="sng" algn="ctr">
+                      <a:solidFill>
+                        <a:sysClr val="window" lastClr="FFFFFF"/>
+                      </a:solidFill>
+                      <a:prstDash val="solid"/>
+                      <a:round/>
+                      <a:headEnd type="none" w="med" len="med"/>
+                      <a:tailEnd type="none" w="med" len="med"/>
+                    </a:lnR>
+                    <a:lnT w="12700" cmpd="sng">
+                      <a:solidFill>
+                        <a:sysClr val="window" lastClr="FFFFFF"/>
+                      </a:solidFill>
+                    </a:lnT>
+                    <a:lnB w="12700" cmpd="sng">
+                      <a:solidFill>
+                        <a:sysClr val="window" lastClr="FFFFFF"/>
+                      </a:solidFill>
+                    </a:lnB>
+                    <a:lnTlToBr w="12700" cmpd="sng">
+                      <a:noFill/>
+                      <a:prstDash val="solid"/>
+                    </a:lnTlToBr>
+                    <a:lnBlToTr w="12700" cmpd="sng">
+                      <a:noFill/>
+                      <a:prstDash val="solid"/>
+                    </a:lnBlToTr>
+                    <a:solidFill>
+                      <a:srgbClr val="4472C4">
+                        <a:tint val="20000"/>
+                      </a:srgbClr>
+                    </a:solidFill>
+                  </a:tcPr>
+                </a:tc>
+                <a:tc>
+                  <a:txBody>
+                    <a:bodyPr/>
+                    <a:lstStyle/>
+                    <a:p>
+                      <a:pPr algn="l"/>
+                      <a:r>
+                        <a:rPr lang="en-US" dirty="0">
+                          <a:effectLst/>
+                        </a:rPr>
+                        <a:t>Daily basis</a:t>
+                      </a:r>
+                    </a:p>
+                  </a:txBody>
+                  <a:tcPr marL="93278" marR="93278" anchor="ctr">
+                    <a:lnL w="12700" cap="flat" cmpd="sng" algn="ctr">
+                      <a:solidFill>
+                        <a:sysClr val="window" lastClr="FFFFFF"/>
+                      </a:solidFill>
+                      <a:prstDash val="solid"/>
+                      <a:round/>
+                      <a:headEnd type="none" w="med" len="med"/>
+                      <a:tailEnd type="none" w="med" len="med"/>
+                    </a:lnL>
+                    <a:lnR w="12700" cap="flat" cmpd="sng" algn="ctr">
+                      <a:solidFill>
+                        <a:sysClr val="window" lastClr="FFFFFF"/>
+                      </a:solidFill>
+                      <a:prstDash val="solid"/>
+                      <a:round/>
+                      <a:headEnd type="none" w="med" len="med"/>
+                      <a:tailEnd type="none" w="med" len="med"/>
+                    </a:lnR>
+                    <a:lnT w="12700" cmpd="sng">
+                      <a:solidFill>
+                        <a:sysClr val="window" lastClr="FFFFFF"/>
+                      </a:solidFill>
+                    </a:lnT>
+                    <a:lnB w="12700" cmpd="sng">
+                      <a:solidFill>
+                        <a:sysClr val="window" lastClr="FFFFFF"/>
+                      </a:solidFill>
+                    </a:lnB>
+                    <a:lnTlToBr w="12700" cmpd="sng">
+                      <a:noFill/>
+                      <a:prstDash val="solid"/>
+                    </a:lnTlToBr>
+                    <a:lnBlToTr w="12700" cmpd="sng">
+                      <a:noFill/>
+                      <a:prstDash val="solid"/>
+                    </a:lnBlToTr>
+                    <a:solidFill>
+                      <a:srgbClr val="4472C4">
+                        <a:tint val="20000"/>
+                      </a:srgbClr>
+                    </a:solidFill>
+                  </a:tcPr>
+                </a:tc>
+                <a:tc>
+                  <a:txBody>
+                    <a:bodyPr/>
+                    <a:lstStyle/>
+                    <a:p>
+                      <a:pPr algn="ctr"/>
+                      <a:endParaRPr lang="en-US" dirty="0">
+                        <a:effectLst/>
+                      </a:endParaRPr>
+                    </a:p>
+                  </a:txBody>
+                  <a:tcPr marL="93278" marR="93278" anchor="ctr">
+                    <a:lnL w="12700" cap="flat" cmpd="sng" algn="ctr">
+                      <a:solidFill>
+                        <a:sysClr val="window" lastClr="FFFFFF"/>
+                      </a:solidFill>
+                      <a:prstDash val="solid"/>
+                      <a:round/>
+                      <a:headEnd type="none" w="med" len="med"/>
+                      <a:tailEnd type="none" w="med" len="med"/>
+                    </a:lnL>
+                    <a:lnR w="12700" cmpd="sng">
+                      <a:solidFill>
+                        <a:sysClr val="window" lastClr="FFFFFF"/>
+                      </a:solidFill>
+                    </a:lnR>
+                    <a:lnT w="12700" cmpd="sng">
+                      <a:solidFill>
+                        <a:sysClr val="window" lastClr="FFFFFF"/>
+                      </a:solidFill>
+                    </a:lnT>
                     <a:lnB w="12700" cmpd="sng">
                       <a:solidFill>
                         <a:sysClr val="window" lastClr="FFFFFF"/>
@@ -11814,7 +15066,7 @@
                 </a:tc>
                 <a:extLst>
                   <a:ext uri="{0D108BD9-81ED-4DB2-BD59-A6C34878D82A}">
-                    <a16:rowId xmlns:a16="http://schemas.microsoft.com/office/drawing/2014/main" val="4154260463"/>
+                    <a16:rowId xmlns:a16="http://schemas.microsoft.com/office/drawing/2014/main" val="609876037"/>
                   </a:ext>
                 </a:extLst>
               </a:tr>
@@ -11974,7 +15226,7 @@
           <p:nvPr>
             <p:extLst>
               <p:ext uri="{D42A27DB-BD31-4B8C-83A1-F6EECF244321}">
-                <p14:modId xmlns:p14="http://schemas.microsoft.com/office/powerpoint/2010/main" val="4146642656"/>
+                <p14:modId xmlns:p14="http://schemas.microsoft.com/office/powerpoint/2010/main" val="1345509180"/>
               </p:ext>
             </p:extLst>
           </p:nvPr>
@@ -11989,42 +15241,6 @@
           </a:graphicData>
         </a:graphic>
       </p:graphicFrame>
-      <p:pic>
-        <p:nvPicPr>
-          <p:cNvPr id="14" name="Picture 13">
-            <a:extLst>
-              <a:ext uri="{FF2B5EF4-FFF2-40B4-BE49-F238E27FC236}">
-                <a16:creationId xmlns:a16="http://schemas.microsoft.com/office/drawing/2014/main" id="{BB7B30E8-3CFB-76A6-0938-255A23368C9A}"/>
-              </a:ext>
-            </a:extLst>
-          </p:cNvPr>
-          <p:cNvPicPr>
-            <a:picLocks noChangeAspect="1"/>
-          </p:cNvPicPr>
-          <p:nvPr/>
-        </p:nvPicPr>
-        <p:blipFill>
-          <a:blip r:embed="rId3">
-            <a:extLst>
-              <a:ext uri="{28A0092B-C50C-407E-A947-70E740481C1C}">
-                <a14:useLocalDpi xmlns:a14="http://schemas.microsoft.com/office/drawing/2010/main" val="0"/>
-              </a:ext>
-            </a:extLst>
-          </a:blip>
-          <a:stretch>
-            <a:fillRect/>
-          </a:stretch>
-        </p:blipFill>
-        <p:spPr>
-          <a:xfrm>
-            <a:off x="6096000" y="855293"/>
-            <a:ext cx="5623932" cy="3459429"/>
-          </a:xfrm>
-          <a:prstGeom prst="rect">
-            <a:avLst/>
-          </a:prstGeom>
-        </p:spPr>
-      </p:pic>
       <p:sp>
         <p:nvSpPr>
           <p:cNvPr id="18" name="TextBox 17">
@@ -12341,6 +15557,42 @@
           </a:p>
         </p:txBody>
       </p:sp>
+      <p:pic>
+        <p:nvPicPr>
+          <p:cNvPr id="3" name="Picture 2">
+            <a:extLst>
+              <a:ext uri="{FF2B5EF4-FFF2-40B4-BE49-F238E27FC236}">
+                <a16:creationId xmlns:a16="http://schemas.microsoft.com/office/drawing/2014/main" id="{EA0C8073-D809-FBDC-3E6D-4BB8FFF0E382}"/>
+              </a:ext>
+            </a:extLst>
+          </p:cNvPr>
+          <p:cNvPicPr>
+            <a:picLocks noChangeAspect="1"/>
+          </p:cNvPicPr>
+          <p:nvPr/>
+        </p:nvPicPr>
+        <p:blipFill>
+          <a:blip r:embed="rId3">
+            <a:extLst>
+              <a:ext uri="{28A0092B-C50C-407E-A947-70E740481C1C}">
+                <a14:useLocalDpi xmlns:a14="http://schemas.microsoft.com/office/drawing/2010/main" val="0"/>
+              </a:ext>
+            </a:extLst>
+          </a:blip>
+          <a:stretch>
+            <a:fillRect/>
+          </a:stretch>
+        </p:blipFill>
+        <p:spPr>
+          <a:xfrm>
+            <a:off x="6367345" y="936038"/>
+            <a:ext cx="5341435" cy="3546087"/>
+          </a:xfrm>
+          <a:prstGeom prst="rect">
+            <a:avLst/>
+          </a:prstGeom>
+        </p:spPr>
+      </p:pic>
     </p:spTree>
     <p:extLst>
       <p:ext uri="{BB962C8B-B14F-4D97-AF65-F5344CB8AC3E}">
@@ -12449,7 +15701,7 @@
           <p:nvPr>
             <p:extLst>
               <p:ext uri="{D42A27DB-BD31-4B8C-83A1-F6EECF244321}">
-                <p14:modId xmlns:p14="http://schemas.microsoft.com/office/powerpoint/2010/main" val="4089298589"/>
+                <p14:modId xmlns:p14="http://schemas.microsoft.com/office/powerpoint/2010/main" val="2435208729"/>
               </p:ext>
             </p:extLst>
           </p:nvPr>
@@ -12464,42 +15716,6 @@
           </a:graphicData>
         </a:graphic>
       </p:graphicFrame>
-      <p:pic>
-        <p:nvPicPr>
-          <p:cNvPr id="8" name="Picture 7">
-            <a:extLst>
-              <a:ext uri="{FF2B5EF4-FFF2-40B4-BE49-F238E27FC236}">
-                <a16:creationId xmlns:a16="http://schemas.microsoft.com/office/drawing/2014/main" id="{325D0A6E-AD82-1C05-A831-C75EF32A40FA}"/>
-              </a:ext>
-            </a:extLst>
-          </p:cNvPr>
-          <p:cNvPicPr>
-            <a:picLocks noChangeAspect="1"/>
-          </p:cNvPicPr>
-          <p:nvPr/>
-        </p:nvPicPr>
-        <p:blipFill>
-          <a:blip r:embed="rId3">
-            <a:extLst>
-              <a:ext uri="{28A0092B-C50C-407E-A947-70E740481C1C}">
-                <a14:useLocalDpi xmlns:a14="http://schemas.microsoft.com/office/drawing/2010/main" val="0"/>
-              </a:ext>
-            </a:extLst>
-          </a:blip>
-          <a:stretch>
-            <a:fillRect/>
-          </a:stretch>
-        </p:blipFill>
-        <p:spPr>
-          <a:xfrm>
-            <a:off x="6096000" y="936038"/>
-            <a:ext cx="5480204" cy="3546087"/>
-          </a:xfrm>
-          <a:prstGeom prst="rect">
-            <a:avLst/>
-          </a:prstGeom>
-        </p:spPr>
-      </p:pic>
       <p:sp>
         <p:nvSpPr>
           <p:cNvPr id="12" name="TextBox 11">
@@ -12515,7 +15731,7 @@
         <p:spPr>
           <a:xfrm>
             <a:off x="615796" y="4708499"/>
-            <a:ext cx="10960408" cy="2031325"/>
+            <a:ext cx="10960408" cy="2308324"/>
           </a:xfrm>
           <a:prstGeom prst="rect">
             <a:avLst/>
@@ -12560,7 +15776,7 @@
                 <a:ea typeface="+mn-ea"/>
                 <a:cs typeface="+mn-cs"/>
               </a:rPr>
-              <a:t>The sample dataset consists of 6 columns (individual CIT coils). Each columns are highly correlated to each other.</a:t>
+              <a:t>The sample dataset consists of 6 columns (individual CIT coils). Each columns are moderately correlated to each other.</a:t>
             </a:r>
           </a:p>
           <a:p>
@@ -12770,7 +15986,7 @@
                 <a:ea typeface="+mn-ea"/>
                 <a:cs typeface="+mn-cs"/>
               </a:rPr>
-              <a:t>individual CIT columns are dropped and replaced with Average Cross Over Temperature.</a:t>
+              <a:t>average CIT column is not considered as feature.</a:t>
             </a:r>
             <a:endParaRPr kumimoji="0" lang="en-IN" sz="1800" b="1" i="0" u="none" strike="noStrike" kern="1200" cap="none" spc="0" normalizeH="0" baseline="0" noProof="0" dirty="0">
               <a:ln>
@@ -12825,6 +16041,42 @@
           </a:p>
         </p:txBody>
       </p:sp>
+      <p:pic>
+        <p:nvPicPr>
+          <p:cNvPr id="3" name="Picture 2">
+            <a:extLst>
+              <a:ext uri="{FF2B5EF4-FFF2-40B4-BE49-F238E27FC236}">
+                <a16:creationId xmlns:a16="http://schemas.microsoft.com/office/drawing/2014/main" id="{430F30A8-4B94-E28A-C83E-5B134AFF11F1}"/>
+              </a:ext>
+            </a:extLst>
+          </p:cNvPr>
+          <p:cNvPicPr>
+            <a:picLocks noChangeAspect="1"/>
+          </p:cNvPicPr>
+          <p:nvPr/>
+        </p:nvPicPr>
+        <p:blipFill>
+          <a:blip r:embed="rId3">
+            <a:extLst>
+              <a:ext uri="{28A0092B-C50C-407E-A947-70E740481C1C}">
+                <a14:useLocalDpi xmlns:a14="http://schemas.microsoft.com/office/drawing/2010/main" val="0"/>
+              </a:ext>
+            </a:extLst>
+          </a:blip>
+          <a:stretch>
+            <a:fillRect/>
+          </a:stretch>
+        </p:blipFill>
+        <p:spPr>
+          <a:xfrm>
+            <a:off x="6616393" y="936038"/>
+            <a:ext cx="5136992" cy="3167611"/>
+          </a:xfrm>
+          <a:prstGeom prst="rect">
+            <a:avLst/>
+          </a:prstGeom>
+        </p:spPr>
+      </p:pic>
     </p:spTree>
     <p:extLst>
       <p:ext uri="{BB962C8B-B14F-4D97-AF65-F5344CB8AC3E}">
@@ -12933,7 +16185,7 @@
           <p:nvPr>
             <p:extLst>
               <p:ext uri="{D42A27DB-BD31-4B8C-83A1-F6EECF244321}">
-                <p14:modId xmlns:p14="http://schemas.microsoft.com/office/powerpoint/2010/main" val="118200572"/>
+                <p14:modId xmlns:p14="http://schemas.microsoft.com/office/powerpoint/2010/main" val="4194350469"/>
               </p:ext>
             </p:extLst>
           </p:nvPr>
@@ -12948,42 +16200,6 @@
           </a:graphicData>
         </a:graphic>
       </p:graphicFrame>
-      <p:pic>
-        <p:nvPicPr>
-          <p:cNvPr id="8" name="Picture 7">
-            <a:extLst>
-              <a:ext uri="{FF2B5EF4-FFF2-40B4-BE49-F238E27FC236}">
-                <a16:creationId xmlns:a16="http://schemas.microsoft.com/office/drawing/2014/main" id="{88FEA358-ED01-C507-3E3E-522EF56B4CBC}"/>
-              </a:ext>
-            </a:extLst>
-          </p:cNvPr>
-          <p:cNvPicPr>
-            <a:picLocks noChangeAspect="1"/>
-          </p:cNvPicPr>
-          <p:nvPr/>
-        </p:nvPicPr>
-        <p:blipFill>
-          <a:blip r:embed="rId3">
-            <a:extLst>
-              <a:ext uri="{28A0092B-C50C-407E-A947-70E740481C1C}">
-                <a14:useLocalDpi xmlns:a14="http://schemas.microsoft.com/office/drawing/2010/main" val="0"/>
-              </a:ext>
-            </a:extLst>
-          </a:blip>
-          <a:stretch>
-            <a:fillRect/>
-          </a:stretch>
-        </p:blipFill>
-        <p:spPr>
-          <a:xfrm>
-            <a:off x="5823904" y="832327"/>
-            <a:ext cx="5606096" cy="3728521"/>
-          </a:xfrm>
-          <a:prstGeom prst="rect">
-            <a:avLst/>
-          </a:prstGeom>
-        </p:spPr>
-      </p:pic>
       <p:sp>
         <p:nvSpPr>
           <p:cNvPr id="12" name="TextBox 11">
@@ -13044,7 +16260,501 @@
                 <a:ea typeface="+mn-ea"/>
                 <a:cs typeface="+mn-cs"/>
               </a:rPr>
-              <a:t>The sample dataset consists of 6 columns (individual CIP coils). Though not all the columns are highly correlated to each other,  they are having correlation value greater than 0.75. This implies those individual column samples contain similar information.</a:t>
+              <a:t>The sample dataset consists of 6 columns (individual CIP coils). Though not all the columns are highly correlated to each other, they are having correlation value greater than 0.75. This implies those individual column samples can be considered as features.</a:t>
+            </a:r>
+          </a:p>
+          <a:p>
+            <a:pPr marL="0" marR="0" lvl="0" indent="0" algn="l" defTabSz="914400" rtl="0" eaLnBrk="1" fontAlgn="auto" latinLnBrk="0" hangingPunct="1">
+              <a:lnSpc>
+                <a:spcPct val="100000"/>
+              </a:lnSpc>
+              <a:spcBef>
+                <a:spcPts val="0"/>
+              </a:spcBef>
+              <a:spcAft>
+                <a:spcPts val="0"/>
+              </a:spcAft>
+              <a:buClrTx/>
+              <a:buSzTx/>
+              <a:buFontTx/>
+              <a:buNone/>
+              <a:tabLst/>
+              <a:defRPr/>
+            </a:pPr>
+            <a:endParaRPr kumimoji="0" lang="en-IN" sz="1800" b="0" i="0" u="none" strike="noStrike" kern="1200" cap="none" spc="0" normalizeH="0" baseline="0" noProof="0" dirty="0">
+              <a:ln>
+                <a:noFill/>
+              </a:ln>
+              <a:solidFill>
+                <a:prstClr val="black"/>
+              </a:solidFill>
+              <a:effectLst/>
+              <a:uLnTx/>
+              <a:uFillTx/>
+              <a:latin typeface="Calibri" panose="020F0502020204030204"/>
+              <a:ea typeface="+mn-ea"/>
+              <a:cs typeface="+mn-cs"/>
+            </a:endParaRPr>
+          </a:p>
+          <a:p>
+            <a:pPr marL="0" marR="0" lvl="0" indent="0" algn="l" defTabSz="914400" rtl="0" eaLnBrk="1" fontAlgn="auto" latinLnBrk="0" hangingPunct="1">
+              <a:lnSpc>
+                <a:spcPct val="100000"/>
+              </a:lnSpc>
+              <a:spcBef>
+                <a:spcPts val="0"/>
+              </a:spcBef>
+              <a:spcAft>
+                <a:spcPts val="0"/>
+              </a:spcAft>
+              <a:buClrTx/>
+              <a:buSzTx/>
+              <a:buFontTx/>
+              <a:buNone/>
+              <a:tabLst/>
+              <a:defRPr/>
+            </a:pPr>
+            <a:r>
+              <a:rPr kumimoji="0" lang="en-IN" sz="1800" b="1" i="0" u="none" strike="noStrike" kern="1200" cap="none" spc="0" normalizeH="0" baseline="0" noProof="0" dirty="0">
+                <a:ln>
+                  <a:noFill/>
+                </a:ln>
+                <a:solidFill>
+                  <a:prstClr val="black"/>
+                </a:solidFill>
+                <a:effectLst/>
+                <a:uLnTx/>
+                <a:uFillTx/>
+                <a:latin typeface="Calibri" panose="020F0502020204030204"/>
+                <a:ea typeface="+mn-ea"/>
+                <a:cs typeface="+mn-cs"/>
+              </a:rPr>
+              <a:t>Treatment:</a:t>
+            </a:r>
+          </a:p>
+          <a:p>
+            <a:pPr marL="742950" marR="0" lvl="1" indent="-285750" algn="l" defTabSz="914400" rtl="0" eaLnBrk="1" fontAlgn="auto" latinLnBrk="0" hangingPunct="1">
+              <a:lnSpc>
+                <a:spcPct val="100000"/>
+              </a:lnSpc>
+              <a:spcBef>
+                <a:spcPts val="0"/>
+              </a:spcBef>
+              <a:spcAft>
+                <a:spcPts val="0"/>
+              </a:spcAft>
+              <a:buClrTx/>
+              <a:buSzTx/>
+              <a:buFont typeface="Arial" panose="020B0604020202020204" pitchFamily="34" charset="0"/>
+              <a:buChar char="•"/>
+              <a:tabLst/>
+              <a:defRPr/>
+            </a:pPr>
+            <a:r>
+              <a:rPr kumimoji="0" lang="en-IN" sz="1800" b="0" i="0" u="none" strike="noStrike" kern="1200" cap="none" spc="0" normalizeH="0" baseline="0" noProof="0" dirty="0">
+                <a:ln>
+                  <a:noFill/>
+                </a:ln>
+                <a:solidFill>
+                  <a:prstClr val="black"/>
+                </a:solidFill>
+                <a:effectLst/>
+                <a:uLnTx/>
+                <a:uFillTx/>
+                <a:latin typeface="Calibri" panose="020F0502020204030204"/>
+                <a:ea typeface="+mn-ea"/>
+                <a:cs typeface="+mn-cs"/>
+              </a:rPr>
+              <a:t>Maximum CIP  is computed across all the columns.</a:t>
+            </a:r>
+          </a:p>
+          <a:p>
+            <a:pPr marL="742950" marR="0" lvl="1" indent="-285750" algn="l" defTabSz="914400" rtl="0" eaLnBrk="1" fontAlgn="auto" latinLnBrk="0" hangingPunct="1">
+              <a:lnSpc>
+                <a:spcPct val="100000"/>
+              </a:lnSpc>
+              <a:spcBef>
+                <a:spcPts val="0"/>
+              </a:spcBef>
+              <a:spcAft>
+                <a:spcPts val="0"/>
+              </a:spcAft>
+              <a:buClrTx/>
+              <a:buSzTx/>
+              <a:buFont typeface="Arial" panose="020B0604020202020204" pitchFamily="34" charset="0"/>
+              <a:buChar char="•"/>
+              <a:tabLst/>
+              <a:defRPr/>
+            </a:pPr>
+            <a:r>
+              <a:rPr kumimoji="0" lang="en-IN" sz="1800" b="0" i="0" u="none" strike="noStrike" kern="1200" cap="none" spc="0" normalizeH="0" baseline="0" noProof="0" dirty="0">
+                <a:ln>
+                  <a:noFill/>
+                </a:ln>
+                <a:solidFill>
+                  <a:prstClr val="black"/>
+                </a:solidFill>
+                <a:effectLst/>
+                <a:uLnTx/>
+                <a:uFillTx/>
+                <a:latin typeface="Calibri" panose="020F0502020204030204"/>
+                <a:ea typeface="+mn-ea"/>
+                <a:cs typeface="+mn-cs"/>
+              </a:rPr>
+              <a:t>Since maximum CIP is highly correlated with all individual columns. Hence</a:t>
+            </a:r>
+            <a:r>
+              <a:rPr kumimoji="0" lang="en-IN" sz="1800" b="1" i="0" u="none" strike="noStrike" kern="1200" cap="none" spc="0" normalizeH="0" baseline="0" noProof="0" dirty="0">
+                <a:ln>
+                  <a:noFill/>
+                </a:ln>
+                <a:solidFill>
+                  <a:prstClr val="black"/>
+                </a:solidFill>
+                <a:effectLst/>
+                <a:uLnTx/>
+                <a:uFillTx/>
+                <a:latin typeface="Calibri" panose="020F0502020204030204"/>
+                <a:ea typeface="+mn-ea"/>
+                <a:cs typeface="+mn-cs"/>
+              </a:rPr>
+              <a:t> </a:t>
+            </a:r>
+            <a:r>
+              <a:rPr kumimoji="0" lang="en-IN" sz="1800" b="0" i="0" u="none" strike="noStrike" kern="1200" cap="none" spc="0" normalizeH="0" baseline="0" noProof="0" dirty="0">
+                <a:ln>
+                  <a:noFill/>
+                </a:ln>
+                <a:solidFill>
+                  <a:prstClr val="black"/>
+                </a:solidFill>
+                <a:effectLst/>
+                <a:uLnTx/>
+                <a:uFillTx/>
+                <a:latin typeface="Calibri" panose="020F0502020204030204"/>
+                <a:ea typeface="+mn-ea"/>
+                <a:cs typeface="+mn-cs"/>
+              </a:rPr>
+              <a:t>max CIP column is not considered as useful feature.</a:t>
+            </a:r>
+            <a:endParaRPr kumimoji="0" lang="en-IN" sz="1800" b="1" i="0" u="none" strike="noStrike" kern="1200" cap="none" spc="0" normalizeH="0" baseline="0" noProof="0" dirty="0">
+              <a:ln>
+                <a:noFill/>
+              </a:ln>
+              <a:solidFill>
+                <a:prstClr val="black"/>
+              </a:solidFill>
+              <a:effectLst/>
+              <a:uLnTx/>
+              <a:uFillTx/>
+              <a:latin typeface="Calibri" panose="020F0502020204030204"/>
+              <a:ea typeface="+mn-ea"/>
+              <a:cs typeface="+mn-cs"/>
+            </a:endParaRPr>
+          </a:p>
+          <a:p>
+            <a:pPr marL="0" marR="0" lvl="0" indent="0" algn="l" defTabSz="914400" rtl="0" eaLnBrk="1" fontAlgn="auto" latinLnBrk="0" hangingPunct="1">
+              <a:lnSpc>
+                <a:spcPct val="100000"/>
+              </a:lnSpc>
+              <a:spcBef>
+                <a:spcPts val="0"/>
+              </a:spcBef>
+              <a:spcAft>
+                <a:spcPts val="0"/>
+              </a:spcAft>
+              <a:buClrTx/>
+              <a:buSzTx/>
+              <a:buFontTx/>
+              <a:buNone/>
+              <a:tabLst/>
+              <a:defRPr/>
+            </a:pPr>
+            <a:r>
+              <a:rPr kumimoji="0" lang="en-IN" sz="1800" b="0" i="0" u="none" strike="noStrike" kern="1200" cap="none" spc="0" normalizeH="0" baseline="0" noProof="0" dirty="0">
+                <a:ln>
+                  <a:noFill/>
+                </a:ln>
+                <a:solidFill>
+                  <a:prstClr val="black"/>
+                </a:solidFill>
+                <a:effectLst/>
+                <a:uLnTx/>
+                <a:uFillTx/>
+                <a:latin typeface="Calibri" panose="020F0502020204030204"/>
+                <a:ea typeface="+mn-ea"/>
+                <a:cs typeface="+mn-cs"/>
+              </a:rPr>
+              <a:t> </a:t>
+            </a:r>
+          </a:p>
+        </p:txBody>
+      </p:sp>
+      <p:pic>
+        <p:nvPicPr>
+          <p:cNvPr id="3" name="Picture 2">
+            <a:extLst>
+              <a:ext uri="{FF2B5EF4-FFF2-40B4-BE49-F238E27FC236}">
+                <a16:creationId xmlns:a16="http://schemas.microsoft.com/office/drawing/2014/main" id="{6D959AD6-605A-E474-9A8C-425D8463F721}"/>
+              </a:ext>
+            </a:extLst>
+          </p:cNvPr>
+          <p:cNvPicPr>
+            <a:picLocks noChangeAspect="1"/>
+          </p:cNvPicPr>
+          <p:nvPr/>
+        </p:nvPicPr>
+        <p:blipFill>
+          <a:blip r:embed="rId3">
+            <a:extLst>
+              <a:ext uri="{28A0092B-C50C-407E-A947-70E740481C1C}">
+                <a14:useLocalDpi xmlns:a14="http://schemas.microsoft.com/office/drawing/2010/main" val="0"/>
+              </a:ext>
+            </a:extLst>
+          </a:blip>
+          <a:stretch>
+            <a:fillRect/>
+          </a:stretch>
+        </p:blipFill>
+        <p:spPr>
+          <a:xfrm>
+            <a:off x="6177776" y="912393"/>
+            <a:ext cx="5252224" cy="3546087"/>
+          </a:xfrm>
+          <a:prstGeom prst="rect">
+            <a:avLst/>
+          </a:prstGeom>
+        </p:spPr>
+      </p:pic>
+    </p:spTree>
+    <p:extLst>
+      <p:ext uri="{BB962C8B-B14F-4D97-AF65-F5344CB8AC3E}">
+        <p14:creationId xmlns:p14="http://schemas.microsoft.com/office/powerpoint/2010/main" val="2967268408"/>
+      </p:ext>
+    </p:extLst>
+  </p:cSld>
+  <p:clrMapOvr>
+    <a:masterClrMapping/>
+  </p:clrMapOvr>
+</p:sld>
+</file>
+
+<file path=ppt/slides/slide13.xml><?xml version="1.0" encoding="utf-8"?>
+<p:sld xmlns:a="http://schemas.openxmlformats.org/drawingml/2006/main" xmlns:r="http://schemas.openxmlformats.org/officeDocument/2006/relationships" xmlns:p="http://schemas.openxmlformats.org/presentationml/2006/main">
+  <p:cSld>
+    <p:spTree>
+      <p:nvGrpSpPr>
+        <p:cNvPr id="1" name=""/>
+        <p:cNvGrpSpPr/>
+        <p:nvPr/>
+      </p:nvGrpSpPr>
+      <p:grpSpPr>
+        <a:xfrm>
+          <a:off x="0" y="0"/>
+          <a:ext cx="0" cy="0"/>
+          <a:chOff x="0" y="0"/>
+          <a:chExt cx="0" cy="0"/>
+        </a:xfrm>
+      </p:grpSpPr>
+      <p:sp>
+        <p:nvSpPr>
+          <p:cNvPr id="2" name="TextBox 1">
+            <a:extLst>
+              <a:ext uri="{FF2B5EF4-FFF2-40B4-BE49-F238E27FC236}">
+                <a16:creationId xmlns:a16="http://schemas.microsoft.com/office/drawing/2014/main" id="{538DCF86-A62E-6A8D-9AC8-45088288B33D}"/>
+              </a:ext>
+            </a:extLst>
+          </p:cNvPr>
+          <p:cNvSpPr txBox="1"/>
+          <p:nvPr/>
+        </p:nvSpPr>
+        <p:spPr>
+          <a:xfrm>
+            <a:off x="2580423" y="222152"/>
+            <a:ext cx="7691553" cy="584775"/>
+          </a:xfrm>
+          <a:prstGeom prst="rect">
+            <a:avLst/>
+          </a:prstGeom>
+          <a:noFill/>
+        </p:spPr>
+        <p:txBody>
+          <a:bodyPr wrap="square">
+            <a:spAutoFit/>
+          </a:bodyPr>
+          <a:lstStyle/>
+          <a:p>
+            <a:pPr marL="0" marR="0" lvl="0" indent="0" algn="l" defTabSz="914400" rtl="0" eaLnBrk="1" fontAlgn="auto" latinLnBrk="0" hangingPunct="1">
+              <a:lnSpc>
+                <a:spcPct val="100000"/>
+              </a:lnSpc>
+              <a:spcBef>
+                <a:spcPts val="0"/>
+              </a:spcBef>
+              <a:spcAft>
+                <a:spcPts val="0"/>
+              </a:spcAft>
+              <a:buClrTx/>
+              <a:buSzTx/>
+              <a:buFontTx/>
+              <a:buNone/>
+              <a:tabLst/>
+              <a:defRPr/>
+            </a:pPr>
+            <a:r>
+              <a:rPr kumimoji="0" lang="en-IN" sz="3200" b="0" i="0" u="none" strike="noStrike" kern="1200" cap="none" spc="0" normalizeH="0" baseline="0" noProof="0" dirty="0">
+                <a:ln>
+                  <a:noFill/>
+                </a:ln>
+                <a:solidFill>
+                  <a:prstClr val="black"/>
+                </a:solidFill>
+                <a:effectLst/>
+                <a:uLnTx/>
+                <a:uFillTx/>
+                <a:latin typeface="Calibri" panose="020F0502020204030204"/>
+                <a:ea typeface="+mn-ea"/>
+                <a:cs typeface="+mn-cs"/>
+              </a:rPr>
+              <a:t>Feed Temperature Correlation Analysis</a:t>
+            </a:r>
+          </a:p>
+        </p:txBody>
+      </p:sp>
+      <p:graphicFrame>
+        <p:nvGraphicFramePr>
+          <p:cNvPr id="3" name="Chart 2">
+            <a:extLst>
+              <a:ext uri="{FF2B5EF4-FFF2-40B4-BE49-F238E27FC236}">
+                <a16:creationId xmlns:a16="http://schemas.microsoft.com/office/drawing/2014/main" id="{25F79754-2C97-0FCB-13C5-715918DF4A1C}"/>
+              </a:ext>
+            </a:extLst>
+          </p:cNvPr>
+          <p:cNvGraphicFramePr/>
+          <p:nvPr>
+            <p:extLst>
+              <p:ext uri="{D42A27DB-BD31-4B8C-83A1-F6EECF244321}">
+                <p14:modId xmlns:p14="http://schemas.microsoft.com/office/powerpoint/2010/main" val="868224577"/>
+              </p:ext>
+            </p:extLst>
+          </p:nvPr>
+        </p:nvGraphicFramePr>
+        <p:xfrm>
+          <a:off x="1109134" y="912393"/>
+          <a:ext cx="3809999" cy="2779074"/>
+        </p:xfrm>
+        <a:graphic>
+          <a:graphicData uri="http://schemas.openxmlformats.org/drawingml/2006/chart">
+            <c:chart xmlns:c="http://schemas.openxmlformats.org/drawingml/2006/chart" xmlns:r="http://schemas.openxmlformats.org/officeDocument/2006/relationships" r:id="rId2"/>
+          </a:graphicData>
+        </a:graphic>
+      </p:graphicFrame>
+      <p:pic>
+        <p:nvPicPr>
+          <p:cNvPr id="5" name="Picture 4">
+            <a:extLst>
+              <a:ext uri="{FF2B5EF4-FFF2-40B4-BE49-F238E27FC236}">
+                <a16:creationId xmlns:a16="http://schemas.microsoft.com/office/drawing/2014/main" id="{73E037D7-D483-C6C9-B369-F6352F4FF050}"/>
+              </a:ext>
+            </a:extLst>
+          </p:cNvPr>
+          <p:cNvPicPr>
+            <a:picLocks noChangeAspect="1"/>
+          </p:cNvPicPr>
+          <p:nvPr/>
+        </p:nvPicPr>
+        <p:blipFill>
+          <a:blip r:embed="rId3">
+            <a:extLst>
+              <a:ext uri="{28A0092B-C50C-407E-A947-70E740481C1C}">
+                <a14:useLocalDpi xmlns:a14="http://schemas.microsoft.com/office/drawing/2010/main" val="0"/>
+              </a:ext>
+            </a:extLst>
+          </a:blip>
+          <a:stretch>
+            <a:fillRect/>
+          </a:stretch>
+        </p:blipFill>
+        <p:spPr>
+          <a:xfrm>
+            <a:off x="6688667" y="912393"/>
+            <a:ext cx="3505200" cy="2779074"/>
+          </a:xfrm>
+          <a:prstGeom prst="rect">
+            <a:avLst/>
+          </a:prstGeom>
+        </p:spPr>
+      </p:pic>
+      <p:sp>
+        <p:nvSpPr>
+          <p:cNvPr id="6" name="TextBox 5">
+            <a:extLst>
+              <a:ext uri="{FF2B5EF4-FFF2-40B4-BE49-F238E27FC236}">
+                <a16:creationId xmlns:a16="http://schemas.microsoft.com/office/drawing/2014/main" id="{A8D1BDD8-FFA1-167C-A1F0-F44AD193C0AE}"/>
+              </a:ext>
+            </a:extLst>
+          </p:cNvPr>
+          <p:cNvSpPr txBox="1"/>
+          <p:nvPr/>
+        </p:nvSpPr>
+        <p:spPr>
+          <a:xfrm>
+            <a:off x="514196" y="4132145"/>
+            <a:ext cx="10814204" cy="2308324"/>
+          </a:xfrm>
+          <a:prstGeom prst="rect">
+            <a:avLst/>
+          </a:prstGeom>
+          <a:noFill/>
+        </p:spPr>
+        <p:txBody>
+          <a:bodyPr wrap="square">
+            <a:spAutoFit/>
+          </a:bodyPr>
+          <a:lstStyle/>
+          <a:p>
+            <a:pPr marL="0" marR="0" lvl="0" indent="0" algn="l" defTabSz="914400" rtl="0" eaLnBrk="1" fontAlgn="auto" latinLnBrk="0" hangingPunct="1">
+              <a:lnSpc>
+                <a:spcPct val="100000"/>
+              </a:lnSpc>
+              <a:spcBef>
+                <a:spcPts val="0"/>
+              </a:spcBef>
+              <a:spcAft>
+                <a:spcPts val="0"/>
+              </a:spcAft>
+              <a:buClrTx/>
+              <a:buSzTx/>
+              <a:buFontTx/>
+              <a:buNone/>
+              <a:tabLst/>
+              <a:defRPr/>
+            </a:pPr>
+            <a:r>
+              <a:rPr lang="en-IN" dirty="0">
+                <a:solidFill>
+                  <a:prstClr val="black"/>
+                </a:solidFill>
+                <a:latin typeface="Calibri" panose="020F0502020204030204"/>
+              </a:rPr>
+              <a:t>The sample dataset is having 2 feed temperature columns. </a:t>
+            </a:r>
+            <a:r>
+              <a:rPr kumimoji="0" lang="en-IN" sz="1800" b="0" i="0" u="none" strike="noStrike" kern="1200" cap="none" spc="0" normalizeH="0" baseline="0" noProof="0" dirty="0">
+                <a:ln>
+                  <a:noFill/>
+                </a:ln>
+                <a:solidFill>
+                  <a:prstClr val="black"/>
+                </a:solidFill>
+                <a:effectLst/>
+                <a:uLnTx/>
+                <a:uFillTx/>
+                <a:latin typeface="Calibri" panose="020F0502020204030204"/>
+                <a:ea typeface="+mn-ea"/>
+                <a:cs typeface="+mn-cs"/>
+              </a:rPr>
+              <a:t> Since, there is no significant correlation between feed temp 1 and feed temp 2. Hence individual feed  temp columns can be considered as features. </a:t>
             </a:r>
           </a:p>
           <a:p>
@@ -13277,7 +16987,908 @@
     </p:spTree>
     <p:extLst>
       <p:ext uri="{BB962C8B-B14F-4D97-AF65-F5344CB8AC3E}">
-        <p14:creationId xmlns:p14="http://schemas.microsoft.com/office/powerpoint/2010/main" val="2967268408"/>
+        <p14:creationId xmlns:p14="http://schemas.microsoft.com/office/powerpoint/2010/main" val="2146153340"/>
+      </p:ext>
+    </p:extLst>
+  </p:cSld>
+  <p:clrMapOvr>
+    <a:masterClrMapping/>
+  </p:clrMapOvr>
+</p:sld>
+</file>
+
+<file path=ppt/slides/slide14.xml><?xml version="1.0" encoding="utf-8"?>
+<p:sld xmlns:a="http://schemas.openxmlformats.org/drawingml/2006/main" xmlns:r="http://schemas.openxmlformats.org/officeDocument/2006/relationships" xmlns:p="http://schemas.openxmlformats.org/presentationml/2006/main">
+  <p:cSld>
+    <p:spTree>
+      <p:nvGrpSpPr>
+        <p:cNvPr id="1" name=""/>
+        <p:cNvGrpSpPr/>
+        <p:nvPr/>
+      </p:nvGrpSpPr>
+      <p:grpSpPr>
+        <a:xfrm>
+          <a:off x="0" y="0"/>
+          <a:ext cx="0" cy="0"/>
+          <a:chOff x="0" y="0"/>
+          <a:chExt cx="0" cy="0"/>
+        </a:xfrm>
+      </p:grpSpPr>
+      <p:sp>
+        <p:nvSpPr>
+          <p:cNvPr id="5" name="TextBox 4">
+            <a:extLst>
+              <a:ext uri="{FF2B5EF4-FFF2-40B4-BE49-F238E27FC236}">
+                <a16:creationId xmlns:a16="http://schemas.microsoft.com/office/drawing/2014/main" id="{A456A1EE-9B0B-DDBB-A28D-5217A34DB4BD}"/>
+              </a:ext>
+            </a:extLst>
+          </p:cNvPr>
+          <p:cNvSpPr txBox="1"/>
+          <p:nvPr/>
+        </p:nvSpPr>
+        <p:spPr>
+          <a:xfrm>
+            <a:off x="1834055" y="76245"/>
+            <a:ext cx="8523889" cy="584775"/>
+          </a:xfrm>
+          <a:prstGeom prst="rect">
+            <a:avLst/>
+          </a:prstGeom>
+          <a:noFill/>
+        </p:spPr>
+        <p:txBody>
+          <a:bodyPr wrap="square">
+            <a:spAutoFit/>
+          </a:bodyPr>
+          <a:lstStyle/>
+          <a:p>
+            <a:pPr marL="0" marR="0" lvl="0" indent="0" algn="l" defTabSz="914400" rtl="0" eaLnBrk="1" fontAlgn="auto" latinLnBrk="0" hangingPunct="1">
+              <a:lnSpc>
+                <a:spcPct val="100000"/>
+              </a:lnSpc>
+              <a:spcBef>
+                <a:spcPts val="0"/>
+              </a:spcBef>
+              <a:spcAft>
+                <a:spcPts val="0"/>
+              </a:spcAft>
+              <a:buClrTx/>
+              <a:buSzTx/>
+              <a:buFontTx/>
+              <a:buNone/>
+              <a:tabLst/>
+              <a:defRPr/>
+            </a:pPr>
+            <a:r>
+              <a:rPr kumimoji="0" lang="en-IN" sz="3200" b="0" i="0" u="none" strike="noStrike" kern="1200" cap="none" spc="0" normalizeH="0" baseline="0" noProof="0" dirty="0">
+                <a:ln>
+                  <a:noFill/>
+                </a:ln>
+                <a:solidFill>
+                  <a:prstClr val="black"/>
+                </a:solidFill>
+                <a:effectLst/>
+                <a:uLnTx/>
+                <a:uFillTx/>
+                <a:latin typeface="Calibri" panose="020F0502020204030204"/>
+                <a:ea typeface="+mn-ea"/>
+                <a:cs typeface="+mn-cs"/>
+              </a:rPr>
+              <a:t>Correlation between final independent variables </a:t>
+            </a:r>
+          </a:p>
+        </p:txBody>
+      </p:sp>
+      <p:pic>
+        <p:nvPicPr>
+          <p:cNvPr id="7" name="Picture 6">
+            <a:extLst>
+              <a:ext uri="{FF2B5EF4-FFF2-40B4-BE49-F238E27FC236}">
+                <a16:creationId xmlns:a16="http://schemas.microsoft.com/office/drawing/2014/main" id="{4100EE57-B8C9-13CB-9457-D5FA86B59760}"/>
+              </a:ext>
+            </a:extLst>
+          </p:cNvPr>
+          <p:cNvPicPr>
+            <a:picLocks noChangeAspect="1"/>
+          </p:cNvPicPr>
+          <p:nvPr/>
+        </p:nvPicPr>
+        <p:blipFill>
+          <a:blip r:embed="rId2">
+            <a:extLst>
+              <a:ext uri="{28A0092B-C50C-407E-A947-70E740481C1C}">
+                <a14:useLocalDpi xmlns:a14="http://schemas.microsoft.com/office/drawing/2010/main" val="0"/>
+              </a:ext>
+            </a:extLst>
+          </a:blip>
+          <a:stretch>
+            <a:fillRect/>
+          </a:stretch>
+        </p:blipFill>
+        <p:spPr>
+          <a:xfrm>
+            <a:off x="861848" y="661020"/>
+            <a:ext cx="11130455" cy="5750290"/>
+          </a:xfrm>
+          <a:prstGeom prst="rect">
+            <a:avLst/>
+          </a:prstGeom>
+        </p:spPr>
+      </p:pic>
+    </p:spTree>
+    <p:extLst>
+      <p:ext uri="{BB962C8B-B14F-4D97-AF65-F5344CB8AC3E}">
+        <p14:creationId xmlns:p14="http://schemas.microsoft.com/office/powerpoint/2010/main" val="3857796046"/>
+      </p:ext>
+    </p:extLst>
+  </p:cSld>
+  <p:clrMapOvr>
+    <a:masterClrMapping/>
+  </p:clrMapOvr>
+</p:sld>
+</file>
+
+<file path=ppt/slides/slide15.xml><?xml version="1.0" encoding="utf-8"?>
+<p:sld xmlns:a="http://schemas.openxmlformats.org/drawingml/2006/main" xmlns:r="http://schemas.openxmlformats.org/officeDocument/2006/relationships" xmlns:p="http://schemas.openxmlformats.org/presentationml/2006/main">
+  <p:cSld>
+    <p:spTree>
+      <p:nvGrpSpPr>
+        <p:cNvPr id="1" name=""/>
+        <p:cNvGrpSpPr/>
+        <p:nvPr/>
+      </p:nvGrpSpPr>
+      <p:grpSpPr>
+        <a:xfrm>
+          <a:off x="0" y="0"/>
+          <a:ext cx="0" cy="0"/>
+          <a:chOff x="0" y="0"/>
+          <a:chExt cx="0" cy="0"/>
+        </a:xfrm>
+      </p:grpSpPr>
+      <p:sp>
+        <p:nvSpPr>
+          <p:cNvPr id="2" name="TextBox 1">
+            <a:extLst>
+              <a:ext uri="{FF2B5EF4-FFF2-40B4-BE49-F238E27FC236}">
+                <a16:creationId xmlns:a16="http://schemas.microsoft.com/office/drawing/2014/main" id="{3F5F2BD8-5316-76DD-859B-3288ECD1D834}"/>
+              </a:ext>
+            </a:extLst>
+          </p:cNvPr>
+          <p:cNvSpPr txBox="1"/>
+          <p:nvPr/>
+        </p:nvSpPr>
+        <p:spPr>
+          <a:xfrm>
+            <a:off x="608789" y="653221"/>
+            <a:ext cx="10814204" cy="2031325"/>
+          </a:xfrm>
+          <a:prstGeom prst="rect">
+            <a:avLst/>
+          </a:prstGeom>
+          <a:noFill/>
+        </p:spPr>
+        <p:txBody>
+          <a:bodyPr wrap="square">
+            <a:spAutoFit/>
+          </a:bodyPr>
+          <a:lstStyle/>
+          <a:p>
+            <a:pPr marL="0" marR="0" lvl="0" indent="0" algn="l" defTabSz="914400" rtl="0" eaLnBrk="1" fontAlgn="auto" latinLnBrk="0" hangingPunct="1">
+              <a:lnSpc>
+                <a:spcPct val="100000"/>
+              </a:lnSpc>
+              <a:spcBef>
+                <a:spcPts val="0"/>
+              </a:spcBef>
+              <a:spcAft>
+                <a:spcPts val="0"/>
+              </a:spcAft>
+              <a:buClrTx/>
+              <a:buSzTx/>
+              <a:buFontTx/>
+              <a:buNone/>
+              <a:tabLst/>
+              <a:defRPr/>
+            </a:pPr>
+            <a:r>
+              <a:rPr lang="en-IN" dirty="0">
+                <a:solidFill>
+                  <a:prstClr val="black"/>
+                </a:solidFill>
+                <a:latin typeface="Calibri" panose="020F0502020204030204"/>
+              </a:rPr>
+              <a:t> From the above heat map it can be observed that some of the sample dataset columns are </a:t>
+            </a:r>
+            <a:r>
+              <a:rPr kumimoji="0" lang="en-IN" b="0" i="0" u="none" strike="noStrike" kern="1200" cap="none" spc="0" normalizeH="0" baseline="0" noProof="0" dirty="0">
+                <a:ln>
+                  <a:noFill/>
+                </a:ln>
+                <a:solidFill>
+                  <a:prstClr val="black"/>
+                </a:solidFill>
+                <a:effectLst/>
+                <a:uLnTx/>
+                <a:uFillTx/>
+                <a:latin typeface="Calibri" panose="020F0502020204030204"/>
+                <a:ea typeface="+mn-ea"/>
+                <a:cs typeface="+mn-cs"/>
+              </a:rPr>
+              <a:t>moderately correlated and some of them are poorly correlated.  Also, it can be observed that Total DS ratio is highly correlated </a:t>
+            </a:r>
+          </a:p>
+          <a:p>
+            <a:pPr marL="0" marR="0" lvl="0" indent="0" algn="l" defTabSz="914400" rtl="0" eaLnBrk="1" fontAlgn="auto" latinLnBrk="0" hangingPunct="1">
+              <a:lnSpc>
+                <a:spcPct val="100000"/>
+              </a:lnSpc>
+              <a:spcBef>
+                <a:spcPts val="0"/>
+              </a:spcBef>
+              <a:spcAft>
+                <a:spcPts val="0"/>
+              </a:spcAft>
+              <a:buClrTx/>
+              <a:buSzTx/>
+              <a:buFontTx/>
+              <a:buNone/>
+              <a:tabLst/>
+              <a:defRPr/>
+            </a:pPr>
+            <a:r>
+              <a:rPr kumimoji="0" lang="en-IN" sz="1800" b="0" i="0" u="none" strike="noStrike" kern="1200" cap="none" spc="0" normalizeH="0" baseline="0" noProof="0" dirty="0">
+                <a:ln>
+                  <a:noFill/>
+                </a:ln>
+                <a:solidFill>
+                  <a:prstClr val="black"/>
+                </a:solidFill>
+                <a:effectLst/>
+                <a:uLnTx/>
+                <a:uFillTx/>
+                <a:latin typeface="Calibri" panose="020F0502020204030204"/>
+                <a:ea typeface="+mn-ea"/>
+                <a:cs typeface="+mn-cs"/>
+              </a:rPr>
+              <a:t>With Total Naphtha feed.</a:t>
+            </a:r>
+          </a:p>
+          <a:p>
+            <a:pPr marL="0" marR="0" lvl="0" indent="0" algn="l" defTabSz="914400" rtl="0" eaLnBrk="1" fontAlgn="auto" latinLnBrk="0" hangingPunct="1">
+              <a:lnSpc>
+                <a:spcPct val="100000"/>
+              </a:lnSpc>
+              <a:spcBef>
+                <a:spcPts val="0"/>
+              </a:spcBef>
+              <a:spcAft>
+                <a:spcPts val="0"/>
+              </a:spcAft>
+              <a:buClrTx/>
+              <a:buSzTx/>
+              <a:buFontTx/>
+              <a:buNone/>
+              <a:tabLst/>
+              <a:defRPr/>
+            </a:pPr>
+            <a:endParaRPr kumimoji="0" lang="en-IN" sz="1800" b="0" i="0" u="none" strike="noStrike" kern="1200" cap="none" spc="0" normalizeH="0" baseline="0" noProof="0" dirty="0">
+              <a:ln>
+                <a:noFill/>
+              </a:ln>
+              <a:solidFill>
+                <a:prstClr val="black"/>
+              </a:solidFill>
+              <a:effectLst/>
+              <a:uLnTx/>
+              <a:uFillTx/>
+              <a:latin typeface="Calibri" panose="020F0502020204030204"/>
+              <a:ea typeface="+mn-ea"/>
+              <a:cs typeface="+mn-cs"/>
+            </a:endParaRPr>
+          </a:p>
+          <a:p>
+            <a:pPr marL="0" marR="0" lvl="0" indent="0" algn="l" defTabSz="914400" rtl="0" eaLnBrk="1" fontAlgn="auto" latinLnBrk="0" hangingPunct="1">
+              <a:lnSpc>
+                <a:spcPct val="100000"/>
+              </a:lnSpc>
+              <a:spcBef>
+                <a:spcPts val="0"/>
+              </a:spcBef>
+              <a:spcAft>
+                <a:spcPts val="0"/>
+              </a:spcAft>
+              <a:buClrTx/>
+              <a:buSzTx/>
+              <a:buFontTx/>
+              <a:buNone/>
+              <a:tabLst/>
+              <a:defRPr/>
+            </a:pPr>
+            <a:r>
+              <a:rPr kumimoji="0" lang="en-IN" sz="1800" b="1" i="0" u="none" strike="noStrike" kern="1200" cap="none" spc="0" normalizeH="0" baseline="0" noProof="0" dirty="0">
+                <a:ln>
+                  <a:noFill/>
+                </a:ln>
+                <a:solidFill>
+                  <a:prstClr val="black"/>
+                </a:solidFill>
+                <a:effectLst/>
+                <a:uLnTx/>
+                <a:uFillTx/>
+                <a:latin typeface="Calibri" panose="020F0502020204030204"/>
+                <a:ea typeface="+mn-ea"/>
+                <a:cs typeface="+mn-cs"/>
+              </a:rPr>
+              <a:t>Treatment:</a:t>
+            </a:r>
+          </a:p>
+          <a:p>
+            <a:pPr marL="742950" lvl="1" indent="-285750">
+              <a:buFont typeface="Arial" panose="020B0604020202020204" pitchFamily="34" charset="0"/>
+              <a:buChar char="•"/>
+              <a:defRPr/>
+            </a:pPr>
+            <a:r>
+              <a:rPr lang="en-IN" dirty="0">
+                <a:solidFill>
+                  <a:prstClr val="black"/>
+                </a:solidFill>
+                <a:latin typeface="Calibri" panose="020F0502020204030204"/>
+              </a:rPr>
+              <a:t>VIF (Variation inflation factor) will be performed to further identify the multicollinearity in the sample independent variables.</a:t>
+            </a:r>
+          </a:p>
+        </p:txBody>
+      </p:sp>
+    </p:spTree>
+    <p:extLst>
+      <p:ext uri="{BB962C8B-B14F-4D97-AF65-F5344CB8AC3E}">
+        <p14:creationId xmlns:p14="http://schemas.microsoft.com/office/powerpoint/2010/main" val="3867178904"/>
+      </p:ext>
+    </p:extLst>
+  </p:cSld>
+  <p:clrMapOvr>
+    <a:masterClrMapping/>
+  </p:clrMapOvr>
+</p:sld>
+</file>
+
+<file path=ppt/slides/slide16.xml><?xml version="1.0" encoding="utf-8"?>
+<p:sld xmlns:a="http://schemas.openxmlformats.org/drawingml/2006/main" xmlns:r="http://schemas.openxmlformats.org/officeDocument/2006/relationships" xmlns:p="http://schemas.openxmlformats.org/presentationml/2006/main">
+  <p:cSld>
+    <p:spTree>
+      <p:nvGrpSpPr>
+        <p:cNvPr id="1" name=""/>
+        <p:cNvGrpSpPr/>
+        <p:nvPr/>
+      </p:nvGrpSpPr>
+      <p:grpSpPr>
+        <a:xfrm>
+          <a:off x="0" y="0"/>
+          <a:ext cx="0" cy="0"/>
+          <a:chOff x="0" y="0"/>
+          <a:chExt cx="0" cy="0"/>
+        </a:xfrm>
+      </p:grpSpPr>
+      <p:sp>
+        <p:nvSpPr>
+          <p:cNvPr id="5" name="TextBox 4">
+            <a:extLst>
+              <a:ext uri="{FF2B5EF4-FFF2-40B4-BE49-F238E27FC236}">
+                <a16:creationId xmlns:a16="http://schemas.microsoft.com/office/drawing/2014/main" id="{27CD9B1D-170E-39FE-4739-A601CE5D1208}"/>
+              </a:ext>
+            </a:extLst>
+          </p:cNvPr>
+          <p:cNvSpPr txBox="1"/>
+          <p:nvPr/>
+        </p:nvSpPr>
+        <p:spPr>
+          <a:xfrm>
+            <a:off x="3779912" y="198906"/>
+            <a:ext cx="4355095" cy="584775"/>
+          </a:xfrm>
+          <a:prstGeom prst="rect">
+            <a:avLst/>
+          </a:prstGeom>
+          <a:noFill/>
+        </p:spPr>
+        <p:txBody>
+          <a:bodyPr wrap="square">
+            <a:spAutoFit/>
+          </a:bodyPr>
+          <a:lstStyle/>
+          <a:p>
+            <a:pPr marL="0" marR="0" lvl="0" indent="0" algn="l" defTabSz="914400" rtl="0" eaLnBrk="1" fontAlgn="auto" latinLnBrk="0" hangingPunct="1">
+              <a:lnSpc>
+                <a:spcPct val="100000"/>
+              </a:lnSpc>
+              <a:spcBef>
+                <a:spcPts val="0"/>
+              </a:spcBef>
+              <a:spcAft>
+                <a:spcPts val="0"/>
+              </a:spcAft>
+              <a:buClrTx/>
+              <a:buSzTx/>
+              <a:buFontTx/>
+              <a:buNone/>
+              <a:tabLst/>
+              <a:defRPr/>
+            </a:pPr>
+            <a:r>
+              <a:rPr kumimoji="0" lang="en-IN" sz="3200" b="0" i="0" u="none" strike="noStrike" kern="1200" cap="none" spc="0" normalizeH="0" baseline="0" noProof="0" dirty="0">
+                <a:ln>
+                  <a:noFill/>
+                </a:ln>
+                <a:solidFill>
+                  <a:prstClr val="black"/>
+                </a:solidFill>
+                <a:effectLst/>
+                <a:uLnTx/>
+                <a:uFillTx/>
+                <a:latin typeface="Calibri" panose="020F0502020204030204"/>
+                <a:ea typeface="+mn-ea"/>
+                <a:cs typeface="+mn-cs"/>
+              </a:rPr>
+              <a:t>TMT Correlation Analysis</a:t>
+            </a:r>
+          </a:p>
+        </p:txBody>
+      </p:sp>
+      <p:graphicFrame>
+        <p:nvGraphicFramePr>
+          <p:cNvPr id="11" name="Chart 10">
+            <a:extLst>
+              <a:ext uri="{FF2B5EF4-FFF2-40B4-BE49-F238E27FC236}">
+                <a16:creationId xmlns:a16="http://schemas.microsoft.com/office/drawing/2014/main" id="{D554FA0F-5286-CC99-42EA-6E94CD7D8F5A}"/>
+              </a:ext>
+            </a:extLst>
+          </p:cNvPr>
+          <p:cNvGraphicFramePr/>
+          <p:nvPr>
+            <p:extLst>
+              <p:ext uri="{D42A27DB-BD31-4B8C-83A1-F6EECF244321}">
+                <p14:modId xmlns:p14="http://schemas.microsoft.com/office/powerpoint/2010/main" val="3344084915"/>
+              </p:ext>
+            </p:extLst>
+          </p:nvPr>
+        </p:nvGraphicFramePr>
+        <p:xfrm>
+          <a:off x="381621" y="947854"/>
+          <a:ext cx="4959813" cy="3233853"/>
+        </p:xfrm>
+        <a:graphic>
+          <a:graphicData uri="http://schemas.openxmlformats.org/drawingml/2006/chart">
+            <c:chart xmlns:c="http://schemas.openxmlformats.org/drawingml/2006/chart" xmlns:r="http://schemas.openxmlformats.org/officeDocument/2006/relationships" r:id="rId2"/>
+          </a:graphicData>
+        </a:graphic>
+      </p:graphicFrame>
+      <p:sp>
+        <p:nvSpPr>
+          <p:cNvPr id="4" name="TextBox 3">
+            <a:extLst>
+              <a:ext uri="{FF2B5EF4-FFF2-40B4-BE49-F238E27FC236}">
+                <a16:creationId xmlns:a16="http://schemas.microsoft.com/office/drawing/2014/main" id="{7D3DFC9C-DA65-F0F5-FC5A-A725F2E3844D}"/>
+              </a:ext>
+            </a:extLst>
+          </p:cNvPr>
+          <p:cNvSpPr txBox="1"/>
+          <p:nvPr/>
+        </p:nvSpPr>
+        <p:spPr>
+          <a:xfrm>
+            <a:off x="281260" y="4627756"/>
+            <a:ext cx="11394067" cy="2308324"/>
+          </a:xfrm>
+          <a:prstGeom prst="rect">
+            <a:avLst/>
+          </a:prstGeom>
+          <a:noFill/>
+        </p:spPr>
+        <p:txBody>
+          <a:bodyPr wrap="square" rtlCol="0">
+            <a:spAutoFit/>
+          </a:bodyPr>
+          <a:lstStyle/>
+          <a:p>
+            <a:r>
+              <a:rPr lang="en-IN" dirty="0"/>
+              <a:t>The sample dataset is having 6 columns (individual TMT). Each columns are highly correlated to each other.</a:t>
+            </a:r>
+          </a:p>
+          <a:p>
+            <a:endParaRPr lang="en-IN" dirty="0"/>
+          </a:p>
+          <a:p>
+            <a:r>
+              <a:rPr lang="en-IN" b="1" dirty="0"/>
+              <a:t>Treatment:</a:t>
+            </a:r>
+          </a:p>
+          <a:p>
+            <a:pPr marL="742950" lvl="1" indent="-285750">
+              <a:buFont typeface="Arial" panose="020B0604020202020204" pitchFamily="34" charset="0"/>
+              <a:buChar char="•"/>
+            </a:pPr>
+            <a:r>
+              <a:rPr lang="en-IN" dirty="0"/>
+              <a:t>As shutdown was usually taken when the TMT reaches  the maximum temperature of . Hence, Max TMT is computed across all the columns.</a:t>
+            </a:r>
+          </a:p>
+          <a:p>
+            <a:pPr marL="742950" lvl="1" indent="-285750">
+              <a:buFont typeface="Arial" panose="020B0604020202020204" pitchFamily="34" charset="0"/>
+              <a:buChar char="•"/>
+            </a:pPr>
+            <a:r>
+              <a:rPr lang="en-IN" dirty="0"/>
+              <a:t>Since Max TMT is highly correlated with all individual columns. Hence</a:t>
+            </a:r>
+            <a:r>
+              <a:rPr lang="en-IN" b="1" dirty="0"/>
+              <a:t> </a:t>
+            </a:r>
+            <a:r>
+              <a:rPr lang="en-IN" dirty="0"/>
+              <a:t>individual TMT columns are dropped and replaced with Max TMT.</a:t>
+            </a:r>
+            <a:endParaRPr lang="en-IN" b="1" dirty="0"/>
+          </a:p>
+          <a:p>
+            <a:r>
+              <a:rPr lang="en-IN" dirty="0"/>
+              <a:t> </a:t>
+            </a:r>
+          </a:p>
+        </p:txBody>
+      </p:sp>
+      <p:pic>
+        <p:nvPicPr>
+          <p:cNvPr id="3" name="Picture 2">
+            <a:extLst>
+              <a:ext uri="{FF2B5EF4-FFF2-40B4-BE49-F238E27FC236}">
+                <a16:creationId xmlns:a16="http://schemas.microsoft.com/office/drawing/2014/main" id="{B25283A6-1FF2-2D3A-5AB7-4AD103F75ADC}"/>
+              </a:ext>
+            </a:extLst>
+          </p:cNvPr>
+          <p:cNvPicPr>
+            <a:picLocks noChangeAspect="1"/>
+          </p:cNvPicPr>
+          <p:nvPr/>
+        </p:nvPicPr>
+        <p:blipFill>
+          <a:blip r:embed="rId3">
+            <a:extLst>
+              <a:ext uri="{28A0092B-C50C-407E-A947-70E740481C1C}">
+                <a14:useLocalDpi xmlns:a14="http://schemas.microsoft.com/office/drawing/2010/main" val="0"/>
+              </a:ext>
+            </a:extLst>
+          </a:blip>
+          <a:stretch>
+            <a:fillRect/>
+          </a:stretch>
+        </p:blipFill>
+        <p:spPr>
+          <a:xfrm>
+            <a:off x="5860562" y="863770"/>
+            <a:ext cx="5648265" cy="3384961"/>
+          </a:xfrm>
+          <a:prstGeom prst="rect">
+            <a:avLst/>
+          </a:prstGeom>
+        </p:spPr>
+      </p:pic>
+    </p:spTree>
+    <p:extLst>
+      <p:ext uri="{BB962C8B-B14F-4D97-AF65-F5344CB8AC3E}">
+        <p14:creationId xmlns:p14="http://schemas.microsoft.com/office/powerpoint/2010/main" val="1951683424"/>
+      </p:ext>
+    </p:extLst>
+  </p:cSld>
+  <p:clrMapOvr>
+    <a:masterClrMapping/>
+  </p:clrMapOvr>
+</p:sld>
+</file>
+
+<file path=ppt/slides/slide17.xml><?xml version="1.0" encoding="utf-8"?>
+<p:sld xmlns:a="http://schemas.openxmlformats.org/drawingml/2006/main" xmlns:r="http://schemas.openxmlformats.org/officeDocument/2006/relationships" xmlns:p="http://schemas.openxmlformats.org/presentationml/2006/main">
+  <p:cSld>
+    <p:spTree>
+      <p:nvGrpSpPr>
+        <p:cNvPr id="1" name=""/>
+        <p:cNvGrpSpPr/>
+        <p:nvPr/>
+      </p:nvGrpSpPr>
+      <p:grpSpPr>
+        <a:xfrm>
+          <a:off x="0" y="0"/>
+          <a:ext cx="0" cy="0"/>
+          <a:chOff x="0" y="0"/>
+          <a:chExt cx="0" cy="0"/>
+        </a:xfrm>
+      </p:grpSpPr>
+      <p:sp>
+        <p:nvSpPr>
+          <p:cNvPr id="5" name="TextBox 4">
+            <a:extLst>
+              <a:ext uri="{FF2B5EF4-FFF2-40B4-BE49-F238E27FC236}">
+                <a16:creationId xmlns:a16="http://schemas.microsoft.com/office/drawing/2014/main" id="{DEB3D015-C0A6-0641-5CD2-FC56ECCF3EA2}"/>
+              </a:ext>
+            </a:extLst>
+          </p:cNvPr>
+          <p:cNvSpPr txBox="1"/>
+          <p:nvPr/>
+        </p:nvSpPr>
+        <p:spPr>
+          <a:xfrm>
+            <a:off x="4014952" y="238384"/>
+            <a:ext cx="3594538" cy="584775"/>
+          </a:xfrm>
+          <a:prstGeom prst="rect">
+            <a:avLst/>
+          </a:prstGeom>
+          <a:noFill/>
+        </p:spPr>
+        <p:txBody>
+          <a:bodyPr wrap="square">
+            <a:spAutoFit/>
+          </a:bodyPr>
+          <a:lstStyle/>
+          <a:p>
+            <a:pPr marL="0" marR="0" lvl="0" indent="0" algn="l" defTabSz="914400" rtl="0" eaLnBrk="1" fontAlgn="auto" latinLnBrk="0" hangingPunct="1">
+              <a:lnSpc>
+                <a:spcPct val="100000"/>
+              </a:lnSpc>
+              <a:spcBef>
+                <a:spcPts val="0"/>
+              </a:spcBef>
+              <a:spcAft>
+                <a:spcPts val="0"/>
+              </a:spcAft>
+              <a:buClrTx/>
+              <a:buSzTx/>
+              <a:buFontTx/>
+              <a:buNone/>
+              <a:tabLst/>
+              <a:defRPr/>
+            </a:pPr>
+            <a:r>
+              <a:rPr kumimoji="0" lang="en-IN" sz="3200" b="0" i="0" u="none" strike="noStrike" kern="1200" cap="none" spc="0" normalizeH="0" baseline="0" noProof="0" dirty="0">
+                <a:ln>
+                  <a:noFill/>
+                </a:ln>
+                <a:solidFill>
+                  <a:prstClr val="black"/>
+                </a:solidFill>
+                <a:effectLst/>
+                <a:uLnTx/>
+                <a:uFillTx/>
+                <a:latin typeface="Calibri" panose="020F0502020204030204"/>
+                <a:ea typeface="+mn-ea"/>
+                <a:cs typeface="+mn-cs"/>
+              </a:rPr>
+              <a:t>Typical TMT vs Time</a:t>
+            </a:r>
+          </a:p>
+        </p:txBody>
+      </p:sp>
+      <p:pic>
+        <p:nvPicPr>
+          <p:cNvPr id="7" name="Picture 6">
+            <a:extLst>
+              <a:ext uri="{FF2B5EF4-FFF2-40B4-BE49-F238E27FC236}">
+                <a16:creationId xmlns:a16="http://schemas.microsoft.com/office/drawing/2014/main" id="{0551D2F5-C188-D37E-7240-382A1A744E87}"/>
+              </a:ext>
+            </a:extLst>
+          </p:cNvPr>
+          <p:cNvPicPr>
+            <a:picLocks noChangeAspect="1"/>
+          </p:cNvPicPr>
+          <p:nvPr/>
+        </p:nvPicPr>
+        <p:blipFill>
+          <a:blip r:embed="rId2">
+            <a:extLst>
+              <a:ext uri="{28A0092B-C50C-407E-A947-70E740481C1C}">
+                <a14:useLocalDpi xmlns:a14="http://schemas.microsoft.com/office/drawing/2010/main" val="0"/>
+              </a:ext>
+            </a:extLst>
+          </a:blip>
+          <a:stretch>
+            <a:fillRect/>
+          </a:stretch>
+        </p:blipFill>
+        <p:spPr>
+          <a:xfrm>
+            <a:off x="5454869" y="915467"/>
+            <a:ext cx="6568966" cy="4572009"/>
+          </a:xfrm>
+          <a:prstGeom prst="rect">
+            <a:avLst/>
+          </a:prstGeom>
+        </p:spPr>
+      </p:pic>
+      <p:sp>
+        <p:nvSpPr>
+          <p:cNvPr id="9" name="TextBox 8">
+            <a:extLst>
+              <a:ext uri="{FF2B5EF4-FFF2-40B4-BE49-F238E27FC236}">
+                <a16:creationId xmlns:a16="http://schemas.microsoft.com/office/drawing/2014/main" id="{988A0A7B-A91F-AC7E-BD4D-3B1D02772882}"/>
+              </a:ext>
+            </a:extLst>
+          </p:cNvPr>
+          <p:cNvSpPr txBox="1"/>
+          <p:nvPr/>
+        </p:nvSpPr>
+        <p:spPr>
+          <a:xfrm>
+            <a:off x="168165" y="1370524"/>
+            <a:ext cx="4929352" cy="1200329"/>
+          </a:xfrm>
+          <a:prstGeom prst="rect">
+            <a:avLst/>
+          </a:prstGeom>
+          <a:noFill/>
+        </p:spPr>
+        <p:txBody>
+          <a:bodyPr wrap="square">
+            <a:spAutoFit/>
+          </a:bodyPr>
+          <a:lstStyle/>
+          <a:p>
+            <a:pPr marL="285750" indent="-285750">
+              <a:buFont typeface="Arial"/>
+              <a:buChar char="•"/>
+            </a:pPr>
+            <a:r>
+              <a:rPr lang="en-GB" dirty="0">
+                <a:cs typeface="Calibri"/>
+              </a:rPr>
+              <a:t>The graph is for a single active run (e.g. Run 1) where the furnace is in working states. </a:t>
+            </a:r>
+          </a:p>
+          <a:p>
+            <a:pPr marL="285750" indent="-285750">
+              <a:buFont typeface="Arial"/>
+              <a:buChar char="•"/>
+            </a:pPr>
+            <a:r>
+              <a:rPr lang="en-GB" dirty="0">
+                <a:cs typeface="Calibri"/>
+              </a:rPr>
+              <a:t>TMT is gradually increasing w.r.t time until the decoking starts.</a:t>
+            </a:r>
+          </a:p>
+        </p:txBody>
+      </p:sp>
+    </p:spTree>
+    <p:extLst>
+      <p:ext uri="{BB962C8B-B14F-4D97-AF65-F5344CB8AC3E}">
+        <p14:creationId xmlns:p14="http://schemas.microsoft.com/office/powerpoint/2010/main" val="1125513582"/>
+      </p:ext>
+    </p:extLst>
+  </p:cSld>
+  <p:clrMapOvr>
+    <a:masterClrMapping/>
+  </p:clrMapOvr>
+</p:sld>
+</file>
+
+<file path=ppt/slides/slide18.xml><?xml version="1.0" encoding="utf-8"?>
+<p:sld xmlns:a="http://schemas.openxmlformats.org/drawingml/2006/main" xmlns:r="http://schemas.openxmlformats.org/officeDocument/2006/relationships" xmlns:p="http://schemas.openxmlformats.org/presentationml/2006/main">
+  <p:cSld>
+    <p:spTree>
+      <p:nvGrpSpPr>
+        <p:cNvPr id="1" name=""/>
+        <p:cNvGrpSpPr/>
+        <p:nvPr/>
+      </p:nvGrpSpPr>
+      <p:grpSpPr>
+        <a:xfrm>
+          <a:off x="0" y="0"/>
+          <a:ext cx="0" cy="0"/>
+          <a:chOff x="0" y="0"/>
+          <a:chExt cx="0" cy="0"/>
+        </a:xfrm>
+      </p:grpSpPr>
+      <p:sp>
+        <p:nvSpPr>
+          <p:cNvPr id="5" name="TextBox 4">
+            <a:extLst>
+              <a:ext uri="{FF2B5EF4-FFF2-40B4-BE49-F238E27FC236}">
+                <a16:creationId xmlns:a16="http://schemas.microsoft.com/office/drawing/2014/main" id="{AE0800BD-EA8E-F7EF-FC11-5446DAC2E367}"/>
+              </a:ext>
+            </a:extLst>
+          </p:cNvPr>
+          <p:cNvSpPr txBox="1"/>
+          <p:nvPr/>
+        </p:nvSpPr>
+        <p:spPr>
+          <a:xfrm>
+            <a:off x="3793920" y="135451"/>
+            <a:ext cx="4569904" cy="584775"/>
+          </a:xfrm>
+          <a:prstGeom prst="rect">
+            <a:avLst/>
+          </a:prstGeom>
+          <a:noFill/>
+        </p:spPr>
+        <p:txBody>
+          <a:bodyPr wrap="square">
+            <a:spAutoFit/>
+          </a:bodyPr>
+          <a:lstStyle/>
+          <a:p>
+            <a:pPr marL="0" marR="0" lvl="0" indent="0" algn="l" defTabSz="914400" rtl="0" eaLnBrk="1" fontAlgn="auto" latinLnBrk="0" hangingPunct="1">
+              <a:lnSpc>
+                <a:spcPct val="100000"/>
+              </a:lnSpc>
+              <a:spcBef>
+                <a:spcPts val="0"/>
+              </a:spcBef>
+              <a:spcAft>
+                <a:spcPts val="0"/>
+              </a:spcAft>
+              <a:buClrTx/>
+              <a:buSzTx/>
+              <a:buFontTx/>
+              <a:buNone/>
+              <a:tabLst/>
+              <a:defRPr/>
+            </a:pPr>
+            <a:r>
+              <a:rPr kumimoji="0" lang="en-IN" sz="3200" b="0" i="0" u="none" strike="noStrike" kern="1200" cap="none" spc="0" normalizeH="0" baseline="0" noProof="0" dirty="0">
+                <a:ln>
+                  <a:noFill/>
+                </a:ln>
+                <a:solidFill>
+                  <a:prstClr val="black"/>
+                </a:solidFill>
+                <a:effectLst/>
+                <a:uLnTx/>
+                <a:uFillTx/>
+                <a:latin typeface="Calibri" panose="020F0502020204030204"/>
+                <a:ea typeface="+mn-ea"/>
+                <a:cs typeface="+mn-cs"/>
+              </a:rPr>
+              <a:t>Correlation with Max TMT </a:t>
+            </a:r>
+          </a:p>
+        </p:txBody>
+      </p:sp>
+      <p:graphicFrame>
+        <p:nvGraphicFramePr>
+          <p:cNvPr id="8" name="Chart 7">
+            <a:extLst>
+              <a:ext uri="{FF2B5EF4-FFF2-40B4-BE49-F238E27FC236}">
+                <a16:creationId xmlns:a16="http://schemas.microsoft.com/office/drawing/2014/main" id="{D5310F6C-55AD-CE06-D937-15B4C0979D61}"/>
+              </a:ext>
+            </a:extLst>
+          </p:cNvPr>
+          <p:cNvGraphicFramePr/>
+          <p:nvPr>
+            <p:extLst>
+              <p:ext uri="{D42A27DB-BD31-4B8C-83A1-F6EECF244321}">
+                <p14:modId xmlns:p14="http://schemas.microsoft.com/office/powerpoint/2010/main" val="3884266671"/>
+              </p:ext>
+            </p:extLst>
+          </p:nvPr>
+        </p:nvGraphicFramePr>
+        <p:xfrm>
+          <a:off x="852182" y="703448"/>
+          <a:ext cx="10207537" cy="3021264"/>
+        </p:xfrm>
+        <a:graphic>
+          <a:graphicData uri="http://schemas.openxmlformats.org/drawingml/2006/chart">
+            <c:chart xmlns:c="http://schemas.openxmlformats.org/drawingml/2006/chart" xmlns:r="http://schemas.openxmlformats.org/officeDocument/2006/relationships" r:id="rId2"/>
+          </a:graphicData>
+        </a:graphic>
+      </p:graphicFrame>
+    </p:spTree>
+    <p:extLst>
+      <p:ext uri="{BB962C8B-B14F-4D97-AF65-F5344CB8AC3E}">
+        <p14:creationId xmlns:p14="http://schemas.microsoft.com/office/powerpoint/2010/main" val="2884718104"/>
       </p:ext>
     </p:extLst>
   </p:cSld>
@@ -14078,7 +18689,7 @@
           <p:nvPr>
             <p:extLst>
               <p:ext uri="{D42A27DB-BD31-4B8C-83A1-F6EECF244321}">
-                <p14:modId xmlns:p14="http://schemas.microsoft.com/office/powerpoint/2010/main" val="2323773793"/>
+                <p14:modId xmlns:p14="http://schemas.microsoft.com/office/powerpoint/2010/main" val="2521344479"/>
               </p:ext>
             </p:extLst>
           </p:nvPr>
@@ -14255,7 +18866,7 @@
                     <a:p>
                       <a:r>
                         <a:rPr lang="en-US" sz="1600" dirty="0"/>
-                        <a:t>Therefore, linear regression technique is used to fill those missing values.   </a:t>
+                        <a:t>Therefore, KNN imputation technique is used to fill those missing values.   </a:t>
                       </a:r>
                       <a:endParaRPr lang="en-IN" sz="1600" dirty="0"/>
                     </a:p>
@@ -14880,7 +19491,7 @@
         <p:spPr>
           <a:xfrm>
             <a:off x="512956" y="1460810"/>
-            <a:ext cx="11363093" cy="2308324"/>
+            <a:ext cx="11363093" cy="2585323"/>
           </a:xfrm>
           <a:prstGeom prst="rect">
             <a:avLst/>
@@ -14958,7 +19569,17 @@
             </a:pPr>
             <a:r>
               <a:rPr lang="en-IN" dirty="0"/>
-              <a:t>Feed Temp 1 and 2   </a:t>
+              <a:t>Feed Temp 1 and 2</a:t>
+            </a:r>
+          </a:p>
+          <a:p>
+            <a:pPr marL="342900" indent="-342900">
+              <a:buFont typeface="+mj-lt"/>
+              <a:buAutoNum type="arabicPeriod"/>
+            </a:pPr>
+            <a:r>
+              <a:rPr lang="en-IN" dirty="0"/>
+              <a:t>TMT from Coil 1 to 6 and Max TMT   </a:t>
             </a:r>
           </a:p>
         </p:txBody>
@@ -15071,7 +19692,7 @@
           <p:nvPr>
             <p:extLst>
               <p:ext uri="{D42A27DB-BD31-4B8C-83A1-F6EECF244321}">
-                <p14:modId xmlns:p14="http://schemas.microsoft.com/office/powerpoint/2010/main" val="2257372237"/>
+                <p14:modId xmlns:p14="http://schemas.microsoft.com/office/powerpoint/2010/main" val="4023488637"/>
               </p:ext>
             </p:extLst>
           </p:nvPr>
@@ -15086,42 +19707,6 @@
           </a:graphicData>
         </a:graphic>
       </p:graphicFrame>
-      <p:pic>
-        <p:nvPicPr>
-          <p:cNvPr id="3" name="Picture 2">
-            <a:extLst>
-              <a:ext uri="{FF2B5EF4-FFF2-40B4-BE49-F238E27FC236}">
-                <a16:creationId xmlns:a16="http://schemas.microsoft.com/office/drawing/2014/main" id="{431C433F-3C22-9608-5B18-5E0BF9223BCC}"/>
-              </a:ext>
-            </a:extLst>
-          </p:cNvPr>
-          <p:cNvPicPr>
-            <a:picLocks noChangeAspect="1"/>
-          </p:cNvPicPr>
-          <p:nvPr/>
-        </p:nvPicPr>
-        <p:blipFill>
-          <a:blip r:embed="rId3">
-            <a:extLst>
-              <a:ext uri="{28A0092B-C50C-407E-A947-70E740481C1C}">
-                <a14:useLocalDpi xmlns:a14="http://schemas.microsoft.com/office/drawing/2010/main" val="0"/>
-              </a:ext>
-            </a:extLst>
-          </a:blip>
-          <a:stretch>
-            <a:fillRect/>
-          </a:stretch>
-        </p:blipFill>
-        <p:spPr>
-          <a:xfrm>
-            <a:off x="6330176" y="947854"/>
-            <a:ext cx="5177882" cy="3233854"/>
-          </a:xfrm>
-          <a:prstGeom prst="rect">
-            <a:avLst/>
-          </a:prstGeom>
-        </p:spPr>
-      </p:pic>
       <p:sp>
         <p:nvSpPr>
           <p:cNvPr id="4" name="TextBox 3">
@@ -15201,6 +19786,42 @@
           </a:p>
         </p:txBody>
       </p:sp>
+      <p:pic>
+        <p:nvPicPr>
+          <p:cNvPr id="8" name="Picture 7">
+            <a:extLst>
+              <a:ext uri="{FF2B5EF4-FFF2-40B4-BE49-F238E27FC236}">
+                <a16:creationId xmlns:a16="http://schemas.microsoft.com/office/drawing/2014/main" id="{4A55CF99-3150-8DE6-45BE-C188C0DEFBC2}"/>
+              </a:ext>
+            </a:extLst>
+          </p:cNvPr>
+          <p:cNvPicPr>
+            <a:picLocks noChangeAspect="1"/>
+          </p:cNvPicPr>
+          <p:nvPr/>
+        </p:nvPicPr>
+        <p:blipFill>
+          <a:blip r:embed="rId3">
+            <a:extLst>
+              <a:ext uri="{28A0092B-C50C-407E-A947-70E740481C1C}">
+                <a14:useLocalDpi xmlns:a14="http://schemas.microsoft.com/office/drawing/2010/main" val="0"/>
+              </a:ext>
+            </a:extLst>
+          </a:blip>
+          <a:stretch>
+            <a:fillRect/>
+          </a:stretch>
+        </p:blipFill>
+        <p:spPr>
+          <a:xfrm>
+            <a:off x="6501161" y="1158167"/>
+            <a:ext cx="5309218" cy="3144644"/>
+          </a:xfrm>
+          <a:prstGeom prst="rect">
+            <a:avLst/>
+          </a:prstGeom>
+        </p:spPr>
+      </p:pic>
     </p:spTree>
     <p:extLst>
       <p:ext uri="{BB962C8B-B14F-4D97-AF65-F5344CB8AC3E}">
@@ -15309,7 +19930,7 @@
           <p:nvPr>
             <p:extLst>
               <p:ext uri="{D42A27DB-BD31-4B8C-83A1-F6EECF244321}">
-                <p14:modId xmlns:p14="http://schemas.microsoft.com/office/powerpoint/2010/main" val="581206692"/>
+                <p14:modId xmlns:p14="http://schemas.microsoft.com/office/powerpoint/2010/main" val="1290769531"/>
               </p:ext>
             </p:extLst>
           </p:nvPr>
@@ -15324,42 +19945,6 @@
           </a:graphicData>
         </a:graphic>
       </p:graphicFrame>
-      <p:pic>
-        <p:nvPicPr>
-          <p:cNvPr id="8" name="Picture 7">
-            <a:extLst>
-              <a:ext uri="{FF2B5EF4-FFF2-40B4-BE49-F238E27FC236}">
-                <a16:creationId xmlns:a16="http://schemas.microsoft.com/office/drawing/2014/main" id="{E4BEE40F-9AFD-D035-80D7-AFC99E79050A}"/>
-              </a:ext>
-            </a:extLst>
-          </p:cNvPr>
-          <p:cNvPicPr>
-            <a:picLocks noChangeAspect="1"/>
-          </p:cNvPicPr>
-          <p:nvPr/>
-        </p:nvPicPr>
-        <p:blipFill>
-          <a:blip r:embed="rId3">
-            <a:extLst>
-              <a:ext uri="{28A0092B-C50C-407E-A947-70E740481C1C}">
-                <a14:useLocalDpi xmlns:a14="http://schemas.microsoft.com/office/drawing/2010/main" val="0"/>
-              </a:ext>
-            </a:extLst>
-          </a:blip>
-          <a:stretch>
-            <a:fillRect/>
-          </a:stretch>
-        </p:blipFill>
-        <p:spPr>
-          <a:xfrm>
-            <a:off x="6006790" y="980644"/>
-            <a:ext cx="5569414" cy="3435240"/>
-          </a:xfrm>
-          <a:prstGeom prst="rect">
-            <a:avLst/>
-          </a:prstGeom>
-        </p:spPr>
-      </p:pic>
       <p:sp>
         <p:nvSpPr>
           <p:cNvPr id="10" name="TextBox 9">
@@ -15439,6 +20024,42 @@
           </a:p>
         </p:txBody>
       </p:sp>
+      <p:pic>
+        <p:nvPicPr>
+          <p:cNvPr id="3" name="Picture 2">
+            <a:extLst>
+              <a:ext uri="{FF2B5EF4-FFF2-40B4-BE49-F238E27FC236}">
+                <a16:creationId xmlns:a16="http://schemas.microsoft.com/office/drawing/2014/main" id="{53187004-48DD-73DD-9666-312FE62261B2}"/>
+              </a:ext>
+            </a:extLst>
+          </p:cNvPr>
+          <p:cNvPicPr>
+            <a:picLocks noChangeAspect="1"/>
+          </p:cNvPicPr>
+          <p:nvPr/>
+        </p:nvPicPr>
+        <p:blipFill>
+          <a:blip r:embed="rId3">
+            <a:extLst>
+              <a:ext uri="{28A0092B-C50C-407E-A947-70E740481C1C}">
+                <a14:useLocalDpi xmlns:a14="http://schemas.microsoft.com/office/drawing/2010/main" val="0"/>
+              </a:ext>
+            </a:extLst>
+          </a:blip>
+          <a:stretch>
+            <a:fillRect/>
+          </a:stretch>
+        </p:blipFill>
+        <p:spPr>
+          <a:xfrm>
+            <a:off x="6096000" y="936038"/>
+            <a:ext cx="5480204" cy="3546087"/>
+          </a:xfrm>
+          <a:prstGeom prst="rect">
+            <a:avLst/>
+          </a:prstGeom>
+        </p:spPr>
+      </p:pic>
     </p:spTree>
     <p:extLst>
       <p:ext uri="{BB962C8B-B14F-4D97-AF65-F5344CB8AC3E}">
